--- a/myTemplateFile4.pptx
+++ b/myTemplateFile4.pptx
@@ -5,7 +5,7 @@
     <p:sldMasterId id="2147483648" r:id="rId3"/>
   </p:sldMasterIdLst>
   <p:notesMasterIdLst>
-    <p:notesMasterId r:id="rId84"/>
+    <p:notesMasterId r:id="rId104"/>
   </p:notesMasterIdLst>
   <p:sldIdLst>
     <p:sldId id="2288" r:id="rId4"/>
@@ -20,24 +20,24 @@
     <p:sldId id="2297" r:id="rId13"/>
     <p:sldId id="2298" r:id="rId14"/>
     <p:sldId id="2299" r:id="rId15"/>
-    <p:sldId id="2300" r:id="rId16"/>
-    <p:sldId id="2301" r:id="rId17"/>
-    <p:sldId id="2302" r:id="rId18"/>
-    <p:sldId id="2303" r:id="rId19"/>
-    <p:sldId id="2304" r:id="rId20"/>
-    <p:sldId id="2305" r:id="rId21"/>
-    <p:sldId id="2306" r:id="rId22"/>
-    <p:sldId id="2307" r:id="rId23"/>
-    <p:sldId id="2308" r:id="rId24"/>
-    <p:sldId id="2309" r:id="rId25"/>
-    <p:sldId id="2310" r:id="rId26"/>
-    <p:sldId id="2311" r:id="rId27"/>
-    <p:sldId id="2312" r:id="rId28"/>
-    <p:sldId id="2313" r:id="rId29"/>
-    <p:sldId id="2314" r:id="rId30"/>
-    <p:sldId id="2315" r:id="rId31"/>
-    <p:sldId id="2316" r:id="rId32"/>
-    <p:sldId id="2317" r:id="rId33"/>
+    <p:sldId id="2308" r:id="rId16"/>
+    <p:sldId id="2309" r:id="rId17"/>
+    <p:sldId id="2310" r:id="rId18"/>
+    <p:sldId id="2311" r:id="rId19"/>
+    <p:sldId id="2312" r:id="rId20"/>
+    <p:sldId id="2313" r:id="rId21"/>
+    <p:sldId id="2314" r:id="rId22"/>
+    <p:sldId id="2315" r:id="rId23"/>
+    <p:sldId id="2316" r:id="rId24"/>
+    <p:sldId id="2317" r:id="rId25"/>
+    <p:sldId id="2300" r:id="rId26"/>
+    <p:sldId id="2301" r:id="rId27"/>
+    <p:sldId id="2302" r:id="rId28"/>
+    <p:sldId id="2303" r:id="rId29"/>
+    <p:sldId id="2304" r:id="rId30"/>
+    <p:sldId id="2305" r:id="rId31"/>
+    <p:sldId id="2306" r:id="rId32"/>
+    <p:sldId id="2307" r:id="rId33"/>
     <p:sldId id="2318" r:id="rId34"/>
     <p:sldId id="2319" r:id="rId35"/>
     <p:sldId id="2320" r:id="rId36"/>
@@ -88,6 +88,26 @@
     <p:sldId id="2365" r:id="rId81"/>
     <p:sldId id="2366" r:id="rId82"/>
     <p:sldId id="2367" r:id="rId83"/>
+    <p:sldId id="2368" r:id="rId84"/>
+    <p:sldId id="2369" r:id="rId85"/>
+    <p:sldId id="2370" r:id="rId86"/>
+    <p:sldId id="2371" r:id="rId87"/>
+    <p:sldId id="2372" r:id="rId88"/>
+    <p:sldId id="2373" r:id="rId89"/>
+    <p:sldId id="2374" r:id="rId90"/>
+    <p:sldId id="2375" r:id="rId91"/>
+    <p:sldId id="2376" r:id="rId92"/>
+    <p:sldId id="2377" r:id="rId93"/>
+    <p:sldId id="2378" r:id="rId94"/>
+    <p:sldId id="2379" r:id="rId95"/>
+    <p:sldId id="2380" r:id="rId96"/>
+    <p:sldId id="2381" r:id="rId97"/>
+    <p:sldId id="2382" r:id="rId98"/>
+    <p:sldId id="2383" r:id="rId99"/>
+    <p:sldId id="2384" r:id="rId100"/>
+    <p:sldId id="2385" r:id="rId101"/>
+    <p:sldId id="2386" r:id="rId102"/>
+    <p:sldId id="2387" r:id="rId103"/>
   </p:sldIdLst>
   <p:sldSz cx="9144000" cy="6858000" type="screen4x3"/>
   <p:notesSz cx="6858000" cy="9144000"/>
@@ -347,7 +367,7 @@
               <a:pPr>
                 <a:defRPr/>
               </a:pPr>
-              <a:t>2020/7/6</a:t>
+              <a:t>2020/6/8</a:t>
             </a:fld>
             <a:endParaRPr lang="zh-CN" altLang="en-US"/>
           </a:p>
@@ -855,7 +875,97 @@
     </p:spTree>
     <p:extLst>
       <p:ext uri="{BB962C8B-B14F-4D97-AF65-F5344CB8AC3E}">
-        <p14:creationId xmlns:p14="http://schemas.microsoft.com/office/powerpoint/2010/main" val="566423396"/>
+        <p14:creationId xmlns:p14="http://schemas.microsoft.com/office/powerpoint/2010/main" val="3780194590"/>
+      </p:ext>
+    </p:extLst>
+  </p:cSld>
+  <p:clrMapOvr>
+    <a:masterClrMapping/>
+  </p:clrMapOvr>
+</p:notes>
+</file>
+
+<file path=ppt/notesSlides/notesSlide100.xml><?xml version="1.0" encoding="utf-8"?>
+<p:notes xmlns:a="http://schemas.openxmlformats.org/drawingml/2006/main" xmlns:r="http://schemas.openxmlformats.org/officeDocument/2006/relationships" xmlns:p="http://schemas.openxmlformats.org/presentationml/2006/main">
+  <p:cSld>
+    <p:spTree>
+      <p:nvGrpSpPr>
+        <p:cNvPr id="1" name=""/>
+        <p:cNvGrpSpPr/>
+        <p:nvPr/>
+      </p:nvGrpSpPr>
+      <p:grpSpPr>
+        <a:xfrm>
+          <a:off x="0" y="0"/>
+          <a:ext cx="0" cy="0"/>
+          <a:chOff x="0" y="0"/>
+          <a:chExt cx="0" cy="0"/>
+        </a:xfrm>
+      </p:grpSpPr>
+      <p:sp>
+        <p:nvSpPr>
+          <p:cNvPr id="2" name="Slide Image Placeholder 1"/>
+          <p:cNvSpPr>
+            <a:spLocks noGrp="1" noRot="1" noChangeAspect="1"/>
+          </p:cNvSpPr>
+          <p:nvPr>
+            <p:ph type="sldImg"/>
+          </p:nvPr>
+        </p:nvSpPr>
+        <p:spPr/>
+      </p:sp>
+      <p:sp>
+        <p:nvSpPr>
+          <p:cNvPr id="3" name="Notes Placeholder 2"/>
+          <p:cNvSpPr>
+            <a:spLocks noGrp="1"/>
+          </p:cNvSpPr>
+          <p:nvPr>
+            <p:ph type="body" idx="1"/>
+          </p:nvPr>
+        </p:nvSpPr>
+        <p:spPr/>
+        <p:txBody>
+          <a:bodyPr/>
+          <a:lstStyle/>
+          <a:p>
+            <a:endParaRPr lang="en-US"/>
+          </a:p>
+        </p:txBody>
+      </p:sp>
+      <p:sp>
+        <p:nvSpPr>
+          <p:cNvPr id="4" name="Slide Number Placeholder 3"/>
+          <p:cNvSpPr>
+            <a:spLocks noGrp="1"/>
+          </p:cNvSpPr>
+          <p:nvPr>
+            <p:ph type="sldNum" sz="quarter" idx="10"/>
+          </p:nvPr>
+        </p:nvSpPr>
+        <p:spPr/>
+        <p:txBody>
+          <a:bodyPr/>
+          <a:lstStyle/>
+          <a:p>
+            <a:pPr>
+              <a:defRPr/>
+            </a:pPr>
+            <a:fld id="{33C126F0-D5BC-46FB-A5E8-CF5096E10E86}" type="slidenum">
+              <a:rPr lang="en-GB" altLang="ja-JP"/>
+              <a:pPr>
+                <a:defRPr/>
+              </a:pPr>
+              <a:t>100</a:t>
+            </a:fld>
+            <a:endParaRPr lang="en-GB" altLang="ja-JP"/>
+          </a:p>
+        </p:txBody>
+      </p:sp>
+    </p:spTree>
+    <p:extLst>
+      <p:ext uri="{BB962C8B-B14F-4D97-AF65-F5344CB8AC3E}">
+        <p14:creationId xmlns:p14="http://schemas.microsoft.com/office/powerpoint/2010/main" val="2043824755"/>
       </p:ext>
     </p:extLst>
   </p:cSld>
@@ -945,7 +1055,7 @@
     </p:spTree>
     <p:extLst>
       <p:ext uri="{BB962C8B-B14F-4D97-AF65-F5344CB8AC3E}">
-        <p14:creationId xmlns:p14="http://schemas.microsoft.com/office/powerpoint/2010/main" val="4265696914"/>
+        <p14:creationId xmlns:p14="http://schemas.microsoft.com/office/powerpoint/2010/main" val="3128625022"/>
       </p:ext>
     </p:extLst>
   </p:cSld>
@@ -1035,7 +1145,7 @@
     </p:spTree>
     <p:extLst>
       <p:ext uri="{BB962C8B-B14F-4D97-AF65-F5344CB8AC3E}">
-        <p14:creationId xmlns:p14="http://schemas.microsoft.com/office/powerpoint/2010/main" val="439863634"/>
+        <p14:creationId xmlns:p14="http://schemas.microsoft.com/office/powerpoint/2010/main" val="3919691640"/>
       </p:ext>
     </p:extLst>
   </p:cSld>
@@ -1125,7 +1235,7 @@
     </p:spTree>
     <p:extLst>
       <p:ext uri="{BB962C8B-B14F-4D97-AF65-F5344CB8AC3E}">
-        <p14:creationId xmlns:p14="http://schemas.microsoft.com/office/powerpoint/2010/main" val="4212744634"/>
+        <p14:creationId xmlns:p14="http://schemas.microsoft.com/office/powerpoint/2010/main" val="335464532"/>
       </p:ext>
     </p:extLst>
   </p:cSld>
@@ -1215,7 +1325,7 @@
     </p:spTree>
     <p:extLst>
       <p:ext uri="{BB962C8B-B14F-4D97-AF65-F5344CB8AC3E}">
-        <p14:creationId xmlns:p14="http://schemas.microsoft.com/office/powerpoint/2010/main" val="498706773"/>
+        <p14:creationId xmlns:p14="http://schemas.microsoft.com/office/powerpoint/2010/main" val="3710837945"/>
       </p:ext>
     </p:extLst>
   </p:cSld>
@@ -1305,7 +1415,7 @@
     </p:spTree>
     <p:extLst>
       <p:ext uri="{BB962C8B-B14F-4D97-AF65-F5344CB8AC3E}">
-        <p14:creationId xmlns:p14="http://schemas.microsoft.com/office/powerpoint/2010/main" val="1336393728"/>
+        <p14:creationId xmlns:p14="http://schemas.microsoft.com/office/powerpoint/2010/main" val="140320903"/>
       </p:ext>
     </p:extLst>
   </p:cSld>
@@ -1395,7 +1505,7 @@
     </p:spTree>
     <p:extLst>
       <p:ext uri="{BB962C8B-B14F-4D97-AF65-F5344CB8AC3E}">
-        <p14:creationId xmlns:p14="http://schemas.microsoft.com/office/powerpoint/2010/main" val="2788061104"/>
+        <p14:creationId xmlns:p14="http://schemas.microsoft.com/office/powerpoint/2010/main" val="2010091919"/>
       </p:ext>
     </p:extLst>
   </p:cSld>
@@ -1485,7 +1595,7 @@
     </p:spTree>
     <p:extLst>
       <p:ext uri="{BB962C8B-B14F-4D97-AF65-F5344CB8AC3E}">
-        <p14:creationId xmlns:p14="http://schemas.microsoft.com/office/powerpoint/2010/main" val="127324104"/>
+        <p14:creationId xmlns:p14="http://schemas.microsoft.com/office/powerpoint/2010/main" val="2362539217"/>
       </p:ext>
     </p:extLst>
   </p:cSld>
@@ -1575,7 +1685,7 @@
     </p:spTree>
     <p:extLst>
       <p:ext uri="{BB962C8B-B14F-4D97-AF65-F5344CB8AC3E}">
-        <p14:creationId xmlns:p14="http://schemas.microsoft.com/office/powerpoint/2010/main" val="488968653"/>
+        <p14:creationId xmlns:p14="http://schemas.microsoft.com/office/powerpoint/2010/main" val="878741552"/>
       </p:ext>
     </p:extLst>
   </p:cSld>
@@ -1665,7 +1775,7 @@
     </p:spTree>
     <p:extLst>
       <p:ext uri="{BB962C8B-B14F-4D97-AF65-F5344CB8AC3E}">
-        <p14:creationId xmlns:p14="http://schemas.microsoft.com/office/powerpoint/2010/main" val="722417782"/>
+        <p14:creationId xmlns:p14="http://schemas.microsoft.com/office/powerpoint/2010/main" val="2666529605"/>
       </p:ext>
     </p:extLst>
   </p:cSld>
@@ -1755,7 +1865,7 @@
     </p:spTree>
     <p:extLst>
       <p:ext uri="{BB962C8B-B14F-4D97-AF65-F5344CB8AC3E}">
-        <p14:creationId xmlns:p14="http://schemas.microsoft.com/office/powerpoint/2010/main" val="2689408283"/>
+        <p14:creationId xmlns:p14="http://schemas.microsoft.com/office/powerpoint/2010/main" val="1830034054"/>
       </p:ext>
     </p:extLst>
   </p:cSld>
@@ -1845,7 +1955,7 @@
     </p:spTree>
     <p:extLst>
       <p:ext uri="{BB962C8B-B14F-4D97-AF65-F5344CB8AC3E}">
-        <p14:creationId xmlns:p14="http://schemas.microsoft.com/office/powerpoint/2010/main" val="3881276281"/>
+        <p14:creationId xmlns:p14="http://schemas.microsoft.com/office/powerpoint/2010/main" val="3834820193"/>
       </p:ext>
     </p:extLst>
   </p:cSld>
@@ -1935,7 +2045,7 @@
     </p:spTree>
     <p:extLst>
       <p:ext uri="{BB962C8B-B14F-4D97-AF65-F5344CB8AC3E}">
-        <p14:creationId xmlns:p14="http://schemas.microsoft.com/office/powerpoint/2010/main" val="3724871032"/>
+        <p14:creationId xmlns:p14="http://schemas.microsoft.com/office/powerpoint/2010/main" val="3193120307"/>
       </p:ext>
     </p:extLst>
   </p:cSld>
@@ -2025,7 +2135,7 @@
     </p:spTree>
     <p:extLst>
       <p:ext uri="{BB962C8B-B14F-4D97-AF65-F5344CB8AC3E}">
-        <p14:creationId xmlns:p14="http://schemas.microsoft.com/office/powerpoint/2010/main" val="90678495"/>
+        <p14:creationId xmlns:p14="http://schemas.microsoft.com/office/powerpoint/2010/main" val="3338865075"/>
       </p:ext>
     </p:extLst>
   </p:cSld>
@@ -2115,7 +2225,7 @@
     </p:spTree>
     <p:extLst>
       <p:ext uri="{BB962C8B-B14F-4D97-AF65-F5344CB8AC3E}">
-        <p14:creationId xmlns:p14="http://schemas.microsoft.com/office/powerpoint/2010/main" val="4257103918"/>
+        <p14:creationId xmlns:p14="http://schemas.microsoft.com/office/powerpoint/2010/main" val="3512028083"/>
       </p:ext>
     </p:extLst>
   </p:cSld>
@@ -2205,7 +2315,7 @@
     </p:spTree>
     <p:extLst>
       <p:ext uri="{BB962C8B-B14F-4D97-AF65-F5344CB8AC3E}">
-        <p14:creationId xmlns:p14="http://schemas.microsoft.com/office/powerpoint/2010/main" val="2184050359"/>
+        <p14:creationId xmlns:p14="http://schemas.microsoft.com/office/powerpoint/2010/main" val="3854964082"/>
       </p:ext>
     </p:extLst>
   </p:cSld>
@@ -2295,7 +2405,7 @@
     </p:spTree>
     <p:extLst>
       <p:ext uri="{BB962C8B-B14F-4D97-AF65-F5344CB8AC3E}">
-        <p14:creationId xmlns:p14="http://schemas.microsoft.com/office/powerpoint/2010/main" val="4175576080"/>
+        <p14:creationId xmlns:p14="http://schemas.microsoft.com/office/powerpoint/2010/main" val="599930112"/>
       </p:ext>
     </p:extLst>
   </p:cSld>
@@ -2385,7 +2495,7 @@
     </p:spTree>
     <p:extLst>
       <p:ext uri="{BB962C8B-B14F-4D97-AF65-F5344CB8AC3E}">
-        <p14:creationId xmlns:p14="http://schemas.microsoft.com/office/powerpoint/2010/main" val="2952531126"/>
+        <p14:creationId xmlns:p14="http://schemas.microsoft.com/office/powerpoint/2010/main" val="4276503171"/>
       </p:ext>
     </p:extLst>
   </p:cSld>
@@ -2475,7 +2585,7 @@
     </p:spTree>
     <p:extLst>
       <p:ext uri="{BB962C8B-B14F-4D97-AF65-F5344CB8AC3E}">
-        <p14:creationId xmlns:p14="http://schemas.microsoft.com/office/powerpoint/2010/main" val="2441273065"/>
+        <p14:creationId xmlns:p14="http://schemas.microsoft.com/office/powerpoint/2010/main" val="1914226250"/>
       </p:ext>
     </p:extLst>
   </p:cSld>
@@ -2565,7 +2675,7 @@
     </p:spTree>
     <p:extLst>
       <p:ext uri="{BB962C8B-B14F-4D97-AF65-F5344CB8AC3E}">
-        <p14:creationId xmlns:p14="http://schemas.microsoft.com/office/powerpoint/2010/main" val="3974046595"/>
+        <p14:creationId xmlns:p14="http://schemas.microsoft.com/office/powerpoint/2010/main" val="619197530"/>
       </p:ext>
     </p:extLst>
   </p:cSld>
@@ -2655,7 +2765,7 @@
     </p:spTree>
     <p:extLst>
       <p:ext uri="{BB962C8B-B14F-4D97-AF65-F5344CB8AC3E}">
-        <p14:creationId xmlns:p14="http://schemas.microsoft.com/office/powerpoint/2010/main" val="3291759044"/>
+        <p14:creationId xmlns:p14="http://schemas.microsoft.com/office/powerpoint/2010/main" val="2149864038"/>
       </p:ext>
     </p:extLst>
   </p:cSld>
@@ -2745,7 +2855,7 @@
     </p:spTree>
     <p:extLst>
       <p:ext uri="{BB962C8B-B14F-4D97-AF65-F5344CB8AC3E}">
-        <p14:creationId xmlns:p14="http://schemas.microsoft.com/office/powerpoint/2010/main" val="3718509298"/>
+        <p14:creationId xmlns:p14="http://schemas.microsoft.com/office/powerpoint/2010/main" val="4034052246"/>
       </p:ext>
     </p:extLst>
   </p:cSld>
@@ -2835,7 +2945,7 @@
     </p:spTree>
     <p:extLst>
       <p:ext uri="{BB962C8B-B14F-4D97-AF65-F5344CB8AC3E}">
-        <p14:creationId xmlns:p14="http://schemas.microsoft.com/office/powerpoint/2010/main" val="2519223247"/>
+        <p14:creationId xmlns:p14="http://schemas.microsoft.com/office/powerpoint/2010/main" val="926925861"/>
       </p:ext>
     </p:extLst>
   </p:cSld>
@@ -2925,7 +3035,7 @@
     </p:spTree>
     <p:extLst>
       <p:ext uri="{BB962C8B-B14F-4D97-AF65-F5344CB8AC3E}">
-        <p14:creationId xmlns:p14="http://schemas.microsoft.com/office/powerpoint/2010/main" val="2644780638"/>
+        <p14:creationId xmlns:p14="http://schemas.microsoft.com/office/powerpoint/2010/main" val="3282369872"/>
       </p:ext>
     </p:extLst>
   </p:cSld>
@@ -3015,7 +3125,7 @@
     </p:spTree>
     <p:extLst>
       <p:ext uri="{BB962C8B-B14F-4D97-AF65-F5344CB8AC3E}">
-        <p14:creationId xmlns:p14="http://schemas.microsoft.com/office/powerpoint/2010/main" val="4184720727"/>
+        <p14:creationId xmlns:p14="http://schemas.microsoft.com/office/powerpoint/2010/main" val="3877831266"/>
       </p:ext>
     </p:extLst>
   </p:cSld>
@@ -3105,7 +3215,7 @@
     </p:spTree>
     <p:extLst>
       <p:ext uri="{BB962C8B-B14F-4D97-AF65-F5344CB8AC3E}">
-        <p14:creationId xmlns:p14="http://schemas.microsoft.com/office/powerpoint/2010/main" val="2764360750"/>
+        <p14:creationId xmlns:p14="http://schemas.microsoft.com/office/powerpoint/2010/main" val="1253171932"/>
       </p:ext>
     </p:extLst>
   </p:cSld>
@@ -3195,7 +3305,7 @@
     </p:spTree>
     <p:extLst>
       <p:ext uri="{BB962C8B-B14F-4D97-AF65-F5344CB8AC3E}">
-        <p14:creationId xmlns:p14="http://schemas.microsoft.com/office/powerpoint/2010/main" val="2907595411"/>
+        <p14:creationId xmlns:p14="http://schemas.microsoft.com/office/powerpoint/2010/main" val="180270989"/>
       </p:ext>
     </p:extLst>
   </p:cSld>
@@ -3285,7 +3395,7 @@
     </p:spTree>
     <p:extLst>
       <p:ext uri="{BB962C8B-B14F-4D97-AF65-F5344CB8AC3E}">
-        <p14:creationId xmlns:p14="http://schemas.microsoft.com/office/powerpoint/2010/main" val="2617980972"/>
+        <p14:creationId xmlns:p14="http://schemas.microsoft.com/office/powerpoint/2010/main" val="2500875386"/>
       </p:ext>
     </p:extLst>
   </p:cSld>
@@ -3375,7 +3485,7 @@
     </p:spTree>
     <p:extLst>
       <p:ext uri="{BB962C8B-B14F-4D97-AF65-F5344CB8AC3E}">
-        <p14:creationId xmlns:p14="http://schemas.microsoft.com/office/powerpoint/2010/main" val="1608529173"/>
+        <p14:creationId xmlns:p14="http://schemas.microsoft.com/office/powerpoint/2010/main" val="4135891192"/>
       </p:ext>
     </p:extLst>
   </p:cSld>
@@ -3465,7 +3575,7 @@
     </p:spTree>
     <p:extLst>
       <p:ext uri="{BB962C8B-B14F-4D97-AF65-F5344CB8AC3E}">
-        <p14:creationId xmlns:p14="http://schemas.microsoft.com/office/powerpoint/2010/main" val="4273520428"/>
+        <p14:creationId xmlns:p14="http://schemas.microsoft.com/office/powerpoint/2010/main" val="1398927265"/>
       </p:ext>
     </p:extLst>
   </p:cSld>
@@ -3555,7 +3665,7 @@
     </p:spTree>
     <p:extLst>
       <p:ext uri="{BB962C8B-B14F-4D97-AF65-F5344CB8AC3E}">
-        <p14:creationId xmlns:p14="http://schemas.microsoft.com/office/powerpoint/2010/main" val="2973374759"/>
+        <p14:creationId xmlns:p14="http://schemas.microsoft.com/office/powerpoint/2010/main" val="3408337945"/>
       </p:ext>
     </p:extLst>
   </p:cSld>
@@ -3645,7 +3755,7 @@
     </p:spTree>
     <p:extLst>
       <p:ext uri="{BB962C8B-B14F-4D97-AF65-F5344CB8AC3E}">
-        <p14:creationId xmlns:p14="http://schemas.microsoft.com/office/powerpoint/2010/main" val="2585825825"/>
+        <p14:creationId xmlns:p14="http://schemas.microsoft.com/office/powerpoint/2010/main" val="3379162442"/>
       </p:ext>
     </p:extLst>
   </p:cSld>
@@ -3735,7 +3845,7 @@
     </p:spTree>
     <p:extLst>
       <p:ext uri="{BB962C8B-B14F-4D97-AF65-F5344CB8AC3E}">
-        <p14:creationId xmlns:p14="http://schemas.microsoft.com/office/powerpoint/2010/main" val="1287048127"/>
+        <p14:creationId xmlns:p14="http://schemas.microsoft.com/office/powerpoint/2010/main" val="1545987951"/>
       </p:ext>
     </p:extLst>
   </p:cSld>
@@ -3825,7 +3935,7 @@
     </p:spTree>
     <p:extLst>
       <p:ext uri="{BB962C8B-B14F-4D97-AF65-F5344CB8AC3E}">
-        <p14:creationId xmlns:p14="http://schemas.microsoft.com/office/powerpoint/2010/main" val="3976058318"/>
+        <p14:creationId xmlns:p14="http://schemas.microsoft.com/office/powerpoint/2010/main" val="1464352364"/>
       </p:ext>
     </p:extLst>
   </p:cSld>
@@ -3915,7 +4025,7 @@
     </p:spTree>
     <p:extLst>
       <p:ext uri="{BB962C8B-B14F-4D97-AF65-F5344CB8AC3E}">
-        <p14:creationId xmlns:p14="http://schemas.microsoft.com/office/powerpoint/2010/main" val="544402866"/>
+        <p14:creationId xmlns:p14="http://schemas.microsoft.com/office/powerpoint/2010/main" val="2510155203"/>
       </p:ext>
     </p:extLst>
   </p:cSld>
@@ -4005,7 +4115,7 @@
     </p:spTree>
     <p:extLst>
       <p:ext uri="{BB962C8B-B14F-4D97-AF65-F5344CB8AC3E}">
-        <p14:creationId xmlns:p14="http://schemas.microsoft.com/office/powerpoint/2010/main" val="414510041"/>
+        <p14:creationId xmlns:p14="http://schemas.microsoft.com/office/powerpoint/2010/main" val="2597766445"/>
       </p:ext>
     </p:extLst>
   </p:cSld>
@@ -4095,7 +4205,7 @@
     </p:spTree>
     <p:extLst>
       <p:ext uri="{BB962C8B-B14F-4D97-AF65-F5344CB8AC3E}">
-        <p14:creationId xmlns:p14="http://schemas.microsoft.com/office/powerpoint/2010/main" val="262491073"/>
+        <p14:creationId xmlns:p14="http://schemas.microsoft.com/office/powerpoint/2010/main" val="2386055593"/>
       </p:ext>
     </p:extLst>
   </p:cSld>
@@ -4185,7 +4295,7 @@
     </p:spTree>
     <p:extLst>
       <p:ext uri="{BB962C8B-B14F-4D97-AF65-F5344CB8AC3E}">
-        <p14:creationId xmlns:p14="http://schemas.microsoft.com/office/powerpoint/2010/main" val="908525687"/>
+        <p14:creationId xmlns:p14="http://schemas.microsoft.com/office/powerpoint/2010/main" val="4152145854"/>
       </p:ext>
     </p:extLst>
   </p:cSld>
@@ -4275,7 +4385,7 @@
     </p:spTree>
     <p:extLst>
       <p:ext uri="{BB962C8B-B14F-4D97-AF65-F5344CB8AC3E}">
-        <p14:creationId xmlns:p14="http://schemas.microsoft.com/office/powerpoint/2010/main" val="2549395638"/>
+        <p14:creationId xmlns:p14="http://schemas.microsoft.com/office/powerpoint/2010/main" val="1199561930"/>
       </p:ext>
     </p:extLst>
   </p:cSld>
@@ -4365,7 +4475,7 @@
     </p:spTree>
     <p:extLst>
       <p:ext uri="{BB962C8B-B14F-4D97-AF65-F5344CB8AC3E}">
-        <p14:creationId xmlns:p14="http://schemas.microsoft.com/office/powerpoint/2010/main" val="146624346"/>
+        <p14:creationId xmlns:p14="http://schemas.microsoft.com/office/powerpoint/2010/main" val="2479486176"/>
       </p:ext>
     </p:extLst>
   </p:cSld>
@@ -4455,7 +4565,7 @@
     </p:spTree>
     <p:extLst>
       <p:ext uri="{BB962C8B-B14F-4D97-AF65-F5344CB8AC3E}">
-        <p14:creationId xmlns:p14="http://schemas.microsoft.com/office/powerpoint/2010/main" val="1633236235"/>
+        <p14:creationId xmlns:p14="http://schemas.microsoft.com/office/powerpoint/2010/main" val="2142292235"/>
       </p:ext>
     </p:extLst>
   </p:cSld>
@@ -4545,7 +4655,7 @@
     </p:spTree>
     <p:extLst>
       <p:ext uri="{BB962C8B-B14F-4D97-AF65-F5344CB8AC3E}">
-        <p14:creationId xmlns:p14="http://schemas.microsoft.com/office/powerpoint/2010/main" val="2500660813"/>
+        <p14:creationId xmlns:p14="http://schemas.microsoft.com/office/powerpoint/2010/main" val="3979375112"/>
       </p:ext>
     </p:extLst>
   </p:cSld>
@@ -4635,7 +4745,7 @@
     </p:spTree>
     <p:extLst>
       <p:ext uri="{BB962C8B-B14F-4D97-AF65-F5344CB8AC3E}">
-        <p14:creationId xmlns:p14="http://schemas.microsoft.com/office/powerpoint/2010/main" val="4216265607"/>
+        <p14:creationId xmlns:p14="http://schemas.microsoft.com/office/powerpoint/2010/main" val="3083095396"/>
       </p:ext>
     </p:extLst>
   </p:cSld>
@@ -4725,7 +4835,7 @@
     </p:spTree>
     <p:extLst>
       <p:ext uri="{BB962C8B-B14F-4D97-AF65-F5344CB8AC3E}">
-        <p14:creationId xmlns:p14="http://schemas.microsoft.com/office/powerpoint/2010/main" val="2360688340"/>
+        <p14:creationId xmlns:p14="http://schemas.microsoft.com/office/powerpoint/2010/main" val="1244113089"/>
       </p:ext>
     </p:extLst>
   </p:cSld>
@@ -4815,7 +4925,7 @@
     </p:spTree>
     <p:extLst>
       <p:ext uri="{BB962C8B-B14F-4D97-AF65-F5344CB8AC3E}">
-        <p14:creationId xmlns:p14="http://schemas.microsoft.com/office/powerpoint/2010/main" val="1816131727"/>
+        <p14:creationId xmlns:p14="http://schemas.microsoft.com/office/powerpoint/2010/main" val="2784539907"/>
       </p:ext>
     </p:extLst>
   </p:cSld>
@@ -4905,7 +5015,7 @@
     </p:spTree>
     <p:extLst>
       <p:ext uri="{BB962C8B-B14F-4D97-AF65-F5344CB8AC3E}">
-        <p14:creationId xmlns:p14="http://schemas.microsoft.com/office/powerpoint/2010/main" val="1844518107"/>
+        <p14:creationId xmlns:p14="http://schemas.microsoft.com/office/powerpoint/2010/main" val="1323952986"/>
       </p:ext>
     </p:extLst>
   </p:cSld>
@@ -4995,7 +5105,7 @@
     </p:spTree>
     <p:extLst>
       <p:ext uri="{BB962C8B-B14F-4D97-AF65-F5344CB8AC3E}">
-        <p14:creationId xmlns:p14="http://schemas.microsoft.com/office/powerpoint/2010/main" val="1299104265"/>
+        <p14:creationId xmlns:p14="http://schemas.microsoft.com/office/powerpoint/2010/main" val="164187038"/>
       </p:ext>
     </p:extLst>
   </p:cSld>
@@ -5085,7 +5195,7 @@
     </p:spTree>
     <p:extLst>
       <p:ext uri="{BB962C8B-B14F-4D97-AF65-F5344CB8AC3E}">
-        <p14:creationId xmlns:p14="http://schemas.microsoft.com/office/powerpoint/2010/main" val="1710028564"/>
+        <p14:creationId xmlns:p14="http://schemas.microsoft.com/office/powerpoint/2010/main" val="4251474500"/>
       </p:ext>
     </p:extLst>
   </p:cSld>
@@ -5175,7 +5285,7 @@
     </p:spTree>
     <p:extLst>
       <p:ext uri="{BB962C8B-B14F-4D97-AF65-F5344CB8AC3E}">
-        <p14:creationId xmlns:p14="http://schemas.microsoft.com/office/powerpoint/2010/main" val="2468763502"/>
+        <p14:creationId xmlns:p14="http://schemas.microsoft.com/office/powerpoint/2010/main" val="1280117730"/>
       </p:ext>
     </p:extLst>
   </p:cSld>
@@ -5265,7 +5375,7 @@
     </p:spTree>
     <p:extLst>
       <p:ext uri="{BB962C8B-B14F-4D97-AF65-F5344CB8AC3E}">
-        <p14:creationId xmlns:p14="http://schemas.microsoft.com/office/powerpoint/2010/main" val="933306311"/>
+        <p14:creationId xmlns:p14="http://schemas.microsoft.com/office/powerpoint/2010/main" val="1551416124"/>
       </p:ext>
     </p:extLst>
   </p:cSld>
@@ -5355,7 +5465,7 @@
     </p:spTree>
     <p:extLst>
       <p:ext uri="{BB962C8B-B14F-4D97-AF65-F5344CB8AC3E}">
-        <p14:creationId xmlns:p14="http://schemas.microsoft.com/office/powerpoint/2010/main" val="2339595666"/>
+        <p14:creationId xmlns:p14="http://schemas.microsoft.com/office/powerpoint/2010/main" val="2976926524"/>
       </p:ext>
     </p:extLst>
   </p:cSld>
@@ -5445,7 +5555,7 @@
     </p:spTree>
     <p:extLst>
       <p:ext uri="{BB962C8B-B14F-4D97-AF65-F5344CB8AC3E}">
-        <p14:creationId xmlns:p14="http://schemas.microsoft.com/office/powerpoint/2010/main" val="591122314"/>
+        <p14:creationId xmlns:p14="http://schemas.microsoft.com/office/powerpoint/2010/main" val="189727911"/>
       </p:ext>
     </p:extLst>
   </p:cSld>
@@ -5535,7 +5645,7 @@
     </p:spTree>
     <p:extLst>
       <p:ext uri="{BB962C8B-B14F-4D97-AF65-F5344CB8AC3E}">
-        <p14:creationId xmlns:p14="http://schemas.microsoft.com/office/powerpoint/2010/main" val="3213897870"/>
+        <p14:creationId xmlns:p14="http://schemas.microsoft.com/office/powerpoint/2010/main" val="3456360695"/>
       </p:ext>
     </p:extLst>
   </p:cSld>
@@ -5625,7 +5735,7 @@
     </p:spTree>
     <p:extLst>
       <p:ext uri="{BB962C8B-B14F-4D97-AF65-F5344CB8AC3E}">
-        <p14:creationId xmlns:p14="http://schemas.microsoft.com/office/powerpoint/2010/main" val="338045506"/>
+        <p14:creationId xmlns:p14="http://schemas.microsoft.com/office/powerpoint/2010/main" val="762267636"/>
       </p:ext>
     </p:extLst>
   </p:cSld>
@@ -5715,7 +5825,7 @@
     </p:spTree>
     <p:extLst>
       <p:ext uri="{BB962C8B-B14F-4D97-AF65-F5344CB8AC3E}">
-        <p14:creationId xmlns:p14="http://schemas.microsoft.com/office/powerpoint/2010/main" val="4211708678"/>
+        <p14:creationId xmlns:p14="http://schemas.microsoft.com/office/powerpoint/2010/main" val="3098814615"/>
       </p:ext>
     </p:extLst>
   </p:cSld>
@@ -5805,7 +5915,7 @@
     </p:spTree>
     <p:extLst>
       <p:ext uri="{BB962C8B-B14F-4D97-AF65-F5344CB8AC3E}">
-        <p14:creationId xmlns:p14="http://schemas.microsoft.com/office/powerpoint/2010/main" val="353734244"/>
+        <p14:creationId xmlns:p14="http://schemas.microsoft.com/office/powerpoint/2010/main" val="646192024"/>
       </p:ext>
     </p:extLst>
   </p:cSld>
@@ -5895,7 +6005,7 @@
     </p:spTree>
     <p:extLst>
       <p:ext uri="{BB962C8B-B14F-4D97-AF65-F5344CB8AC3E}">
-        <p14:creationId xmlns:p14="http://schemas.microsoft.com/office/powerpoint/2010/main" val="2031476014"/>
+        <p14:creationId xmlns:p14="http://schemas.microsoft.com/office/powerpoint/2010/main" val="3218444390"/>
       </p:ext>
     </p:extLst>
   </p:cSld>
@@ -5985,7 +6095,7 @@
     </p:spTree>
     <p:extLst>
       <p:ext uri="{BB962C8B-B14F-4D97-AF65-F5344CB8AC3E}">
-        <p14:creationId xmlns:p14="http://schemas.microsoft.com/office/powerpoint/2010/main" val="735264291"/>
+        <p14:creationId xmlns:p14="http://schemas.microsoft.com/office/powerpoint/2010/main" val="3064749303"/>
       </p:ext>
     </p:extLst>
   </p:cSld>
@@ -6075,7 +6185,7 @@
     </p:spTree>
     <p:extLst>
       <p:ext uri="{BB962C8B-B14F-4D97-AF65-F5344CB8AC3E}">
-        <p14:creationId xmlns:p14="http://schemas.microsoft.com/office/powerpoint/2010/main" val="3033204575"/>
+        <p14:creationId xmlns:p14="http://schemas.microsoft.com/office/powerpoint/2010/main" val="3371386577"/>
       </p:ext>
     </p:extLst>
   </p:cSld>
@@ -6165,7 +6275,7 @@
     </p:spTree>
     <p:extLst>
       <p:ext uri="{BB962C8B-B14F-4D97-AF65-F5344CB8AC3E}">
-        <p14:creationId xmlns:p14="http://schemas.microsoft.com/office/powerpoint/2010/main" val="342804665"/>
+        <p14:creationId xmlns:p14="http://schemas.microsoft.com/office/powerpoint/2010/main" val="3301968959"/>
       </p:ext>
     </p:extLst>
   </p:cSld>
@@ -6255,7 +6365,7 @@
     </p:spTree>
     <p:extLst>
       <p:ext uri="{BB962C8B-B14F-4D97-AF65-F5344CB8AC3E}">
-        <p14:creationId xmlns:p14="http://schemas.microsoft.com/office/powerpoint/2010/main" val="2510615655"/>
+        <p14:creationId xmlns:p14="http://schemas.microsoft.com/office/powerpoint/2010/main" val="1576460853"/>
       </p:ext>
     </p:extLst>
   </p:cSld>
@@ -6345,7 +6455,7 @@
     </p:spTree>
     <p:extLst>
       <p:ext uri="{BB962C8B-B14F-4D97-AF65-F5344CB8AC3E}">
-        <p14:creationId xmlns:p14="http://schemas.microsoft.com/office/powerpoint/2010/main" val="1133137685"/>
+        <p14:creationId xmlns:p14="http://schemas.microsoft.com/office/powerpoint/2010/main" val="2171342456"/>
       </p:ext>
     </p:extLst>
   </p:cSld>
@@ -6435,7 +6545,7 @@
     </p:spTree>
     <p:extLst>
       <p:ext uri="{BB962C8B-B14F-4D97-AF65-F5344CB8AC3E}">
-        <p14:creationId xmlns:p14="http://schemas.microsoft.com/office/powerpoint/2010/main" val="3067646043"/>
+        <p14:creationId xmlns:p14="http://schemas.microsoft.com/office/powerpoint/2010/main" val="3255272713"/>
       </p:ext>
     </p:extLst>
   </p:cSld>
@@ -6525,7 +6635,7 @@
     </p:spTree>
     <p:extLst>
       <p:ext uri="{BB962C8B-B14F-4D97-AF65-F5344CB8AC3E}">
-        <p14:creationId xmlns:p14="http://schemas.microsoft.com/office/powerpoint/2010/main" val="1070278493"/>
+        <p14:creationId xmlns:p14="http://schemas.microsoft.com/office/powerpoint/2010/main" val="672612978"/>
       </p:ext>
     </p:extLst>
   </p:cSld>
@@ -6615,7 +6725,7 @@
     </p:spTree>
     <p:extLst>
       <p:ext uri="{BB962C8B-B14F-4D97-AF65-F5344CB8AC3E}">
-        <p14:creationId xmlns:p14="http://schemas.microsoft.com/office/powerpoint/2010/main" val="1359662588"/>
+        <p14:creationId xmlns:p14="http://schemas.microsoft.com/office/powerpoint/2010/main" val="2324363100"/>
       </p:ext>
     </p:extLst>
   </p:cSld>
@@ -6705,7 +6815,7 @@
     </p:spTree>
     <p:extLst>
       <p:ext uri="{BB962C8B-B14F-4D97-AF65-F5344CB8AC3E}">
-        <p14:creationId xmlns:p14="http://schemas.microsoft.com/office/powerpoint/2010/main" val="926731726"/>
+        <p14:creationId xmlns:p14="http://schemas.microsoft.com/office/powerpoint/2010/main" val="3585918019"/>
       </p:ext>
     </p:extLst>
   </p:cSld>
@@ -6795,7 +6905,7 @@
     </p:spTree>
     <p:extLst>
       <p:ext uri="{BB962C8B-B14F-4D97-AF65-F5344CB8AC3E}">
-        <p14:creationId xmlns:p14="http://schemas.microsoft.com/office/powerpoint/2010/main" val="294787474"/>
+        <p14:creationId xmlns:p14="http://schemas.microsoft.com/office/powerpoint/2010/main" val="203135875"/>
       </p:ext>
     </p:extLst>
   </p:cSld>
@@ -6885,7 +6995,7 @@
     </p:spTree>
     <p:extLst>
       <p:ext uri="{BB962C8B-B14F-4D97-AF65-F5344CB8AC3E}">
-        <p14:creationId xmlns:p14="http://schemas.microsoft.com/office/powerpoint/2010/main" val="3291233751"/>
+        <p14:creationId xmlns:p14="http://schemas.microsoft.com/office/powerpoint/2010/main" val="1546271050"/>
       </p:ext>
     </p:extLst>
   </p:cSld>
@@ -6975,7 +7085,7 @@
     </p:spTree>
     <p:extLst>
       <p:ext uri="{BB962C8B-B14F-4D97-AF65-F5344CB8AC3E}">
-        <p14:creationId xmlns:p14="http://schemas.microsoft.com/office/powerpoint/2010/main" val="3964136934"/>
+        <p14:creationId xmlns:p14="http://schemas.microsoft.com/office/powerpoint/2010/main" val="2675444498"/>
       </p:ext>
     </p:extLst>
   </p:cSld>
@@ -7065,7 +7175,7 @@
     </p:spTree>
     <p:extLst>
       <p:ext uri="{BB962C8B-B14F-4D97-AF65-F5344CB8AC3E}">
-        <p14:creationId xmlns:p14="http://schemas.microsoft.com/office/powerpoint/2010/main" val="1677884625"/>
+        <p14:creationId xmlns:p14="http://schemas.microsoft.com/office/powerpoint/2010/main" val="3305752168"/>
       </p:ext>
     </p:extLst>
   </p:cSld>
@@ -7155,7 +7265,7 @@
     </p:spTree>
     <p:extLst>
       <p:ext uri="{BB962C8B-B14F-4D97-AF65-F5344CB8AC3E}">
-        <p14:creationId xmlns:p14="http://schemas.microsoft.com/office/powerpoint/2010/main" val="1457643606"/>
+        <p14:creationId xmlns:p14="http://schemas.microsoft.com/office/powerpoint/2010/main" val="405424257"/>
       </p:ext>
     </p:extLst>
   </p:cSld>
@@ -7245,7 +7355,7 @@
     </p:spTree>
     <p:extLst>
       <p:ext uri="{BB962C8B-B14F-4D97-AF65-F5344CB8AC3E}">
-        <p14:creationId xmlns:p14="http://schemas.microsoft.com/office/powerpoint/2010/main" val="4153964968"/>
+        <p14:creationId xmlns:p14="http://schemas.microsoft.com/office/powerpoint/2010/main" val="565757780"/>
       </p:ext>
     </p:extLst>
   </p:cSld>
@@ -7335,7 +7445,7 @@
     </p:spTree>
     <p:extLst>
       <p:ext uri="{BB962C8B-B14F-4D97-AF65-F5344CB8AC3E}">
-        <p14:creationId xmlns:p14="http://schemas.microsoft.com/office/powerpoint/2010/main" val="3353460299"/>
+        <p14:creationId xmlns:p14="http://schemas.microsoft.com/office/powerpoint/2010/main" val="3753645262"/>
       </p:ext>
     </p:extLst>
   </p:cSld>
@@ -7425,7 +7535,7 @@
     </p:spTree>
     <p:extLst>
       <p:ext uri="{BB962C8B-B14F-4D97-AF65-F5344CB8AC3E}">
-        <p14:creationId xmlns:p14="http://schemas.microsoft.com/office/powerpoint/2010/main" val="809940372"/>
+        <p14:creationId xmlns:p14="http://schemas.microsoft.com/office/powerpoint/2010/main" val="910030868"/>
       </p:ext>
     </p:extLst>
   </p:cSld>
@@ -7515,7 +7625,7 @@
     </p:spTree>
     <p:extLst>
       <p:ext uri="{BB962C8B-B14F-4D97-AF65-F5344CB8AC3E}">
-        <p14:creationId xmlns:p14="http://schemas.microsoft.com/office/powerpoint/2010/main" val="2869527158"/>
+        <p14:creationId xmlns:p14="http://schemas.microsoft.com/office/powerpoint/2010/main" val="3828650199"/>
       </p:ext>
     </p:extLst>
   </p:cSld>
@@ -7605,7 +7715,7 @@
     </p:spTree>
     <p:extLst>
       <p:ext uri="{BB962C8B-B14F-4D97-AF65-F5344CB8AC3E}">
-        <p14:creationId xmlns:p14="http://schemas.microsoft.com/office/powerpoint/2010/main" val="2192041060"/>
+        <p14:creationId xmlns:p14="http://schemas.microsoft.com/office/powerpoint/2010/main" val="2104091352"/>
       </p:ext>
     </p:extLst>
   </p:cSld>
@@ -7695,7 +7805,7 @@
     </p:spTree>
     <p:extLst>
       <p:ext uri="{BB962C8B-B14F-4D97-AF65-F5344CB8AC3E}">
-        <p14:creationId xmlns:p14="http://schemas.microsoft.com/office/powerpoint/2010/main" val="409328136"/>
+        <p14:creationId xmlns:p14="http://schemas.microsoft.com/office/powerpoint/2010/main" val="3089849487"/>
       </p:ext>
     </p:extLst>
   </p:cSld>
@@ -7785,7 +7895,817 @@
     </p:spTree>
     <p:extLst>
       <p:ext uri="{BB962C8B-B14F-4D97-AF65-F5344CB8AC3E}">
-        <p14:creationId xmlns:p14="http://schemas.microsoft.com/office/powerpoint/2010/main" val="4039478830"/>
+        <p14:creationId xmlns:p14="http://schemas.microsoft.com/office/powerpoint/2010/main" val="202095491"/>
+      </p:ext>
+    </p:extLst>
+  </p:cSld>
+  <p:clrMapOvr>
+    <a:masterClrMapping/>
+  </p:clrMapOvr>
+</p:notes>
+</file>
+
+<file path=ppt/notesSlides/notesSlide81.xml><?xml version="1.0" encoding="utf-8"?>
+<p:notes xmlns:a="http://schemas.openxmlformats.org/drawingml/2006/main" xmlns:r="http://schemas.openxmlformats.org/officeDocument/2006/relationships" xmlns:p="http://schemas.openxmlformats.org/presentationml/2006/main">
+  <p:cSld>
+    <p:spTree>
+      <p:nvGrpSpPr>
+        <p:cNvPr id="1" name=""/>
+        <p:cNvGrpSpPr/>
+        <p:nvPr/>
+      </p:nvGrpSpPr>
+      <p:grpSpPr>
+        <a:xfrm>
+          <a:off x="0" y="0"/>
+          <a:ext cx="0" cy="0"/>
+          <a:chOff x="0" y="0"/>
+          <a:chExt cx="0" cy="0"/>
+        </a:xfrm>
+      </p:grpSpPr>
+      <p:sp>
+        <p:nvSpPr>
+          <p:cNvPr id="2" name="Slide Image Placeholder 1"/>
+          <p:cNvSpPr>
+            <a:spLocks noGrp="1" noRot="1" noChangeAspect="1"/>
+          </p:cNvSpPr>
+          <p:nvPr>
+            <p:ph type="sldImg"/>
+          </p:nvPr>
+        </p:nvSpPr>
+        <p:spPr/>
+      </p:sp>
+      <p:sp>
+        <p:nvSpPr>
+          <p:cNvPr id="3" name="Notes Placeholder 2"/>
+          <p:cNvSpPr>
+            <a:spLocks noGrp="1"/>
+          </p:cNvSpPr>
+          <p:nvPr>
+            <p:ph type="body" idx="1"/>
+          </p:nvPr>
+        </p:nvSpPr>
+        <p:spPr/>
+        <p:txBody>
+          <a:bodyPr/>
+          <a:lstStyle/>
+          <a:p>
+            <a:endParaRPr lang="en-US"/>
+          </a:p>
+        </p:txBody>
+      </p:sp>
+      <p:sp>
+        <p:nvSpPr>
+          <p:cNvPr id="4" name="Slide Number Placeholder 3"/>
+          <p:cNvSpPr>
+            <a:spLocks noGrp="1"/>
+          </p:cNvSpPr>
+          <p:nvPr>
+            <p:ph type="sldNum" sz="quarter" idx="10"/>
+          </p:nvPr>
+        </p:nvSpPr>
+        <p:spPr/>
+        <p:txBody>
+          <a:bodyPr/>
+          <a:lstStyle/>
+          <a:p>
+            <a:pPr>
+              <a:defRPr/>
+            </a:pPr>
+            <a:fld id="{33C126F0-D5BC-46FB-A5E8-CF5096E10E86}" type="slidenum">
+              <a:rPr lang="en-GB" altLang="ja-JP"/>
+              <a:pPr>
+                <a:defRPr/>
+              </a:pPr>
+              <a:t>81</a:t>
+            </a:fld>
+            <a:endParaRPr lang="en-GB" altLang="ja-JP"/>
+          </a:p>
+        </p:txBody>
+      </p:sp>
+    </p:spTree>
+    <p:extLst>
+      <p:ext uri="{BB962C8B-B14F-4D97-AF65-F5344CB8AC3E}">
+        <p14:creationId xmlns:p14="http://schemas.microsoft.com/office/powerpoint/2010/main" val="4082035084"/>
+      </p:ext>
+    </p:extLst>
+  </p:cSld>
+  <p:clrMapOvr>
+    <a:masterClrMapping/>
+  </p:clrMapOvr>
+</p:notes>
+</file>
+
+<file path=ppt/notesSlides/notesSlide82.xml><?xml version="1.0" encoding="utf-8"?>
+<p:notes xmlns:a="http://schemas.openxmlformats.org/drawingml/2006/main" xmlns:r="http://schemas.openxmlformats.org/officeDocument/2006/relationships" xmlns:p="http://schemas.openxmlformats.org/presentationml/2006/main">
+  <p:cSld>
+    <p:spTree>
+      <p:nvGrpSpPr>
+        <p:cNvPr id="1" name=""/>
+        <p:cNvGrpSpPr/>
+        <p:nvPr/>
+      </p:nvGrpSpPr>
+      <p:grpSpPr>
+        <a:xfrm>
+          <a:off x="0" y="0"/>
+          <a:ext cx="0" cy="0"/>
+          <a:chOff x="0" y="0"/>
+          <a:chExt cx="0" cy="0"/>
+        </a:xfrm>
+      </p:grpSpPr>
+      <p:sp>
+        <p:nvSpPr>
+          <p:cNvPr id="2" name="Slide Image Placeholder 1"/>
+          <p:cNvSpPr>
+            <a:spLocks noGrp="1" noRot="1" noChangeAspect="1"/>
+          </p:cNvSpPr>
+          <p:nvPr>
+            <p:ph type="sldImg"/>
+          </p:nvPr>
+        </p:nvSpPr>
+        <p:spPr/>
+      </p:sp>
+      <p:sp>
+        <p:nvSpPr>
+          <p:cNvPr id="3" name="Notes Placeholder 2"/>
+          <p:cNvSpPr>
+            <a:spLocks noGrp="1"/>
+          </p:cNvSpPr>
+          <p:nvPr>
+            <p:ph type="body" idx="1"/>
+          </p:nvPr>
+        </p:nvSpPr>
+        <p:spPr/>
+        <p:txBody>
+          <a:bodyPr/>
+          <a:lstStyle/>
+          <a:p>
+            <a:endParaRPr lang="en-US"/>
+          </a:p>
+        </p:txBody>
+      </p:sp>
+      <p:sp>
+        <p:nvSpPr>
+          <p:cNvPr id="4" name="Slide Number Placeholder 3"/>
+          <p:cNvSpPr>
+            <a:spLocks noGrp="1"/>
+          </p:cNvSpPr>
+          <p:nvPr>
+            <p:ph type="sldNum" sz="quarter" idx="10"/>
+          </p:nvPr>
+        </p:nvSpPr>
+        <p:spPr/>
+        <p:txBody>
+          <a:bodyPr/>
+          <a:lstStyle/>
+          <a:p>
+            <a:pPr>
+              <a:defRPr/>
+            </a:pPr>
+            <a:fld id="{33C126F0-D5BC-46FB-A5E8-CF5096E10E86}" type="slidenum">
+              <a:rPr lang="en-GB" altLang="ja-JP"/>
+              <a:pPr>
+                <a:defRPr/>
+              </a:pPr>
+              <a:t>82</a:t>
+            </a:fld>
+            <a:endParaRPr lang="en-GB" altLang="ja-JP"/>
+          </a:p>
+        </p:txBody>
+      </p:sp>
+    </p:spTree>
+    <p:extLst>
+      <p:ext uri="{BB962C8B-B14F-4D97-AF65-F5344CB8AC3E}">
+        <p14:creationId xmlns:p14="http://schemas.microsoft.com/office/powerpoint/2010/main" val="4281853635"/>
+      </p:ext>
+    </p:extLst>
+  </p:cSld>
+  <p:clrMapOvr>
+    <a:masterClrMapping/>
+  </p:clrMapOvr>
+</p:notes>
+</file>
+
+<file path=ppt/notesSlides/notesSlide83.xml><?xml version="1.0" encoding="utf-8"?>
+<p:notes xmlns:a="http://schemas.openxmlformats.org/drawingml/2006/main" xmlns:r="http://schemas.openxmlformats.org/officeDocument/2006/relationships" xmlns:p="http://schemas.openxmlformats.org/presentationml/2006/main">
+  <p:cSld>
+    <p:spTree>
+      <p:nvGrpSpPr>
+        <p:cNvPr id="1" name=""/>
+        <p:cNvGrpSpPr/>
+        <p:nvPr/>
+      </p:nvGrpSpPr>
+      <p:grpSpPr>
+        <a:xfrm>
+          <a:off x="0" y="0"/>
+          <a:ext cx="0" cy="0"/>
+          <a:chOff x="0" y="0"/>
+          <a:chExt cx="0" cy="0"/>
+        </a:xfrm>
+      </p:grpSpPr>
+      <p:sp>
+        <p:nvSpPr>
+          <p:cNvPr id="2" name="Slide Image Placeholder 1"/>
+          <p:cNvSpPr>
+            <a:spLocks noGrp="1" noRot="1" noChangeAspect="1"/>
+          </p:cNvSpPr>
+          <p:nvPr>
+            <p:ph type="sldImg"/>
+          </p:nvPr>
+        </p:nvSpPr>
+        <p:spPr/>
+      </p:sp>
+      <p:sp>
+        <p:nvSpPr>
+          <p:cNvPr id="3" name="Notes Placeholder 2"/>
+          <p:cNvSpPr>
+            <a:spLocks noGrp="1"/>
+          </p:cNvSpPr>
+          <p:nvPr>
+            <p:ph type="body" idx="1"/>
+          </p:nvPr>
+        </p:nvSpPr>
+        <p:spPr/>
+        <p:txBody>
+          <a:bodyPr/>
+          <a:lstStyle/>
+          <a:p>
+            <a:endParaRPr lang="en-US"/>
+          </a:p>
+        </p:txBody>
+      </p:sp>
+      <p:sp>
+        <p:nvSpPr>
+          <p:cNvPr id="4" name="Slide Number Placeholder 3"/>
+          <p:cNvSpPr>
+            <a:spLocks noGrp="1"/>
+          </p:cNvSpPr>
+          <p:nvPr>
+            <p:ph type="sldNum" sz="quarter" idx="10"/>
+          </p:nvPr>
+        </p:nvSpPr>
+        <p:spPr/>
+        <p:txBody>
+          <a:bodyPr/>
+          <a:lstStyle/>
+          <a:p>
+            <a:pPr>
+              <a:defRPr/>
+            </a:pPr>
+            <a:fld id="{33C126F0-D5BC-46FB-A5E8-CF5096E10E86}" type="slidenum">
+              <a:rPr lang="en-GB" altLang="ja-JP"/>
+              <a:pPr>
+                <a:defRPr/>
+              </a:pPr>
+              <a:t>83</a:t>
+            </a:fld>
+            <a:endParaRPr lang="en-GB" altLang="ja-JP"/>
+          </a:p>
+        </p:txBody>
+      </p:sp>
+    </p:spTree>
+    <p:extLst>
+      <p:ext uri="{BB962C8B-B14F-4D97-AF65-F5344CB8AC3E}">
+        <p14:creationId xmlns:p14="http://schemas.microsoft.com/office/powerpoint/2010/main" val="586193702"/>
+      </p:ext>
+    </p:extLst>
+  </p:cSld>
+  <p:clrMapOvr>
+    <a:masterClrMapping/>
+  </p:clrMapOvr>
+</p:notes>
+</file>
+
+<file path=ppt/notesSlides/notesSlide84.xml><?xml version="1.0" encoding="utf-8"?>
+<p:notes xmlns:a="http://schemas.openxmlformats.org/drawingml/2006/main" xmlns:r="http://schemas.openxmlformats.org/officeDocument/2006/relationships" xmlns:p="http://schemas.openxmlformats.org/presentationml/2006/main">
+  <p:cSld>
+    <p:spTree>
+      <p:nvGrpSpPr>
+        <p:cNvPr id="1" name=""/>
+        <p:cNvGrpSpPr/>
+        <p:nvPr/>
+      </p:nvGrpSpPr>
+      <p:grpSpPr>
+        <a:xfrm>
+          <a:off x="0" y="0"/>
+          <a:ext cx="0" cy="0"/>
+          <a:chOff x="0" y="0"/>
+          <a:chExt cx="0" cy="0"/>
+        </a:xfrm>
+      </p:grpSpPr>
+      <p:sp>
+        <p:nvSpPr>
+          <p:cNvPr id="2" name="Slide Image Placeholder 1"/>
+          <p:cNvSpPr>
+            <a:spLocks noGrp="1" noRot="1" noChangeAspect="1"/>
+          </p:cNvSpPr>
+          <p:nvPr>
+            <p:ph type="sldImg"/>
+          </p:nvPr>
+        </p:nvSpPr>
+        <p:spPr/>
+      </p:sp>
+      <p:sp>
+        <p:nvSpPr>
+          <p:cNvPr id="3" name="Notes Placeholder 2"/>
+          <p:cNvSpPr>
+            <a:spLocks noGrp="1"/>
+          </p:cNvSpPr>
+          <p:nvPr>
+            <p:ph type="body" idx="1"/>
+          </p:nvPr>
+        </p:nvSpPr>
+        <p:spPr/>
+        <p:txBody>
+          <a:bodyPr/>
+          <a:lstStyle/>
+          <a:p>
+            <a:endParaRPr lang="en-US"/>
+          </a:p>
+        </p:txBody>
+      </p:sp>
+      <p:sp>
+        <p:nvSpPr>
+          <p:cNvPr id="4" name="Slide Number Placeholder 3"/>
+          <p:cNvSpPr>
+            <a:spLocks noGrp="1"/>
+          </p:cNvSpPr>
+          <p:nvPr>
+            <p:ph type="sldNum" sz="quarter" idx="10"/>
+          </p:nvPr>
+        </p:nvSpPr>
+        <p:spPr/>
+        <p:txBody>
+          <a:bodyPr/>
+          <a:lstStyle/>
+          <a:p>
+            <a:pPr>
+              <a:defRPr/>
+            </a:pPr>
+            <a:fld id="{33C126F0-D5BC-46FB-A5E8-CF5096E10E86}" type="slidenum">
+              <a:rPr lang="en-GB" altLang="ja-JP"/>
+              <a:pPr>
+                <a:defRPr/>
+              </a:pPr>
+              <a:t>84</a:t>
+            </a:fld>
+            <a:endParaRPr lang="en-GB" altLang="ja-JP"/>
+          </a:p>
+        </p:txBody>
+      </p:sp>
+    </p:spTree>
+    <p:extLst>
+      <p:ext uri="{BB962C8B-B14F-4D97-AF65-F5344CB8AC3E}">
+        <p14:creationId xmlns:p14="http://schemas.microsoft.com/office/powerpoint/2010/main" val="526888811"/>
+      </p:ext>
+    </p:extLst>
+  </p:cSld>
+  <p:clrMapOvr>
+    <a:masterClrMapping/>
+  </p:clrMapOvr>
+</p:notes>
+</file>
+
+<file path=ppt/notesSlides/notesSlide85.xml><?xml version="1.0" encoding="utf-8"?>
+<p:notes xmlns:a="http://schemas.openxmlformats.org/drawingml/2006/main" xmlns:r="http://schemas.openxmlformats.org/officeDocument/2006/relationships" xmlns:p="http://schemas.openxmlformats.org/presentationml/2006/main">
+  <p:cSld>
+    <p:spTree>
+      <p:nvGrpSpPr>
+        <p:cNvPr id="1" name=""/>
+        <p:cNvGrpSpPr/>
+        <p:nvPr/>
+      </p:nvGrpSpPr>
+      <p:grpSpPr>
+        <a:xfrm>
+          <a:off x="0" y="0"/>
+          <a:ext cx="0" cy="0"/>
+          <a:chOff x="0" y="0"/>
+          <a:chExt cx="0" cy="0"/>
+        </a:xfrm>
+      </p:grpSpPr>
+      <p:sp>
+        <p:nvSpPr>
+          <p:cNvPr id="2" name="Slide Image Placeholder 1"/>
+          <p:cNvSpPr>
+            <a:spLocks noGrp="1" noRot="1" noChangeAspect="1"/>
+          </p:cNvSpPr>
+          <p:nvPr>
+            <p:ph type="sldImg"/>
+          </p:nvPr>
+        </p:nvSpPr>
+        <p:spPr/>
+      </p:sp>
+      <p:sp>
+        <p:nvSpPr>
+          <p:cNvPr id="3" name="Notes Placeholder 2"/>
+          <p:cNvSpPr>
+            <a:spLocks noGrp="1"/>
+          </p:cNvSpPr>
+          <p:nvPr>
+            <p:ph type="body" idx="1"/>
+          </p:nvPr>
+        </p:nvSpPr>
+        <p:spPr/>
+        <p:txBody>
+          <a:bodyPr/>
+          <a:lstStyle/>
+          <a:p>
+            <a:endParaRPr lang="en-US"/>
+          </a:p>
+        </p:txBody>
+      </p:sp>
+      <p:sp>
+        <p:nvSpPr>
+          <p:cNvPr id="4" name="Slide Number Placeholder 3"/>
+          <p:cNvSpPr>
+            <a:spLocks noGrp="1"/>
+          </p:cNvSpPr>
+          <p:nvPr>
+            <p:ph type="sldNum" sz="quarter" idx="10"/>
+          </p:nvPr>
+        </p:nvSpPr>
+        <p:spPr/>
+        <p:txBody>
+          <a:bodyPr/>
+          <a:lstStyle/>
+          <a:p>
+            <a:pPr>
+              <a:defRPr/>
+            </a:pPr>
+            <a:fld id="{33C126F0-D5BC-46FB-A5E8-CF5096E10E86}" type="slidenum">
+              <a:rPr lang="en-GB" altLang="ja-JP"/>
+              <a:pPr>
+                <a:defRPr/>
+              </a:pPr>
+              <a:t>85</a:t>
+            </a:fld>
+            <a:endParaRPr lang="en-GB" altLang="ja-JP"/>
+          </a:p>
+        </p:txBody>
+      </p:sp>
+    </p:spTree>
+    <p:extLst>
+      <p:ext uri="{BB962C8B-B14F-4D97-AF65-F5344CB8AC3E}">
+        <p14:creationId xmlns:p14="http://schemas.microsoft.com/office/powerpoint/2010/main" val="3904754767"/>
+      </p:ext>
+    </p:extLst>
+  </p:cSld>
+  <p:clrMapOvr>
+    <a:masterClrMapping/>
+  </p:clrMapOvr>
+</p:notes>
+</file>
+
+<file path=ppt/notesSlides/notesSlide86.xml><?xml version="1.0" encoding="utf-8"?>
+<p:notes xmlns:a="http://schemas.openxmlformats.org/drawingml/2006/main" xmlns:r="http://schemas.openxmlformats.org/officeDocument/2006/relationships" xmlns:p="http://schemas.openxmlformats.org/presentationml/2006/main">
+  <p:cSld>
+    <p:spTree>
+      <p:nvGrpSpPr>
+        <p:cNvPr id="1" name=""/>
+        <p:cNvGrpSpPr/>
+        <p:nvPr/>
+      </p:nvGrpSpPr>
+      <p:grpSpPr>
+        <a:xfrm>
+          <a:off x="0" y="0"/>
+          <a:ext cx="0" cy="0"/>
+          <a:chOff x="0" y="0"/>
+          <a:chExt cx="0" cy="0"/>
+        </a:xfrm>
+      </p:grpSpPr>
+      <p:sp>
+        <p:nvSpPr>
+          <p:cNvPr id="2" name="Slide Image Placeholder 1"/>
+          <p:cNvSpPr>
+            <a:spLocks noGrp="1" noRot="1" noChangeAspect="1"/>
+          </p:cNvSpPr>
+          <p:nvPr>
+            <p:ph type="sldImg"/>
+          </p:nvPr>
+        </p:nvSpPr>
+        <p:spPr/>
+      </p:sp>
+      <p:sp>
+        <p:nvSpPr>
+          <p:cNvPr id="3" name="Notes Placeholder 2"/>
+          <p:cNvSpPr>
+            <a:spLocks noGrp="1"/>
+          </p:cNvSpPr>
+          <p:nvPr>
+            <p:ph type="body" idx="1"/>
+          </p:nvPr>
+        </p:nvSpPr>
+        <p:spPr/>
+        <p:txBody>
+          <a:bodyPr/>
+          <a:lstStyle/>
+          <a:p>
+            <a:endParaRPr lang="en-US"/>
+          </a:p>
+        </p:txBody>
+      </p:sp>
+      <p:sp>
+        <p:nvSpPr>
+          <p:cNvPr id="4" name="Slide Number Placeholder 3"/>
+          <p:cNvSpPr>
+            <a:spLocks noGrp="1"/>
+          </p:cNvSpPr>
+          <p:nvPr>
+            <p:ph type="sldNum" sz="quarter" idx="10"/>
+          </p:nvPr>
+        </p:nvSpPr>
+        <p:spPr/>
+        <p:txBody>
+          <a:bodyPr/>
+          <a:lstStyle/>
+          <a:p>
+            <a:pPr>
+              <a:defRPr/>
+            </a:pPr>
+            <a:fld id="{33C126F0-D5BC-46FB-A5E8-CF5096E10E86}" type="slidenum">
+              <a:rPr lang="en-GB" altLang="ja-JP"/>
+              <a:pPr>
+                <a:defRPr/>
+              </a:pPr>
+              <a:t>86</a:t>
+            </a:fld>
+            <a:endParaRPr lang="en-GB" altLang="ja-JP"/>
+          </a:p>
+        </p:txBody>
+      </p:sp>
+    </p:spTree>
+    <p:extLst>
+      <p:ext uri="{BB962C8B-B14F-4D97-AF65-F5344CB8AC3E}">
+        <p14:creationId xmlns:p14="http://schemas.microsoft.com/office/powerpoint/2010/main" val="4083743259"/>
+      </p:ext>
+    </p:extLst>
+  </p:cSld>
+  <p:clrMapOvr>
+    <a:masterClrMapping/>
+  </p:clrMapOvr>
+</p:notes>
+</file>
+
+<file path=ppt/notesSlides/notesSlide87.xml><?xml version="1.0" encoding="utf-8"?>
+<p:notes xmlns:a="http://schemas.openxmlformats.org/drawingml/2006/main" xmlns:r="http://schemas.openxmlformats.org/officeDocument/2006/relationships" xmlns:p="http://schemas.openxmlformats.org/presentationml/2006/main">
+  <p:cSld>
+    <p:spTree>
+      <p:nvGrpSpPr>
+        <p:cNvPr id="1" name=""/>
+        <p:cNvGrpSpPr/>
+        <p:nvPr/>
+      </p:nvGrpSpPr>
+      <p:grpSpPr>
+        <a:xfrm>
+          <a:off x="0" y="0"/>
+          <a:ext cx="0" cy="0"/>
+          <a:chOff x="0" y="0"/>
+          <a:chExt cx="0" cy="0"/>
+        </a:xfrm>
+      </p:grpSpPr>
+      <p:sp>
+        <p:nvSpPr>
+          <p:cNvPr id="2" name="Slide Image Placeholder 1"/>
+          <p:cNvSpPr>
+            <a:spLocks noGrp="1" noRot="1" noChangeAspect="1"/>
+          </p:cNvSpPr>
+          <p:nvPr>
+            <p:ph type="sldImg"/>
+          </p:nvPr>
+        </p:nvSpPr>
+        <p:spPr/>
+      </p:sp>
+      <p:sp>
+        <p:nvSpPr>
+          <p:cNvPr id="3" name="Notes Placeholder 2"/>
+          <p:cNvSpPr>
+            <a:spLocks noGrp="1"/>
+          </p:cNvSpPr>
+          <p:nvPr>
+            <p:ph type="body" idx="1"/>
+          </p:nvPr>
+        </p:nvSpPr>
+        <p:spPr/>
+        <p:txBody>
+          <a:bodyPr/>
+          <a:lstStyle/>
+          <a:p>
+            <a:endParaRPr lang="en-US"/>
+          </a:p>
+        </p:txBody>
+      </p:sp>
+      <p:sp>
+        <p:nvSpPr>
+          <p:cNvPr id="4" name="Slide Number Placeholder 3"/>
+          <p:cNvSpPr>
+            <a:spLocks noGrp="1"/>
+          </p:cNvSpPr>
+          <p:nvPr>
+            <p:ph type="sldNum" sz="quarter" idx="10"/>
+          </p:nvPr>
+        </p:nvSpPr>
+        <p:spPr/>
+        <p:txBody>
+          <a:bodyPr/>
+          <a:lstStyle/>
+          <a:p>
+            <a:pPr>
+              <a:defRPr/>
+            </a:pPr>
+            <a:fld id="{33C126F0-D5BC-46FB-A5E8-CF5096E10E86}" type="slidenum">
+              <a:rPr lang="en-GB" altLang="ja-JP"/>
+              <a:pPr>
+                <a:defRPr/>
+              </a:pPr>
+              <a:t>87</a:t>
+            </a:fld>
+            <a:endParaRPr lang="en-GB" altLang="ja-JP"/>
+          </a:p>
+        </p:txBody>
+      </p:sp>
+    </p:spTree>
+    <p:extLst>
+      <p:ext uri="{BB962C8B-B14F-4D97-AF65-F5344CB8AC3E}">
+        <p14:creationId xmlns:p14="http://schemas.microsoft.com/office/powerpoint/2010/main" val="2801047731"/>
+      </p:ext>
+    </p:extLst>
+  </p:cSld>
+  <p:clrMapOvr>
+    <a:masterClrMapping/>
+  </p:clrMapOvr>
+</p:notes>
+</file>
+
+<file path=ppt/notesSlides/notesSlide88.xml><?xml version="1.0" encoding="utf-8"?>
+<p:notes xmlns:a="http://schemas.openxmlformats.org/drawingml/2006/main" xmlns:r="http://schemas.openxmlformats.org/officeDocument/2006/relationships" xmlns:p="http://schemas.openxmlformats.org/presentationml/2006/main">
+  <p:cSld>
+    <p:spTree>
+      <p:nvGrpSpPr>
+        <p:cNvPr id="1" name=""/>
+        <p:cNvGrpSpPr/>
+        <p:nvPr/>
+      </p:nvGrpSpPr>
+      <p:grpSpPr>
+        <a:xfrm>
+          <a:off x="0" y="0"/>
+          <a:ext cx="0" cy="0"/>
+          <a:chOff x="0" y="0"/>
+          <a:chExt cx="0" cy="0"/>
+        </a:xfrm>
+      </p:grpSpPr>
+      <p:sp>
+        <p:nvSpPr>
+          <p:cNvPr id="2" name="Slide Image Placeholder 1"/>
+          <p:cNvSpPr>
+            <a:spLocks noGrp="1" noRot="1" noChangeAspect="1"/>
+          </p:cNvSpPr>
+          <p:nvPr>
+            <p:ph type="sldImg"/>
+          </p:nvPr>
+        </p:nvSpPr>
+        <p:spPr/>
+      </p:sp>
+      <p:sp>
+        <p:nvSpPr>
+          <p:cNvPr id="3" name="Notes Placeholder 2"/>
+          <p:cNvSpPr>
+            <a:spLocks noGrp="1"/>
+          </p:cNvSpPr>
+          <p:nvPr>
+            <p:ph type="body" idx="1"/>
+          </p:nvPr>
+        </p:nvSpPr>
+        <p:spPr/>
+        <p:txBody>
+          <a:bodyPr/>
+          <a:lstStyle/>
+          <a:p>
+            <a:endParaRPr lang="en-US"/>
+          </a:p>
+        </p:txBody>
+      </p:sp>
+      <p:sp>
+        <p:nvSpPr>
+          <p:cNvPr id="4" name="Slide Number Placeholder 3"/>
+          <p:cNvSpPr>
+            <a:spLocks noGrp="1"/>
+          </p:cNvSpPr>
+          <p:nvPr>
+            <p:ph type="sldNum" sz="quarter" idx="10"/>
+          </p:nvPr>
+        </p:nvSpPr>
+        <p:spPr/>
+        <p:txBody>
+          <a:bodyPr/>
+          <a:lstStyle/>
+          <a:p>
+            <a:pPr>
+              <a:defRPr/>
+            </a:pPr>
+            <a:fld id="{33C126F0-D5BC-46FB-A5E8-CF5096E10E86}" type="slidenum">
+              <a:rPr lang="en-GB" altLang="ja-JP"/>
+              <a:pPr>
+                <a:defRPr/>
+              </a:pPr>
+              <a:t>88</a:t>
+            </a:fld>
+            <a:endParaRPr lang="en-GB" altLang="ja-JP"/>
+          </a:p>
+        </p:txBody>
+      </p:sp>
+    </p:spTree>
+    <p:extLst>
+      <p:ext uri="{BB962C8B-B14F-4D97-AF65-F5344CB8AC3E}">
+        <p14:creationId xmlns:p14="http://schemas.microsoft.com/office/powerpoint/2010/main" val="499054019"/>
+      </p:ext>
+    </p:extLst>
+  </p:cSld>
+  <p:clrMapOvr>
+    <a:masterClrMapping/>
+  </p:clrMapOvr>
+</p:notes>
+</file>
+
+<file path=ppt/notesSlides/notesSlide89.xml><?xml version="1.0" encoding="utf-8"?>
+<p:notes xmlns:a="http://schemas.openxmlformats.org/drawingml/2006/main" xmlns:r="http://schemas.openxmlformats.org/officeDocument/2006/relationships" xmlns:p="http://schemas.openxmlformats.org/presentationml/2006/main">
+  <p:cSld>
+    <p:spTree>
+      <p:nvGrpSpPr>
+        <p:cNvPr id="1" name=""/>
+        <p:cNvGrpSpPr/>
+        <p:nvPr/>
+      </p:nvGrpSpPr>
+      <p:grpSpPr>
+        <a:xfrm>
+          <a:off x="0" y="0"/>
+          <a:ext cx="0" cy="0"/>
+          <a:chOff x="0" y="0"/>
+          <a:chExt cx="0" cy="0"/>
+        </a:xfrm>
+      </p:grpSpPr>
+      <p:sp>
+        <p:nvSpPr>
+          <p:cNvPr id="2" name="Slide Image Placeholder 1"/>
+          <p:cNvSpPr>
+            <a:spLocks noGrp="1" noRot="1" noChangeAspect="1"/>
+          </p:cNvSpPr>
+          <p:nvPr>
+            <p:ph type="sldImg"/>
+          </p:nvPr>
+        </p:nvSpPr>
+        <p:spPr/>
+      </p:sp>
+      <p:sp>
+        <p:nvSpPr>
+          <p:cNvPr id="3" name="Notes Placeholder 2"/>
+          <p:cNvSpPr>
+            <a:spLocks noGrp="1"/>
+          </p:cNvSpPr>
+          <p:nvPr>
+            <p:ph type="body" idx="1"/>
+          </p:nvPr>
+        </p:nvSpPr>
+        <p:spPr/>
+        <p:txBody>
+          <a:bodyPr/>
+          <a:lstStyle/>
+          <a:p>
+            <a:endParaRPr lang="en-US"/>
+          </a:p>
+        </p:txBody>
+      </p:sp>
+      <p:sp>
+        <p:nvSpPr>
+          <p:cNvPr id="4" name="Slide Number Placeholder 3"/>
+          <p:cNvSpPr>
+            <a:spLocks noGrp="1"/>
+          </p:cNvSpPr>
+          <p:nvPr>
+            <p:ph type="sldNum" sz="quarter" idx="10"/>
+          </p:nvPr>
+        </p:nvSpPr>
+        <p:spPr/>
+        <p:txBody>
+          <a:bodyPr/>
+          <a:lstStyle/>
+          <a:p>
+            <a:pPr>
+              <a:defRPr/>
+            </a:pPr>
+            <a:fld id="{33C126F0-D5BC-46FB-A5E8-CF5096E10E86}" type="slidenum">
+              <a:rPr lang="en-GB" altLang="ja-JP"/>
+              <a:pPr>
+                <a:defRPr/>
+              </a:pPr>
+              <a:t>89</a:t>
+            </a:fld>
+            <a:endParaRPr lang="en-GB" altLang="ja-JP"/>
+          </a:p>
+        </p:txBody>
+      </p:sp>
+    </p:spTree>
+    <p:extLst>
+      <p:ext uri="{BB962C8B-B14F-4D97-AF65-F5344CB8AC3E}">
+        <p14:creationId xmlns:p14="http://schemas.microsoft.com/office/powerpoint/2010/main" val="3948131479"/>
       </p:ext>
     </p:extLst>
   </p:cSld>
@@ -7875,7 +8795,907 @@
     </p:spTree>
     <p:extLst>
       <p:ext uri="{BB962C8B-B14F-4D97-AF65-F5344CB8AC3E}">
-        <p14:creationId xmlns:p14="http://schemas.microsoft.com/office/powerpoint/2010/main" val="771546546"/>
+        <p14:creationId xmlns:p14="http://schemas.microsoft.com/office/powerpoint/2010/main" val="2738394394"/>
+      </p:ext>
+    </p:extLst>
+  </p:cSld>
+  <p:clrMapOvr>
+    <a:masterClrMapping/>
+  </p:clrMapOvr>
+</p:notes>
+</file>
+
+<file path=ppt/notesSlides/notesSlide90.xml><?xml version="1.0" encoding="utf-8"?>
+<p:notes xmlns:a="http://schemas.openxmlformats.org/drawingml/2006/main" xmlns:r="http://schemas.openxmlformats.org/officeDocument/2006/relationships" xmlns:p="http://schemas.openxmlformats.org/presentationml/2006/main">
+  <p:cSld>
+    <p:spTree>
+      <p:nvGrpSpPr>
+        <p:cNvPr id="1" name=""/>
+        <p:cNvGrpSpPr/>
+        <p:nvPr/>
+      </p:nvGrpSpPr>
+      <p:grpSpPr>
+        <a:xfrm>
+          <a:off x="0" y="0"/>
+          <a:ext cx="0" cy="0"/>
+          <a:chOff x="0" y="0"/>
+          <a:chExt cx="0" cy="0"/>
+        </a:xfrm>
+      </p:grpSpPr>
+      <p:sp>
+        <p:nvSpPr>
+          <p:cNvPr id="2" name="Slide Image Placeholder 1"/>
+          <p:cNvSpPr>
+            <a:spLocks noGrp="1" noRot="1" noChangeAspect="1"/>
+          </p:cNvSpPr>
+          <p:nvPr>
+            <p:ph type="sldImg"/>
+          </p:nvPr>
+        </p:nvSpPr>
+        <p:spPr/>
+      </p:sp>
+      <p:sp>
+        <p:nvSpPr>
+          <p:cNvPr id="3" name="Notes Placeholder 2"/>
+          <p:cNvSpPr>
+            <a:spLocks noGrp="1"/>
+          </p:cNvSpPr>
+          <p:nvPr>
+            <p:ph type="body" idx="1"/>
+          </p:nvPr>
+        </p:nvSpPr>
+        <p:spPr/>
+        <p:txBody>
+          <a:bodyPr/>
+          <a:lstStyle/>
+          <a:p>
+            <a:endParaRPr lang="en-US"/>
+          </a:p>
+        </p:txBody>
+      </p:sp>
+      <p:sp>
+        <p:nvSpPr>
+          <p:cNvPr id="4" name="Slide Number Placeholder 3"/>
+          <p:cNvSpPr>
+            <a:spLocks noGrp="1"/>
+          </p:cNvSpPr>
+          <p:nvPr>
+            <p:ph type="sldNum" sz="quarter" idx="10"/>
+          </p:nvPr>
+        </p:nvSpPr>
+        <p:spPr/>
+        <p:txBody>
+          <a:bodyPr/>
+          <a:lstStyle/>
+          <a:p>
+            <a:pPr>
+              <a:defRPr/>
+            </a:pPr>
+            <a:fld id="{33C126F0-D5BC-46FB-A5E8-CF5096E10E86}" type="slidenum">
+              <a:rPr lang="en-GB" altLang="ja-JP"/>
+              <a:pPr>
+                <a:defRPr/>
+              </a:pPr>
+              <a:t>90</a:t>
+            </a:fld>
+            <a:endParaRPr lang="en-GB" altLang="ja-JP"/>
+          </a:p>
+        </p:txBody>
+      </p:sp>
+    </p:spTree>
+    <p:extLst>
+      <p:ext uri="{BB962C8B-B14F-4D97-AF65-F5344CB8AC3E}">
+        <p14:creationId xmlns:p14="http://schemas.microsoft.com/office/powerpoint/2010/main" val="3105358783"/>
+      </p:ext>
+    </p:extLst>
+  </p:cSld>
+  <p:clrMapOvr>
+    <a:masterClrMapping/>
+  </p:clrMapOvr>
+</p:notes>
+</file>
+
+<file path=ppt/notesSlides/notesSlide91.xml><?xml version="1.0" encoding="utf-8"?>
+<p:notes xmlns:a="http://schemas.openxmlformats.org/drawingml/2006/main" xmlns:r="http://schemas.openxmlformats.org/officeDocument/2006/relationships" xmlns:p="http://schemas.openxmlformats.org/presentationml/2006/main">
+  <p:cSld>
+    <p:spTree>
+      <p:nvGrpSpPr>
+        <p:cNvPr id="1" name=""/>
+        <p:cNvGrpSpPr/>
+        <p:nvPr/>
+      </p:nvGrpSpPr>
+      <p:grpSpPr>
+        <a:xfrm>
+          <a:off x="0" y="0"/>
+          <a:ext cx="0" cy="0"/>
+          <a:chOff x="0" y="0"/>
+          <a:chExt cx="0" cy="0"/>
+        </a:xfrm>
+      </p:grpSpPr>
+      <p:sp>
+        <p:nvSpPr>
+          <p:cNvPr id="2" name="Slide Image Placeholder 1"/>
+          <p:cNvSpPr>
+            <a:spLocks noGrp="1" noRot="1" noChangeAspect="1"/>
+          </p:cNvSpPr>
+          <p:nvPr>
+            <p:ph type="sldImg"/>
+          </p:nvPr>
+        </p:nvSpPr>
+        <p:spPr/>
+      </p:sp>
+      <p:sp>
+        <p:nvSpPr>
+          <p:cNvPr id="3" name="Notes Placeholder 2"/>
+          <p:cNvSpPr>
+            <a:spLocks noGrp="1"/>
+          </p:cNvSpPr>
+          <p:nvPr>
+            <p:ph type="body" idx="1"/>
+          </p:nvPr>
+        </p:nvSpPr>
+        <p:spPr/>
+        <p:txBody>
+          <a:bodyPr/>
+          <a:lstStyle/>
+          <a:p>
+            <a:endParaRPr lang="en-US"/>
+          </a:p>
+        </p:txBody>
+      </p:sp>
+      <p:sp>
+        <p:nvSpPr>
+          <p:cNvPr id="4" name="Slide Number Placeholder 3"/>
+          <p:cNvSpPr>
+            <a:spLocks noGrp="1"/>
+          </p:cNvSpPr>
+          <p:nvPr>
+            <p:ph type="sldNum" sz="quarter" idx="10"/>
+          </p:nvPr>
+        </p:nvSpPr>
+        <p:spPr/>
+        <p:txBody>
+          <a:bodyPr/>
+          <a:lstStyle/>
+          <a:p>
+            <a:pPr>
+              <a:defRPr/>
+            </a:pPr>
+            <a:fld id="{33C126F0-D5BC-46FB-A5E8-CF5096E10E86}" type="slidenum">
+              <a:rPr lang="en-GB" altLang="ja-JP"/>
+              <a:pPr>
+                <a:defRPr/>
+              </a:pPr>
+              <a:t>91</a:t>
+            </a:fld>
+            <a:endParaRPr lang="en-GB" altLang="ja-JP"/>
+          </a:p>
+        </p:txBody>
+      </p:sp>
+    </p:spTree>
+    <p:extLst>
+      <p:ext uri="{BB962C8B-B14F-4D97-AF65-F5344CB8AC3E}">
+        <p14:creationId xmlns:p14="http://schemas.microsoft.com/office/powerpoint/2010/main" val="2913525057"/>
+      </p:ext>
+    </p:extLst>
+  </p:cSld>
+  <p:clrMapOvr>
+    <a:masterClrMapping/>
+  </p:clrMapOvr>
+</p:notes>
+</file>
+
+<file path=ppt/notesSlides/notesSlide92.xml><?xml version="1.0" encoding="utf-8"?>
+<p:notes xmlns:a="http://schemas.openxmlformats.org/drawingml/2006/main" xmlns:r="http://schemas.openxmlformats.org/officeDocument/2006/relationships" xmlns:p="http://schemas.openxmlformats.org/presentationml/2006/main">
+  <p:cSld>
+    <p:spTree>
+      <p:nvGrpSpPr>
+        <p:cNvPr id="1" name=""/>
+        <p:cNvGrpSpPr/>
+        <p:nvPr/>
+      </p:nvGrpSpPr>
+      <p:grpSpPr>
+        <a:xfrm>
+          <a:off x="0" y="0"/>
+          <a:ext cx="0" cy="0"/>
+          <a:chOff x="0" y="0"/>
+          <a:chExt cx="0" cy="0"/>
+        </a:xfrm>
+      </p:grpSpPr>
+      <p:sp>
+        <p:nvSpPr>
+          <p:cNvPr id="2" name="Slide Image Placeholder 1"/>
+          <p:cNvSpPr>
+            <a:spLocks noGrp="1" noRot="1" noChangeAspect="1"/>
+          </p:cNvSpPr>
+          <p:nvPr>
+            <p:ph type="sldImg"/>
+          </p:nvPr>
+        </p:nvSpPr>
+        <p:spPr/>
+      </p:sp>
+      <p:sp>
+        <p:nvSpPr>
+          <p:cNvPr id="3" name="Notes Placeholder 2"/>
+          <p:cNvSpPr>
+            <a:spLocks noGrp="1"/>
+          </p:cNvSpPr>
+          <p:nvPr>
+            <p:ph type="body" idx="1"/>
+          </p:nvPr>
+        </p:nvSpPr>
+        <p:spPr/>
+        <p:txBody>
+          <a:bodyPr/>
+          <a:lstStyle/>
+          <a:p>
+            <a:endParaRPr lang="en-US"/>
+          </a:p>
+        </p:txBody>
+      </p:sp>
+      <p:sp>
+        <p:nvSpPr>
+          <p:cNvPr id="4" name="Slide Number Placeholder 3"/>
+          <p:cNvSpPr>
+            <a:spLocks noGrp="1"/>
+          </p:cNvSpPr>
+          <p:nvPr>
+            <p:ph type="sldNum" sz="quarter" idx="10"/>
+          </p:nvPr>
+        </p:nvSpPr>
+        <p:spPr/>
+        <p:txBody>
+          <a:bodyPr/>
+          <a:lstStyle/>
+          <a:p>
+            <a:pPr>
+              <a:defRPr/>
+            </a:pPr>
+            <a:fld id="{33C126F0-D5BC-46FB-A5E8-CF5096E10E86}" type="slidenum">
+              <a:rPr lang="en-GB" altLang="ja-JP"/>
+              <a:pPr>
+                <a:defRPr/>
+              </a:pPr>
+              <a:t>92</a:t>
+            </a:fld>
+            <a:endParaRPr lang="en-GB" altLang="ja-JP"/>
+          </a:p>
+        </p:txBody>
+      </p:sp>
+    </p:spTree>
+    <p:extLst>
+      <p:ext uri="{BB962C8B-B14F-4D97-AF65-F5344CB8AC3E}">
+        <p14:creationId xmlns:p14="http://schemas.microsoft.com/office/powerpoint/2010/main" val="3709410151"/>
+      </p:ext>
+    </p:extLst>
+  </p:cSld>
+  <p:clrMapOvr>
+    <a:masterClrMapping/>
+  </p:clrMapOvr>
+</p:notes>
+</file>
+
+<file path=ppt/notesSlides/notesSlide93.xml><?xml version="1.0" encoding="utf-8"?>
+<p:notes xmlns:a="http://schemas.openxmlformats.org/drawingml/2006/main" xmlns:r="http://schemas.openxmlformats.org/officeDocument/2006/relationships" xmlns:p="http://schemas.openxmlformats.org/presentationml/2006/main">
+  <p:cSld>
+    <p:spTree>
+      <p:nvGrpSpPr>
+        <p:cNvPr id="1" name=""/>
+        <p:cNvGrpSpPr/>
+        <p:nvPr/>
+      </p:nvGrpSpPr>
+      <p:grpSpPr>
+        <a:xfrm>
+          <a:off x="0" y="0"/>
+          <a:ext cx="0" cy="0"/>
+          <a:chOff x="0" y="0"/>
+          <a:chExt cx="0" cy="0"/>
+        </a:xfrm>
+      </p:grpSpPr>
+      <p:sp>
+        <p:nvSpPr>
+          <p:cNvPr id="2" name="Slide Image Placeholder 1"/>
+          <p:cNvSpPr>
+            <a:spLocks noGrp="1" noRot="1" noChangeAspect="1"/>
+          </p:cNvSpPr>
+          <p:nvPr>
+            <p:ph type="sldImg"/>
+          </p:nvPr>
+        </p:nvSpPr>
+        <p:spPr/>
+      </p:sp>
+      <p:sp>
+        <p:nvSpPr>
+          <p:cNvPr id="3" name="Notes Placeholder 2"/>
+          <p:cNvSpPr>
+            <a:spLocks noGrp="1"/>
+          </p:cNvSpPr>
+          <p:nvPr>
+            <p:ph type="body" idx="1"/>
+          </p:nvPr>
+        </p:nvSpPr>
+        <p:spPr/>
+        <p:txBody>
+          <a:bodyPr/>
+          <a:lstStyle/>
+          <a:p>
+            <a:endParaRPr lang="en-US"/>
+          </a:p>
+        </p:txBody>
+      </p:sp>
+      <p:sp>
+        <p:nvSpPr>
+          <p:cNvPr id="4" name="Slide Number Placeholder 3"/>
+          <p:cNvSpPr>
+            <a:spLocks noGrp="1"/>
+          </p:cNvSpPr>
+          <p:nvPr>
+            <p:ph type="sldNum" sz="quarter" idx="10"/>
+          </p:nvPr>
+        </p:nvSpPr>
+        <p:spPr/>
+        <p:txBody>
+          <a:bodyPr/>
+          <a:lstStyle/>
+          <a:p>
+            <a:pPr>
+              <a:defRPr/>
+            </a:pPr>
+            <a:fld id="{33C126F0-D5BC-46FB-A5E8-CF5096E10E86}" type="slidenum">
+              <a:rPr lang="en-GB" altLang="ja-JP"/>
+              <a:pPr>
+                <a:defRPr/>
+              </a:pPr>
+              <a:t>93</a:t>
+            </a:fld>
+            <a:endParaRPr lang="en-GB" altLang="ja-JP"/>
+          </a:p>
+        </p:txBody>
+      </p:sp>
+    </p:spTree>
+    <p:extLst>
+      <p:ext uri="{BB962C8B-B14F-4D97-AF65-F5344CB8AC3E}">
+        <p14:creationId xmlns:p14="http://schemas.microsoft.com/office/powerpoint/2010/main" val="3211277900"/>
+      </p:ext>
+    </p:extLst>
+  </p:cSld>
+  <p:clrMapOvr>
+    <a:masterClrMapping/>
+  </p:clrMapOvr>
+</p:notes>
+</file>
+
+<file path=ppt/notesSlides/notesSlide94.xml><?xml version="1.0" encoding="utf-8"?>
+<p:notes xmlns:a="http://schemas.openxmlformats.org/drawingml/2006/main" xmlns:r="http://schemas.openxmlformats.org/officeDocument/2006/relationships" xmlns:p="http://schemas.openxmlformats.org/presentationml/2006/main">
+  <p:cSld>
+    <p:spTree>
+      <p:nvGrpSpPr>
+        <p:cNvPr id="1" name=""/>
+        <p:cNvGrpSpPr/>
+        <p:nvPr/>
+      </p:nvGrpSpPr>
+      <p:grpSpPr>
+        <a:xfrm>
+          <a:off x="0" y="0"/>
+          <a:ext cx="0" cy="0"/>
+          <a:chOff x="0" y="0"/>
+          <a:chExt cx="0" cy="0"/>
+        </a:xfrm>
+      </p:grpSpPr>
+      <p:sp>
+        <p:nvSpPr>
+          <p:cNvPr id="2" name="Slide Image Placeholder 1"/>
+          <p:cNvSpPr>
+            <a:spLocks noGrp="1" noRot="1" noChangeAspect="1"/>
+          </p:cNvSpPr>
+          <p:nvPr>
+            <p:ph type="sldImg"/>
+          </p:nvPr>
+        </p:nvSpPr>
+        <p:spPr/>
+      </p:sp>
+      <p:sp>
+        <p:nvSpPr>
+          <p:cNvPr id="3" name="Notes Placeholder 2"/>
+          <p:cNvSpPr>
+            <a:spLocks noGrp="1"/>
+          </p:cNvSpPr>
+          <p:nvPr>
+            <p:ph type="body" idx="1"/>
+          </p:nvPr>
+        </p:nvSpPr>
+        <p:spPr/>
+        <p:txBody>
+          <a:bodyPr/>
+          <a:lstStyle/>
+          <a:p>
+            <a:endParaRPr lang="en-US"/>
+          </a:p>
+        </p:txBody>
+      </p:sp>
+      <p:sp>
+        <p:nvSpPr>
+          <p:cNvPr id="4" name="Slide Number Placeholder 3"/>
+          <p:cNvSpPr>
+            <a:spLocks noGrp="1"/>
+          </p:cNvSpPr>
+          <p:nvPr>
+            <p:ph type="sldNum" sz="quarter" idx="10"/>
+          </p:nvPr>
+        </p:nvSpPr>
+        <p:spPr/>
+        <p:txBody>
+          <a:bodyPr/>
+          <a:lstStyle/>
+          <a:p>
+            <a:pPr>
+              <a:defRPr/>
+            </a:pPr>
+            <a:fld id="{33C126F0-D5BC-46FB-A5E8-CF5096E10E86}" type="slidenum">
+              <a:rPr lang="en-GB" altLang="ja-JP"/>
+              <a:pPr>
+                <a:defRPr/>
+              </a:pPr>
+              <a:t>94</a:t>
+            </a:fld>
+            <a:endParaRPr lang="en-GB" altLang="ja-JP"/>
+          </a:p>
+        </p:txBody>
+      </p:sp>
+    </p:spTree>
+    <p:extLst>
+      <p:ext uri="{BB962C8B-B14F-4D97-AF65-F5344CB8AC3E}">
+        <p14:creationId xmlns:p14="http://schemas.microsoft.com/office/powerpoint/2010/main" val="4270435796"/>
+      </p:ext>
+    </p:extLst>
+  </p:cSld>
+  <p:clrMapOvr>
+    <a:masterClrMapping/>
+  </p:clrMapOvr>
+</p:notes>
+</file>
+
+<file path=ppt/notesSlides/notesSlide95.xml><?xml version="1.0" encoding="utf-8"?>
+<p:notes xmlns:a="http://schemas.openxmlformats.org/drawingml/2006/main" xmlns:r="http://schemas.openxmlformats.org/officeDocument/2006/relationships" xmlns:p="http://schemas.openxmlformats.org/presentationml/2006/main">
+  <p:cSld>
+    <p:spTree>
+      <p:nvGrpSpPr>
+        <p:cNvPr id="1" name=""/>
+        <p:cNvGrpSpPr/>
+        <p:nvPr/>
+      </p:nvGrpSpPr>
+      <p:grpSpPr>
+        <a:xfrm>
+          <a:off x="0" y="0"/>
+          <a:ext cx="0" cy="0"/>
+          <a:chOff x="0" y="0"/>
+          <a:chExt cx="0" cy="0"/>
+        </a:xfrm>
+      </p:grpSpPr>
+      <p:sp>
+        <p:nvSpPr>
+          <p:cNvPr id="2" name="Slide Image Placeholder 1"/>
+          <p:cNvSpPr>
+            <a:spLocks noGrp="1" noRot="1" noChangeAspect="1"/>
+          </p:cNvSpPr>
+          <p:nvPr>
+            <p:ph type="sldImg"/>
+          </p:nvPr>
+        </p:nvSpPr>
+        <p:spPr/>
+      </p:sp>
+      <p:sp>
+        <p:nvSpPr>
+          <p:cNvPr id="3" name="Notes Placeholder 2"/>
+          <p:cNvSpPr>
+            <a:spLocks noGrp="1"/>
+          </p:cNvSpPr>
+          <p:nvPr>
+            <p:ph type="body" idx="1"/>
+          </p:nvPr>
+        </p:nvSpPr>
+        <p:spPr/>
+        <p:txBody>
+          <a:bodyPr/>
+          <a:lstStyle/>
+          <a:p>
+            <a:endParaRPr lang="en-US"/>
+          </a:p>
+        </p:txBody>
+      </p:sp>
+      <p:sp>
+        <p:nvSpPr>
+          <p:cNvPr id="4" name="Slide Number Placeholder 3"/>
+          <p:cNvSpPr>
+            <a:spLocks noGrp="1"/>
+          </p:cNvSpPr>
+          <p:nvPr>
+            <p:ph type="sldNum" sz="quarter" idx="10"/>
+          </p:nvPr>
+        </p:nvSpPr>
+        <p:spPr/>
+        <p:txBody>
+          <a:bodyPr/>
+          <a:lstStyle/>
+          <a:p>
+            <a:pPr>
+              <a:defRPr/>
+            </a:pPr>
+            <a:fld id="{33C126F0-D5BC-46FB-A5E8-CF5096E10E86}" type="slidenum">
+              <a:rPr lang="en-GB" altLang="ja-JP"/>
+              <a:pPr>
+                <a:defRPr/>
+              </a:pPr>
+              <a:t>95</a:t>
+            </a:fld>
+            <a:endParaRPr lang="en-GB" altLang="ja-JP"/>
+          </a:p>
+        </p:txBody>
+      </p:sp>
+    </p:spTree>
+    <p:extLst>
+      <p:ext uri="{BB962C8B-B14F-4D97-AF65-F5344CB8AC3E}">
+        <p14:creationId xmlns:p14="http://schemas.microsoft.com/office/powerpoint/2010/main" val="1074909402"/>
+      </p:ext>
+    </p:extLst>
+  </p:cSld>
+  <p:clrMapOvr>
+    <a:masterClrMapping/>
+  </p:clrMapOvr>
+</p:notes>
+</file>
+
+<file path=ppt/notesSlides/notesSlide96.xml><?xml version="1.0" encoding="utf-8"?>
+<p:notes xmlns:a="http://schemas.openxmlformats.org/drawingml/2006/main" xmlns:r="http://schemas.openxmlformats.org/officeDocument/2006/relationships" xmlns:p="http://schemas.openxmlformats.org/presentationml/2006/main">
+  <p:cSld>
+    <p:spTree>
+      <p:nvGrpSpPr>
+        <p:cNvPr id="1" name=""/>
+        <p:cNvGrpSpPr/>
+        <p:nvPr/>
+      </p:nvGrpSpPr>
+      <p:grpSpPr>
+        <a:xfrm>
+          <a:off x="0" y="0"/>
+          <a:ext cx="0" cy="0"/>
+          <a:chOff x="0" y="0"/>
+          <a:chExt cx="0" cy="0"/>
+        </a:xfrm>
+      </p:grpSpPr>
+      <p:sp>
+        <p:nvSpPr>
+          <p:cNvPr id="2" name="Slide Image Placeholder 1"/>
+          <p:cNvSpPr>
+            <a:spLocks noGrp="1" noRot="1" noChangeAspect="1"/>
+          </p:cNvSpPr>
+          <p:nvPr>
+            <p:ph type="sldImg"/>
+          </p:nvPr>
+        </p:nvSpPr>
+        <p:spPr/>
+      </p:sp>
+      <p:sp>
+        <p:nvSpPr>
+          <p:cNvPr id="3" name="Notes Placeholder 2"/>
+          <p:cNvSpPr>
+            <a:spLocks noGrp="1"/>
+          </p:cNvSpPr>
+          <p:nvPr>
+            <p:ph type="body" idx="1"/>
+          </p:nvPr>
+        </p:nvSpPr>
+        <p:spPr/>
+        <p:txBody>
+          <a:bodyPr/>
+          <a:lstStyle/>
+          <a:p>
+            <a:endParaRPr lang="en-US"/>
+          </a:p>
+        </p:txBody>
+      </p:sp>
+      <p:sp>
+        <p:nvSpPr>
+          <p:cNvPr id="4" name="Slide Number Placeholder 3"/>
+          <p:cNvSpPr>
+            <a:spLocks noGrp="1"/>
+          </p:cNvSpPr>
+          <p:nvPr>
+            <p:ph type="sldNum" sz="quarter" idx="10"/>
+          </p:nvPr>
+        </p:nvSpPr>
+        <p:spPr/>
+        <p:txBody>
+          <a:bodyPr/>
+          <a:lstStyle/>
+          <a:p>
+            <a:pPr>
+              <a:defRPr/>
+            </a:pPr>
+            <a:fld id="{33C126F0-D5BC-46FB-A5E8-CF5096E10E86}" type="slidenum">
+              <a:rPr lang="en-GB" altLang="ja-JP"/>
+              <a:pPr>
+                <a:defRPr/>
+              </a:pPr>
+              <a:t>96</a:t>
+            </a:fld>
+            <a:endParaRPr lang="en-GB" altLang="ja-JP"/>
+          </a:p>
+        </p:txBody>
+      </p:sp>
+    </p:spTree>
+    <p:extLst>
+      <p:ext uri="{BB962C8B-B14F-4D97-AF65-F5344CB8AC3E}">
+        <p14:creationId xmlns:p14="http://schemas.microsoft.com/office/powerpoint/2010/main" val="3389748217"/>
+      </p:ext>
+    </p:extLst>
+  </p:cSld>
+  <p:clrMapOvr>
+    <a:masterClrMapping/>
+  </p:clrMapOvr>
+</p:notes>
+</file>
+
+<file path=ppt/notesSlides/notesSlide97.xml><?xml version="1.0" encoding="utf-8"?>
+<p:notes xmlns:a="http://schemas.openxmlformats.org/drawingml/2006/main" xmlns:r="http://schemas.openxmlformats.org/officeDocument/2006/relationships" xmlns:p="http://schemas.openxmlformats.org/presentationml/2006/main">
+  <p:cSld>
+    <p:spTree>
+      <p:nvGrpSpPr>
+        <p:cNvPr id="1" name=""/>
+        <p:cNvGrpSpPr/>
+        <p:nvPr/>
+      </p:nvGrpSpPr>
+      <p:grpSpPr>
+        <a:xfrm>
+          <a:off x="0" y="0"/>
+          <a:ext cx="0" cy="0"/>
+          <a:chOff x="0" y="0"/>
+          <a:chExt cx="0" cy="0"/>
+        </a:xfrm>
+      </p:grpSpPr>
+      <p:sp>
+        <p:nvSpPr>
+          <p:cNvPr id="2" name="Slide Image Placeholder 1"/>
+          <p:cNvSpPr>
+            <a:spLocks noGrp="1" noRot="1" noChangeAspect="1"/>
+          </p:cNvSpPr>
+          <p:nvPr>
+            <p:ph type="sldImg"/>
+          </p:nvPr>
+        </p:nvSpPr>
+        <p:spPr/>
+      </p:sp>
+      <p:sp>
+        <p:nvSpPr>
+          <p:cNvPr id="3" name="Notes Placeholder 2"/>
+          <p:cNvSpPr>
+            <a:spLocks noGrp="1"/>
+          </p:cNvSpPr>
+          <p:nvPr>
+            <p:ph type="body" idx="1"/>
+          </p:nvPr>
+        </p:nvSpPr>
+        <p:spPr/>
+        <p:txBody>
+          <a:bodyPr/>
+          <a:lstStyle/>
+          <a:p>
+            <a:endParaRPr lang="en-US"/>
+          </a:p>
+        </p:txBody>
+      </p:sp>
+      <p:sp>
+        <p:nvSpPr>
+          <p:cNvPr id="4" name="Slide Number Placeholder 3"/>
+          <p:cNvSpPr>
+            <a:spLocks noGrp="1"/>
+          </p:cNvSpPr>
+          <p:nvPr>
+            <p:ph type="sldNum" sz="quarter" idx="10"/>
+          </p:nvPr>
+        </p:nvSpPr>
+        <p:spPr/>
+        <p:txBody>
+          <a:bodyPr/>
+          <a:lstStyle/>
+          <a:p>
+            <a:pPr>
+              <a:defRPr/>
+            </a:pPr>
+            <a:fld id="{33C126F0-D5BC-46FB-A5E8-CF5096E10E86}" type="slidenum">
+              <a:rPr lang="en-GB" altLang="ja-JP"/>
+              <a:pPr>
+                <a:defRPr/>
+              </a:pPr>
+              <a:t>97</a:t>
+            </a:fld>
+            <a:endParaRPr lang="en-GB" altLang="ja-JP"/>
+          </a:p>
+        </p:txBody>
+      </p:sp>
+    </p:spTree>
+    <p:extLst>
+      <p:ext uri="{BB962C8B-B14F-4D97-AF65-F5344CB8AC3E}">
+        <p14:creationId xmlns:p14="http://schemas.microsoft.com/office/powerpoint/2010/main" val="2643592184"/>
+      </p:ext>
+    </p:extLst>
+  </p:cSld>
+  <p:clrMapOvr>
+    <a:masterClrMapping/>
+  </p:clrMapOvr>
+</p:notes>
+</file>
+
+<file path=ppt/notesSlides/notesSlide98.xml><?xml version="1.0" encoding="utf-8"?>
+<p:notes xmlns:a="http://schemas.openxmlformats.org/drawingml/2006/main" xmlns:r="http://schemas.openxmlformats.org/officeDocument/2006/relationships" xmlns:p="http://schemas.openxmlformats.org/presentationml/2006/main">
+  <p:cSld>
+    <p:spTree>
+      <p:nvGrpSpPr>
+        <p:cNvPr id="1" name=""/>
+        <p:cNvGrpSpPr/>
+        <p:nvPr/>
+      </p:nvGrpSpPr>
+      <p:grpSpPr>
+        <a:xfrm>
+          <a:off x="0" y="0"/>
+          <a:ext cx="0" cy="0"/>
+          <a:chOff x="0" y="0"/>
+          <a:chExt cx="0" cy="0"/>
+        </a:xfrm>
+      </p:grpSpPr>
+      <p:sp>
+        <p:nvSpPr>
+          <p:cNvPr id="2" name="Slide Image Placeholder 1"/>
+          <p:cNvSpPr>
+            <a:spLocks noGrp="1" noRot="1" noChangeAspect="1"/>
+          </p:cNvSpPr>
+          <p:nvPr>
+            <p:ph type="sldImg"/>
+          </p:nvPr>
+        </p:nvSpPr>
+        <p:spPr/>
+      </p:sp>
+      <p:sp>
+        <p:nvSpPr>
+          <p:cNvPr id="3" name="Notes Placeholder 2"/>
+          <p:cNvSpPr>
+            <a:spLocks noGrp="1"/>
+          </p:cNvSpPr>
+          <p:nvPr>
+            <p:ph type="body" idx="1"/>
+          </p:nvPr>
+        </p:nvSpPr>
+        <p:spPr/>
+        <p:txBody>
+          <a:bodyPr/>
+          <a:lstStyle/>
+          <a:p>
+            <a:endParaRPr lang="en-US"/>
+          </a:p>
+        </p:txBody>
+      </p:sp>
+      <p:sp>
+        <p:nvSpPr>
+          <p:cNvPr id="4" name="Slide Number Placeholder 3"/>
+          <p:cNvSpPr>
+            <a:spLocks noGrp="1"/>
+          </p:cNvSpPr>
+          <p:nvPr>
+            <p:ph type="sldNum" sz="quarter" idx="10"/>
+          </p:nvPr>
+        </p:nvSpPr>
+        <p:spPr/>
+        <p:txBody>
+          <a:bodyPr/>
+          <a:lstStyle/>
+          <a:p>
+            <a:pPr>
+              <a:defRPr/>
+            </a:pPr>
+            <a:fld id="{33C126F0-D5BC-46FB-A5E8-CF5096E10E86}" type="slidenum">
+              <a:rPr lang="en-GB" altLang="ja-JP"/>
+              <a:pPr>
+                <a:defRPr/>
+              </a:pPr>
+              <a:t>98</a:t>
+            </a:fld>
+            <a:endParaRPr lang="en-GB" altLang="ja-JP"/>
+          </a:p>
+        </p:txBody>
+      </p:sp>
+    </p:spTree>
+    <p:extLst>
+      <p:ext uri="{BB962C8B-B14F-4D97-AF65-F5344CB8AC3E}">
+        <p14:creationId xmlns:p14="http://schemas.microsoft.com/office/powerpoint/2010/main" val="3183126280"/>
+      </p:ext>
+    </p:extLst>
+  </p:cSld>
+  <p:clrMapOvr>
+    <a:masterClrMapping/>
+  </p:clrMapOvr>
+</p:notes>
+</file>
+
+<file path=ppt/notesSlides/notesSlide99.xml><?xml version="1.0" encoding="utf-8"?>
+<p:notes xmlns:a="http://schemas.openxmlformats.org/drawingml/2006/main" xmlns:r="http://schemas.openxmlformats.org/officeDocument/2006/relationships" xmlns:p="http://schemas.openxmlformats.org/presentationml/2006/main">
+  <p:cSld>
+    <p:spTree>
+      <p:nvGrpSpPr>
+        <p:cNvPr id="1" name=""/>
+        <p:cNvGrpSpPr/>
+        <p:nvPr/>
+      </p:nvGrpSpPr>
+      <p:grpSpPr>
+        <a:xfrm>
+          <a:off x="0" y="0"/>
+          <a:ext cx="0" cy="0"/>
+          <a:chOff x="0" y="0"/>
+          <a:chExt cx="0" cy="0"/>
+        </a:xfrm>
+      </p:grpSpPr>
+      <p:sp>
+        <p:nvSpPr>
+          <p:cNvPr id="2" name="Slide Image Placeholder 1"/>
+          <p:cNvSpPr>
+            <a:spLocks noGrp="1" noRot="1" noChangeAspect="1"/>
+          </p:cNvSpPr>
+          <p:nvPr>
+            <p:ph type="sldImg"/>
+          </p:nvPr>
+        </p:nvSpPr>
+        <p:spPr/>
+      </p:sp>
+      <p:sp>
+        <p:nvSpPr>
+          <p:cNvPr id="3" name="Notes Placeholder 2"/>
+          <p:cNvSpPr>
+            <a:spLocks noGrp="1"/>
+          </p:cNvSpPr>
+          <p:nvPr>
+            <p:ph type="body" idx="1"/>
+          </p:nvPr>
+        </p:nvSpPr>
+        <p:spPr/>
+        <p:txBody>
+          <a:bodyPr/>
+          <a:lstStyle/>
+          <a:p>
+            <a:endParaRPr lang="en-US"/>
+          </a:p>
+        </p:txBody>
+      </p:sp>
+      <p:sp>
+        <p:nvSpPr>
+          <p:cNvPr id="4" name="Slide Number Placeholder 3"/>
+          <p:cNvSpPr>
+            <a:spLocks noGrp="1"/>
+          </p:cNvSpPr>
+          <p:nvPr>
+            <p:ph type="sldNum" sz="quarter" idx="10"/>
+          </p:nvPr>
+        </p:nvSpPr>
+        <p:spPr/>
+        <p:txBody>
+          <a:bodyPr/>
+          <a:lstStyle/>
+          <a:p>
+            <a:pPr>
+              <a:defRPr/>
+            </a:pPr>
+            <a:fld id="{33C126F0-D5BC-46FB-A5E8-CF5096E10E86}" type="slidenum">
+              <a:rPr lang="en-GB" altLang="ja-JP"/>
+              <a:pPr>
+                <a:defRPr/>
+              </a:pPr>
+              <a:t>99</a:t>
+            </a:fld>
+            <a:endParaRPr lang="en-GB" altLang="ja-JP"/>
+          </a:p>
+        </p:txBody>
+      </p:sp>
+    </p:spTree>
+    <p:extLst>
+      <p:ext uri="{BB962C8B-B14F-4D97-AF65-F5344CB8AC3E}">
+        <p14:creationId xmlns:p14="http://schemas.microsoft.com/office/powerpoint/2010/main" val="3868107391"/>
       </p:ext>
     </p:extLst>
   </p:cSld>
@@ -8082,7 +9902,7 @@
               <a:pPr>
                 <a:defRPr/>
               </a:pPr>
-              <a:t>6/7/2020</a:t>
+              <a:t>8/6/2020</a:t>
             </a:fld>
             <a:endParaRPr lang="en-SG" altLang="zh-CN"/>
           </a:p>
@@ -8297,7 +10117,7 @@
               <a:pPr>
                 <a:defRPr/>
               </a:pPr>
-              <a:t>6/7/2020</a:t>
+              <a:t>8/6/2020</a:t>
             </a:fld>
             <a:endParaRPr lang="en-SG" altLang="zh-CN"/>
           </a:p>
@@ -8522,7 +10342,7 @@
               <a:pPr>
                 <a:defRPr/>
               </a:pPr>
-              <a:t>6/7/2020</a:t>
+              <a:t>8/6/2020</a:t>
             </a:fld>
             <a:endParaRPr lang="en-SG" altLang="zh-CN"/>
           </a:p>
@@ -8737,7 +10557,7 @@
               <a:pPr>
                 <a:defRPr/>
               </a:pPr>
-              <a:t>6/7/2020</a:t>
+              <a:t>8/6/2020</a:t>
             </a:fld>
             <a:endParaRPr lang="en-SG" altLang="zh-CN"/>
           </a:p>
@@ -9028,7 +10848,7 @@
               <a:pPr>
                 <a:defRPr/>
               </a:pPr>
-              <a:t>6/7/2020</a:t>
+              <a:t>8/6/2020</a:t>
             </a:fld>
             <a:endParaRPr lang="en-SG" altLang="zh-CN"/>
           </a:p>
@@ -9361,7 +11181,7 @@
               <a:pPr>
                 <a:defRPr/>
               </a:pPr>
-              <a:t>6/7/2020</a:t>
+              <a:t>8/6/2020</a:t>
             </a:fld>
             <a:endParaRPr lang="en-SG" altLang="zh-CN"/>
           </a:p>
@@ -9828,7 +11648,7 @@
               <a:pPr>
                 <a:defRPr/>
               </a:pPr>
-              <a:t>6/7/2020</a:t>
+              <a:t>8/6/2020</a:t>
             </a:fld>
             <a:endParaRPr lang="en-SG" altLang="zh-CN"/>
           </a:p>
@@ -9991,7 +11811,7 @@
               <a:pPr>
                 <a:defRPr/>
               </a:pPr>
-              <a:t>6/7/2020</a:t>
+              <a:t>8/6/2020</a:t>
             </a:fld>
             <a:endParaRPr lang="en-SG" altLang="zh-CN"/>
           </a:p>
@@ -10131,7 +11951,7 @@
               <a:pPr>
                 <a:defRPr/>
               </a:pPr>
-              <a:t>6/7/2020</a:t>
+              <a:t>8/6/2020</a:t>
             </a:fld>
             <a:endParaRPr lang="en-SG" altLang="zh-CN"/>
           </a:p>
@@ -10453,7 +12273,7 @@
               <a:pPr>
                 <a:defRPr/>
               </a:pPr>
-              <a:t>6/7/2020</a:t>
+              <a:t>8/6/2020</a:t>
             </a:fld>
             <a:endParaRPr lang="en-SG" altLang="zh-CN"/>
           </a:p>
@@ -10754,7 +12574,7 @@
               <a:pPr>
                 <a:defRPr/>
               </a:pPr>
-              <a:t>6/7/2020</a:t>
+              <a:t>8/6/2020</a:t>
             </a:fld>
             <a:endParaRPr lang="en-SG" altLang="zh-CN"/>
           </a:p>
@@ -11078,7 +12898,7 @@
               <a:pPr>
                 <a:defRPr/>
               </a:pPr>
-              <a:t>6/7/2020</a:t>
+              <a:t>8/6/2020</a:t>
             </a:fld>
             <a:endParaRPr lang="en-SG" altLang="zh-CN"/>
           </a:p>
@@ -11655,8 +13475,8 @@
         </p:nvSpPr>
         <p:spPr>
           <a:xfrm>
-            <a:off x="479336" y="548752"/>
-            <a:ext cx="8229600" cy="648000"/>
+            <a:off x="97200" y="126000"/>
+            <a:ext cx="8917200" cy="648000"/>
           </a:xfrm>
         </p:spPr>
         <p:txBody>
@@ -11676,40 +13496,9 @@
                   <a:lumOff val="25000"/>
                 </a:schemeClr>
               </a:solidFill>
-              <a:latin typeface="Calibri" panose="020F0502020204030204" pitchFamily="34" charset="0"/>
+              <a:latin typeface="MS PGothic" panose="020B0600070205080204" pitchFamily="34" charset="-128"/>
               <a:ea typeface="MS PGothic" panose="020B0600070205080204" pitchFamily="34" charset="-128"/>
-              <a:cs typeface="Calibri" panose="020F0502020204030204" pitchFamily="34" charset="0"/>
             </a:endParaRPr>
-          </a:p>
-        </p:txBody>
-      </p:sp>
-      <p:sp>
-        <p:nvSpPr>
-          <p:cNvPr id="7" name="Content Placeholder 1">
-            <a:extLst>
-              <a:ext uri="{FF2B5EF4-FFF2-40B4-BE49-F238E27FC236}">
-                <a16:creationId xmlns:a16="http://schemas.microsoft.com/office/drawing/2014/main" id="{A72BB791-A951-40D7-9201-6888E462357B}"/>
-              </a:ext>
-            </a:extLst>
-          </p:cNvPr>
-          <p:cNvSpPr>
-            <a:spLocks noGrp="1"/>
-          </p:cNvSpPr>
-          <p:nvPr>
-            <p:ph idx="1"/>
-          </p:nvPr>
-        </p:nvSpPr>
-        <p:spPr>
-          <a:xfrm>
-            <a:off x="457200" y="1600200"/>
-            <a:ext cx="8229600" cy="4525963"/>
-          </a:xfrm>
-        </p:spPr>
-        <p:txBody>
-          <a:bodyPr/>
-          <a:lstStyle/>
-          <a:p>
-            <a:endParaRPr kumimoji="1" lang="ja-JP" altLang="en-US"/>
           </a:p>
         </p:txBody>
       </p:sp>
@@ -11793,8 +13582,8 @@
         </p:nvSpPr>
         <p:spPr>
           <a:xfrm>
-            <a:off x="479336" y="548752"/>
-            <a:ext cx="8229600" cy="648000"/>
+            <a:off x="97200" y="126000"/>
+            <a:ext cx="8917200" cy="648000"/>
           </a:xfrm>
         </p:spPr>
         <p:txBody>
@@ -11814,47 +13603,123 @@
                   <a:lumOff val="25000"/>
                 </a:schemeClr>
               </a:solidFill>
-              <a:latin typeface="Calibri" panose="020F0502020204030204" pitchFamily="34" charset="0"/>
+              <a:latin typeface="MS PGothic" panose="020B0600070205080204" pitchFamily="34" charset="-128"/>
               <a:ea typeface="MS PGothic" panose="020B0600070205080204" pitchFamily="34" charset="-128"/>
-              <a:cs typeface="Calibri" panose="020F0502020204030204" pitchFamily="34" charset="0"/>
             </a:endParaRPr>
           </a:p>
         </p:txBody>
       </p:sp>
-      <p:sp>
-        <p:nvSpPr>
-          <p:cNvPr id="7" name="Content Placeholder 1">
+    </p:spTree>
+    <p:extLst>
+      <p:ext uri="{BB962C8B-B14F-4D97-AF65-F5344CB8AC3E}">
+        <p14:creationId xmlns:p14="http://schemas.microsoft.com/office/powerpoint/2010/main" val="213241367"/>
+      </p:ext>
+    </p:extLst>
+  </p:cSld>
+  <p:clrMapOvr>
+    <a:masterClrMapping/>
+  </p:clrMapOvr>
+</p:sld>
+</file>
+
+<file path=ppt/slides/slide100.xml><?xml version="1.0" encoding="utf-8"?>
+<p:sld xmlns:a="http://schemas.openxmlformats.org/drawingml/2006/main" xmlns:r="http://schemas.openxmlformats.org/officeDocument/2006/relationships" xmlns:p="http://schemas.openxmlformats.org/presentationml/2006/main">
+  <p:cSld>
+    <p:spTree>
+      <p:nvGrpSpPr>
+        <p:cNvPr id="1" name=""/>
+        <p:cNvGrpSpPr/>
+        <p:nvPr/>
+      </p:nvGrpSpPr>
+      <p:grpSpPr>
+        <a:xfrm>
+          <a:off x="0" y="0"/>
+          <a:ext cx="0" cy="0"/>
+          <a:chOff x="0" y="0"/>
+          <a:chExt cx="0" cy="0"/>
+        </a:xfrm>
+      </p:grpSpPr>
+      <p:sp>
+        <p:nvSpPr>
+          <p:cNvPr id="3" name="TextBox 2">
             <a:extLst>
               <a:ext uri="{FF2B5EF4-FFF2-40B4-BE49-F238E27FC236}">
-                <a16:creationId xmlns:a16="http://schemas.microsoft.com/office/drawing/2014/main" id="{A72BB791-A951-40D7-9201-6888E462357B}"/>
+                <a16:creationId xmlns:a16="http://schemas.microsoft.com/office/drawing/2014/main" id="{CAC89241-8DEF-4A64-B416-7FEDEACAEAA8}"/>
               </a:ext>
             </a:extLst>
           </p:cNvPr>
-          <p:cNvSpPr>
-            <a:spLocks noGrp="1"/>
-          </p:cNvSpPr>
-          <p:nvPr>
-            <p:ph idx="1"/>
-          </p:nvPr>
+          <p:cNvSpPr txBox="1"/>
+          <p:nvPr/>
         </p:nvSpPr>
         <p:spPr>
           <a:xfrm>
-            <a:off x="457200" y="1600200"/>
-            <a:ext cx="8229600" cy="4525963"/>
+            <a:off x="98474" y="127000"/>
+            <a:ext cx="8918526" cy="646331"/>
+          </a:xfrm>
+          <a:prstGeom prst="rect">
+            <a:avLst/>
+          </a:prstGeom>
+          <a:noFill/>
+        </p:spPr>
+        <p:txBody>
+          <a:bodyPr vert="horz" wrap="square" rtlCol="0">
+            <a:spAutoFit/>
+          </a:bodyPr>
+          <a:lstStyle/>
+          <a:p>
+            <a:endParaRPr lang="en-US" sz="3600" dirty="0"/>
+          </a:p>
+        </p:txBody>
+      </p:sp>
+      <p:sp>
+        <p:nvSpPr>
+          <p:cNvPr id="6" name="Title 1">
+            <a:extLst>
+              <a:ext uri="{FF2B5EF4-FFF2-40B4-BE49-F238E27FC236}">
+                <a16:creationId xmlns:a16="http://schemas.microsoft.com/office/drawing/2014/main" id="{5FB3CCF4-1DC4-43A7-8B39-459BC2520CE3}"/>
+              </a:ext>
+            </a:extLst>
+          </p:cNvPr>
+          <p:cNvSpPr>
+            <a:spLocks noGrp="1"/>
+          </p:cNvSpPr>
+          <p:nvPr>
+            <p:ph type="title"/>
+          </p:nvPr>
+        </p:nvSpPr>
+        <p:spPr>
+          <a:xfrm>
+            <a:off x="97200" y="126000"/>
+            <a:ext cx="8917200" cy="648000"/>
           </a:xfrm>
         </p:spPr>
         <p:txBody>
           <a:bodyPr/>
           <a:lstStyle/>
           <a:p>
-            <a:endParaRPr kumimoji="1" lang="ja-JP" altLang="en-US"/>
+            <a:pPr algn="l">
+              <a:lnSpc>
+                <a:spcPct val="90000"/>
+              </a:lnSpc>
+              <a:defRPr/>
+            </a:pPr>
+            <a:endParaRPr lang="en-US" sz="3600" dirty="0">
+              <a:solidFill>
+                <a:schemeClr val="tx1">
+                  <a:lumMod val="75000"/>
+                  <a:lumOff val="25000"/>
+                </a:schemeClr>
+              </a:solidFill>
+              <a:latin typeface="MS PGothic" panose="020B0600070205080204" pitchFamily="34" charset="-128"/>
+              <a:ea typeface="MS PGothic" panose="020B0600070205080204" pitchFamily="34" charset="-128"/>
+            </a:endParaRPr>
           </a:p>
         </p:txBody>
       </p:sp>
     </p:spTree>
     <p:extLst>
       <p:ext uri="{BB962C8B-B14F-4D97-AF65-F5344CB8AC3E}">
-        <p14:creationId xmlns:p14="http://schemas.microsoft.com/office/powerpoint/2010/main" val="1423292627"/>
+        <p14:creationId xmlns:p14="http://schemas.microsoft.com/office/powerpoint/2010/main" val="4221343144"/>
       </p:ext>
     </p:extLst>
   </p:cSld>
@@ -11931,8 +13796,8 @@
         </p:nvSpPr>
         <p:spPr>
           <a:xfrm>
-            <a:off x="479336" y="548752"/>
-            <a:ext cx="8229600" cy="648000"/>
+            <a:off x="97200" y="126000"/>
+            <a:ext cx="8917200" cy="648000"/>
           </a:xfrm>
         </p:spPr>
         <p:txBody>
@@ -11952,47 +13817,16 @@
                   <a:lumOff val="25000"/>
                 </a:schemeClr>
               </a:solidFill>
-              <a:latin typeface="Calibri" panose="020F0502020204030204" pitchFamily="34" charset="0"/>
+              <a:latin typeface="MS PGothic" panose="020B0600070205080204" pitchFamily="34" charset="-128"/>
               <a:ea typeface="MS PGothic" panose="020B0600070205080204" pitchFamily="34" charset="-128"/>
-              <a:cs typeface="Calibri" panose="020F0502020204030204" pitchFamily="34" charset="0"/>
             </a:endParaRPr>
-          </a:p>
-        </p:txBody>
-      </p:sp>
-      <p:sp>
-        <p:nvSpPr>
-          <p:cNvPr id="7" name="Content Placeholder 1">
-            <a:extLst>
-              <a:ext uri="{FF2B5EF4-FFF2-40B4-BE49-F238E27FC236}">
-                <a16:creationId xmlns:a16="http://schemas.microsoft.com/office/drawing/2014/main" id="{A72BB791-A951-40D7-9201-6888E462357B}"/>
-              </a:ext>
-            </a:extLst>
-          </p:cNvPr>
-          <p:cNvSpPr>
-            <a:spLocks noGrp="1"/>
-          </p:cNvSpPr>
-          <p:nvPr>
-            <p:ph idx="1"/>
-          </p:nvPr>
-        </p:nvSpPr>
-        <p:spPr>
-          <a:xfrm>
-            <a:off x="457200" y="1600200"/>
-            <a:ext cx="8229600" cy="4525963"/>
-          </a:xfrm>
-        </p:spPr>
-        <p:txBody>
-          <a:bodyPr/>
-          <a:lstStyle/>
-          <a:p>
-            <a:endParaRPr kumimoji="1" lang="ja-JP" altLang="en-US"/>
           </a:p>
         </p:txBody>
       </p:sp>
     </p:spTree>
     <p:extLst>
       <p:ext uri="{BB962C8B-B14F-4D97-AF65-F5344CB8AC3E}">
-        <p14:creationId xmlns:p14="http://schemas.microsoft.com/office/powerpoint/2010/main" val="1133907778"/>
+        <p14:creationId xmlns:p14="http://schemas.microsoft.com/office/powerpoint/2010/main" val="464527377"/>
       </p:ext>
     </p:extLst>
   </p:cSld>
@@ -12069,8 +13903,8 @@
         </p:nvSpPr>
         <p:spPr>
           <a:xfrm>
-            <a:off x="479336" y="548752"/>
-            <a:ext cx="8229600" cy="648000"/>
+            <a:off x="97200" y="126000"/>
+            <a:ext cx="8917200" cy="648000"/>
           </a:xfrm>
         </p:spPr>
         <p:txBody>
@@ -12090,47 +13924,16 @@
                   <a:lumOff val="25000"/>
                 </a:schemeClr>
               </a:solidFill>
-              <a:latin typeface="Calibri" panose="020F0502020204030204" pitchFamily="34" charset="0"/>
+              <a:latin typeface="MS PGothic" panose="020B0600070205080204" pitchFamily="34" charset="-128"/>
               <a:ea typeface="MS PGothic" panose="020B0600070205080204" pitchFamily="34" charset="-128"/>
-              <a:cs typeface="Calibri" panose="020F0502020204030204" pitchFamily="34" charset="0"/>
             </a:endParaRPr>
-          </a:p>
-        </p:txBody>
-      </p:sp>
-      <p:sp>
-        <p:nvSpPr>
-          <p:cNvPr id="7" name="Content Placeholder 1">
-            <a:extLst>
-              <a:ext uri="{FF2B5EF4-FFF2-40B4-BE49-F238E27FC236}">
-                <a16:creationId xmlns:a16="http://schemas.microsoft.com/office/drawing/2014/main" id="{A72BB791-A951-40D7-9201-6888E462357B}"/>
-              </a:ext>
-            </a:extLst>
-          </p:cNvPr>
-          <p:cNvSpPr>
-            <a:spLocks noGrp="1"/>
-          </p:cNvSpPr>
-          <p:nvPr>
-            <p:ph idx="1"/>
-          </p:nvPr>
-        </p:nvSpPr>
-        <p:spPr>
-          <a:xfrm>
-            <a:off x="457200" y="1600200"/>
-            <a:ext cx="8229600" cy="4525963"/>
-          </a:xfrm>
-        </p:spPr>
-        <p:txBody>
-          <a:bodyPr/>
-          <a:lstStyle/>
-          <a:p>
-            <a:endParaRPr kumimoji="1" lang="ja-JP" altLang="en-US"/>
           </a:p>
         </p:txBody>
       </p:sp>
     </p:spTree>
     <p:extLst>
       <p:ext uri="{BB962C8B-B14F-4D97-AF65-F5344CB8AC3E}">
-        <p14:creationId xmlns:p14="http://schemas.microsoft.com/office/powerpoint/2010/main" val="1980772116"/>
+        <p14:creationId xmlns:p14="http://schemas.microsoft.com/office/powerpoint/2010/main" val="3134246474"/>
       </p:ext>
     </p:extLst>
   </p:cSld>
@@ -12207,8 +14010,8 @@
         </p:nvSpPr>
         <p:spPr>
           <a:xfrm>
-            <a:off x="479336" y="548752"/>
-            <a:ext cx="8229600" cy="648000"/>
+            <a:off x="97200" y="126000"/>
+            <a:ext cx="8917200" cy="648000"/>
           </a:xfrm>
         </p:spPr>
         <p:txBody>
@@ -12228,47 +14031,16 @@
                   <a:lumOff val="25000"/>
                 </a:schemeClr>
               </a:solidFill>
-              <a:latin typeface="Calibri" panose="020F0502020204030204" pitchFamily="34" charset="0"/>
+              <a:latin typeface="MS PGothic" panose="020B0600070205080204" pitchFamily="34" charset="-128"/>
               <a:ea typeface="MS PGothic" panose="020B0600070205080204" pitchFamily="34" charset="-128"/>
-              <a:cs typeface="Calibri" panose="020F0502020204030204" pitchFamily="34" charset="0"/>
             </a:endParaRPr>
-          </a:p>
-        </p:txBody>
-      </p:sp>
-      <p:sp>
-        <p:nvSpPr>
-          <p:cNvPr id="7" name="Content Placeholder 1">
-            <a:extLst>
-              <a:ext uri="{FF2B5EF4-FFF2-40B4-BE49-F238E27FC236}">
-                <a16:creationId xmlns:a16="http://schemas.microsoft.com/office/drawing/2014/main" id="{A72BB791-A951-40D7-9201-6888E462357B}"/>
-              </a:ext>
-            </a:extLst>
-          </p:cNvPr>
-          <p:cNvSpPr>
-            <a:spLocks noGrp="1"/>
-          </p:cNvSpPr>
-          <p:nvPr>
-            <p:ph idx="1"/>
-          </p:nvPr>
-        </p:nvSpPr>
-        <p:spPr>
-          <a:xfrm>
-            <a:off x="457200" y="1600200"/>
-            <a:ext cx="8229600" cy="4525963"/>
-          </a:xfrm>
-        </p:spPr>
-        <p:txBody>
-          <a:bodyPr/>
-          <a:lstStyle/>
-          <a:p>
-            <a:endParaRPr kumimoji="1" lang="ja-JP" altLang="en-US"/>
           </a:p>
         </p:txBody>
       </p:sp>
     </p:spTree>
     <p:extLst>
       <p:ext uri="{BB962C8B-B14F-4D97-AF65-F5344CB8AC3E}">
-        <p14:creationId xmlns:p14="http://schemas.microsoft.com/office/powerpoint/2010/main" val="3026093672"/>
+        <p14:creationId xmlns:p14="http://schemas.microsoft.com/office/powerpoint/2010/main" val="1941975044"/>
       </p:ext>
     </p:extLst>
   </p:cSld>
@@ -12345,8 +14117,8 @@
         </p:nvSpPr>
         <p:spPr>
           <a:xfrm>
-            <a:off x="479336" y="548752"/>
-            <a:ext cx="8229600" cy="648000"/>
+            <a:off x="97200" y="126000"/>
+            <a:ext cx="8917200" cy="648000"/>
           </a:xfrm>
         </p:spPr>
         <p:txBody>
@@ -12366,47 +14138,16 @@
                   <a:lumOff val="25000"/>
                 </a:schemeClr>
               </a:solidFill>
-              <a:latin typeface="Calibri" panose="020F0502020204030204" pitchFamily="34" charset="0"/>
+              <a:latin typeface="MS PGothic" panose="020B0600070205080204" pitchFamily="34" charset="-128"/>
               <a:ea typeface="MS PGothic" panose="020B0600070205080204" pitchFamily="34" charset="-128"/>
-              <a:cs typeface="Calibri" panose="020F0502020204030204" pitchFamily="34" charset="0"/>
             </a:endParaRPr>
-          </a:p>
-        </p:txBody>
-      </p:sp>
-      <p:sp>
-        <p:nvSpPr>
-          <p:cNvPr id="7" name="Content Placeholder 1">
-            <a:extLst>
-              <a:ext uri="{FF2B5EF4-FFF2-40B4-BE49-F238E27FC236}">
-                <a16:creationId xmlns:a16="http://schemas.microsoft.com/office/drawing/2014/main" id="{A72BB791-A951-40D7-9201-6888E462357B}"/>
-              </a:ext>
-            </a:extLst>
-          </p:cNvPr>
-          <p:cNvSpPr>
-            <a:spLocks noGrp="1"/>
-          </p:cNvSpPr>
-          <p:nvPr>
-            <p:ph idx="1"/>
-          </p:nvPr>
-        </p:nvSpPr>
-        <p:spPr>
-          <a:xfrm>
-            <a:off x="457200" y="1600200"/>
-            <a:ext cx="8229600" cy="4525963"/>
-          </a:xfrm>
-        </p:spPr>
-        <p:txBody>
-          <a:bodyPr/>
-          <a:lstStyle/>
-          <a:p>
-            <a:endParaRPr kumimoji="1" lang="ja-JP" altLang="en-US"/>
           </a:p>
         </p:txBody>
       </p:sp>
     </p:spTree>
     <p:extLst>
       <p:ext uri="{BB962C8B-B14F-4D97-AF65-F5344CB8AC3E}">
-        <p14:creationId xmlns:p14="http://schemas.microsoft.com/office/powerpoint/2010/main" val="1329668506"/>
+        <p14:creationId xmlns:p14="http://schemas.microsoft.com/office/powerpoint/2010/main" val="4008865239"/>
       </p:ext>
     </p:extLst>
   </p:cSld>
@@ -12483,8 +14224,8 @@
         </p:nvSpPr>
         <p:spPr>
           <a:xfrm>
-            <a:off x="479336" y="548752"/>
-            <a:ext cx="8229600" cy="648000"/>
+            <a:off x="97200" y="126000"/>
+            <a:ext cx="8917200" cy="648000"/>
           </a:xfrm>
         </p:spPr>
         <p:txBody>
@@ -12504,47 +14245,16 @@
                   <a:lumOff val="25000"/>
                 </a:schemeClr>
               </a:solidFill>
-              <a:latin typeface="Calibri" panose="020F0502020204030204" pitchFamily="34" charset="0"/>
+              <a:latin typeface="MS PGothic" panose="020B0600070205080204" pitchFamily="34" charset="-128"/>
               <a:ea typeface="MS PGothic" panose="020B0600070205080204" pitchFamily="34" charset="-128"/>
-              <a:cs typeface="Calibri" panose="020F0502020204030204" pitchFamily="34" charset="0"/>
             </a:endParaRPr>
-          </a:p>
-        </p:txBody>
-      </p:sp>
-      <p:sp>
-        <p:nvSpPr>
-          <p:cNvPr id="7" name="Content Placeholder 1">
-            <a:extLst>
-              <a:ext uri="{FF2B5EF4-FFF2-40B4-BE49-F238E27FC236}">
-                <a16:creationId xmlns:a16="http://schemas.microsoft.com/office/drawing/2014/main" id="{A72BB791-A951-40D7-9201-6888E462357B}"/>
-              </a:ext>
-            </a:extLst>
-          </p:cNvPr>
-          <p:cNvSpPr>
-            <a:spLocks noGrp="1"/>
-          </p:cNvSpPr>
-          <p:nvPr>
-            <p:ph idx="1"/>
-          </p:nvPr>
-        </p:nvSpPr>
-        <p:spPr>
-          <a:xfrm>
-            <a:off x="457200" y="1600200"/>
-            <a:ext cx="8229600" cy="4525963"/>
-          </a:xfrm>
-        </p:spPr>
-        <p:txBody>
-          <a:bodyPr/>
-          <a:lstStyle/>
-          <a:p>
-            <a:endParaRPr kumimoji="1" lang="ja-JP" altLang="en-US"/>
           </a:p>
         </p:txBody>
       </p:sp>
     </p:spTree>
     <p:extLst>
       <p:ext uri="{BB962C8B-B14F-4D97-AF65-F5344CB8AC3E}">
-        <p14:creationId xmlns:p14="http://schemas.microsoft.com/office/powerpoint/2010/main" val="1509765670"/>
+        <p14:creationId xmlns:p14="http://schemas.microsoft.com/office/powerpoint/2010/main" val="4198322589"/>
       </p:ext>
     </p:extLst>
   </p:cSld>
@@ -12621,8 +14331,8 @@
         </p:nvSpPr>
         <p:spPr>
           <a:xfrm>
-            <a:off x="479336" y="548752"/>
-            <a:ext cx="8229600" cy="648000"/>
+            <a:off x="97200" y="126000"/>
+            <a:ext cx="8917200" cy="648000"/>
           </a:xfrm>
         </p:spPr>
         <p:txBody>
@@ -12642,47 +14352,16 @@
                   <a:lumOff val="25000"/>
                 </a:schemeClr>
               </a:solidFill>
-              <a:latin typeface="Calibri" panose="020F0502020204030204" pitchFamily="34" charset="0"/>
+              <a:latin typeface="MS PGothic" panose="020B0600070205080204" pitchFamily="34" charset="-128"/>
               <a:ea typeface="MS PGothic" panose="020B0600070205080204" pitchFamily="34" charset="-128"/>
-              <a:cs typeface="Calibri" panose="020F0502020204030204" pitchFamily="34" charset="0"/>
             </a:endParaRPr>
-          </a:p>
-        </p:txBody>
-      </p:sp>
-      <p:sp>
-        <p:nvSpPr>
-          <p:cNvPr id="7" name="Content Placeholder 1">
-            <a:extLst>
-              <a:ext uri="{FF2B5EF4-FFF2-40B4-BE49-F238E27FC236}">
-                <a16:creationId xmlns:a16="http://schemas.microsoft.com/office/drawing/2014/main" id="{A72BB791-A951-40D7-9201-6888E462357B}"/>
-              </a:ext>
-            </a:extLst>
-          </p:cNvPr>
-          <p:cNvSpPr>
-            <a:spLocks noGrp="1"/>
-          </p:cNvSpPr>
-          <p:nvPr>
-            <p:ph idx="1"/>
-          </p:nvPr>
-        </p:nvSpPr>
-        <p:spPr>
-          <a:xfrm>
-            <a:off x="457200" y="1600200"/>
-            <a:ext cx="8229600" cy="4525963"/>
-          </a:xfrm>
-        </p:spPr>
-        <p:txBody>
-          <a:bodyPr/>
-          <a:lstStyle/>
-          <a:p>
-            <a:endParaRPr kumimoji="1" lang="ja-JP" altLang="en-US"/>
           </a:p>
         </p:txBody>
       </p:sp>
     </p:spTree>
     <p:extLst>
       <p:ext uri="{BB962C8B-B14F-4D97-AF65-F5344CB8AC3E}">
-        <p14:creationId xmlns:p14="http://schemas.microsoft.com/office/powerpoint/2010/main" val="1062104862"/>
+        <p14:creationId xmlns:p14="http://schemas.microsoft.com/office/powerpoint/2010/main" val="2285263893"/>
       </p:ext>
     </p:extLst>
   </p:cSld>
@@ -12759,8 +14438,8 @@
         </p:nvSpPr>
         <p:spPr>
           <a:xfrm>
-            <a:off x="479336" y="548752"/>
-            <a:ext cx="8229600" cy="648000"/>
+            <a:off x="97200" y="126000"/>
+            <a:ext cx="8917200" cy="648000"/>
           </a:xfrm>
         </p:spPr>
         <p:txBody>
@@ -12780,47 +14459,16 @@
                   <a:lumOff val="25000"/>
                 </a:schemeClr>
               </a:solidFill>
-              <a:latin typeface="Calibri" panose="020F0502020204030204" pitchFamily="34" charset="0"/>
+              <a:latin typeface="MS PGothic" panose="020B0600070205080204" pitchFamily="34" charset="-128"/>
               <a:ea typeface="MS PGothic" panose="020B0600070205080204" pitchFamily="34" charset="-128"/>
-              <a:cs typeface="Calibri" panose="020F0502020204030204" pitchFamily="34" charset="0"/>
             </a:endParaRPr>
-          </a:p>
-        </p:txBody>
-      </p:sp>
-      <p:sp>
-        <p:nvSpPr>
-          <p:cNvPr id="7" name="Content Placeholder 1">
-            <a:extLst>
-              <a:ext uri="{FF2B5EF4-FFF2-40B4-BE49-F238E27FC236}">
-                <a16:creationId xmlns:a16="http://schemas.microsoft.com/office/drawing/2014/main" id="{A72BB791-A951-40D7-9201-6888E462357B}"/>
-              </a:ext>
-            </a:extLst>
-          </p:cNvPr>
-          <p:cNvSpPr>
-            <a:spLocks noGrp="1"/>
-          </p:cNvSpPr>
-          <p:nvPr>
-            <p:ph idx="1"/>
-          </p:nvPr>
-        </p:nvSpPr>
-        <p:spPr>
-          <a:xfrm>
-            <a:off x="457200" y="1600200"/>
-            <a:ext cx="8229600" cy="4525963"/>
-          </a:xfrm>
-        </p:spPr>
-        <p:txBody>
-          <a:bodyPr/>
-          <a:lstStyle/>
-          <a:p>
-            <a:endParaRPr kumimoji="1" lang="ja-JP" altLang="en-US"/>
           </a:p>
         </p:txBody>
       </p:sp>
     </p:spTree>
     <p:extLst>
       <p:ext uri="{BB962C8B-B14F-4D97-AF65-F5344CB8AC3E}">
-        <p14:creationId xmlns:p14="http://schemas.microsoft.com/office/powerpoint/2010/main" val="4009775611"/>
+        <p14:creationId xmlns:p14="http://schemas.microsoft.com/office/powerpoint/2010/main" val="4154957187"/>
       </p:ext>
     </p:extLst>
   </p:cSld>
@@ -12897,8 +14545,8 @@
         </p:nvSpPr>
         <p:spPr>
           <a:xfrm>
-            <a:off x="479336" y="548752"/>
-            <a:ext cx="8229600" cy="648000"/>
+            <a:off x="97200" y="126000"/>
+            <a:ext cx="8917200" cy="648000"/>
           </a:xfrm>
         </p:spPr>
         <p:txBody>
@@ -12918,47 +14566,16 @@
                   <a:lumOff val="25000"/>
                 </a:schemeClr>
               </a:solidFill>
-              <a:latin typeface="Calibri" panose="020F0502020204030204" pitchFamily="34" charset="0"/>
+              <a:latin typeface="MS PGothic" panose="020B0600070205080204" pitchFamily="34" charset="-128"/>
               <a:ea typeface="MS PGothic" panose="020B0600070205080204" pitchFamily="34" charset="-128"/>
-              <a:cs typeface="Calibri" panose="020F0502020204030204" pitchFamily="34" charset="0"/>
             </a:endParaRPr>
-          </a:p>
-        </p:txBody>
-      </p:sp>
-      <p:sp>
-        <p:nvSpPr>
-          <p:cNvPr id="7" name="Content Placeholder 1">
-            <a:extLst>
-              <a:ext uri="{FF2B5EF4-FFF2-40B4-BE49-F238E27FC236}">
-                <a16:creationId xmlns:a16="http://schemas.microsoft.com/office/drawing/2014/main" id="{A72BB791-A951-40D7-9201-6888E462357B}"/>
-              </a:ext>
-            </a:extLst>
-          </p:cNvPr>
-          <p:cNvSpPr>
-            <a:spLocks noGrp="1"/>
-          </p:cNvSpPr>
-          <p:nvPr>
-            <p:ph idx="1"/>
-          </p:nvPr>
-        </p:nvSpPr>
-        <p:spPr>
-          <a:xfrm>
-            <a:off x="457200" y="1600200"/>
-            <a:ext cx="8229600" cy="4525963"/>
-          </a:xfrm>
-        </p:spPr>
-        <p:txBody>
-          <a:bodyPr/>
-          <a:lstStyle/>
-          <a:p>
-            <a:endParaRPr kumimoji="1" lang="ja-JP" altLang="en-US"/>
           </a:p>
         </p:txBody>
       </p:sp>
     </p:spTree>
     <p:extLst>
       <p:ext uri="{BB962C8B-B14F-4D97-AF65-F5344CB8AC3E}">
-        <p14:creationId xmlns:p14="http://schemas.microsoft.com/office/powerpoint/2010/main" val="2641212495"/>
+        <p14:creationId xmlns:p14="http://schemas.microsoft.com/office/powerpoint/2010/main" val="3277249316"/>
       </p:ext>
     </p:extLst>
   </p:cSld>
@@ -13035,8 +14652,8 @@
         </p:nvSpPr>
         <p:spPr>
           <a:xfrm>
-            <a:off x="479336" y="548752"/>
-            <a:ext cx="8229600" cy="648000"/>
+            <a:off x="97200" y="126000"/>
+            <a:ext cx="8917200" cy="648000"/>
           </a:xfrm>
         </p:spPr>
         <p:txBody>
@@ -13056,47 +14673,16 @@
                   <a:lumOff val="25000"/>
                 </a:schemeClr>
               </a:solidFill>
-              <a:latin typeface="Calibri" panose="020F0502020204030204" pitchFamily="34" charset="0"/>
+              <a:latin typeface="MS PGothic" panose="020B0600070205080204" pitchFamily="34" charset="-128"/>
               <a:ea typeface="MS PGothic" panose="020B0600070205080204" pitchFamily="34" charset="-128"/>
-              <a:cs typeface="Calibri" panose="020F0502020204030204" pitchFamily="34" charset="0"/>
             </a:endParaRPr>
-          </a:p>
-        </p:txBody>
-      </p:sp>
-      <p:sp>
-        <p:nvSpPr>
-          <p:cNvPr id="7" name="Content Placeholder 1">
-            <a:extLst>
-              <a:ext uri="{FF2B5EF4-FFF2-40B4-BE49-F238E27FC236}">
-                <a16:creationId xmlns:a16="http://schemas.microsoft.com/office/drawing/2014/main" id="{A72BB791-A951-40D7-9201-6888E462357B}"/>
-              </a:ext>
-            </a:extLst>
-          </p:cNvPr>
-          <p:cNvSpPr>
-            <a:spLocks noGrp="1"/>
-          </p:cNvSpPr>
-          <p:nvPr>
-            <p:ph idx="1"/>
-          </p:nvPr>
-        </p:nvSpPr>
-        <p:spPr>
-          <a:xfrm>
-            <a:off x="457200" y="1600200"/>
-            <a:ext cx="8229600" cy="4525963"/>
-          </a:xfrm>
-        </p:spPr>
-        <p:txBody>
-          <a:bodyPr/>
-          <a:lstStyle/>
-          <a:p>
-            <a:endParaRPr kumimoji="1" lang="ja-JP" altLang="en-US"/>
           </a:p>
         </p:txBody>
       </p:sp>
     </p:spTree>
     <p:extLst>
       <p:ext uri="{BB962C8B-B14F-4D97-AF65-F5344CB8AC3E}">
-        <p14:creationId xmlns:p14="http://schemas.microsoft.com/office/powerpoint/2010/main" val="3862625857"/>
+        <p14:creationId xmlns:p14="http://schemas.microsoft.com/office/powerpoint/2010/main" val="4016795810"/>
       </p:ext>
     </p:extLst>
   </p:cSld>
@@ -13173,8 +14759,8 @@
         </p:nvSpPr>
         <p:spPr>
           <a:xfrm>
-            <a:off x="479336" y="548752"/>
-            <a:ext cx="8229600" cy="648000"/>
+            <a:off x="97200" y="126000"/>
+            <a:ext cx="8917200" cy="648000"/>
           </a:xfrm>
         </p:spPr>
         <p:txBody>
@@ -13194,47 +14780,16 @@
                   <a:lumOff val="25000"/>
                 </a:schemeClr>
               </a:solidFill>
-              <a:latin typeface="Calibri" panose="020F0502020204030204" pitchFamily="34" charset="0"/>
+              <a:latin typeface="MS PGothic" panose="020B0600070205080204" pitchFamily="34" charset="-128"/>
               <a:ea typeface="MS PGothic" panose="020B0600070205080204" pitchFamily="34" charset="-128"/>
-              <a:cs typeface="Calibri" panose="020F0502020204030204" pitchFamily="34" charset="0"/>
             </a:endParaRPr>
-          </a:p>
-        </p:txBody>
-      </p:sp>
-      <p:sp>
-        <p:nvSpPr>
-          <p:cNvPr id="7" name="Content Placeholder 1">
-            <a:extLst>
-              <a:ext uri="{FF2B5EF4-FFF2-40B4-BE49-F238E27FC236}">
-                <a16:creationId xmlns:a16="http://schemas.microsoft.com/office/drawing/2014/main" id="{A72BB791-A951-40D7-9201-6888E462357B}"/>
-              </a:ext>
-            </a:extLst>
-          </p:cNvPr>
-          <p:cNvSpPr>
-            <a:spLocks noGrp="1"/>
-          </p:cNvSpPr>
-          <p:nvPr>
-            <p:ph idx="1"/>
-          </p:nvPr>
-        </p:nvSpPr>
-        <p:spPr>
-          <a:xfrm>
-            <a:off x="457200" y="1600200"/>
-            <a:ext cx="8229600" cy="4525963"/>
-          </a:xfrm>
-        </p:spPr>
-        <p:txBody>
-          <a:bodyPr/>
-          <a:lstStyle/>
-          <a:p>
-            <a:endParaRPr kumimoji="1" lang="ja-JP" altLang="en-US"/>
           </a:p>
         </p:txBody>
       </p:sp>
     </p:spTree>
     <p:extLst>
       <p:ext uri="{BB962C8B-B14F-4D97-AF65-F5344CB8AC3E}">
-        <p14:creationId xmlns:p14="http://schemas.microsoft.com/office/powerpoint/2010/main" val="961318219"/>
+        <p14:creationId xmlns:p14="http://schemas.microsoft.com/office/powerpoint/2010/main" val="347301675"/>
       </p:ext>
     </p:extLst>
   </p:cSld>
@@ -13311,8 +14866,8 @@
         </p:nvSpPr>
         <p:spPr>
           <a:xfrm>
-            <a:off x="479336" y="548752"/>
-            <a:ext cx="8229600" cy="648000"/>
+            <a:off x="97200" y="126000"/>
+            <a:ext cx="8917200" cy="648000"/>
           </a:xfrm>
         </p:spPr>
         <p:txBody>
@@ -13332,47 +14887,16 @@
                   <a:lumOff val="25000"/>
                 </a:schemeClr>
               </a:solidFill>
-              <a:latin typeface="Calibri" panose="020F0502020204030204" pitchFamily="34" charset="0"/>
+              <a:latin typeface="MS PGothic" panose="020B0600070205080204" pitchFamily="34" charset="-128"/>
               <a:ea typeface="MS PGothic" panose="020B0600070205080204" pitchFamily="34" charset="-128"/>
-              <a:cs typeface="Calibri" panose="020F0502020204030204" pitchFamily="34" charset="0"/>
             </a:endParaRPr>
-          </a:p>
-        </p:txBody>
-      </p:sp>
-      <p:sp>
-        <p:nvSpPr>
-          <p:cNvPr id="7" name="Content Placeholder 1">
-            <a:extLst>
-              <a:ext uri="{FF2B5EF4-FFF2-40B4-BE49-F238E27FC236}">
-                <a16:creationId xmlns:a16="http://schemas.microsoft.com/office/drawing/2014/main" id="{A72BB791-A951-40D7-9201-6888E462357B}"/>
-              </a:ext>
-            </a:extLst>
-          </p:cNvPr>
-          <p:cNvSpPr>
-            <a:spLocks noGrp="1"/>
-          </p:cNvSpPr>
-          <p:nvPr>
-            <p:ph idx="1"/>
-          </p:nvPr>
-        </p:nvSpPr>
-        <p:spPr>
-          <a:xfrm>
-            <a:off x="457200" y="1600200"/>
-            <a:ext cx="8229600" cy="4525963"/>
-          </a:xfrm>
-        </p:spPr>
-        <p:txBody>
-          <a:bodyPr/>
-          <a:lstStyle/>
-          <a:p>
-            <a:endParaRPr kumimoji="1" lang="ja-JP" altLang="en-US"/>
           </a:p>
         </p:txBody>
       </p:sp>
     </p:spTree>
     <p:extLst>
       <p:ext uri="{BB962C8B-B14F-4D97-AF65-F5344CB8AC3E}">
-        <p14:creationId xmlns:p14="http://schemas.microsoft.com/office/powerpoint/2010/main" val="491834435"/>
+        <p14:creationId xmlns:p14="http://schemas.microsoft.com/office/powerpoint/2010/main" val="375077425"/>
       </p:ext>
     </p:extLst>
   </p:cSld>
@@ -13449,8 +14973,8 @@
         </p:nvSpPr>
         <p:spPr>
           <a:xfrm>
-            <a:off x="479336" y="548752"/>
-            <a:ext cx="8229600" cy="648000"/>
+            <a:off x="97200" y="126000"/>
+            <a:ext cx="8917200" cy="648000"/>
           </a:xfrm>
         </p:spPr>
         <p:txBody>
@@ -13470,47 +14994,16 @@
                   <a:lumOff val="25000"/>
                 </a:schemeClr>
               </a:solidFill>
-              <a:latin typeface="Calibri" panose="020F0502020204030204" pitchFamily="34" charset="0"/>
+              <a:latin typeface="MS PGothic" panose="020B0600070205080204" pitchFamily="34" charset="-128"/>
               <a:ea typeface="MS PGothic" panose="020B0600070205080204" pitchFamily="34" charset="-128"/>
-              <a:cs typeface="Calibri" panose="020F0502020204030204" pitchFamily="34" charset="0"/>
             </a:endParaRPr>
-          </a:p>
-        </p:txBody>
-      </p:sp>
-      <p:sp>
-        <p:nvSpPr>
-          <p:cNvPr id="7" name="Content Placeholder 1">
-            <a:extLst>
-              <a:ext uri="{FF2B5EF4-FFF2-40B4-BE49-F238E27FC236}">
-                <a16:creationId xmlns:a16="http://schemas.microsoft.com/office/drawing/2014/main" id="{A72BB791-A951-40D7-9201-6888E462357B}"/>
-              </a:ext>
-            </a:extLst>
-          </p:cNvPr>
-          <p:cNvSpPr>
-            <a:spLocks noGrp="1"/>
-          </p:cNvSpPr>
-          <p:nvPr>
-            <p:ph idx="1"/>
-          </p:nvPr>
-        </p:nvSpPr>
-        <p:spPr>
-          <a:xfrm>
-            <a:off x="457200" y="1600200"/>
-            <a:ext cx="8229600" cy="4525963"/>
-          </a:xfrm>
-        </p:spPr>
-        <p:txBody>
-          <a:bodyPr/>
-          <a:lstStyle/>
-          <a:p>
-            <a:endParaRPr kumimoji="1" lang="ja-JP" altLang="en-US"/>
           </a:p>
         </p:txBody>
       </p:sp>
     </p:spTree>
     <p:extLst>
       <p:ext uri="{BB962C8B-B14F-4D97-AF65-F5344CB8AC3E}">
-        <p14:creationId xmlns:p14="http://schemas.microsoft.com/office/powerpoint/2010/main" val="1920322471"/>
+        <p14:creationId xmlns:p14="http://schemas.microsoft.com/office/powerpoint/2010/main" val="3757955169"/>
       </p:ext>
     </p:extLst>
   </p:cSld>
@@ -13587,8 +15080,8 @@
         </p:nvSpPr>
         <p:spPr>
           <a:xfrm>
-            <a:off x="479336" y="548752"/>
-            <a:ext cx="8229600" cy="648000"/>
+            <a:off x="97200" y="126000"/>
+            <a:ext cx="8917200" cy="648000"/>
           </a:xfrm>
         </p:spPr>
         <p:txBody>
@@ -13608,47 +15101,16 @@
                   <a:lumOff val="25000"/>
                 </a:schemeClr>
               </a:solidFill>
-              <a:latin typeface="Calibri" panose="020F0502020204030204" pitchFamily="34" charset="0"/>
+              <a:latin typeface="MS PGothic" panose="020B0600070205080204" pitchFamily="34" charset="-128"/>
               <a:ea typeface="MS PGothic" panose="020B0600070205080204" pitchFamily="34" charset="-128"/>
-              <a:cs typeface="Calibri" panose="020F0502020204030204" pitchFamily="34" charset="0"/>
             </a:endParaRPr>
-          </a:p>
-        </p:txBody>
-      </p:sp>
-      <p:sp>
-        <p:nvSpPr>
-          <p:cNvPr id="7" name="Content Placeholder 1">
-            <a:extLst>
-              <a:ext uri="{FF2B5EF4-FFF2-40B4-BE49-F238E27FC236}">
-                <a16:creationId xmlns:a16="http://schemas.microsoft.com/office/drawing/2014/main" id="{A72BB791-A951-40D7-9201-6888E462357B}"/>
-              </a:ext>
-            </a:extLst>
-          </p:cNvPr>
-          <p:cNvSpPr>
-            <a:spLocks noGrp="1"/>
-          </p:cNvSpPr>
-          <p:nvPr>
-            <p:ph idx="1"/>
-          </p:nvPr>
-        </p:nvSpPr>
-        <p:spPr>
-          <a:xfrm>
-            <a:off x="457200" y="1600200"/>
-            <a:ext cx="8229600" cy="4525963"/>
-          </a:xfrm>
-        </p:spPr>
-        <p:txBody>
-          <a:bodyPr/>
-          <a:lstStyle/>
-          <a:p>
-            <a:endParaRPr kumimoji="1" lang="ja-JP" altLang="en-US"/>
           </a:p>
         </p:txBody>
       </p:sp>
     </p:spTree>
     <p:extLst>
       <p:ext uri="{BB962C8B-B14F-4D97-AF65-F5344CB8AC3E}">
-        <p14:creationId xmlns:p14="http://schemas.microsoft.com/office/powerpoint/2010/main" val="1918936462"/>
+        <p14:creationId xmlns:p14="http://schemas.microsoft.com/office/powerpoint/2010/main" val="4144882533"/>
       </p:ext>
     </p:extLst>
   </p:cSld>
@@ -13725,8 +15187,8 @@
         </p:nvSpPr>
         <p:spPr>
           <a:xfrm>
-            <a:off x="479336" y="548752"/>
-            <a:ext cx="8229600" cy="648000"/>
+            <a:off x="97200" y="126000"/>
+            <a:ext cx="8917200" cy="648000"/>
           </a:xfrm>
         </p:spPr>
         <p:txBody>
@@ -13746,47 +15208,16 @@
                   <a:lumOff val="25000"/>
                 </a:schemeClr>
               </a:solidFill>
-              <a:latin typeface="Calibri" panose="020F0502020204030204" pitchFamily="34" charset="0"/>
+              <a:latin typeface="MS PGothic" panose="020B0600070205080204" pitchFamily="34" charset="-128"/>
               <a:ea typeface="MS PGothic" panose="020B0600070205080204" pitchFamily="34" charset="-128"/>
-              <a:cs typeface="Calibri" panose="020F0502020204030204" pitchFamily="34" charset="0"/>
             </a:endParaRPr>
-          </a:p>
-        </p:txBody>
-      </p:sp>
-      <p:sp>
-        <p:nvSpPr>
-          <p:cNvPr id="7" name="Content Placeholder 1">
-            <a:extLst>
-              <a:ext uri="{FF2B5EF4-FFF2-40B4-BE49-F238E27FC236}">
-                <a16:creationId xmlns:a16="http://schemas.microsoft.com/office/drawing/2014/main" id="{A72BB791-A951-40D7-9201-6888E462357B}"/>
-              </a:ext>
-            </a:extLst>
-          </p:cNvPr>
-          <p:cNvSpPr>
-            <a:spLocks noGrp="1"/>
-          </p:cNvSpPr>
-          <p:nvPr>
-            <p:ph idx="1"/>
-          </p:nvPr>
-        </p:nvSpPr>
-        <p:spPr>
-          <a:xfrm>
-            <a:off x="457200" y="1600200"/>
-            <a:ext cx="8229600" cy="4525963"/>
-          </a:xfrm>
-        </p:spPr>
-        <p:txBody>
-          <a:bodyPr/>
-          <a:lstStyle/>
-          <a:p>
-            <a:endParaRPr kumimoji="1" lang="ja-JP" altLang="en-US"/>
           </a:p>
         </p:txBody>
       </p:sp>
     </p:spTree>
     <p:extLst>
       <p:ext uri="{BB962C8B-B14F-4D97-AF65-F5344CB8AC3E}">
-        <p14:creationId xmlns:p14="http://schemas.microsoft.com/office/powerpoint/2010/main" val="3483185748"/>
+        <p14:creationId xmlns:p14="http://schemas.microsoft.com/office/powerpoint/2010/main" val="2190537946"/>
       </p:ext>
     </p:extLst>
   </p:cSld>
@@ -13863,8 +15294,8 @@
         </p:nvSpPr>
         <p:spPr>
           <a:xfrm>
-            <a:off x="479336" y="548752"/>
-            <a:ext cx="8229600" cy="648000"/>
+            <a:off x="97200" y="126000"/>
+            <a:ext cx="8917200" cy="648000"/>
           </a:xfrm>
         </p:spPr>
         <p:txBody>
@@ -13884,47 +15315,16 @@
                   <a:lumOff val="25000"/>
                 </a:schemeClr>
               </a:solidFill>
-              <a:latin typeface="Calibri" panose="020F0502020204030204" pitchFamily="34" charset="0"/>
+              <a:latin typeface="MS PGothic" panose="020B0600070205080204" pitchFamily="34" charset="-128"/>
               <a:ea typeface="MS PGothic" panose="020B0600070205080204" pitchFamily="34" charset="-128"/>
-              <a:cs typeface="Calibri" panose="020F0502020204030204" pitchFamily="34" charset="0"/>
             </a:endParaRPr>
-          </a:p>
-        </p:txBody>
-      </p:sp>
-      <p:sp>
-        <p:nvSpPr>
-          <p:cNvPr id="7" name="Content Placeholder 1">
-            <a:extLst>
-              <a:ext uri="{FF2B5EF4-FFF2-40B4-BE49-F238E27FC236}">
-                <a16:creationId xmlns:a16="http://schemas.microsoft.com/office/drawing/2014/main" id="{A72BB791-A951-40D7-9201-6888E462357B}"/>
-              </a:ext>
-            </a:extLst>
-          </p:cNvPr>
-          <p:cNvSpPr>
-            <a:spLocks noGrp="1"/>
-          </p:cNvSpPr>
-          <p:nvPr>
-            <p:ph idx="1"/>
-          </p:nvPr>
-        </p:nvSpPr>
-        <p:spPr>
-          <a:xfrm>
-            <a:off x="457200" y="1600200"/>
-            <a:ext cx="8229600" cy="4525963"/>
-          </a:xfrm>
-        </p:spPr>
-        <p:txBody>
-          <a:bodyPr/>
-          <a:lstStyle/>
-          <a:p>
-            <a:endParaRPr kumimoji="1" lang="ja-JP" altLang="en-US"/>
           </a:p>
         </p:txBody>
       </p:sp>
     </p:spTree>
     <p:extLst>
       <p:ext uri="{BB962C8B-B14F-4D97-AF65-F5344CB8AC3E}">
-        <p14:creationId xmlns:p14="http://schemas.microsoft.com/office/powerpoint/2010/main" val="2811108516"/>
+        <p14:creationId xmlns:p14="http://schemas.microsoft.com/office/powerpoint/2010/main" val="1062320691"/>
       </p:ext>
     </p:extLst>
   </p:cSld>
@@ -14001,8 +15401,8 @@
         </p:nvSpPr>
         <p:spPr>
           <a:xfrm>
-            <a:off x="479336" y="548752"/>
-            <a:ext cx="8229600" cy="648000"/>
+            <a:off x="97200" y="126000"/>
+            <a:ext cx="8917200" cy="648000"/>
           </a:xfrm>
         </p:spPr>
         <p:txBody>
@@ -14022,47 +15422,16 @@
                   <a:lumOff val="25000"/>
                 </a:schemeClr>
               </a:solidFill>
-              <a:latin typeface="Calibri" panose="020F0502020204030204" pitchFamily="34" charset="0"/>
+              <a:latin typeface="MS PGothic" panose="020B0600070205080204" pitchFamily="34" charset="-128"/>
               <a:ea typeface="MS PGothic" panose="020B0600070205080204" pitchFamily="34" charset="-128"/>
-              <a:cs typeface="Calibri" panose="020F0502020204030204" pitchFamily="34" charset="0"/>
             </a:endParaRPr>
-          </a:p>
-        </p:txBody>
-      </p:sp>
-      <p:sp>
-        <p:nvSpPr>
-          <p:cNvPr id="7" name="Content Placeholder 1">
-            <a:extLst>
-              <a:ext uri="{FF2B5EF4-FFF2-40B4-BE49-F238E27FC236}">
-                <a16:creationId xmlns:a16="http://schemas.microsoft.com/office/drawing/2014/main" id="{A72BB791-A951-40D7-9201-6888E462357B}"/>
-              </a:ext>
-            </a:extLst>
-          </p:cNvPr>
-          <p:cNvSpPr>
-            <a:spLocks noGrp="1"/>
-          </p:cNvSpPr>
-          <p:nvPr>
-            <p:ph idx="1"/>
-          </p:nvPr>
-        </p:nvSpPr>
-        <p:spPr>
-          <a:xfrm>
-            <a:off x="457200" y="1600200"/>
-            <a:ext cx="8229600" cy="4525963"/>
-          </a:xfrm>
-        </p:spPr>
-        <p:txBody>
-          <a:bodyPr/>
-          <a:lstStyle/>
-          <a:p>
-            <a:endParaRPr kumimoji="1" lang="ja-JP" altLang="en-US"/>
           </a:p>
         </p:txBody>
       </p:sp>
     </p:spTree>
     <p:extLst>
       <p:ext uri="{BB962C8B-B14F-4D97-AF65-F5344CB8AC3E}">
-        <p14:creationId xmlns:p14="http://schemas.microsoft.com/office/powerpoint/2010/main" val="2538037562"/>
+        <p14:creationId xmlns:p14="http://schemas.microsoft.com/office/powerpoint/2010/main" val="2802536971"/>
       </p:ext>
     </p:extLst>
   </p:cSld>
@@ -14139,8 +15508,8 @@
         </p:nvSpPr>
         <p:spPr>
           <a:xfrm>
-            <a:off x="479336" y="548752"/>
-            <a:ext cx="8229600" cy="648000"/>
+            <a:off x="97200" y="126000"/>
+            <a:ext cx="8917200" cy="648000"/>
           </a:xfrm>
         </p:spPr>
         <p:txBody>
@@ -14160,47 +15529,16 @@
                   <a:lumOff val="25000"/>
                 </a:schemeClr>
               </a:solidFill>
-              <a:latin typeface="Calibri" panose="020F0502020204030204" pitchFamily="34" charset="0"/>
+              <a:latin typeface="MS PGothic" panose="020B0600070205080204" pitchFamily="34" charset="-128"/>
               <a:ea typeface="MS PGothic" panose="020B0600070205080204" pitchFamily="34" charset="-128"/>
-              <a:cs typeface="Calibri" panose="020F0502020204030204" pitchFamily="34" charset="0"/>
             </a:endParaRPr>
-          </a:p>
-        </p:txBody>
-      </p:sp>
-      <p:sp>
-        <p:nvSpPr>
-          <p:cNvPr id="7" name="Content Placeholder 1">
-            <a:extLst>
-              <a:ext uri="{FF2B5EF4-FFF2-40B4-BE49-F238E27FC236}">
-                <a16:creationId xmlns:a16="http://schemas.microsoft.com/office/drawing/2014/main" id="{A72BB791-A951-40D7-9201-6888E462357B}"/>
-              </a:ext>
-            </a:extLst>
-          </p:cNvPr>
-          <p:cNvSpPr>
-            <a:spLocks noGrp="1"/>
-          </p:cNvSpPr>
-          <p:nvPr>
-            <p:ph idx="1"/>
-          </p:nvPr>
-        </p:nvSpPr>
-        <p:spPr>
-          <a:xfrm>
-            <a:off x="457200" y="1600200"/>
-            <a:ext cx="8229600" cy="4525963"/>
-          </a:xfrm>
-        </p:spPr>
-        <p:txBody>
-          <a:bodyPr/>
-          <a:lstStyle/>
-          <a:p>
-            <a:endParaRPr kumimoji="1" lang="ja-JP" altLang="en-US"/>
           </a:p>
         </p:txBody>
       </p:sp>
     </p:spTree>
     <p:extLst>
       <p:ext uri="{BB962C8B-B14F-4D97-AF65-F5344CB8AC3E}">
-        <p14:creationId xmlns:p14="http://schemas.microsoft.com/office/powerpoint/2010/main" val="1850799152"/>
+        <p14:creationId xmlns:p14="http://schemas.microsoft.com/office/powerpoint/2010/main" val="1805107616"/>
       </p:ext>
     </p:extLst>
   </p:cSld>
@@ -14277,8 +15615,8 @@
         </p:nvSpPr>
         <p:spPr>
           <a:xfrm>
-            <a:off x="479336" y="548752"/>
-            <a:ext cx="8229600" cy="648000"/>
+            <a:off x="97200" y="126000"/>
+            <a:ext cx="8917200" cy="648000"/>
           </a:xfrm>
         </p:spPr>
         <p:txBody>
@@ -14298,47 +15636,16 @@
                   <a:lumOff val="25000"/>
                 </a:schemeClr>
               </a:solidFill>
-              <a:latin typeface="Calibri" panose="020F0502020204030204" pitchFamily="34" charset="0"/>
+              <a:latin typeface="MS PGothic" panose="020B0600070205080204" pitchFamily="34" charset="-128"/>
               <a:ea typeface="MS PGothic" panose="020B0600070205080204" pitchFamily="34" charset="-128"/>
-              <a:cs typeface="Calibri" panose="020F0502020204030204" pitchFamily="34" charset="0"/>
             </a:endParaRPr>
-          </a:p>
-        </p:txBody>
-      </p:sp>
-      <p:sp>
-        <p:nvSpPr>
-          <p:cNvPr id="7" name="Content Placeholder 1">
-            <a:extLst>
-              <a:ext uri="{FF2B5EF4-FFF2-40B4-BE49-F238E27FC236}">
-                <a16:creationId xmlns:a16="http://schemas.microsoft.com/office/drawing/2014/main" id="{A72BB791-A951-40D7-9201-6888E462357B}"/>
-              </a:ext>
-            </a:extLst>
-          </p:cNvPr>
-          <p:cNvSpPr>
-            <a:spLocks noGrp="1"/>
-          </p:cNvSpPr>
-          <p:nvPr>
-            <p:ph idx="1"/>
-          </p:nvPr>
-        </p:nvSpPr>
-        <p:spPr>
-          <a:xfrm>
-            <a:off x="457200" y="1600200"/>
-            <a:ext cx="8229600" cy="4525963"/>
-          </a:xfrm>
-        </p:spPr>
-        <p:txBody>
-          <a:bodyPr/>
-          <a:lstStyle/>
-          <a:p>
-            <a:endParaRPr kumimoji="1" lang="ja-JP" altLang="en-US"/>
           </a:p>
         </p:txBody>
       </p:sp>
     </p:spTree>
     <p:extLst>
       <p:ext uri="{BB962C8B-B14F-4D97-AF65-F5344CB8AC3E}">
-        <p14:creationId xmlns:p14="http://schemas.microsoft.com/office/powerpoint/2010/main" val="4104311088"/>
+        <p14:creationId xmlns:p14="http://schemas.microsoft.com/office/powerpoint/2010/main" val="2000545414"/>
       </p:ext>
     </p:extLst>
   </p:cSld>
@@ -14415,8 +15722,8 @@
         </p:nvSpPr>
         <p:spPr>
           <a:xfrm>
-            <a:off x="479336" y="548752"/>
-            <a:ext cx="8229600" cy="648000"/>
+            <a:off x="97200" y="126000"/>
+            <a:ext cx="8917200" cy="648000"/>
           </a:xfrm>
         </p:spPr>
         <p:txBody>
@@ -14436,47 +15743,16 @@
                   <a:lumOff val="25000"/>
                 </a:schemeClr>
               </a:solidFill>
-              <a:latin typeface="Calibri" panose="020F0502020204030204" pitchFamily="34" charset="0"/>
+              <a:latin typeface="MS PGothic" panose="020B0600070205080204" pitchFamily="34" charset="-128"/>
               <a:ea typeface="MS PGothic" panose="020B0600070205080204" pitchFamily="34" charset="-128"/>
-              <a:cs typeface="Calibri" panose="020F0502020204030204" pitchFamily="34" charset="0"/>
             </a:endParaRPr>
-          </a:p>
-        </p:txBody>
-      </p:sp>
-      <p:sp>
-        <p:nvSpPr>
-          <p:cNvPr id="7" name="Content Placeholder 1">
-            <a:extLst>
-              <a:ext uri="{FF2B5EF4-FFF2-40B4-BE49-F238E27FC236}">
-                <a16:creationId xmlns:a16="http://schemas.microsoft.com/office/drawing/2014/main" id="{A72BB791-A951-40D7-9201-6888E462357B}"/>
-              </a:ext>
-            </a:extLst>
-          </p:cNvPr>
-          <p:cNvSpPr>
-            <a:spLocks noGrp="1"/>
-          </p:cNvSpPr>
-          <p:nvPr>
-            <p:ph idx="1"/>
-          </p:nvPr>
-        </p:nvSpPr>
-        <p:spPr>
-          <a:xfrm>
-            <a:off x="457200" y="1600200"/>
-            <a:ext cx="8229600" cy="4525963"/>
-          </a:xfrm>
-        </p:spPr>
-        <p:txBody>
-          <a:bodyPr/>
-          <a:lstStyle/>
-          <a:p>
-            <a:endParaRPr kumimoji="1" lang="ja-JP" altLang="en-US"/>
           </a:p>
         </p:txBody>
       </p:sp>
     </p:spTree>
     <p:extLst>
       <p:ext uri="{BB962C8B-B14F-4D97-AF65-F5344CB8AC3E}">
-        <p14:creationId xmlns:p14="http://schemas.microsoft.com/office/powerpoint/2010/main" val="1646565890"/>
+        <p14:creationId xmlns:p14="http://schemas.microsoft.com/office/powerpoint/2010/main" val="1473400100"/>
       </p:ext>
     </p:extLst>
   </p:cSld>
@@ -14553,8 +15829,8 @@
         </p:nvSpPr>
         <p:spPr>
           <a:xfrm>
-            <a:off x="479336" y="548752"/>
-            <a:ext cx="8229600" cy="648000"/>
+            <a:off x="97200" y="126000"/>
+            <a:ext cx="8917200" cy="648000"/>
           </a:xfrm>
         </p:spPr>
         <p:txBody>
@@ -14574,47 +15850,16 @@
                   <a:lumOff val="25000"/>
                 </a:schemeClr>
               </a:solidFill>
-              <a:latin typeface="Calibri" panose="020F0502020204030204" pitchFamily="34" charset="0"/>
+              <a:latin typeface="MS PGothic" panose="020B0600070205080204" pitchFamily="34" charset="-128"/>
               <a:ea typeface="MS PGothic" panose="020B0600070205080204" pitchFamily="34" charset="-128"/>
-              <a:cs typeface="Calibri" panose="020F0502020204030204" pitchFamily="34" charset="0"/>
             </a:endParaRPr>
-          </a:p>
-        </p:txBody>
-      </p:sp>
-      <p:sp>
-        <p:nvSpPr>
-          <p:cNvPr id="7" name="Content Placeholder 1">
-            <a:extLst>
-              <a:ext uri="{FF2B5EF4-FFF2-40B4-BE49-F238E27FC236}">
-                <a16:creationId xmlns:a16="http://schemas.microsoft.com/office/drawing/2014/main" id="{A72BB791-A951-40D7-9201-6888E462357B}"/>
-              </a:ext>
-            </a:extLst>
-          </p:cNvPr>
-          <p:cNvSpPr>
-            <a:spLocks noGrp="1"/>
-          </p:cNvSpPr>
-          <p:nvPr>
-            <p:ph idx="1"/>
-          </p:nvPr>
-        </p:nvSpPr>
-        <p:spPr>
-          <a:xfrm>
-            <a:off x="457200" y="1600200"/>
-            <a:ext cx="8229600" cy="4525963"/>
-          </a:xfrm>
-        </p:spPr>
-        <p:txBody>
-          <a:bodyPr/>
-          <a:lstStyle/>
-          <a:p>
-            <a:endParaRPr kumimoji="1" lang="ja-JP" altLang="en-US"/>
           </a:p>
         </p:txBody>
       </p:sp>
     </p:spTree>
     <p:extLst>
       <p:ext uri="{BB962C8B-B14F-4D97-AF65-F5344CB8AC3E}">
-        <p14:creationId xmlns:p14="http://schemas.microsoft.com/office/powerpoint/2010/main" val="4117030921"/>
+        <p14:creationId xmlns:p14="http://schemas.microsoft.com/office/powerpoint/2010/main" val="1700929180"/>
       </p:ext>
     </p:extLst>
   </p:cSld>
@@ -14691,8 +15936,8 @@
         </p:nvSpPr>
         <p:spPr>
           <a:xfrm>
-            <a:off x="479336" y="548752"/>
-            <a:ext cx="8229600" cy="648000"/>
+            <a:off x="97200" y="126000"/>
+            <a:ext cx="8917200" cy="648000"/>
           </a:xfrm>
         </p:spPr>
         <p:txBody>
@@ -14712,47 +15957,16 @@
                   <a:lumOff val="25000"/>
                 </a:schemeClr>
               </a:solidFill>
-              <a:latin typeface="Calibri" panose="020F0502020204030204" pitchFamily="34" charset="0"/>
+              <a:latin typeface="MS PGothic" panose="020B0600070205080204" pitchFamily="34" charset="-128"/>
               <a:ea typeface="MS PGothic" panose="020B0600070205080204" pitchFamily="34" charset="-128"/>
-              <a:cs typeface="Calibri" panose="020F0502020204030204" pitchFamily="34" charset="0"/>
             </a:endParaRPr>
-          </a:p>
-        </p:txBody>
-      </p:sp>
-      <p:sp>
-        <p:nvSpPr>
-          <p:cNvPr id="7" name="Content Placeholder 1">
-            <a:extLst>
-              <a:ext uri="{FF2B5EF4-FFF2-40B4-BE49-F238E27FC236}">
-                <a16:creationId xmlns:a16="http://schemas.microsoft.com/office/drawing/2014/main" id="{A72BB791-A951-40D7-9201-6888E462357B}"/>
-              </a:ext>
-            </a:extLst>
-          </p:cNvPr>
-          <p:cNvSpPr>
-            <a:spLocks noGrp="1"/>
-          </p:cNvSpPr>
-          <p:nvPr>
-            <p:ph idx="1"/>
-          </p:nvPr>
-        </p:nvSpPr>
-        <p:spPr>
-          <a:xfrm>
-            <a:off x="457200" y="1600200"/>
-            <a:ext cx="8229600" cy="4525963"/>
-          </a:xfrm>
-        </p:spPr>
-        <p:txBody>
-          <a:bodyPr/>
-          <a:lstStyle/>
-          <a:p>
-            <a:endParaRPr kumimoji="1" lang="ja-JP" altLang="en-US"/>
           </a:p>
         </p:txBody>
       </p:sp>
     </p:spTree>
     <p:extLst>
       <p:ext uri="{BB962C8B-B14F-4D97-AF65-F5344CB8AC3E}">
-        <p14:creationId xmlns:p14="http://schemas.microsoft.com/office/powerpoint/2010/main" val="809828437"/>
+        <p14:creationId xmlns:p14="http://schemas.microsoft.com/office/powerpoint/2010/main" val="618391188"/>
       </p:ext>
     </p:extLst>
   </p:cSld>
@@ -14829,8 +16043,8 @@
         </p:nvSpPr>
         <p:spPr>
           <a:xfrm>
-            <a:off x="479336" y="548752"/>
-            <a:ext cx="8229600" cy="648000"/>
+            <a:off x="97200" y="126000"/>
+            <a:ext cx="8917200" cy="648000"/>
           </a:xfrm>
         </p:spPr>
         <p:txBody>
@@ -14850,47 +16064,16 @@
                   <a:lumOff val="25000"/>
                 </a:schemeClr>
               </a:solidFill>
-              <a:latin typeface="Calibri" panose="020F0502020204030204" pitchFamily="34" charset="0"/>
+              <a:latin typeface="MS PGothic" panose="020B0600070205080204" pitchFamily="34" charset="-128"/>
               <a:ea typeface="MS PGothic" panose="020B0600070205080204" pitchFamily="34" charset="-128"/>
-              <a:cs typeface="Calibri" panose="020F0502020204030204" pitchFamily="34" charset="0"/>
             </a:endParaRPr>
-          </a:p>
-        </p:txBody>
-      </p:sp>
-      <p:sp>
-        <p:nvSpPr>
-          <p:cNvPr id="7" name="Content Placeholder 1">
-            <a:extLst>
-              <a:ext uri="{FF2B5EF4-FFF2-40B4-BE49-F238E27FC236}">
-                <a16:creationId xmlns:a16="http://schemas.microsoft.com/office/drawing/2014/main" id="{A72BB791-A951-40D7-9201-6888E462357B}"/>
-              </a:ext>
-            </a:extLst>
-          </p:cNvPr>
-          <p:cNvSpPr>
-            <a:spLocks noGrp="1"/>
-          </p:cNvSpPr>
-          <p:nvPr>
-            <p:ph idx="1"/>
-          </p:nvPr>
-        </p:nvSpPr>
-        <p:spPr>
-          <a:xfrm>
-            <a:off x="457200" y="1600200"/>
-            <a:ext cx="8229600" cy="4525963"/>
-          </a:xfrm>
-        </p:spPr>
-        <p:txBody>
-          <a:bodyPr/>
-          <a:lstStyle/>
-          <a:p>
-            <a:endParaRPr kumimoji="1" lang="ja-JP" altLang="en-US"/>
           </a:p>
         </p:txBody>
       </p:sp>
     </p:spTree>
     <p:extLst>
       <p:ext uri="{BB962C8B-B14F-4D97-AF65-F5344CB8AC3E}">
-        <p14:creationId xmlns:p14="http://schemas.microsoft.com/office/powerpoint/2010/main" val="3820589740"/>
+        <p14:creationId xmlns:p14="http://schemas.microsoft.com/office/powerpoint/2010/main" val="1612313072"/>
       </p:ext>
     </p:extLst>
   </p:cSld>
@@ -14967,8 +16150,8 @@
         </p:nvSpPr>
         <p:spPr>
           <a:xfrm>
-            <a:off x="479336" y="548752"/>
-            <a:ext cx="8229600" cy="648000"/>
+            <a:off x="97200" y="126000"/>
+            <a:ext cx="8917200" cy="648000"/>
           </a:xfrm>
         </p:spPr>
         <p:txBody>
@@ -14988,47 +16171,16 @@
                   <a:lumOff val="25000"/>
                 </a:schemeClr>
               </a:solidFill>
-              <a:latin typeface="Calibri" panose="020F0502020204030204" pitchFamily="34" charset="0"/>
+              <a:latin typeface="MS PGothic" panose="020B0600070205080204" pitchFamily="34" charset="-128"/>
               <a:ea typeface="MS PGothic" panose="020B0600070205080204" pitchFamily="34" charset="-128"/>
-              <a:cs typeface="Calibri" panose="020F0502020204030204" pitchFamily="34" charset="0"/>
             </a:endParaRPr>
-          </a:p>
-        </p:txBody>
-      </p:sp>
-      <p:sp>
-        <p:nvSpPr>
-          <p:cNvPr id="7" name="Content Placeholder 1">
-            <a:extLst>
-              <a:ext uri="{FF2B5EF4-FFF2-40B4-BE49-F238E27FC236}">
-                <a16:creationId xmlns:a16="http://schemas.microsoft.com/office/drawing/2014/main" id="{A72BB791-A951-40D7-9201-6888E462357B}"/>
-              </a:ext>
-            </a:extLst>
-          </p:cNvPr>
-          <p:cNvSpPr>
-            <a:spLocks noGrp="1"/>
-          </p:cNvSpPr>
-          <p:nvPr>
-            <p:ph idx="1"/>
-          </p:nvPr>
-        </p:nvSpPr>
-        <p:spPr>
-          <a:xfrm>
-            <a:off x="457200" y="1600200"/>
-            <a:ext cx="8229600" cy="4525963"/>
-          </a:xfrm>
-        </p:spPr>
-        <p:txBody>
-          <a:bodyPr/>
-          <a:lstStyle/>
-          <a:p>
-            <a:endParaRPr kumimoji="1" lang="ja-JP" altLang="en-US"/>
           </a:p>
         </p:txBody>
       </p:sp>
     </p:spTree>
     <p:extLst>
       <p:ext uri="{BB962C8B-B14F-4D97-AF65-F5344CB8AC3E}">
-        <p14:creationId xmlns:p14="http://schemas.microsoft.com/office/powerpoint/2010/main" val="2362172492"/>
+        <p14:creationId xmlns:p14="http://schemas.microsoft.com/office/powerpoint/2010/main" val="330254880"/>
       </p:ext>
     </p:extLst>
   </p:cSld>
@@ -15105,8 +16257,8 @@
         </p:nvSpPr>
         <p:spPr>
           <a:xfrm>
-            <a:off x="479336" y="548752"/>
-            <a:ext cx="8229600" cy="648000"/>
+            <a:off x="97200" y="126000"/>
+            <a:ext cx="8917200" cy="648000"/>
           </a:xfrm>
         </p:spPr>
         <p:txBody>
@@ -15126,47 +16278,16 @@
                   <a:lumOff val="25000"/>
                 </a:schemeClr>
               </a:solidFill>
-              <a:latin typeface="Calibri" panose="020F0502020204030204" pitchFamily="34" charset="0"/>
+              <a:latin typeface="MS PGothic" panose="020B0600070205080204" pitchFamily="34" charset="-128"/>
               <a:ea typeface="MS PGothic" panose="020B0600070205080204" pitchFamily="34" charset="-128"/>
-              <a:cs typeface="Calibri" panose="020F0502020204030204" pitchFamily="34" charset="0"/>
             </a:endParaRPr>
-          </a:p>
-        </p:txBody>
-      </p:sp>
-      <p:sp>
-        <p:nvSpPr>
-          <p:cNvPr id="7" name="Content Placeholder 1">
-            <a:extLst>
-              <a:ext uri="{FF2B5EF4-FFF2-40B4-BE49-F238E27FC236}">
-                <a16:creationId xmlns:a16="http://schemas.microsoft.com/office/drawing/2014/main" id="{A72BB791-A951-40D7-9201-6888E462357B}"/>
-              </a:ext>
-            </a:extLst>
-          </p:cNvPr>
-          <p:cNvSpPr>
-            <a:spLocks noGrp="1"/>
-          </p:cNvSpPr>
-          <p:nvPr>
-            <p:ph idx="1"/>
-          </p:nvPr>
-        </p:nvSpPr>
-        <p:spPr>
-          <a:xfrm>
-            <a:off x="457200" y="1600200"/>
-            <a:ext cx="8229600" cy="4525963"/>
-          </a:xfrm>
-        </p:spPr>
-        <p:txBody>
-          <a:bodyPr/>
-          <a:lstStyle/>
-          <a:p>
-            <a:endParaRPr kumimoji="1" lang="ja-JP" altLang="en-US"/>
           </a:p>
         </p:txBody>
       </p:sp>
     </p:spTree>
     <p:extLst>
       <p:ext uri="{BB962C8B-B14F-4D97-AF65-F5344CB8AC3E}">
-        <p14:creationId xmlns:p14="http://schemas.microsoft.com/office/powerpoint/2010/main" val="2743346498"/>
+        <p14:creationId xmlns:p14="http://schemas.microsoft.com/office/powerpoint/2010/main" val="2058607968"/>
       </p:ext>
     </p:extLst>
   </p:cSld>
@@ -15243,8 +16364,8 @@
         </p:nvSpPr>
         <p:spPr>
           <a:xfrm>
-            <a:off x="479336" y="548752"/>
-            <a:ext cx="8229600" cy="648000"/>
+            <a:off x="97200" y="126000"/>
+            <a:ext cx="8917200" cy="648000"/>
           </a:xfrm>
         </p:spPr>
         <p:txBody>
@@ -15264,47 +16385,16 @@
                   <a:lumOff val="25000"/>
                 </a:schemeClr>
               </a:solidFill>
-              <a:latin typeface="Calibri" panose="020F0502020204030204" pitchFamily="34" charset="0"/>
+              <a:latin typeface="MS PGothic" panose="020B0600070205080204" pitchFamily="34" charset="-128"/>
               <a:ea typeface="MS PGothic" panose="020B0600070205080204" pitchFamily="34" charset="-128"/>
-              <a:cs typeface="Calibri" panose="020F0502020204030204" pitchFamily="34" charset="0"/>
             </a:endParaRPr>
-          </a:p>
-        </p:txBody>
-      </p:sp>
-      <p:sp>
-        <p:nvSpPr>
-          <p:cNvPr id="7" name="Content Placeholder 1">
-            <a:extLst>
-              <a:ext uri="{FF2B5EF4-FFF2-40B4-BE49-F238E27FC236}">
-                <a16:creationId xmlns:a16="http://schemas.microsoft.com/office/drawing/2014/main" id="{A72BB791-A951-40D7-9201-6888E462357B}"/>
-              </a:ext>
-            </a:extLst>
-          </p:cNvPr>
-          <p:cNvSpPr>
-            <a:spLocks noGrp="1"/>
-          </p:cNvSpPr>
-          <p:nvPr>
-            <p:ph idx="1"/>
-          </p:nvPr>
-        </p:nvSpPr>
-        <p:spPr>
-          <a:xfrm>
-            <a:off x="457200" y="1600200"/>
-            <a:ext cx="8229600" cy="4525963"/>
-          </a:xfrm>
-        </p:spPr>
-        <p:txBody>
-          <a:bodyPr/>
-          <a:lstStyle/>
-          <a:p>
-            <a:endParaRPr kumimoji="1" lang="ja-JP" altLang="en-US"/>
           </a:p>
         </p:txBody>
       </p:sp>
     </p:spTree>
     <p:extLst>
       <p:ext uri="{BB962C8B-B14F-4D97-AF65-F5344CB8AC3E}">
-        <p14:creationId xmlns:p14="http://schemas.microsoft.com/office/powerpoint/2010/main" val="1836718905"/>
+        <p14:creationId xmlns:p14="http://schemas.microsoft.com/office/powerpoint/2010/main" val="3611683311"/>
       </p:ext>
     </p:extLst>
   </p:cSld>
@@ -15381,8 +16471,8 @@
         </p:nvSpPr>
         <p:spPr>
           <a:xfrm>
-            <a:off x="479336" y="548752"/>
-            <a:ext cx="8229600" cy="648000"/>
+            <a:off x="97200" y="126000"/>
+            <a:ext cx="8917200" cy="648000"/>
           </a:xfrm>
         </p:spPr>
         <p:txBody>
@@ -15402,47 +16492,16 @@
                   <a:lumOff val="25000"/>
                 </a:schemeClr>
               </a:solidFill>
-              <a:latin typeface="Calibri" panose="020F0502020204030204" pitchFamily="34" charset="0"/>
+              <a:latin typeface="MS PGothic" panose="020B0600070205080204" pitchFamily="34" charset="-128"/>
               <a:ea typeface="MS PGothic" panose="020B0600070205080204" pitchFamily="34" charset="-128"/>
-              <a:cs typeface="Calibri" panose="020F0502020204030204" pitchFamily="34" charset="0"/>
             </a:endParaRPr>
-          </a:p>
-        </p:txBody>
-      </p:sp>
-      <p:sp>
-        <p:nvSpPr>
-          <p:cNvPr id="7" name="Content Placeholder 1">
-            <a:extLst>
-              <a:ext uri="{FF2B5EF4-FFF2-40B4-BE49-F238E27FC236}">
-                <a16:creationId xmlns:a16="http://schemas.microsoft.com/office/drawing/2014/main" id="{A72BB791-A951-40D7-9201-6888E462357B}"/>
-              </a:ext>
-            </a:extLst>
-          </p:cNvPr>
-          <p:cNvSpPr>
-            <a:spLocks noGrp="1"/>
-          </p:cNvSpPr>
-          <p:nvPr>
-            <p:ph idx="1"/>
-          </p:nvPr>
-        </p:nvSpPr>
-        <p:spPr>
-          <a:xfrm>
-            <a:off x="457200" y="1600200"/>
-            <a:ext cx="8229600" cy="4525963"/>
-          </a:xfrm>
-        </p:spPr>
-        <p:txBody>
-          <a:bodyPr/>
-          <a:lstStyle/>
-          <a:p>
-            <a:endParaRPr kumimoji="1" lang="ja-JP" altLang="en-US"/>
           </a:p>
         </p:txBody>
       </p:sp>
     </p:spTree>
     <p:extLst>
       <p:ext uri="{BB962C8B-B14F-4D97-AF65-F5344CB8AC3E}">
-        <p14:creationId xmlns:p14="http://schemas.microsoft.com/office/powerpoint/2010/main" val="984561882"/>
+        <p14:creationId xmlns:p14="http://schemas.microsoft.com/office/powerpoint/2010/main" val="2766745426"/>
       </p:ext>
     </p:extLst>
   </p:cSld>
@@ -15519,8 +16578,8 @@
         </p:nvSpPr>
         <p:spPr>
           <a:xfrm>
-            <a:off x="479336" y="548752"/>
-            <a:ext cx="8229600" cy="648000"/>
+            <a:off x="97200" y="126000"/>
+            <a:ext cx="8917200" cy="648000"/>
           </a:xfrm>
         </p:spPr>
         <p:txBody>
@@ -15540,47 +16599,16 @@
                   <a:lumOff val="25000"/>
                 </a:schemeClr>
               </a:solidFill>
-              <a:latin typeface="Calibri" panose="020F0502020204030204" pitchFamily="34" charset="0"/>
+              <a:latin typeface="MS PGothic" panose="020B0600070205080204" pitchFamily="34" charset="-128"/>
               <a:ea typeface="MS PGothic" panose="020B0600070205080204" pitchFamily="34" charset="-128"/>
-              <a:cs typeface="Calibri" panose="020F0502020204030204" pitchFamily="34" charset="0"/>
             </a:endParaRPr>
-          </a:p>
-        </p:txBody>
-      </p:sp>
-      <p:sp>
-        <p:nvSpPr>
-          <p:cNvPr id="7" name="Content Placeholder 1">
-            <a:extLst>
-              <a:ext uri="{FF2B5EF4-FFF2-40B4-BE49-F238E27FC236}">
-                <a16:creationId xmlns:a16="http://schemas.microsoft.com/office/drawing/2014/main" id="{A72BB791-A951-40D7-9201-6888E462357B}"/>
-              </a:ext>
-            </a:extLst>
-          </p:cNvPr>
-          <p:cNvSpPr>
-            <a:spLocks noGrp="1"/>
-          </p:cNvSpPr>
-          <p:nvPr>
-            <p:ph idx="1"/>
-          </p:nvPr>
-        </p:nvSpPr>
-        <p:spPr>
-          <a:xfrm>
-            <a:off x="457200" y="1600200"/>
-            <a:ext cx="8229600" cy="4525963"/>
-          </a:xfrm>
-        </p:spPr>
-        <p:txBody>
-          <a:bodyPr/>
-          <a:lstStyle/>
-          <a:p>
-            <a:endParaRPr kumimoji="1" lang="ja-JP" altLang="en-US"/>
           </a:p>
         </p:txBody>
       </p:sp>
     </p:spTree>
     <p:extLst>
       <p:ext uri="{BB962C8B-B14F-4D97-AF65-F5344CB8AC3E}">
-        <p14:creationId xmlns:p14="http://schemas.microsoft.com/office/powerpoint/2010/main" val="3247801009"/>
+        <p14:creationId xmlns:p14="http://schemas.microsoft.com/office/powerpoint/2010/main" val="591176582"/>
       </p:ext>
     </p:extLst>
   </p:cSld>
@@ -15657,8 +16685,8 @@
         </p:nvSpPr>
         <p:spPr>
           <a:xfrm>
-            <a:off x="479336" y="548752"/>
-            <a:ext cx="8229600" cy="648000"/>
+            <a:off x="97200" y="126000"/>
+            <a:ext cx="8917200" cy="648000"/>
           </a:xfrm>
         </p:spPr>
         <p:txBody>
@@ -15678,47 +16706,16 @@
                   <a:lumOff val="25000"/>
                 </a:schemeClr>
               </a:solidFill>
-              <a:latin typeface="Calibri" panose="020F0502020204030204" pitchFamily="34" charset="0"/>
+              <a:latin typeface="MS PGothic" panose="020B0600070205080204" pitchFamily="34" charset="-128"/>
               <a:ea typeface="MS PGothic" panose="020B0600070205080204" pitchFamily="34" charset="-128"/>
-              <a:cs typeface="Calibri" panose="020F0502020204030204" pitchFamily="34" charset="0"/>
             </a:endParaRPr>
-          </a:p>
-        </p:txBody>
-      </p:sp>
-      <p:sp>
-        <p:nvSpPr>
-          <p:cNvPr id="7" name="Content Placeholder 1">
-            <a:extLst>
-              <a:ext uri="{FF2B5EF4-FFF2-40B4-BE49-F238E27FC236}">
-                <a16:creationId xmlns:a16="http://schemas.microsoft.com/office/drawing/2014/main" id="{A72BB791-A951-40D7-9201-6888E462357B}"/>
-              </a:ext>
-            </a:extLst>
-          </p:cNvPr>
-          <p:cNvSpPr>
-            <a:spLocks noGrp="1"/>
-          </p:cNvSpPr>
-          <p:nvPr>
-            <p:ph idx="1"/>
-          </p:nvPr>
-        </p:nvSpPr>
-        <p:spPr>
-          <a:xfrm>
-            <a:off x="457200" y="1600200"/>
-            <a:ext cx="8229600" cy="4525963"/>
-          </a:xfrm>
-        </p:spPr>
-        <p:txBody>
-          <a:bodyPr/>
-          <a:lstStyle/>
-          <a:p>
-            <a:endParaRPr kumimoji="1" lang="ja-JP" altLang="en-US"/>
           </a:p>
         </p:txBody>
       </p:sp>
     </p:spTree>
     <p:extLst>
       <p:ext uri="{BB962C8B-B14F-4D97-AF65-F5344CB8AC3E}">
-        <p14:creationId xmlns:p14="http://schemas.microsoft.com/office/powerpoint/2010/main" val="2798367719"/>
+        <p14:creationId xmlns:p14="http://schemas.microsoft.com/office/powerpoint/2010/main" val="3860982208"/>
       </p:ext>
     </p:extLst>
   </p:cSld>
@@ -15795,8 +16792,8 @@
         </p:nvSpPr>
         <p:spPr>
           <a:xfrm>
-            <a:off x="479336" y="548752"/>
-            <a:ext cx="8229600" cy="648000"/>
+            <a:off x="97200" y="126000"/>
+            <a:ext cx="8917200" cy="648000"/>
           </a:xfrm>
         </p:spPr>
         <p:txBody>
@@ -15816,47 +16813,16 @@
                   <a:lumOff val="25000"/>
                 </a:schemeClr>
               </a:solidFill>
-              <a:latin typeface="Calibri" panose="020F0502020204030204" pitchFamily="34" charset="0"/>
+              <a:latin typeface="MS PGothic" panose="020B0600070205080204" pitchFamily="34" charset="-128"/>
               <a:ea typeface="MS PGothic" panose="020B0600070205080204" pitchFamily="34" charset="-128"/>
-              <a:cs typeface="Calibri" panose="020F0502020204030204" pitchFamily="34" charset="0"/>
             </a:endParaRPr>
-          </a:p>
-        </p:txBody>
-      </p:sp>
-      <p:sp>
-        <p:nvSpPr>
-          <p:cNvPr id="7" name="Content Placeholder 1">
-            <a:extLst>
-              <a:ext uri="{FF2B5EF4-FFF2-40B4-BE49-F238E27FC236}">
-                <a16:creationId xmlns:a16="http://schemas.microsoft.com/office/drawing/2014/main" id="{A72BB791-A951-40D7-9201-6888E462357B}"/>
-              </a:ext>
-            </a:extLst>
-          </p:cNvPr>
-          <p:cNvSpPr>
-            <a:spLocks noGrp="1"/>
-          </p:cNvSpPr>
-          <p:nvPr>
-            <p:ph idx="1"/>
-          </p:nvPr>
-        </p:nvSpPr>
-        <p:spPr>
-          <a:xfrm>
-            <a:off x="457200" y="1600200"/>
-            <a:ext cx="8229600" cy="4525963"/>
-          </a:xfrm>
-        </p:spPr>
-        <p:txBody>
-          <a:bodyPr/>
-          <a:lstStyle/>
-          <a:p>
-            <a:endParaRPr kumimoji="1" lang="ja-JP" altLang="en-US"/>
           </a:p>
         </p:txBody>
       </p:sp>
     </p:spTree>
     <p:extLst>
       <p:ext uri="{BB962C8B-B14F-4D97-AF65-F5344CB8AC3E}">
-        <p14:creationId xmlns:p14="http://schemas.microsoft.com/office/powerpoint/2010/main" val="307256839"/>
+        <p14:creationId xmlns:p14="http://schemas.microsoft.com/office/powerpoint/2010/main" val="730759925"/>
       </p:ext>
     </p:extLst>
   </p:cSld>
@@ -15933,8 +16899,8 @@
         </p:nvSpPr>
         <p:spPr>
           <a:xfrm>
-            <a:off x="479336" y="548752"/>
-            <a:ext cx="8229600" cy="648000"/>
+            <a:off x="97200" y="126000"/>
+            <a:ext cx="8917200" cy="648000"/>
           </a:xfrm>
         </p:spPr>
         <p:txBody>
@@ -15954,47 +16920,16 @@
                   <a:lumOff val="25000"/>
                 </a:schemeClr>
               </a:solidFill>
-              <a:latin typeface="Calibri" panose="020F0502020204030204" pitchFamily="34" charset="0"/>
+              <a:latin typeface="MS PGothic" panose="020B0600070205080204" pitchFamily="34" charset="-128"/>
               <a:ea typeface="MS PGothic" panose="020B0600070205080204" pitchFamily="34" charset="-128"/>
-              <a:cs typeface="Calibri" panose="020F0502020204030204" pitchFamily="34" charset="0"/>
             </a:endParaRPr>
-          </a:p>
-        </p:txBody>
-      </p:sp>
-      <p:sp>
-        <p:nvSpPr>
-          <p:cNvPr id="7" name="Content Placeholder 1">
-            <a:extLst>
-              <a:ext uri="{FF2B5EF4-FFF2-40B4-BE49-F238E27FC236}">
-                <a16:creationId xmlns:a16="http://schemas.microsoft.com/office/drawing/2014/main" id="{A72BB791-A951-40D7-9201-6888E462357B}"/>
-              </a:ext>
-            </a:extLst>
-          </p:cNvPr>
-          <p:cNvSpPr>
-            <a:spLocks noGrp="1"/>
-          </p:cNvSpPr>
-          <p:nvPr>
-            <p:ph idx="1"/>
-          </p:nvPr>
-        </p:nvSpPr>
-        <p:spPr>
-          <a:xfrm>
-            <a:off x="457200" y="1600200"/>
-            <a:ext cx="8229600" cy="4525963"/>
-          </a:xfrm>
-        </p:spPr>
-        <p:txBody>
-          <a:bodyPr/>
-          <a:lstStyle/>
-          <a:p>
-            <a:endParaRPr kumimoji="1" lang="ja-JP" altLang="en-US"/>
           </a:p>
         </p:txBody>
       </p:sp>
     </p:spTree>
     <p:extLst>
       <p:ext uri="{BB962C8B-B14F-4D97-AF65-F5344CB8AC3E}">
-        <p14:creationId xmlns:p14="http://schemas.microsoft.com/office/powerpoint/2010/main" val="3598437525"/>
+        <p14:creationId xmlns:p14="http://schemas.microsoft.com/office/powerpoint/2010/main" val="3273186615"/>
       </p:ext>
     </p:extLst>
   </p:cSld>
@@ -16071,8 +17006,8 @@
         </p:nvSpPr>
         <p:spPr>
           <a:xfrm>
-            <a:off x="479336" y="548752"/>
-            <a:ext cx="8229600" cy="648000"/>
+            <a:off x="97200" y="126000"/>
+            <a:ext cx="8917200" cy="648000"/>
           </a:xfrm>
         </p:spPr>
         <p:txBody>
@@ -16092,47 +17027,16 @@
                   <a:lumOff val="25000"/>
                 </a:schemeClr>
               </a:solidFill>
-              <a:latin typeface="Calibri" panose="020F0502020204030204" pitchFamily="34" charset="0"/>
+              <a:latin typeface="MS PGothic" panose="020B0600070205080204" pitchFamily="34" charset="-128"/>
               <a:ea typeface="MS PGothic" panose="020B0600070205080204" pitchFamily="34" charset="-128"/>
-              <a:cs typeface="Calibri" panose="020F0502020204030204" pitchFamily="34" charset="0"/>
             </a:endParaRPr>
-          </a:p>
-        </p:txBody>
-      </p:sp>
-      <p:sp>
-        <p:nvSpPr>
-          <p:cNvPr id="7" name="Content Placeholder 1">
-            <a:extLst>
-              <a:ext uri="{FF2B5EF4-FFF2-40B4-BE49-F238E27FC236}">
-                <a16:creationId xmlns:a16="http://schemas.microsoft.com/office/drawing/2014/main" id="{A72BB791-A951-40D7-9201-6888E462357B}"/>
-              </a:ext>
-            </a:extLst>
-          </p:cNvPr>
-          <p:cNvSpPr>
-            <a:spLocks noGrp="1"/>
-          </p:cNvSpPr>
-          <p:nvPr>
-            <p:ph idx="1"/>
-          </p:nvPr>
-        </p:nvSpPr>
-        <p:spPr>
-          <a:xfrm>
-            <a:off x="457200" y="1600200"/>
-            <a:ext cx="8229600" cy="4525963"/>
-          </a:xfrm>
-        </p:spPr>
-        <p:txBody>
-          <a:bodyPr/>
-          <a:lstStyle/>
-          <a:p>
-            <a:endParaRPr kumimoji="1" lang="ja-JP" altLang="en-US"/>
           </a:p>
         </p:txBody>
       </p:sp>
     </p:spTree>
     <p:extLst>
       <p:ext uri="{BB962C8B-B14F-4D97-AF65-F5344CB8AC3E}">
-        <p14:creationId xmlns:p14="http://schemas.microsoft.com/office/powerpoint/2010/main" val="1488517660"/>
+        <p14:creationId xmlns:p14="http://schemas.microsoft.com/office/powerpoint/2010/main" val="2697132927"/>
       </p:ext>
     </p:extLst>
   </p:cSld>
@@ -16209,8 +17113,8 @@
         </p:nvSpPr>
         <p:spPr>
           <a:xfrm>
-            <a:off x="479336" y="548752"/>
-            <a:ext cx="8229600" cy="648000"/>
+            <a:off x="97200" y="126000"/>
+            <a:ext cx="8917200" cy="648000"/>
           </a:xfrm>
         </p:spPr>
         <p:txBody>
@@ -16230,47 +17134,16 @@
                   <a:lumOff val="25000"/>
                 </a:schemeClr>
               </a:solidFill>
-              <a:latin typeface="Calibri" panose="020F0502020204030204" pitchFamily="34" charset="0"/>
+              <a:latin typeface="MS PGothic" panose="020B0600070205080204" pitchFamily="34" charset="-128"/>
               <a:ea typeface="MS PGothic" panose="020B0600070205080204" pitchFamily="34" charset="-128"/>
-              <a:cs typeface="Calibri" panose="020F0502020204030204" pitchFamily="34" charset="0"/>
             </a:endParaRPr>
-          </a:p>
-        </p:txBody>
-      </p:sp>
-      <p:sp>
-        <p:nvSpPr>
-          <p:cNvPr id="7" name="Content Placeholder 1">
-            <a:extLst>
-              <a:ext uri="{FF2B5EF4-FFF2-40B4-BE49-F238E27FC236}">
-                <a16:creationId xmlns:a16="http://schemas.microsoft.com/office/drawing/2014/main" id="{A72BB791-A951-40D7-9201-6888E462357B}"/>
-              </a:ext>
-            </a:extLst>
-          </p:cNvPr>
-          <p:cNvSpPr>
-            <a:spLocks noGrp="1"/>
-          </p:cNvSpPr>
-          <p:nvPr>
-            <p:ph idx="1"/>
-          </p:nvPr>
-        </p:nvSpPr>
-        <p:spPr>
-          <a:xfrm>
-            <a:off x="457200" y="1600200"/>
-            <a:ext cx="8229600" cy="4525963"/>
-          </a:xfrm>
-        </p:spPr>
-        <p:txBody>
-          <a:bodyPr/>
-          <a:lstStyle/>
-          <a:p>
-            <a:endParaRPr kumimoji="1" lang="ja-JP" altLang="en-US"/>
           </a:p>
         </p:txBody>
       </p:sp>
     </p:spTree>
     <p:extLst>
       <p:ext uri="{BB962C8B-B14F-4D97-AF65-F5344CB8AC3E}">
-        <p14:creationId xmlns:p14="http://schemas.microsoft.com/office/powerpoint/2010/main" val="1133708075"/>
+        <p14:creationId xmlns:p14="http://schemas.microsoft.com/office/powerpoint/2010/main" val="2336474339"/>
       </p:ext>
     </p:extLst>
   </p:cSld>
@@ -16347,8 +17220,8 @@
         </p:nvSpPr>
         <p:spPr>
           <a:xfrm>
-            <a:off x="479336" y="548752"/>
-            <a:ext cx="8229600" cy="648000"/>
+            <a:off x="97200" y="126000"/>
+            <a:ext cx="8917200" cy="648000"/>
           </a:xfrm>
         </p:spPr>
         <p:txBody>
@@ -16368,47 +17241,16 @@
                   <a:lumOff val="25000"/>
                 </a:schemeClr>
               </a:solidFill>
-              <a:latin typeface="Calibri" panose="020F0502020204030204" pitchFamily="34" charset="0"/>
+              <a:latin typeface="MS PGothic" panose="020B0600070205080204" pitchFamily="34" charset="-128"/>
               <a:ea typeface="MS PGothic" panose="020B0600070205080204" pitchFamily="34" charset="-128"/>
-              <a:cs typeface="Calibri" panose="020F0502020204030204" pitchFamily="34" charset="0"/>
             </a:endParaRPr>
-          </a:p>
-        </p:txBody>
-      </p:sp>
-      <p:sp>
-        <p:nvSpPr>
-          <p:cNvPr id="7" name="Content Placeholder 1">
-            <a:extLst>
-              <a:ext uri="{FF2B5EF4-FFF2-40B4-BE49-F238E27FC236}">
-                <a16:creationId xmlns:a16="http://schemas.microsoft.com/office/drawing/2014/main" id="{A72BB791-A951-40D7-9201-6888E462357B}"/>
-              </a:ext>
-            </a:extLst>
-          </p:cNvPr>
-          <p:cNvSpPr>
-            <a:spLocks noGrp="1"/>
-          </p:cNvSpPr>
-          <p:nvPr>
-            <p:ph idx="1"/>
-          </p:nvPr>
-        </p:nvSpPr>
-        <p:spPr>
-          <a:xfrm>
-            <a:off x="457200" y="1600200"/>
-            <a:ext cx="8229600" cy="4525963"/>
-          </a:xfrm>
-        </p:spPr>
-        <p:txBody>
-          <a:bodyPr/>
-          <a:lstStyle/>
-          <a:p>
-            <a:endParaRPr kumimoji="1" lang="ja-JP" altLang="en-US"/>
           </a:p>
         </p:txBody>
       </p:sp>
     </p:spTree>
     <p:extLst>
       <p:ext uri="{BB962C8B-B14F-4D97-AF65-F5344CB8AC3E}">
-        <p14:creationId xmlns:p14="http://schemas.microsoft.com/office/powerpoint/2010/main" val="139270120"/>
+        <p14:creationId xmlns:p14="http://schemas.microsoft.com/office/powerpoint/2010/main" val="1402262666"/>
       </p:ext>
     </p:extLst>
   </p:cSld>
@@ -16485,8 +17327,8 @@
         </p:nvSpPr>
         <p:spPr>
           <a:xfrm>
-            <a:off x="479336" y="548752"/>
-            <a:ext cx="8229600" cy="648000"/>
+            <a:off x="97200" y="126000"/>
+            <a:ext cx="8917200" cy="648000"/>
           </a:xfrm>
         </p:spPr>
         <p:txBody>
@@ -16506,47 +17348,16 @@
                   <a:lumOff val="25000"/>
                 </a:schemeClr>
               </a:solidFill>
-              <a:latin typeface="Calibri" panose="020F0502020204030204" pitchFamily="34" charset="0"/>
+              <a:latin typeface="MS PGothic" panose="020B0600070205080204" pitchFamily="34" charset="-128"/>
               <a:ea typeface="MS PGothic" panose="020B0600070205080204" pitchFamily="34" charset="-128"/>
-              <a:cs typeface="Calibri" panose="020F0502020204030204" pitchFamily="34" charset="0"/>
             </a:endParaRPr>
-          </a:p>
-        </p:txBody>
-      </p:sp>
-      <p:sp>
-        <p:nvSpPr>
-          <p:cNvPr id="7" name="Content Placeholder 1">
-            <a:extLst>
-              <a:ext uri="{FF2B5EF4-FFF2-40B4-BE49-F238E27FC236}">
-                <a16:creationId xmlns:a16="http://schemas.microsoft.com/office/drawing/2014/main" id="{A72BB791-A951-40D7-9201-6888E462357B}"/>
-              </a:ext>
-            </a:extLst>
-          </p:cNvPr>
-          <p:cNvSpPr>
-            <a:spLocks noGrp="1"/>
-          </p:cNvSpPr>
-          <p:nvPr>
-            <p:ph idx="1"/>
-          </p:nvPr>
-        </p:nvSpPr>
-        <p:spPr>
-          <a:xfrm>
-            <a:off x="457200" y="1600200"/>
-            <a:ext cx="8229600" cy="4525963"/>
-          </a:xfrm>
-        </p:spPr>
-        <p:txBody>
-          <a:bodyPr/>
-          <a:lstStyle/>
-          <a:p>
-            <a:endParaRPr kumimoji="1" lang="ja-JP" altLang="en-US"/>
           </a:p>
         </p:txBody>
       </p:sp>
     </p:spTree>
     <p:extLst>
       <p:ext uri="{BB962C8B-B14F-4D97-AF65-F5344CB8AC3E}">
-        <p14:creationId xmlns:p14="http://schemas.microsoft.com/office/powerpoint/2010/main" val="1011742655"/>
+        <p14:creationId xmlns:p14="http://schemas.microsoft.com/office/powerpoint/2010/main" val="95692841"/>
       </p:ext>
     </p:extLst>
   </p:cSld>
@@ -16623,8 +17434,8 @@
         </p:nvSpPr>
         <p:spPr>
           <a:xfrm>
-            <a:off x="479336" y="548752"/>
-            <a:ext cx="8229600" cy="648000"/>
+            <a:off x="97200" y="126000"/>
+            <a:ext cx="8917200" cy="648000"/>
           </a:xfrm>
         </p:spPr>
         <p:txBody>
@@ -16644,47 +17455,16 @@
                   <a:lumOff val="25000"/>
                 </a:schemeClr>
               </a:solidFill>
-              <a:latin typeface="Calibri" panose="020F0502020204030204" pitchFamily="34" charset="0"/>
+              <a:latin typeface="MS PGothic" panose="020B0600070205080204" pitchFamily="34" charset="-128"/>
               <a:ea typeface="MS PGothic" panose="020B0600070205080204" pitchFamily="34" charset="-128"/>
-              <a:cs typeface="Calibri" panose="020F0502020204030204" pitchFamily="34" charset="0"/>
             </a:endParaRPr>
-          </a:p>
-        </p:txBody>
-      </p:sp>
-      <p:sp>
-        <p:nvSpPr>
-          <p:cNvPr id="7" name="Content Placeholder 1">
-            <a:extLst>
-              <a:ext uri="{FF2B5EF4-FFF2-40B4-BE49-F238E27FC236}">
-                <a16:creationId xmlns:a16="http://schemas.microsoft.com/office/drawing/2014/main" id="{A72BB791-A951-40D7-9201-6888E462357B}"/>
-              </a:ext>
-            </a:extLst>
-          </p:cNvPr>
-          <p:cNvSpPr>
-            <a:spLocks noGrp="1"/>
-          </p:cNvSpPr>
-          <p:nvPr>
-            <p:ph idx="1"/>
-          </p:nvPr>
-        </p:nvSpPr>
-        <p:spPr>
-          <a:xfrm>
-            <a:off x="457200" y="1600200"/>
-            <a:ext cx="8229600" cy="4525963"/>
-          </a:xfrm>
-        </p:spPr>
-        <p:txBody>
-          <a:bodyPr/>
-          <a:lstStyle/>
-          <a:p>
-            <a:endParaRPr kumimoji="1" lang="ja-JP" altLang="en-US"/>
           </a:p>
         </p:txBody>
       </p:sp>
     </p:spTree>
     <p:extLst>
       <p:ext uri="{BB962C8B-B14F-4D97-AF65-F5344CB8AC3E}">
-        <p14:creationId xmlns:p14="http://schemas.microsoft.com/office/powerpoint/2010/main" val="2806772720"/>
+        <p14:creationId xmlns:p14="http://schemas.microsoft.com/office/powerpoint/2010/main" val="3395194378"/>
       </p:ext>
     </p:extLst>
   </p:cSld>
@@ -16761,8 +17541,8 @@
         </p:nvSpPr>
         <p:spPr>
           <a:xfrm>
-            <a:off x="479336" y="548752"/>
-            <a:ext cx="8229600" cy="648000"/>
+            <a:off x="97200" y="126000"/>
+            <a:ext cx="8917200" cy="648000"/>
           </a:xfrm>
         </p:spPr>
         <p:txBody>
@@ -16782,47 +17562,16 @@
                   <a:lumOff val="25000"/>
                 </a:schemeClr>
               </a:solidFill>
-              <a:latin typeface="Calibri" panose="020F0502020204030204" pitchFamily="34" charset="0"/>
+              <a:latin typeface="MS PGothic" panose="020B0600070205080204" pitchFamily="34" charset="-128"/>
               <a:ea typeface="MS PGothic" panose="020B0600070205080204" pitchFamily="34" charset="-128"/>
-              <a:cs typeface="Calibri" panose="020F0502020204030204" pitchFamily="34" charset="0"/>
             </a:endParaRPr>
-          </a:p>
-        </p:txBody>
-      </p:sp>
-      <p:sp>
-        <p:nvSpPr>
-          <p:cNvPr id="7" name="Content Placeholder 1">
-            <a:extLst>
-              <a:ext uri="{FF2B5EF4-FFF2-40B4-BE49-F238E27FC236}">
-                <a16:creationId xmlns:a16="http://schemas.microsoft.com/office/drawing/2014/main" id="{A72BB791-A951-40D7-9201-6888E462357B}"/>
-              </a:ext>
-            </a:extLst>
-          </p:cNvPr>
-          <p:cNvSpPr>
-            <a:spLocks noGrp="1"/>
-          </p:cNvSpPr>
-          <p:nvPr>
-            <p:ph idx="1"/>
-          </p:nvPr>
-        </p:nvSpPr>
-        <p:spPr>
-          <a:xfrm>
-            <a:off x="457200" y="1600200"/>
-            <a:ext cx="8229600" cy="4525963"/>
-          </a:xfrm>
-        </p:spPr>
-        <p:txBody>
-          <a:bodyPr/>
-          <a:lstStyle/>
-          <a:p>
-            <a:endParaRPr kumimoji="1" lang="ja-JP" altLang="en-US"/>
           </a:p>
         </p:txBody>
       </p:sp>
     </p:spTree>
     <p:extLst>
       <p:ext uri="{BB962C8B-B14F-4D97-AF65-F5344CB8AC3E}">
-        <p14:creationId xmlns:p14="http://schemas.microsoft.com/office/powerpoint/2010/main" val="3834346341"/>
+        <p14:creationId xmlns:p14="http://schemas.microsoft.com/office/powerpoint/2010/main" val="1469534267"/>
       </p:ext>
     </p:extLst>
   </p:cSld>
@@ -16899,8 +17648,8 @@
         </p:nvSpPr>
         <p:spPr>
           <a:xfrm>
-            <a:off x="479336" y="548752"/>
-            <a:ext cx="8229600" cy="648000"/>
+            <a:off x="97200" y="126000"/>
+            <a:ext cx="8917200" cy="648000"/>
           </a:xfrm>
         </p:spPr>
         <p:txBody>
@@ -16920,47 +17669,16 @@
                   <a:lumOff val="25000"/>
                 </a:schemeClr>
               </a:solidFill>
-              <a:latin typeface="Calibri" panose="020F0502020204030204" pitchFamily="34" charset="0"/>
+              <a:latin typeface="MS PGothic" panose="020B0600070205080204" pitchFamily="34" charset="-128"/>
               <a:ea typeface="MS PGothic" panose="020B0600070205080204" pitchFamily="34" charset="-128"/>
-              <a:cs typeface="Calibri" panose="020F0502020204030204" pitchFamily="34" charset="0"/>
             </a:endParaRPr>
-          </a:p>
-        </p:txBody>
-      </p:sp>
-      <p:sp>
-        <p:nvSpPr>
-          <p:cNvPr id="7" name="Content Placeholder 1">
-            <a:extLst>
-              <a:ext uri="{FF2B5EF4-FFF2-40B4-BE49-F238E27FC236}">
-                <a16:creationId xmlns:a16="http://schemas.microsoft.com/office/drawing/2014/main" id="{A72BB791-A951-40D7-9201-6888E462357B}"/>
-              </a:ext>
-            </a:extLst>
-          </p:cNvPr>
-          <p:cNvSpPr>
-            <a:spLocks noGrp="1"/>
-          </p:cNvSpPr>
-          <p:nvPr>
-            <p:ph idx="1"/>
-          </p:nvPr>
-        </p:nvSpPr>
-        <p:spPr>
-          <a:xfrm>
-            <a:off x="457200" y="1600200"/>
-            <a:ext cx="8229600" cy="4525963"/>
-          </a:xfrm>
-        </p:spPr>
-        <p:txBody>
-          <a:bodyPr/>
-          <a:lstStyle/>
-          <a:p>
-            <a:endParaRPr kumimoji="1" lang="ja-JP" altLang="en-US"/>
           </a:p>
         </p:txBody>
       </p:sp>
     </p:spTree>
     <p:extLst>
       <p:ext uri="{BB962C8B-B14F-4D97-AF65-F5344CB8AC3E}">
-        <p14:creationId xmlns:p14="http://schemas.microsoft.com/office/powerpoint/2010/main" val="4279776211"/>
+        <p14:creationId xmlns:p14="http://schemas.microsoft.com/office/powerpoint/2010/main" val="2027380020"/>
       </p:ext>
     </p:extLst>
   </p:cSld>
@@ -17037,8 +17755,8 @@
         </p:nvSpPr>
         <p:spPr>
           <a:xfrm>
-            <a:off x="479336" y="548752"/>
-            <a:ext cx="8229600" cy="648000"/>
+            <a:off x="97200" y="126000"/>
+            <a:ext cx="8917200" cy="648000"/>
           </a:xfrm>
         </p:spPr>
         <p:txBody>
@@ -17058,47 +17776,16 @@
                   <a:lumOff val="25000"/>
                 </a:schemeClr>
               </a:solidFill>
-              <a:latin typeface="Calibri" panose="020F0502020204030204" pitchFamily="34" charset="0"/>
+              <a:latin typeface="MS PGothic" panose="020B0600070205080204" pitchFamily="34" charset="-128"/>
               <a:ea typeface="MS PGothic" panose="020B0600070205080204" pitchFamily="34" charset="-128"/>
-              <a:cs typeface="Calibri" panose="020F0502020204030204" pitchFamily="34" charset="0"/>
             </a:endParaRPr>
-          </a:p>
-        </p:txBody>
-      </p:sp>
-      <p:sp>
-        <p:nvSpPr>
-          <p:cNvPr id="7" name="Content Placeholder 1">
-            <a:extLst>
-              <a:ext uri="{FF2B5EF4-FFF2-40B4-BE49-F238E27FC236}">
-                <a16:creationId xmlns:a16="http://schemas.microsoft.com/office/drawing/2014/main" id="{A72BB791-A951-40D7-9201-6888E462357B}"/>
-              </a:ext>
-            </a:extLst>
-          </p:cNvPr>
-          <p:cNvSpPr>
-            <a:spLocks noGrp="1"/>
-          </p:cNvSpPr>
-          <p:nvPr>
-            <p:ph idx="1"/>
-          </p:nvPr>
-        </p:nvSpPr>
-        <p:spPr>
-          <a:xfrm>
-            <a:off x="457200" y="1600200"/>
-            <a:ext cx="8229600" cy="4525963"/>
-          </a:xfrm>
-        </p:spPr>
-        <p:txBody>
-          <a:bodyPr/>
-          <a:lstStyle/>
-          <a:p>
-            <a:endParaRPr kumimoji="1" lang="ja-JP" altLang="en-US"/>
           </a:p>
         </p:txBody>
       </p:sp>
     </p:spTree>
     <p:extLst>
       <p:ext uri="{BB962C8B-B14F-4D97-AF65-F5344CB8AC3E}">
-        <p14:creationId xmlns:p14="http://schemas.microsoft.com/office/powerpoint/2010/main" val="3501370392"/>
+        <p14:creationId xmlns:p14="http://schemas.microsoft.com/office/powerpoint/2010/main" val="3070130660"/>
       </p:ext>
     </p:extLst>
   </p:cSld>
@@ -17175,8 +17862,8 @@
         </p:nvSpPr>
         <p:spPr>
           <a:xfrm>
-            <a:off x="479336" y="548752"/>
-            <a:ext cx="8229600" cy="648000"/>
+            <a:off x="97200" y="126000"/>
+            <a:ext cx="8917200" cy="648000"/>
           </a:xfrm>
         </p:spPr>
         <p:txBody>
@@ -17196,47 +17883,16 @@
                   <a:lumOff val="25000"/>
                 </a:schemeClr>
               </a:solidFill>
-              <a:latin typeface="Calibri" panose="020F0502020204030204" pitchFamily="34" charset="0"/>
+              <a:latin typeface="MS PGothic" panose="020B0600070205080204" pitchFamily="34" charset="-128"/>
               <a:ea typeface="MS PGothic" panose="020B0600070205080204" pitchFamily="34" charset="-128"/>
-              <a:cs typeface="Calibri" panose="020F0502020204030204" pitchFamily="34" charset="0"/>
             </a:endParaRPr>
-          </a:p>
-        </p:txBody>
-      </p:sp>
-      <p:sp>
-        <p:nvSpPr>
-          <p:cNvPr id="7" name="Content Placeholder 1">
-            <a:extLst>
-              <a:ext uri="{FF2B5EF4-FFF2-40B4-BE49-F238E27FC236}">
-                <a16:creationId xmlns:a16="http://schemas.microsoft.com/office/drawing/2014/main" id="{A72BB791-A951-40D7-9201-6888E462357B}"/>
-              </a:ext>
-            </a:extLst>
-          </p:cNvPr>
-          <p:cNvSpPr>
-            <a:spLocks noGrp="1"/>
-          </p:cNvSpPr>
-          <p:nvPr>
-            <p:ph idx="1"/>
-          </p:nvPr>
-        </p:nvSpPr>
-        <p:spPr>
-          <a:xfrm>
-            <a:off x="457200" y="1600200"/>
-            <a:ext cx="8229600" cy="4525963"/>
-          </a:xfrm>
-        </p:spPr>
-        <p:txBody>
-          <a:bodyPr/>
-          <a:lstStyle/>
-          <a:p>
-            <a:endParaRPr kumimoji="1" lang="ja-JP" altLang="en-US"/>
           </a:p>
         </p:txBody>
       </p:sp>
     </p:spTree>
     <p:extLst>
       <p:ext uri="{BB962C8B-B14F-4D97-AF65-F5344CB8AC3E}">
-        <p14:creationId xmlns:p14="http://schemas.microsoft.com/office/powerpoint/2010/main" val="377222645"/>
+        <p14:creationId xmlns:p14="http://schemas.microsoft.com/office/powerpoint/2010/main" val="1676977857"/>
       </p:ext>
     </p:extLst>
   </p:cSld>
@@ -17313,8 +17969,8 @@
         </p:nvSpPr>
         <p:spPr>
           <a:xfrm>
-            <a:off x="479336" y="548752"/>
-            <a:ext cx="8229600" cy="648000"/>
+            <a:off x="97200" y="126000"/>
+            <a:ext cx="8917200" cy="648000"/>
           </a:xfrm>
         </p:spPr>
         <p:txBody>
@@ -17334,47 +17990,16 @@
                   <a:lumOff val="25000"/>
                 </a:schemeClr>
               </a:solidFill>
-              <a:latin typeface="Calibri" panose="020F0502020204030204" pitchFamily="34" charset="0"/>
+              <a:latin typeface="MS PGothic" panose="020B0600070205080204" pitchFamily="34" charset="-128"/>
               <a:ea typeface="MS PGothic" panose="020B0600070205080204" pitchFamily="34" charset="-128"/>
-              <a:cs typeface="Calibri" panose="020F0502020204030204" pitchFamily="34" charset="0"/>
             </a:endParaRPr>
-          </a:p>
-        </p:txBody>
-      </p:sp>
-      <p:sp>
-        <p:nvSpPr>
-          <p:cNvPr id="7" name="Content Placeholder 1">
-            <a:extLst>
-              <a:ext uri="{FF2B5EF4-FFF2-40B4-BE49-F238E27FC236}">
-                <a16:creationId xmlns:a16="http://schemas.microsoft.com/office/drawing/2014/main" id="{A72BB791-A951-40D7-9201-6888E462357B}"/>
-              </a:ext>
-            </a:extLst>
-          </p:cNvPr>
-          <p:cNvSpPr>
-            <a:spLocks noGrp="1"/>
-          </p:cNvSpPr>
-          <p:nvPr>
-            <p:ph idx="1"/>
-          </p:nvPr>
-        </p:nvSpPr>
-        <p:spPr>
-          <a:xfrm>
-            <a:off x="457200" y="1600200"/>
-            <a:ext cx="8229600" cy="4525963"/>
-          </a:xfrm>
-        </p:spPr>
-        <p:txBody>
-          <a:bodyPr/>
-          <a:lstStyle/>
-          <a:p>
-            <a:endParaRPr kumimoji="1" lang="ja-JP" altLang="en-US"/>
           </a:p>
         </p:txBody>
       </p:sp>
     </p:spTree>
     <p:extLst>
       <p:ext uri="{BB962C8B-B14F-4D97-AF65-F5344CB8AC3E}">
-        <p14:creationId xmlns:p14="http://schemas.microsoft.com/office/powerpoint/2010/main" val="4031598992"/>
+        <p14:creationId xmlns:p14="http://schemas.microsoft.com/office/powerpoint/2010/main" val="2187173065"/>
       </p:ext>
     </p:extLst>
   </p:cSld>
@@ -17451,8 +18076,8 @@
         </p:nvSpPr>
         <p:spPr>
           <a:xfrm>
-            <a:off x="479336" y="548752"/>
-            <a:ext cx="8229600" cy="648000"/>
+            <a:off x="97200" y="126000"/>
+            <a:ext cx="8917200" cy="648000"/>
           </a:xfrm>
         </p:spPr>
         <p:txBody>
@@ -17472,47 +18097,16 @@
                   <a:lumOff val="25000"/>
                 </a:schemeClr>
               </a:solidFill>
-              <a:latin typeface="Calibri" panose="020F0502020204030204" pitchFamily="34" charset="0"/>
+              <a:latin typeface="MS PGothic" panose="020B0600070205080204" pitchFamily="34" charset="-128"/>
               <a:ea typeface="MS PGothic" panose="020B0600070205080204" pitchFamily="34" charset="-128"/>
-              <a:cs typeface="Calibri" panose="020F0502020204030204" pitchFamily="34" charset="0"/>
             </a:endParaRPr>
-          </a:p>
-        </p:txBody>
-      </p:sp>
-      <p:sp>
-        <p:nvSpPr>
-          <p:cNvPr id="7" name="Content Placeholder 1">
-            <a:extLst>
-              <a:ext uri="{FF2B5EF4-FFF2-40B4-BE49-F238E27FC236}">
-                <a16:creationId xmlns:a16="http://schemas.microsoft.com/office/drawing/2014/main" id="{A72BB791-A951-40D7-9201-6888E462357B}"/>
-              </a:ext>
-            </a:extLst>
-          </p:cNvPr>
-          <p:cNvSpPr>
-            <a:spLocks noGrp="1"/>
-          </p:cNvSpPr>
-          <p:nvPr>
-            <p:ph idx="1"/>
-          </p:nvPr>
-        </p:nvSpPr>
-        <p:spPr>
-          <a:xfrm>
-            <a:off x="457200" y="1600200"/>
-            <a:ext cx="8229600" cy="4525963"/>
-          </a:xfrm>
-        </p:spPr>
-        <p:txBody>
-          <a:bodyPr/>
-          <a:lstStyle/>
-          <a:p>
-            <a:endParaRPr kumimoji="1" lang="ja-JP" altLang="en-US"/>
           </a:p>
         </p:txBody>
       </p:sp>
     </p:spTree>
     <p:extLst>
       <p:ext uri="{BB962C8B-B14F-4D97-AF65-F5344CB8AC3E}">
-        <p14:creationId xmlns:p14="http://schemas.microsoft.com/office/powerpoint/2010/main" val="2561171113"/>
+        <p14:creationId xmlns:p14="http://schemas.microsoft.com/office/powerpoint/2010/main" val="1566570515"/>
       </p:ext>
     </p:extLst>
   </p:cSld>
@@ -17589,8 +18183,8 @@
         </p:nvSpPr>
         <p:spPr>
           <a:xfrm>
-            <a:off x="479336" y="548752"/>
-            <a:ext cx="8229600" cy="648000"/>
+            <a:off x="97200" y="126000"/>
+            <a:ext cx="8917200" cy="648000"/>
           </a:xfrm>
         </p:spPr>
         <p:txBody>
@@ -17610,47 +18204,16 @@
                   <a:lumOff val="25000"/>
                 </a:schemeClr>
               </a:solidFill>
-              <a:latin typeface="Calibri" panose="020F0502020204030204" pitchFamily="34" charset="0"/>
+              <a:latin typeface="MS PGothic" panose="020B0600070205080204" pitchFamily="34" charset="-128"/>
               <a:ea typeface="MS PGothic" panose="020B0600070205080204" pitchFamily="34" charset="-128"/>
-              <a:cs typeface="Calibri" panose="020F0502020204030204" pitchFamily="34" charset="0"/>
             </a:endParaRPr>
-          </a:p>
-        </p:txBody>
-      </p:sp>
-      <p:sp>
-        <p:nvSpPr>
-          <p:cNvPr id="7" name="Content Placeholder 1">
-            <a:extLst>
-              <a:ext uri="{FF2B5EF4-FFF2-40B4-BE49-F238E27FC236}">
-                <a16:creationId xmlns:a16="http://schemas.microsoft.com/office/drawing/2014/main" id="{A72BB791-A951-40D7-9201-6888E462357B}"/>
-              </a:ext>
-            </a:extLst>
-          </p:cNvPr>
-          <p:cNvSpPr>
-            <a:spLocks noGrp="1"/>
-          </p:cNvSpPr>
-          <p:nvPr>
-            <p:ph idx="1"/>
-          </p:nvPr>
-        </p:nvSpPr>
-        <p:spPr>
-          <a:xfrm>
-            <a:off x="457200" y="1600200"/>
-            <a:ext cx="8229600" cy="4525963"/>
-          </a:xfrm>
-        </p:spPr>
-        <p:txBody>
-          <a:bodyPr/>
-          <a:lstStyle/>
-          <a:p>
-            <a:endParaRPr kumimoji="1" lang="ja-JP" altLang="en-US"/>
           </a:p>
         </p:txBody>
       </p:sp>
     </p:spTree>
     <p:extLst>
       <p:ext uri="{BB962C8B-B14F-4D97-AF65-F5344CB8AC3E}">
-        <p14:creationId xmlns:p14="http://schemas.microsoft.com/office/powerpoint/2010/main" val="664443818"/>
+        <p14:creationId xmlns:p14="http://schemas.microsoft.com/office/powerpoint/2010/main" val="501932356"/>
       </p:ext>
     </p:extLst>
   </p:cSld>
@@ -17727,8 +18290,8 @@
         </p:nvSpPr>
         <p:spPr>
           <a:xfrm>
-            <a:off x="479336" y="548752"/>
-            <a:ext cx="8229600" cy="648000"/>
+            <a:off x="97200" y="126000"/>
+            <a:ext cx="8917200" cy="648000"/>
           </a:xfrm>
         </p:spPr>
         <p:txBody>
@@ -17748,47 +18311,16 @@
                   <a:lumOff val="25000"/>
                 </a:schemeClr>
               </a:solidFill>
-              <a:latin typeface="Calibri" panose="020F0502020204030204" pitchFamily="34" charset="0"/>
+              <a:latin typeface="MS PGothic" panose="020B0600070205080204" pitchFamily="34" charset="-128"/>
               <a:ea typeface="MS PGothic" panose="020B0600070205080204" pitchFamily="34" charset="-128"/>
-              <a:cs typeface="Calibri" panose="020F0502020204030204" pitchFamily="34" charset="0"/>
             </a:endParaRPr>
-          </a:p>
-        </p:txBody>
-      </p:sp>
-      <p:sp>
-        <p:nvSpPr>
-          <p:cNvPr id="7" name="Content Placeholder 1">
-            <a:extLst>
-              <a:ext uri="{FF2B5EF4-FFF2-40B4-BE49-F238E27FC236}">
-                <a16:creationId xmlns:a16="http://schemas.microsoft.com/office/drawing/2014/main" id="{A72BB791-A951-40D7-9201-6888E462357B}"/>
-              </a:ext>
-            </a:extLst>
-          </p:cNvPr>
-          <p:cNvSpPr>
-            <a:spLocks noGrp="1"/>
-          </p:cNvSpPr>
-          <p:nvPr>
-            <p:ph idx="1"/>
-          </p:nvPr>
-        </p:nvSpPr>
-        <p:spPr>
-          <a:xfrm>
-            <a:off x="457200" y="1600200"/>
-            <a:ext cx="8229600" cy="4525963"/>
-          </a:xfrm>
-        </p:spPr>
-        <p:txBody>
-          <a:bodyPr/>
-          <a:lstStyle/>
-          <a:p>
-            <a:endParaRPr kumimoji="1" lang="ja-JP" altLang="en-US"/>
           </a:p>
         </p:txBody>
       </p:sp>
     </p:spTree>
     <p:extLst>
       <p:ext uri="{BB962C8B-B14F-4D97-AF65-F5344CB8AC3E}">
-        <p14:creationId xmlns:p14="http://schemas.microsoft.com/office/powerpoint/2010/main" val="2206818155"/>
+        <p14:creationId xmlns:p14="http://schemas.microsoft.com/office/powerpoint/2010/main" val="2080722727"/>
       </p:ext>
     </p:extLst>
   </p:cSld>
@@ -17865,8 +18397,8 @@
         </p:nvSpPr>
         <p:spPr>
           <a:xfrm>
-            <a:off x="479336" y="548752"/>
-            <a:ext cx="8229600" cy="648000"/>
+            <a:off x="97200" y="126000"/>
+            <a:ext cx="8917200" cy="648000"/>
           </a:xfrm>
         </p:spPr>
         <p:txBody>
@@ -17886,47 +18418,16 @@
                   <a:lumOff val="25000"/>
                 </a:schemeClr>
               </a:solidFill>
-              <a:latin typeface="Calibri" panose="020F0502020204030204" pitchFamily="34" charset="0"/>
+              <a:latin typeface="MS PGothic" panose="020B0600070205080204" pitchFamily="34" charset="-128"/>
               <a:ea typeface="MS PGothic" panose="020B0600070205080204" pitchFamily="34" charset="-128"/>
-              <a:cs typeface="Calibri" panose="020F0502020204030204" pitchFamily="34" charset="0"/>
             </a:endParaRPr>
-          </a:p>
-        </p:txBody>
-      </p:sp>
-      <p:sp>
-        <p:nvSpPr>
-          <p:cNvPr id="7" name="Content Placeholder 1">
-            <a:extLst>
-              <a:ext uri="{FF2B5EF4-FFF2-40B4-BE49-F238E27FC236}">
-                <a16:creationId xmlns:a16="http://schemas.microsoft.com/office/drawing/2014/main" id="{A72BB791-A951-40D7-9201-6888E462357B}"/>
-              </a:ext>
-            </a:extLst>
-          </p:cNvPr>
-          <p:cNvSpPr>
-            <a:spLocks noGrp="1"/>
-          </p:cNvSpPr>
-          <p:nvPr>
-            <p:ph idx="1"/>
-          </p:nvPr>
-        </p:nvSpPr>
-        <p:spPr>
-          <a:xfrm>
-            <a:off x="457200" y="1600200"/>
-            <a:ext cx="8229600" cy="4525963"/>
-          </a:xfrm>
-        </p:spPr>
-        <p:txBody>
-          <a:bodyPr/>
-          <a:lstStyle/>
-          <a:p>
-            <a:endParaRPr kumimoji="1" lang="ja-JP" altLang="en-US"/>
           </a:p>
         </p:txBody>
       </p:sp>
     </p:spTree>
     <p:extLst>
       <p:ext uri="{BB962C8B-B14F-4D97-AF65-F5344CB8AC3E}">
-        <p14:creationId xmlns:p14="http://schemas.microsoft.com/office/powerpoint/2010/main" val="1374264067"/>
+        <p14:creationId xmlns:p14="http://schemas.microsoft.com/office/powerpoint/2010/main" val="1877359717"/>
       </p:ext>
     </p:extLst>
   </p:cSld>
@@ -18003,8 +18504,8 @@
         </p:nvSpPr>
         <p:spPr>
           <a:xfrm>
-            <a:off x="479336" y="548752"/>
-            <a:ext cx="8229600" cy="648000"/>
+            <a:off x="97200" y="126000"/>
+            <a:ext cx="8917200" cy="648000"/>
           </a:xfrm>
         </p:spPr>
         <p:txBody>
@@ -18024,47 +18525,16 @@
                   <a:lumOff val="25000"/>
                 </a:schemeClr>
               </a:solidFill>
-              <a:latin typeface="Calibri" panose="020F0502020204030204" pitchFamily="34" charset="0"/>
+              <a:latin typeface="MS PGothic" panose="020B0600070205080204" pitchFamily="34" charset="-128"/>
               <a:ea typeface="MS PGothic" panose="020B0600070205080204" pitchFamily="34" charset="-128"/>
-              <a:cs typeface="Calibri" panose="020F0502020204030204" pitchFamily="34" charset="0"/>
             </a:endParaRPr>
-          </a:p>
-        </p:txBody>
-      </p:sp>
-      <p:sp>
-        <p:nvSpPr>
-          <p:cNvPr id="7" name="Content Placeholder 1">
-            <a:extLst>
-              <a:ext uri="{FF2B5EF4-FFF2-40B4-BE49-F238E27FC236}">
-                <a16:creationId xmlns:a16="http://schemas.microsoft.com/office/drawing/2014/main" id="{A72BB791-A951-40D7-9201-6888E462357B}"/>
-              </a:ext>
-            </a:extLst>
-          </p:cNvPr>
-          <p:cNvSpPr>
-            <a:spLocks noGrp="1"/>
-          </p:cNvSpPr>
-          <p:nvPr>
-            <p:ph idx="1"/>
-          </p:nvPr>
-        </p:nvSpPr>
-        <p:spPr>
-          <a:xfrm>
-            <a:off x="457200" y="1600200"/>
-            <a:ext cx="8229600" cy="4525963"/>
-          </a:xfrm>
-        </p:spPr>
-        <p:txBody>
-          <a:bodyPr/>
-          <a:lstStyle/>
-          <a:p>
-            <a:endParaRPr kumimoji="1" lang="ja-JP" altLang="en-US"/>
           </a:p>
         </p:txBody>
       </p:sp>
     </p:spTree>
     <p:extLst>
       <p:ext uri="{BB962C8B-B14F-4D97-AF65-F5344CB8AC3E}">
-        <p14:creationId xmlns:p14="http://schemas.microsoft.com/office/powerpoint/2010/main" val="722646272"/>
+        <p14:creationId xmlns:p14="http://schemas.microsoft.com/office/powerpoint/2010/main" val="2583273699"/>
       </p:ext>
     </p:extLst>
   </p:cSld>
@@ -18141,8 +18611,8 @@
         </p:nvSpPr>
         <p:spPr>
           <a:xfrm>
-            <a:off x="479336" y="548752"/>
-            <a:ext cx="8229600" cy="648000"/>
+            <a:off x="97200" y="126000"/>
+            <a:ext cx="8917200" cy="648000"/>
           </a:xfrm>
         </p:spPr>
         <p:txBody>
@@ -18162,47 +18632,16 @@
                   <a:lumOff val="25000"/>
                 </a:schemeClr>
               </a:solidFill>
-              <a:latin typeface="Calibri" panose="020F0502020204030204" pitchFamily="34" charset="0"/>
+              <a:latin typeface="MS PGothic" panose="020B0600070205080204" pitchFamily="34" charset="-128"/>
               <a:ea typeface="MS PGothic" panose="020B0600070205080204" pitchFamily="34" charset="-128"/>
-              <a:cs typeface="Calibri" panose="020F0502020204030204" pitchFamily="34" charset="0"/>
             </a:endParaRPr>
-          </a:p>
-        </p:txBody>
-      </p:sp>
-      <p:sp>
-        <p:nvSpPr>
-          <p:cNvPr id="7" name="Content Placeholder 1">
-            <a:extLst>
-              <a:ext uri="{FF2B5EF4-FFF2-40B4-BE49-F238E27FC236}">
-                <a16:creationId xmlns:a16="http://schemas.microsoft.com/office/drawing/2014/main" id="{A72BB791-A951-40D7-9201-6888E462357B}"/>
-              </a:ext>
-            </a:extLst>
-          </p:cNvPr>
-          <p:cNvSpPr>
-            <a:spLocks noGrp="1"/>
-          </p:cNvSpPr>
-          <p:nvPr>
-            <p:ph idx="1"/>
-          </p:nvPr>
-        </p:nvSpPr>
-        <p:spPr>
-          <a:xfrm>
-            <a:off x="457200" y="1600200"/>
-            <a:ext cx="8229600" cy="4525963"/>
-          </a:xfrm>
-        </p:spPr>
-        <p:txBody>
-          <a:bodyPr/>
-          <a:lstStyle/>
-          <a:p>
-            <a:endParaRPr kumimoji="1" lang="ja-JP" altLang="en-US"/>
           </a:p>
         </p:txBody>
       </p:sp>
     </p:spTree>
     <p:extLst>
       <p:ext uri="{BB962C8B-B14F-4D97-AF65-F5344CB8AC3E}">
-        <p14:creationId xmlns:p14="http://schemas.microsoft.com/office/powerpoint/2010/main" val="3254182916"/>
+        <p14:creationId xmlns:p14="http://schemas.microsoft.com/office/powerpoint/2010/main" val="3221987141"/>
       </p:ext>
     </p:extLst>
   </p:cSld>
@@ -18279,8 +18718,8 @@
         </p:nvSpPr>
         <p:spPr>
           <a:xfrm>
-            <a:off x="479336" y="548752"/>
-            <a:ext cx="8229600" cy="648000"/>
+            <a:off x="97200" y="126000"/>
+            <a:ext cx="8917200" cy="648000"/>
           </a:xfrm>
         </p:spPr>
         <p:txBody>
@@ -18300,47 +18739,16 @@
                   <a:lumOff val="25000"/>
                 </a:schemeClr>
               </a:solidFill>
-              <a:latin typeface="Calibri" panose="020F0502020204030204" pitchFamily="34" charset="0"/>
+              <a:latin typeface="MS PGothic" panose="020B0600070205080204" pitchFamily="34" charset="-128"/>
               <a:ea typeface="MS PGothic" panose="020B0600070205080204" pitchFamily="34" charset="-128"/>
-              <a:cs typeface="Calibri" panose="020F0502020204030204" pitchFamily="34" charset="0"/>
             </a:endParaRPr>
-          </a:p>
-        </p:txBody>
-      </p:sp>
-      <p:sp>
-        <p:nvSpPr>
-          <p:cNvPr id="7" name="Content Placeholder 1">
-            <a:extLst>
-              <a:ext uri="{FF2B5EF4-FFF2-40B4-BE49-F238E27FC236}">
-                <a16:creationId xmlns:a16="http://schemas.microsoft.com/office/drawing/2014/main" id="{A72BB791-A951-40D7-9201-6888E462357B}"/>
-              </a:ext>
-            </a:extLst>
-          </p:cNvPr>
-          <p:cNvSpPr>
-            <a:spLocks noGrp="1"/>
-          </p:cNvSpPr>
-          <p:nvPr>
-            <p:ph idx="1"/>
-          </p:nvPr>
-        </p:nvSpPr>
-        <p:spPr>
-          <a:xfrm>
-            <a:off x="457200" y="1600200"/>
-            <a:ext cx="8229600" cy="4525963"/>
-          </a:xfrm>
-        </p:spPr>
-        <p:txBody>
-          <a:bodyPr/>
-          <a:lstStyle/>
-          <a:p>
-            <a:endParaRPr kumimoji="1" lang="ja-JP" altLang="en-US"/>
           </a:p>
         </p:txBody>
       </p:sp>
     </p:spTree>
     <p:extLst>
       <p:ext uri="{BB962C8B-B14F-4D97-AF65-F5344CB8AC3E}">
-        <p14:creationId xmlns:p14="http://schemas.microsoft.com/office/powerpoint/2010/main" val="2077117091"/>
+        <p14:creationId xmlns:p14="http://schemas.microsoft.com/office/powerpoint/2010/main" val="3599493379"/>
       </p:ext>
     </p:extLst>
   </p:cSld>
@@ -18417,8 +18825,8 @@
         </p:nvSpPr>
         <p:spPr>
           <a:xfrm>
-            <a:off x="479336" y="548752"/>
-            <a:ext cx="8229600" cy="648000"/>
+            <a:off x="97200" y="126000"/>
+            <a:ext cx="8917200" cy="648000"/>
           </a:xfrm>
         </p:spPr>
         <p:txBody>
@@ -18438,47 +18846,16 @@
                   <a:lumOff val="25000"/>
                 </a:schemeClr>
               </a:solidFill>
-              <a:latin typeface="Calibri" panose="020F0502020204030204" pitchFamily="34" charset="0"/>
+              <a:latin typeface="MS PGothic" panose="020B0600070205080204" pitchFamily="34" charset="-128"/>
               <a:ea typeface="MS PGothic" panose="020B0600070205080204" pitchFamily="34" charset="-128"/>
-              <a:cs typeface="Calibri" panose="020F0502020204030204" pitchFamily="34" charset="0"/>
             </a:endParaRPr>
-          </a:p>
-        </p:txBody>
-      </p:sp>
-      <p:sp>
-        <p:nvSpPr>
-          <p:cNvPr id="7" name="Content Placeholder 1">
-            <a:extLst>
-              <a:ext uri="{FF2B5EF4-FFF2-40B4-BE49-F238E27FC236}">
-                <a16:creationId xmlns:a16="http://schemas.microsoft.com/office/drawing/2014/main" id="{A72BB791-A951-40D7-9201-6888E462357B}"/>
-              </a:ext>
-            </a:extLst>
-          </p:cNvPr>
-          <p:cNvSpPr>
-            <a:spLocks noGrp="1"/>
-          </p:cNvSpPr>
-          <p:nvPr>
-            <p:ph idx="1"/>
-          </p:nvPr>
-        </p:nvSpPr>
-        <p:spPr>
-          <a:xfrm>
-            <a:off x="457200" y="1600200"/>
-            <a:ext cx="8229600" cy="4525963"/>
-          </a:xfrm>
-        </p:spPr>
-        <p:txBody>
-          <a:bodyPr/>
-          <a:lstStyle/>
-          <a:p>
-            <a:endParaRPr kumimoji="1" lang="ja-JP" altLang="en-US"/>
           </a:p>
         </p:txBody>
       </p:sp>
     </p:spTree>
     <p:extLst>
       <p:ext uri="{BB962C8B-B14F-4D97-AF65-F5344CB8AC3E}">
-        <p14:creationId xmlns:p14="http://schemas.microsoft.com/office/powerpoint/2010/main" val="1201192745"/>
+        <p14:creationId xmlns:p14="http://schemas.microsoft.com/office/powerpoint/2010/main" val="795817528"/>
       </p:ext>
     </p:extLst>
   </p:cSld>
@@ -18555,8 +18932,8 @@
         </p:nvSpPr>
         <p:spPr>
           <a:xfrm>
-            <a:off x="479336" y="548752"/>
-            <a:ext cx="8229600" cy="648000"/>
+            <a:off x="97200" y="126000"/>
+            <a:ext cx="8917200" cy="648000"/>
           </a:xfrm>
         </p:spPr>
         <p:txBody>
@@ -18576,47 +18953,16 @@
                   <a:lumOff val="25000"/>
                 </a:schemeClr>
               </a:solidFill>
-              <a:latin typeface="Calibri" panose="020F0502020204030204" pitchFamily="34" charset="0"/>
+              <a:latin typeface="MS PGothic" panose="020B0600070205080204" pitchFamily="34" charset="-128"/>
               <a:ea typeface="MS PGothic" panose="020B0600070205080204" pitchFamily="34" charset="-128"/>
-              <a:cs typeface="Calibri" panose="020F0502020204030204" pitchFamily="34" charset="0"/>
             </a:endParaRPr>
-          </a:p>
-        </p:txBody>
-      </p:sp>
-      <p:sp>
-        <p:nvSpPr>
-          <p:cNvPr id="7" name="Content Placeholder 1">
-            <a:extLst>
-              <a:ext uri="{FF2B5EF4-FFF2-40B4-BE49-F238E27FC236}">
-                <a16:creationId xmlns:a16="http://schemas.microsoft.com/office/drawing/2014/main" id="{A72BB791-A951-40D7-9201-6888E462357B}"/>
-              </a:ext>
-            </a:extLst>
-          </p:cNvPr>
-          <p:cNvSpPr>
-            <a:spLocks noGrp="1"/>
-          </p:cNvSpPr>
-          <p:nvPr>
-            <p:ph idx="1"/>
-          </p:nvPr>
-        </p:nvSpPr>
-        <p:spPr>
-          <a:xfrm>
-            <a:off x="457200" y="1600200"/>
-            <a:ext cx="8229600" cy="4525963"/>
-          </a:xfrm>
-        </p:spPr>
-        <p:txBody>
-          <a:bodyPr/>
-          <a:lstStyle/>
-          <a:p>
-            <a:endParaRPr kumimoji="1" lang="ja-JP" altLang="en-US"/>
           </a:p>
         </p:txBody>
       </p:sp>
     </p:spTree>
     <p:extLst>
       <p:ext uri="{BB962C8B-B14F-4D97-AF65-F5344CB8AC3E}">
-        <p14:creationId xmlns:p14="http://schemas.microsoft.com/office/powerpoint/2010/main" val="1610239690"/>
+        <p14:creationId xmlns:p14="http://schemas.microsoft.com/office/powerpoint/2010/main" val="2669087750"/>
       </p:ext>
     </p:extLst>
   </p:cSld>
@@ -18693,8 +19039,8 @@
         </p:nvSpPr>
         <p:spPr>
           <a:xfrm>
-            <a:off x="479336" y="548752"/>
-            <a:ext cx="8229600" cy="648000"/>
+            <a:off x="97200" y="126000"/>
+            <a:ext cx="8917200" cy="648000"/>
           </a:xfrm>
         </p:spPr>
         <p:txBody>
@@ -18714,47 +19060,16 @@
                   <a:lumOff val="25000"/>
                 </a:schemeClr>
               </a:solidFill>
-              <a:latin typeface="Calibri" panose="020F0502020204030204" pitchFamily="34" charset="0"/>
+              <a:latin typeface="MS PGothic" panose="020B0600070205080204" pitchFamily="34" charset="-128"/>
               <a:ea typeface="MS PGothic" panose="020B0600070205080204" pitchFamily="34" charset="-128"/>
-              <a:cs typeface="Calibri" panose="020F0502020204030204" pitchFamily="34" charset="0"/>
             </a:endParaRPr>
-          </a:p>
-        </p:txBody>
-      </p:sp>
-      <p:sp>
-        <p:nvSpPr>
-          <p:cNvPr id="7" name="Content Placeholder 1">
-            <a:extLst>
-              <a:ext uri="{FF2B5EF4-FFF2-40B4-BE49-F238E27FC236}">
-                <a16:creationId xmlns:a16="http://schemas.microsoft.com/office/drawing/2014/main" id="{A72BB791-A951-40D7-9201-6888E462357B}"/>
-              </a:ext>
-            </a:extLst>
-          </p:cNvPr>
-          <p:cNvSpPr>
-            <a:spLocks noGrp="1"/>
-          </p:cNvSpPr>
-          <p:nvPr>
-            <p:ph idx="1"/>
-          </p:nvPr>
-        </p:nvSpPr>
-        <p:spPr>
-          <a:xfrm>
-            <a:off x="457200" y="1600200"/>
-            <a:ext cx="8229600" cy="4525963"/>
-          </a:xfrm>
-        </p:spPr>
-        <p:txBody>
-          <a:bodyPr/>
-          <a:lstStyle/>
-          <a:p>
-            <a:endParaRPr kumimoji="1" lang="ja-JP" altLang="en-US"/>
           </a:p>
         </p:txBody>
       </p:sp>
     </p:spTree>
     <p:extLst>
       <p:ext uri="{BB962C8B-B14F-4D97-AF65-F5344CB8AC3E}">
-        <p14:creationId xmlns:p14="http://schemas.microsoft.com/office/powerpoint/2010/main" val="2181855465"/>
+        <p14:creationId xmlns:p14="http://schemas.microsoft.com/office/powerpoint/2010/main" val="4186951970"/>
       </p:ext>
     </p:extLst>
   </p:cSld>
@@ -18831,8 +19146,8 @@
         </p:nvSpPr>
         <p:spPr>
           <a:xfrm>
-            <a:off x="479336" y="548752"/>
-            <a:ext cx="8229600" cy="648000"/>
+            <a:off x="97200" y="126000"/>
+            <a:ext cx="8917200" cy="648000"/>
           </a:xfrm>
         </p:spPr>
         <p:txBody>
@@ -18852,47 +19167,16 @@
                   <a:lumOff val="25000"/>
                 </a:schemeClr>
               </a:solidFill>
-              <a:latin typeface="Calibri" panose="020F0502020204030204" pitchFamily="34" charset="0"/>
+              <a:latin typeface="MS PGothic" panose="020B0600070205080204" pitchFamily="34" charset="-128"/>
               <a:ea typeface="MS PGothic" panose="020B0600070205080204" pitchFamily="34" charset="-128"/>
-              <a:cs typeface="Calibri" panose="020F0502020204030204" pitchFamily="34" charset="0"/>
             </a:endParaRPr>
-          </a:p>
-        </p:txBody>
-      </p:sp>
-      <p:sp>
-        <p:nvSpPr>
-          <p:cNvPr id="7" name="Content Placeholder 1">
-            <a:extLst>
-              <a:ext uri="{FF2B5EF4-FFF2-40B4-BE49-F238E27FC236}">
-                <a16:creationId xmlns:a16="http://schemas.microsoft.com/office/drawing/2014/main" id="{A72BB791-A951-40D7-9201-6888E462357B}"/>
-              </a:ext>
-            </a:extLst>
-          </p:cNvPr>
-          <p:cNvSpPr>
-            <a:spLocks noGrp="1"/>
-          </p:cNvSpPr>
-          <p:nvPr>
-            <p:ph idx="1"/>
-          </p:nvPr>
-        </p:nvSpPr>
-        <p:spPr>
-          <a:xfrm>
-            <a:off x="457200" y="1600200"/>
-            <a:ext cx="8229600" cy="4525963"/>
-          </a:xfrm>
-        </p:spPr>
-        <p:txBody>
-          <a:bodyPr/>
-          <a:lstStyle/>
-          <a:p>
-            <a:endParaRPr kumimoji="1" lang="ja-JP" altLang="en-US"/>
           </a:p>
         </p:txBody>
       </p:sp>
     </p:spTree>
     <p:extLst>
       <p:ext uri="{BB962C8B-B14F-4D97-AF65-F5344CB8AC3E}">
-        <p14:creationId xmlns:p14="http://schemas.microsoft.com/office/powerpoint/2010/main" val="3880634979"/>
+        <p14:creationId xmlns:p14="http://schemas.microsoft.com/office/powerpoint/2010/main" val="3423852673"/>
       </p:ext>
     </p:extLst>
   </p:cSld>
@@ -18969,8 +19253,8 @@
         </p:nvSpPr>
         <p:spPr>
           <a:xfrm>
-            <a:off x="479336" y="548752"/>
-            <a:ext cx="8229600" cy="648000"/>
+            <a:off x="97200" y="126000"/>
+            <a:ext cx="8917200" cy="648000"/>
           </a:xfrm>
         </p:spPr>
         <p:txBody>
@@ -18990,47 +19274,16 @@
                   <a:lumOff val="25000"/>
                 </a:schemeClr>
               </a:solidFill>
-              <a:latin typeface="Calibri" panose="020F0502020204030204" pitchFamily="34" charset="0"/>
+              <a:latin typeface="MS PGothic" panose="020B0600070205080204" pitchFamily="34" charset="-128"/>
               <a:ea typeface="MS PGothic" panose="020B0600070205080204" pitchFamily="34" charset="-128"/>
-              <a:cs typeface="Calibri" panose="020F0502020204030204" pitchFamily="34" charset="0"/>
             </a:endParaRPr>
-          </a:p>
-        </p:txBody>
-      </p:sp>
-      <p:sp>
-        <p:nvSpPr>
-          <p:cNvPr id="7" name="Content Placeholder 1">
-            <a:extLst>
-              <a:ext uri="{FF2B5EF4-FFF2-40B4-BE49-F238E27FC236}">
-                <a16:creationId xmlns:a16="http://schemas.microsoft.com/office/drawing/2014/main" id="{A72BB791-A951-40D7-9201-6888E462357B}"/>
-              </a:ext>
-            </a:extLst>
-          </p:cNvPr>
-          <p:cNvSpPr>
-            <a:spLocks noGrp="1"/>
-          </p:cNvSpPr>
-          <p:nvPr>
-            <p:ph idx="1"/>
-          </p:nvPr>
-        </p:nvSpPr>
-        <p:spPr>
-          <a:xfrm>
-            <a:off x="457200" y="1600200"/>
-            <a:ext cx="8229600" cy="4525963"/>
-          </a:xfrm>
-        </p:spPr>
-        <p:txBody>
-          <a:bodyPr/>
-          <a:lstStyle/>
-          <a:p>
-            <a:endParaRPr kumimoji="1" lang="ja-JP" altLang="en-US"/>
           </a:p>
         </p:txBody>
       </p:sp>
     </p:spTree>
     <p:extLst>
       <p:ext uri="{BB962C8B-B14F-4D97-AF65-F5344CB8AC3E}">
-        <p14:creationId xmlns:p14="http://schemas.microsoft.com/office/powerpoint/2010/main" val="1602212020"/>
+        <p14:creationId xmlns:p14="http://schemas.microsoft.com/office/powerpoint/2010/main" val="571908965"/>
       </p:ext>
     </p:extLst>
   </p:cSld>
@@ -19107,8 +19360,8 @@
         </p:nvSpPr>
         <p:spPr>
           <a:xfrm>
-            <a:off x="479336" y="548752"/>
-            <a:ext cx="8229600" cy="648000"/>
+            <a:off x="97200" y="126000"/>
+            <a:ext cx="8917200" cy="648000"/>
           </a:xfrm>
         </p:spPr>
         <p:txBody>
@@ -19128,47 +19381,16 @@
                   <a:lumOff val="25000"/>
                 </a:schemeClr>
               </a:solidFill>
-              <a:latin typeface="Calibri" panose="020F0502020204030204" pitchFamily="34" charset="0"/>
+              <a:latin typeface="MS PGothic" panose="020B0600070205080204" pitchFamily="34" charset="-128"/>
               <a:ea typeface="MS PGothic" panose="020B0600070205080204" pitchFamily="34" charset="-128"/>
-              <a:cs typeface="Calibri" panose="020F0502020204030204" pitchFamily="34" charset="0"/>
             </a:endParaRPr>
-          </a:p>
-        </p:txBody>
-      </p:sp>
-      <p:sp>
-        <p:nvSpPr>
-          <p:cNvPr id="7" name="Content Placeholder 1">
-            <a:extLst>
-              <a:ext uri="{FF2B5EF4-FFF2-40B4-BE49-F238E27FC236}">
-                <a16:creationId xmlns:a16="http://schemas.microsoft.com/office/drawing/2014/main" id="{A72BB791-A951-40D7-9201-6888E462357B}"/>
-              </a:ext>
-            </a:extLst>
-          </p:cNvPr>
-          <p:cNvSpPr>
-            <a:spLocks noGrp="1"/>
-          </p:cNvSpPr>
-          <p:nvPr>
-            <p:ph idx="1"/>
-          </p:nvPr>
-        </p:nvSpPr>
-        <p:spPr>
-          <a:xfrm>
-            <a:off x="457200" y="1600200"/>
-            <a:ext cx="8229600" cy="4525963"/>
-          </a:xfrm>
-        </p:spPr>
-        <p:txBody>
-          <a:bodyPr/>
-          <a:lstStyle/>
-          <a:p>
-            <a:endParaRPr kumimoji="1" lang="ja-JP" altLang="en-US"/>
           </a:p>
         </p:txBody>
       </p:sp>
     </p:spTree>
     <p:extLst>
       <p:ext uri="{BB962C8B-B14F-4D97-AF65-F5344CB8AC3E}">
-        <p14:creationId xmlns:p14="http://schemas.microsoft.com/office/powerpoint/2010/main" val="4099611815"/>
+        <p14:creationId xmlns:p14="http://schemas.microsoft.com/office/powerpoint/2010/main" val="3623009321"/>
       </p:ext>
     </p:extLst>
   </p:cSld>
@@ -19245,8 +19467,8 @@
         </p:nvSpPr>
         <p:spPr>
           <a:xfrm>
-            <a:off x="479336" y="548752"/>
-            <a:ext cx="8229600" cy="648000"/>
+            <a:off x="97200" y="126000"/>
+            <a:ext cx="8917200" cy="648000"/>
           </a:xfrm>
         </p:spPr>
         <p:txBody>
@@ -19266,47 +19488,16 @@
                   <a:lumOff val="25000"/>
                 </a:schemeClr>
               </a:solidFill>
-              <a:latin typeface="Calibri" panose="020F0502020204030204" pitchFamily="34" charset="0"/>
+              <a:latin typeface="MS PGothic" panose="020B0600070205080204" pitchFamily="34" charset="-128"/>
               <a:ea typeface="MS PGothic" panose="020B0600070205080204" pitchFamily="34" charset="-128"/>
-              <a:cs typeface="Calibri" panose="020F0502020204030204" pitchFamily="34" charset="0"/>
             </a:endParaRPr>
-          </a:p>
-        </p:txBody>
-      </p:sp>
-      <p:sp>
-        <p:nvSpPr>
-          <p:cNvPr id="7" name="Content Placeholder 1">
-            <a:extLst>
-              <a:ext uri="{FF2B5EF4-FFF2-40B4-BE49-F238E27FC236}">
-                <a16:creationId xmlns:a16="http://schemas.microsoft.com/office/drawing/2014/main" id="{A72BB791-A951-40D7-9201-6888E462357B}"/>
-              </a:ext>
-            </a:extLst>
-          </p:cNvPr>
-          <p:cNvSpPr>
-            <a:spLocks noGrp="1"/>
-          </p:cNvSpPr>
-          <p:nvPr>
-            <p:ph idx="1"/>
-          </p:nvPr>
-        </p:nvSpPr>
-        <p:spPr>
-          <a:xfrm>
-            <a:off x="457200" y="1600200"/>
-            <a:ext cx="8229600" cy="4525963"/>
-          </a:xfrm>
-        </p:spPr>
-        <p:txBody>
-          <a:bodyPr/>
-          <a:lstStyle/>
-          <a:p>
-            <a:endParaRPr kumimoji="1" lang="ja-JP" altLang="en-US"/>
           </a:p>
         </p:txBody>
       </p:sp>
     </p:spTree>
     <p:extLst>
       <p:ext uri="{BB962C8B-B14F-4D97-AF65-F5344CB8AC3E}">
-        <p14:creationId xmlns:p14="http://schemas.microsoft.com/office/powerpoint/2010/main" val="3494757913"/>
+        <p14:creationId xmlns:p14="http://schemas.microsoft.com/office/powerpoint/2010/main" val="3748958484"/>
       </p:ext>
     </p:extLst>
   </p:cSld>
@@ -19383,8 +19574,8 @@
         </p:nvSpPr>
         <p:spPr>
           <a:xfrm>
-            <a:off x="479336" y="548752"/>
-            <a:ext cx="8229600" cy="648000"/>
+            <a:off x="97200" y="126000"/>
+            <a:ext cx="8917200" cy="648000"/>
           </a:xfrm>
         </p:spPr>
         <p:txBody>
@@ -19404,47 +19595,16 @@
                   <a:lumOff val="25000"/>
                 </a:schemeClr>
               </a:solidFill>
-              <a:latin typeface="Calibri" panose="020F0502020204030204" pitchFamily="34" charset="0"/>
+              <a:latin typeface="MS PGothic" panose="020B0600070205080204" pitchFamily="34" charset="-128"/>
               <a:ea typeface="MS PGothic" panose="020B0600070205080204" pitchFamily="34" charset="-128"/>
-              <a:cs typeface="Calibri" panose="020F0502020204030204" pitchFamily="34" charset="0"/>
             </a:endParaRPr>
-          </a:p>
-        </p:txBody>
-      </p:sp>
-      <p:sp>
-        <p:nvSpPr>
-          <p:cNvPr id="7" name="Content Placeholder 1">
-            <a:extLst>
-              <a:ext uri="{FF2B5EF4-FFF2-40B4-BE49-F238E27FC236}">
-                <a16:creationId xmlns:a16="http://schemas.microsoft.com/office/drawing/2014/main" id="{A72BB791-A951-40D7-9201-6888E462357B}"/>
-              </a:ext>
-            </a:extLst>
-          </p:cNvPr>
-          <p:cNvSpPr>
-            <a:spLocks noGrp="1"/>
-          </p:cNvSpPr>
-          <p:nvPr>
-            <p:ph idx="1"/>
-          </p:nvPr>
-        </p:nvSpPr>
-        <p:spPr>
-          <a:xfrm>
-            <a:off x="457200" y="1600200"/>
-            <a:ext cx="8229600" cy="4525963"/>
-          </a:xfrm>
-        </p:spPr>
-        <p:txBody>
-          <a:bodyPr/>
-          <a:lstStyle/>
-          <a:p>
-            <a:endParaRPr kumimoji="1" lang="ja-JP" altLang="en-US"/>
           </a:p>
         </p:txBody>
       </p:sp>
     </p:spTree>
     <p:extLst>
       <p:ext uri="{BB962C8B-B14F-4D97-AF65-F5344CB8AC3E}">
-        <p14:creationId xmlns:p14="http://schemas.microsoft.com/office/powerpoint/2010/main" val="3415895769"/>
+        <p14:creationId xmlns:p14="http://schemas.microsoft.com/office/powerpoint/2010/main" val="1224297127"/>
       </p:ext>
     </p:extLst>
   </p:cSld>
@@ -19521,8 +19681,8 @@
         </p:nvSpPr>
         <p:spPr>
           <a:xfrm>
-            <a:off x="479336" y="548752"/>
-            <a:ext cx="8229600" cy="648000"/>
+            <a:off x="97200" y="126000"/>
+            <a:ext cx="8917200" cy="648000"/>
           </a:xfrm>
         </p:spPr>
         <p:txBody>
@@ -19542,47 +19702,16 @@
                   <a:lumOff val="25000"/>
                 </a:schemeClr>
               </a:solidFill>
-              <a:latin typeface="Calibri" panose="020F0502020204030204" pitchFamily="34" charset="0"/>
+              <a:latin typeface="MS PGothic" panose="020B0600070205080204" pitchFamily="34" charset="-128"/>
               <a:ea typeface="MS PGothic" panose="020B0600070205080204" pitchFamily="34" charset="-128"/>
-              <a:cs typeface="Calibri" panose="020F0502020204030204" pitchFamily="34" charset="0"/>
             </a:endParaRPr>
-          </a:p>
-        </p:txBody>
-      </p:sp>
-      <p:sp>
-        <p:nvSpPr>
-          <p:cNvPr id="7" name="Content Placeholder 1">
-            <a:extLst>
-              <a:ext uri="{FF2B5EF4-FFF2-40B4-BE49-F238E27FC236}">
-                <a16:creationId xmlns:a16="http://schemas.microsoft.com/office/drawing/2014/main" id="{A72BB791-A951-40D7-9201-6888E462357B}"/>
-              </a:ext>
-            </a:extLst>
-          </p:cNvPr>
-          <p:cNvSpPr>
-            <a:spLocks noGrp="1"/>
-          </p:cNvSpPr>
-          <p:nvPr>
-            <p:ph idx="1"/>
-          </p:nvPr>
-        </p:nvSpPr>
-        <p:spPr>
-          <a:xfrm>
-            <a:off x="457200" y="1600200"/>
-            <a:ext cx="8229600" cy="4525963"/>
-          </a:xfrm>
-        </p:spPr>
-        <p:txBody>
-          <a:bodyPr/>
-          <a:lstStyle/>
-          <a:p>
-            <a:endParaRPr kumimoji="1" lang="ja-JP" altLang="en-US"/>
           </a:p>
         </p:txBody>
       </p:sp>
     </p:spTree>
     <p:extLst>
       <p:ext uri="{BB962C8B-B14F-4D97-AF65-F5344CB8AC3E}">
-        <p14:creationId xmlns:p14="http://schemas.microsoft.com/office/powerpoint/2010/main" val="1061388382"/>
+        <p14:creationId xmlns:p14="http://schemas.microsoft.com/office/powerpoint/2010/main" val="1433915510"/>
       </p:ext>
     </p:extLst>
   </p:cSld>
@@ -19659,8 +19788,8 @@
         </p:nvSpPr>
         <p:spPr>
           <a:xfrm>
-            <a:off x="479336" y="548752"/>
-            <a:ext cx="8229600" cy="648000"/>
+            <a:off x="97200" y="126000"/>
+            <a:ext cx="8917200" cy="648000"/>
           </a:xfrm>
         </p:spPr>
         <p:txBody>
@@ -19680,47 +19809,16 @@
                   <a:lumOff val="25000"/>
                 </a:schemeClr>
               </a:solidFill>
-              <a:latin typeface="Calibri" panose="020F0502020204030204" pitchFamily="34" charset="0"/>
+              <a:latin typeface="MS PGothic" panose="020B0600070205080204" pitchFamily="34" charset="-128"/>
               <a:ea typeface="MS PGothic" panose="020B0600070205080204" pitchFamily="34" charset="-128"/>
-              <a:cs typeface="Calibri" panose="020F0502020204030204" pitchFamily="34" charset="0"/>
             </a:endParaRPr>
-          </a:p>
-        </p:txBody>
-      </p:sp>
-      <p:sp>
-        <p:nvSpPr>
-          <p:cNvPr id="7" name="Content Placeholder 1">
-            <a:extLst>
-              <a:ext uri="{FF2B5EF4-FFF2-40B4-BE49-F238E27FC236}">
-                <a16:creationId xmlns:a16="http://schemas.microsoft.com/office/drawing/2014/main" id="{A72BB791-A951-40D7-9201-6888E462357B}"/>
-              </a:ext>
-            </a:extLst>
-          </p:cNvPr>
-          <p:cNvSpPr>
-            <a:spLocks noGrp="1"/>
-          </p:cNvSpPr>
-          <p:nvPr>
-            <p:ph idx="1"/>
-          </p:nvPr>
-        </p:nvSpPr>
-        <p:spPr>
-          <a:xfrm>
-            <a:off x="457200" y="1600200"/>
-            <a:ext cx="8229600" cy="4525963"/>
-          </a:xfrm>
-        </p:spPr>
-        <p:txBody>
-          <a:bodyPr/>
-          <a:lstStyle/>
-          <a:p>
-            <a:endParaRPr kumimoji="1" lang="ja-JP" altLang="en-US"/>
           </a:p>
         </p:txBody>
       </p:sp>
     </p:spTree>
     <p:extLst>
       <p:ext uri="{BB962C8B-B14F-4D97-AF65-F5344CB8AC3E}">
-        <p14:creationId xmlns:p14="http://schemas.microsoft.com/office/powerpoint/2010/main" val="3559003408"/>
+        <p14:creationId xmlns:p14="http://schemas.microsoft.com/office/powerpoint/2010/main" val="2934525250"/>
       </p:ext>
     </p:extLst>
   </p:cSld>
@@ -19797,8 +19895,8 @@
         </p:nvSpPr>
         <p:spPr>
           <a:xfrm>
-            <a:off x="479336" y="548752"/>
-            <a:ext cx="8229600" cy="648000"/>
+            <a:off x="97200" y="126000"/>
+            <a:ext cx="8917200" cy="648000"/>
           </a:xfrm>
         </p:spPr>
         <p:txBody>
@@ -19818,47 +19916,16 @@
                   <a:lumOff val="25000"/>
                 </a:schemeClr>
               </a:solidFill>
-              <a:latin typeface="Calibri" panose="020F0502020204030204" pitchFamily="34" charset="0"/>
+              <a:latin typeface="MS PGothic" panose="020B0600070205080204" pitchFamily="34" charset="-128"/>
               <a:ea typeface="MS PGothic" panose="020B0600070205080204" pitchFamily="34" charset="-128"/>
-              <a:cs typeface="Calibri" panose="020F0502020204030204" pitchFamily="34" charset="0"/>
             </a:endParaRPr>
-          </a:p>
-        </p:txBody>
-      </p:sp>
-      <p:sp>
-        <p:nvSpPr>
-          <p:cNvPr id="7" name="Content Placeholder 1">
-            <a:extLst>
-              <a:ext uri="{FF2B5EF4-FFF2-40B4-BE49-F238E27FC236}">
-                <a16:creationId xmlns:a16="http://schemas.microsoft.com/office/drawing/2014/main" id="{A72BB791-A951-40D7-9201-6888E462357B}"/>
-              </a:ext>
-            </a:extLst>
-          </p:cNvPr>
-          <p:cNvSpPr>
-            <a:spLocks noGrp="1"/>
-          </p:cNvSpPr>
-          <p:nvPr>
-            <p:ph idx="1"/>
-          </p:nvPr>
-        </p:nvSpPr>
-        <p:spPr>
-          <a:xfrm>
-            <a:off x="457200" y="1600200"/>
-            <a:ext cx="8229600" cy="4525963"/>
-          </a:xfrm>
-        </p:spPr>
-        <p:txBody>
-          <a:bodyPr/>
-          <a:lstStyle/>
-          <a:p>
-            <a:endParaRPr kumimoji="1" lang="ja-JP" altLang="en-US"/>
           </a:p>
         </p:txBody>
       </p:sp>
     </p:spTree>
     <p:extLst>
       <p:ext uri="{BB962C8B-B14F-4D97-AF65-F5344CB8AC3E}">
-        <p14:creationId xmlns:p14="http://schemas.microsoft.com/office/powerpoint/2010/main" val="539079889"/>
+        <p14:creationId xmlns:p14="http://schemas.microsoft.com/office/powerpoint/2010/main" val="2678106669"/>
       </p:ext>
     </p:extLst>
   </p:cSld>
@@ -19935,8 +20002,8 @@
         </p:nvSpPr>
         <p:spPr>
           <a:xfrm>
-            <a:off x="479336" y="548752"/>
-            <a:ext cx="8229600" cy="648000"/>
+            <a:off x="97200" y="126000"/>
+            <a:ext cx="8917200" cy="648000"/>
           </a:xfrm>
         </p:spPr>
         <p:txBody>
@@ -19956,47 +20023,16 @@
                   <a:lumOff val="25000"/>
                 </a:schemeClr>
               </a:solidFill>
-              <a:latin typeface="Calibri" panose="020F0502020204030204" pitchFamily="34" charset="0"/>
+              <a:latin typeface="MS PGothic" panose="020B0600070205080204" pitchFamily="34" charset="-128"/>
               <a:ea typeface="MS PGothic" panose="020B0600070205080204" pitchFamily="34" charset="-128"/>
-              <a:cs typeface="Calibri" panose="020F0502020204030204" pitchFamily="34" charset="0"/>
             </a:endParaRPr>
-          </a:p>
-        </p:txBody>
-      </p:sp>
-      <p:sp>
-        <p:nvSpPr>
-          <p:cNvPr id="7" name="Content Placeholder 1">
-            <a:extLst>
-              <a:ext uri="{FF2B5EF4-FFF2-40B4-BE49-F238E27FC236}">
-                <a16:creationId xmlns:a16="http://schemas.microsoft.com/office/drawing/2014/main" id="{A72BB791-A951-40D7-9201-6888E462357B}"/>
-              </a:ext>
-            </a:extLst>
-          </p:cNvPr>
-          <p:cNvSpPr>
-            <a:spLocks noGrp="1"/>
-          </p:cNvSpPr>
-          <p:nvPr>
-            <p:ph idx="1"/>
-          </p:nvPr>
-        </p:nvSpPr>
-        <p:spPr>
-          <a:xfrm>
-            <a:off x="457200" y="1600200"/>
-            <a:ext cx="8229600" cy="4525963"/>
-          </a:xfrm>
-        </p:spPr>
-        <p:txBody>
-          <a:bodyPr/>
-          <a:lstStyle/>
-          <a:p>
-            <a:endParaRPr kumimoji="1" lang="ja-JP" altLang="en-US"/>
           </a:p>
         </p:txBody>
       </p:sp>
     </p:spTree>
     <p:extLst>
       <p:ext uri="{BB962C8B-B14F-4D97-AF65-F5344CB8AC3E}">
-        <p14:creationId xmlns:p14="http://schemas.microsoft.com/office/powerpoint/2010/main" val="4073389380"/>
+        <p14:creationId xmlns:p14="http://schemas.microsoft.com/office/powerpoint/2010/main" val="166338081"/>
       </p:ext>
     </p:extLst>
   </p:cSld>
@@ -20073,8 +20109,8 @@
         </p:nvSpPr>
         <p:spPr>
           <a:xfrm>
-            <a:off x="479336" y="548752"/>
-            <a:ext cx="8229600" cy="648000"/>
+            <a:off x="97200" y="126000"/>
+            <a:ext cx="8917200" cy="648000"/>
           </a:xfrm>
         </p:spPr>
         <p:txBody>
@@ -20094,47 +20130,16 @@
                   <a:lumOff val="25000"/>
                 </a:schemeClr>
               </a:solidFill>
-              <a:latin typeface="Calibri" panose="020F0502020204030204" pitchFamily="34" charset="0"/>
+              <a:latin typeface="MS PGothic" panose="020B0600070205080204" pitchFamily="34" charset="-128"/>
               <a:ea typeface="MS PGothic" panose="020B0600070205080204" pitchFamily="34" charset="-128"/>
-              <a:cs typeface="Calibri" panose="020F0502020204030204" pitchFamily="34" charset="0"/>
             </a:endParaRPr>
-          </a:p>
-        </p:txBody>
-      </p:sp>
-      <p:sp>
-        <p:nvSpPr>
-          <p:cNvPr id="7" name="Content Placeholder 1">
-            <a:extLst>
-              <a:ext uri="{FF2B5EF4-FFF2-40B4-BE49-F238E27FC236}">
-                <a16:creationId xmlns:a16="http://schemas.microsoft.com/office/drawing/2014/main" id="{A72BB791-A951-40D7-9201-6888E462357B}"/>
-              </a:ext>
-            </a:extLst>
-          </p:cNvPr>
-          <p:cNvSpPr>
-            <a:spLocks noGrp="1"/>
-          </p:cNvSpPr>
-          <p:nvPr>
-            <p:ph idx="1"/>
-          </p:nvPr>
-        </p:nvSpPr>
-        <p:spPr>
-          <a:xfrm>
-            <a:off x="457200" y="1600200"/>
-            <a:ext cx="8229600" cy="4525963"/>
-          </a:xfrm>
-        </p:spPr>
-        <p:txBody>
-          <a:bodyPr/>
-          <a:lstStyle/>
-          <a:p>
-            <a:endParaRPr kumimoji="1" lang="ja-JP" altLang="en-US"/>
           </a:p>
         </p:txBody>
       </p:sp>
     </p:spTree>
     <p:extLst>
       <p:ext uri="{BB962C8B-B14F-4D97-AF65-F5344CB8AC3E}">
-        <p14:creationId xmlns:p14="http://schemas.microsoft.com/office/powerpoint/2010/main" val="869428216"/>
+        <p14:creationId xmlns:p14="http://schemas.microsoft.com/office/powerpoint/2010/main" val="1585721276"/>
       </p:ext>
     </p:extLst>
   </p:cSld>
@@ -20211,8 +20216,8 @@
         </p:nvSpPr>
         <p:spPr>
           <a:xfrm>
-            <a:off x="479336" y="548752"/>
-            <a:ext cx="8229600" cy="648000"/>
+            <a:off x="97200" y="126000"/>
+            <a:ext cx="8917200" cy="648000"/>
           </a:xfrm>
         </p:spPr>
         <p:txBody>
@@ -20232,47 +20237,16 @@
                   <a:lumOff val="25000"/>
                 </a:schemeClr>
               </a:solidFill>
-              <a:latin typeface="Calibri" panose="020F0502020204030204" pitchFamily="34" charset="0"/>
+              <a:latin typeface="MS PGothic" panose="020B0600070205080204" pitchFamily="34" charset="-128"/>
               <a:ea typeface="MS PGothic" panose="020B0600070205080204" pitchFamily="34" charset="-128"/>
-              <a:cs typeface="Calibri" panose="020F0502020204030204" pitchFamily="34" charset="0"/>
             </a:endParaRPr>
-          </a:p>
-        </p:txBody>
-      </p:sp>
-      <p:sp>
-        <p:nvSpPr>
-          <p:cNvPr id="7" name="Content Placeholder 1">
-            <a:extLst>
-              <a:ext uri="{FF2B5EF4-FFF2-40B4-BE49-F238E27FC236}">
-                <a16:creationId xmlns:a16="http://schemas.microsoft.com/office/drawing/2014/main" id="{A72BB791-A951-40D7-9201-6888E462357B}"/>
-              </a:ext>
-            </a:extLst>
-          </p:cNvPr>
-          <p:cNvSpPr>
-            <a:spLocks noGrp="1"/>
-          </p:cNvSpPr>
-          <p:nvPr>
-            <p:ph idx="1"/>
-          </p:nvPr>
-        </p:nvSpPr>
-        <p:spPr>
-          <a:xfrm>
-            <a:off x="457200" y="1600200"/>
-            <a:ext cx="8229600" cy="4525963"/>
-          </a:xfrm>
-        </p:spPr>
-        <p:txBody>
-          <a:bodyPr/>
-          <a:lstStyle/>
-          <a:p>
-            <a:endParaRPr kumimoji="1" lang="ja-JP" altLang="en-US"/>
           </a:p>
         </p:txBody>
       </p:sp>
     </p:spTree>
     <p:extLst>
       <p:ext uri="{BB962C8B-B14F-4D97-AF65-F5344CB8AC3E}">
-        <p14:creationId xmlns:p14="http://schemas.microsoft.com/office/powerpoint/2010/main" val="3375513330"/>
+        <p14:creationId xmlns:p14="http://schemas.microsoft.com/office/powerpoint/2010/main" val="2749929870"/>
       </p:ext>
     </p:extLst>
   </p:cSld>
@@ -20349,8 +20323,8 @@
         </p:nvSpPr>
         <p:spPr>
           <a:xfrm>
-            <a:off x="479336" y="548752"/>
-            <a:ext cx="8229600" cy="648000"/>
+            <a:off x="97200" y="126000"/>
+            <a:ext cx="8917200" cy="648000"/>
           </a:xfrm>
         </p:spPr>
         <p:txBody>
@@ -20370,47 +20344,16 @@
                   <a:lumOff val="25000"/>
                 </a:schemeClr>
               </a:solidFill>
-              <a:latin typeface="Calibri" panose="020F0502020204030204" pitchFamily="34" charset="0"/>
+              <a:latin typeface="MS PGothic" panose="020B0600070205080204" pitchFamily="34" charset="-128"/>
               <a:ea typeface="MS PGothic" panose="020B0600070205080204" pitchFamily="34" charset="-128"/>
-              <a:cs typeface="Calibri" panose="020F0502020204030204" pitchFamily="34" charset="0"/>
             </a:endParaRPr>
-          </a:p>
-        </p:txBody>
-      </p:sp>
-      <p:sp>
-        <p:nvSpPr>
-          <p:cNvPr id="7" name="Content Placeholder 1">
-            <a:extLst>
-              <a:ext uri="{FF2B5EF4-FFF2-40B4-BE49-F238E27FC236}">
-                <a16:creationId xmlns:a16="http://schemas.microsoft.com/office/drawing/2014/main" id="{A72BB791-A951-40D7-9201-6888E462357B}"/>
-              </a:ext>
-            </a:extLst>
-          </p:cNvPr>
-          <p:cNvSpPr>
-            <a:spLocks noGrp="1"/>
-          </p:cNvSpPr>
-          <p:nvPr>
-            <p:ph idx="1"/>
-          </p:nvPr>
-        </p:nvSpPr>
-        <p:spPr>
-          <a:xfrm>
-            <a:off x="457200" y="1600200"/>
-            <a:ext cx="8229600" cy="4525963"/>
-          </a:xfrm>
-        </p:spPr>
-        <p:txBody>
-          <a:bodyPr/>
-          <a:lstStyle/>
-          <a:p>
-            <a:endParaRPr kumimoji="1" lang="ja-JP" altLang="en-US"/>
           </a:p>
         </p:txBody>
       </p:sp>
     </p:spTree>
     <p:extLst>
       <p:ext uri="{BB962C8B-B14F-4D97-AF65-F5344CB8AC3E}">
-        <p14:creationId xmlns:p14="http://schemas.microsoft.com/office/powerpoint/2010/main" val="4024773801"/>
+        <p14:creationId xmlns:p14="http://schemas.microsoft.com/office/powerpoint/2010/main" val="2151869506"/>
       </p:ext>
     </p:extLst>
   </p:cSld>
@@ -20487,8 +20430,8 @@
         </p:nvSpPr>
         <p:spPr>
           <a:xfrm>
-            <a:off x="479336" y="548752"/>
-            <a:ext cx="8229600" cy="648000"/>
+            <a:off x="97200" y="126000"/>
+            <a:ext cx="8917200" cy="648000"/>
           </a:xfrm>
         </p:spPr>
         <p:txBody>
@@ -20508,47 +20451,16 @@
                   <a:lumOff val="25000"/>
                 </a:schemeClr>
               </a:solidFill>
-              <a:latin typeface="Calibri" panose="020F0502020204030204" pitchFamily="34" charset="0"/>
+              <a:latin typeface="MS PGothic" panose="020B0600070205080204" pitchFamily="34" charset="-128"/>
               <a:ea typeface="MS PGothic" panose="020B0600070205080204" pitchFamily="34" charset="-128"/>
-              <a:cs typeface="Calibri" panose="020F0502020204030204" pitchFamily="34" charset="0"/>
             </a:endParaRPr>
-          </a:p>
-        </p:txBody>
-      </p:sp>
-      <p:sp>
-        <p:nvSpPr>
-          <p:cNvPr id="7" name="Content Placeholder 1">
-            <a:extLst>
-              <a:ext uri="{FF2B5EF4-FFF2-40B4-BE49-F238E27FC236}">
-                <a16:creationId xmlns:a16="http://schemas.microsoft.com/office/drawing/2014/main" id="{A72BB791-A951-40D7-9201-6888E462357B}"/>
-              </a:ext>
-            </a:extLst>
-          </p:cNvPr>
-          <p:cNvSpPr>
-            <a:spLocks noGrp="1"/>
-          </p:cNvSpPr>
-          <p:nvPr>
-            <p:ph idx="1"/>
-          </p:nvPr>
-        </p:nvSpPr>
-        <p:spPr>
-          <a:xfrm>
-            <a:off x="457200" y="1600200"/>
-            <a:ext cx="8229600" cy="4525963"/>
-          </a:xfrm>
-        </p:spPr>
-        <p:txBody>
-          <a:bodyPr/>
-          <a:lstStyle/>
-          <a:p>
-            <a:endParaRPr kumimoji="1" lang="ja-JP" altLang="en-US"/>
           </a:p>
         </p:txBody>
       </p:sp>
     </p:spTree>
     <p:extLst>
       <p:ext uri="{BB962C8B-B14F-4D97-AF65-F5344CB8AC3E}">
-        <p14:creationId xmlns:p14="http://schemas.microsoft.com/office/powerpoint/2010/main" val="3954835973"/>
+        <p14:creationId xmlns:p14="http://schemas.microsoft.com/office/powerpoint/2010/main" val="3601398756"/>
       </p:ext>
     </p:extLst>
   </p:cSld>
@@ -20625,8 +20537,8 @@
         </p:nvSpPr>
         <p:spPr>
           <a:xfrm>
-            <a:off x="479336" y="548752"/>
-            <a:ext cx="8229600" cy="648000"/>
+            <a:off x="97200" y="126000"/>
+            <a:ext cx="8917200" cy="648000"/>
           </a:xfrm>
         </p:spPr>
         <p:txBody>
@@ -20646,47 +20558,16 @@
                   <a:lumOff val="25000"/>
                 </a:schemeClr>
               </a:solidFill>
-              <a:latin typeface="Calibri" panose="020F0502020204030204" pitchFamily="34" charset="0"/>
+              <a:latin typeface="MS PGothic" panose="020B0600070205080204" pitchFamily="34" charset="-128"/>
               <a:ea typeface="MS PGothic" panose="020B0600070205080204" pitchFamily="34" charset="-128"/>
-              <a:cs typeface="Calibri" panose="020F0502020204030204" pitchFamily="34" charset="0"/>
             </a:endParaRPr>
-          </a:p>
-        </p:txBody>
-      </p:sp>
-      <p:sp>
-        <p:nvSpPr>
-          <p:cNvPr id="7" name="Content Placeholder 1">
-            <a:extLst>
-              <a:ext uri="{FF2B5EF4-FFF2-40B4-BE49-F238E27FC236}">
-                <a16:creationId xmlns:a16="http://schemas.microsoft.com/office/drawing/2014/main" id="{A72BB791-A951-40D7-9201-6888E462357B}"/>
-              </a:ext>
-            </a:extLst>
-          </p:cNvPr>
-          <p:cNvSpPr>
-            <a:spLocks noGrp="1"/>
-          </p:cNvSpPr>
-          <p:nvPr>
-            <p:ph idx="1"/>
-          </p:nvPr>
-        </p:nvSpPr>
-        <p:spPr>
-          <a:xfrm>
-            <a:off x="457200" y="1600200"/>
-            <a:ext cx="8229600" cy="4525963"/>
-          </a:xfrm>
-        </p:spPr>
-        <p:txBody>
-          <a:bodyPr/>
-          <a:lstStyle/>
-          <a:p>
-            <a:endParaRPr kumimoji="1" lang="ja-JP" altLang="en-US"/>
           </a:p>
         </p:txBody>
       </p:sp>
     </p:spTree>
     <p:extLst>
       <p:ext uri="{BB962C8B-B14F-4D97-AF65-F5344CB8AC3E}">
-        <p14:creationId xmlns:p14="http://schemas.microsoft.com/office/powerpoint/2010/main" val="2991897711"/>
+        <p14:creationId xmlns:p14="http://schemas.microsoft.com/office/powerpoint/2010/main" val="446198397"/>
       </p:ext>
     </p:extLst>
   </p:cSld>
@@ -20763,8 +20644,8 @@
         </p:nvSpPr>
         <p:spPr>
           <a:xfrm>
-            <a:off x="479336" y="548752"/>
-            <a:ext cx="8229600" cy="648000"/>
+            <a:off x="97200" y="126000"/>
+            <a:ext cx="8917200" cy="648000"/>
           </a:xfrm>
         </p:spPr>
         <p:txBody>
@@ -20784,47 +20665,16 @@
                   <a:lumOff val="25000"/>
                 </a:schemeClr>
               </a:solidFill>
-              <a:latin typeface="Calibri" panose="020F0502020204030204" pitchFamily="34" charset="0"/>
+              <a:latin typeface="MS PGothic" panose="020B0600070205080204" pitchFamily="34" charset="-128"/>
               <a:ea typeface="MS PGothic" panose="020B0600070205080204" pitchFamily="34" charset="-128"/>
-              <a:cs typeface="Calibri" panose="020F0502020204030204" pitchFamily="34" charset="0"/>
             </a:endParaRPr>
-          </a:p>
-        </p:txBody>
-      </p:sp>
-      <p:sp>
-        <p:nvSpPr>
-          <p:cNvPr id="7" name="Content Placeholder 1">
-            <a:extLst>
-              <a:ext uri="{FF2B5EF4-FFF2-40B4-BE49-F238E27FC236}">
-                <a16:creationId xmlns:a16="http://schemas.microsoft.com/office/drawing/2014/main" id="{A72BB791-A951-40D7-9201-6888E462357B}"/>
-              </a:ext>
-            </a:extLst>
-          </p:cNvPr>
-          <p:cNvSpPr>
-            <a:spLocks noGrp="1"/>
-          </p:cNvSpPr>
-          <p:nvPr>
-            <p:ph idx="1"/>
-          </p:nvPr>
-        </p:nvSpPr>
-        <p:spPr>
-          <a:xfrm>
-            <a:off x="457200" y="1600200"/>
-            <a:ext cx="8229600" cy="4525963"/>
-          </a:xfrm>
-        </p:spPr>
-        <p:txBody>
-          <a:bodyPr/>
-          <a:lstStyle/>
-          <a:p>
-            <a:endParaRPr kumimoji="1" lang="ja-JP" altLang="en-US"/>
           </a:p>
         </p:txBody>
       </p:sp>
     </p:spTree>
     <p:extLst>
       <p:ext uri="{BB962C8B-B14F-4D97-AF65-F5344CB8AC3E}">
-        <p14:creationId xmlns:p14="http://schemas.microsoft.com/office/powerpoint/2010/main" val="1160520678"/>
+        <p14:creationId xmlns:p14="http://schemas.microsoft.com/office/powerpoint/2010/main" val="2308280369"/>
       </p:ext>
     </p:extLst>
   </p:cSld>
@@ -20901,8 +20751,8 @@
         </p:nvSpPr>
         <p:spPr>
           <a:xfrm>
-            <a:off x="479336" y="548752"/>
-            <a:ext cx="8229600" cy="648000"/>
+            <a:off x="97200" y="126000"/>
+            <a:ext cx="8917200" cy="648000"/>
           </a:xfrm>
         </p:spPr>
         <p:txBody>
@@ -20922,47 +20772,16 @@
                   <a:lumOff val="25000"/>
                 </a:schemeClr>
               </a:solidFill>
-              <a:latin typeface="Calibri" panose="020F0502020204030204" pitchFamily="34" charset="0"/>
+              <a:latin typeface="MS PGothic" panose="020B0600070205080204" pitchFamily="34" charset="-128"/>
               <a:ea typeface="MS PGothic" panose="020B0600070205080204" pitchFamily="34" charset="-128"/>
-              <a:cs typeface="Calibri" panose="020F0502020204030204" pitchFamily="34" charset="0"/>
             </a:endParaRPr>
-          </a:p>
-        </p:txBody>
-      </p:sp>
-      <p:sp>
-        <p:nvSpPr>
-          <p:cNvPr id="7" name="Content Placeholder 1">
-            <a:extLst>
-              <a:ext uri="{FF2B5EF4-FFF2-40B4-BE49-F238E27FC236}">
-                <a16:creationId xmlns:a16="http://schemas.microsoft.com/office/drawing/2014/main" id="{A72BB791-A951-40D7-9201-6888E462357B}"/>
-              </a:ext>
-            </a:extLst>
-          </p:cNvPr>
-          <p:cNvSpPr>
-            <a:spLocks noGrp="1"/>
-          </p:cNvSpPr>
-          <p:nvPr>
-            <p:ph idx="1"/>
-          </p:nvPr>
-        </p:nvSpPr>
-        <p:spPr>
-          <a:xfrm>
-            <a:off x="457200" y="1600200"/>
-            <a:ext cx="8229600" cy="4525963"/>
-          </a:xfrm>
-        </p:spPr>
-        <p:txBody>
-          <a:bodyPr/>
-          <a:lstStyle/>
-          <a:p>
-            <a:endParaRPr kumimoji="1" lang="ja-JP" altLang="en-US"/>
           </a:p>
         </p:txBody>
       </p:sp>
     </p:spTree>
     <p:extLst>
       <p:ext uri="{BB962C8B-B14F-4D97-AF65-F5344CB8AC3E}">
-        <p14:creationId xmlns:p14="http://schemas.microsoft.com/office/powerpoint/2010/main" val="823335914"/>
+        <p14:creationId xmlns:p14="http://schemas.microsoft.com/office/powerpoint/2010/main" val="1195545148"/>
       </p:ext>
     </p:extLst>
   </p:cSld>
@@ -21039,8 +20858,8 @@
         </p:nvSpPr>
         <p:spPr>
           <a:xfrm>
-            <a:off x="479336" y="548752"/>
-            <a:ext cx="8229600" cy="648000"/>
+            <a:off x="97200" y="126000"/>
+            <a:ext cx="8917200" cy="648000"/>
           </a:xfrm>
         </p:spPr>
         <p:txBody>
@@ -21060,47 +20879,16 @@
                   <a:lumOff val="25000"/>
                 </a:schemeClr>
               </a:solidFill>
-              <a:latin typeface="Calibri" panose="020F0502020204030204" pitchFamily="34" charset="0"/>
+              <a:latin typeface="MS PGothic" panose="020B0600070205080204" pitchFamily="34" charset="-128"/>
               <a:ea typeface="MS PGothic" panose="020B0600070205080204" pitchFamily="34" charset="-128"/>
-              <a:cs typeface="Calibri" panose="020F0502020204030204" pitchFamily="34" charset="0"/>
             </a:endParaRPr>
-          </a:p>
-        </p:txBody>
-      </p:sp>
-      <p:sp>
-        <p:nvSpPr>
-          <p:cNvPr id="7" name="Content Placeholder 1">
-            <a:extLst>
-              <a:ext uri="{FF2B5EF4-FFF2-40B4-BE49-F238E27FC236}">
-                <a16:creationId xmlns:a16="http://schemas.microsoft.com/office/drawing/2014/main" id="{A72BB791-A951-40D7-9201-6888E462357B}"/>
-              </a:ext>
-            </a:extLst>
-          </p:cNvPr>
-          <p:cNvSpPr>
-            <a:spLocks noGrp="1"/>
-          </p:cNvSpPr>
-          <p:nvPr>
-            <p:ph idx="1"/>
-          </p:nvPr>
-        </p:nvSpPr>
-        <p:spPr>
-          <a:xfrm>
-            <a:off x="457200" y="1600200"/>
-            <a:ext cx="8229600" cy="4525963"/>
-          </a:xfrm>
-        </p:spPr>
-        <p:txBody>
-          <a:bodyPr/>
-          <a:lstStyle/>
-          <a:p>
-            <a:endParaRPr kumimoji="1" lang="ja-JP" altLang="en-US"/>
           </a:p>
         </p:txBody>
       </p:sp>
     </p:spTree>
     <p:extLst>
       <p:ext uri="{BB962C8B-B14F-4D97-AF65-F5344CB8AC3E}">
-        <p14:creationId xmlns:p14="http://schemas.microsoft.com/office/powerpoint/2010/main" val="3365564477"/>
+        <p14:creationId xmlns:p14="http://schemas.microsoft.com/office/powerpoint/2010/main" val="334204374"/>
       </p:ext>
     </p:extLst>
   </p:cSld>
@@ -21177,8 +20965,8 @@
         </p:nvSpPr>
         <p:spPr>
           <a:xfrm>
-            <a:off x="479336" y="548752"/>
-            <a:ext cx="8229600" cy="648000"/>
+            <a:off x="97200" y="126000"/>
+            <a:ext cx="8917200" cy="648000"/>
           </a:xfrm>
         </p:spPr>
         <p:txBody>
@@ -21198,47 +20986,16 @@
                   <a:lumOff val="25000"/>
                 </a:schemeClr>
               </a:solidFill>
-              <a:latin typeface="Calibri" panose="020F0502020204030204" pitchFamily="34" charset="0"/>
+              <a:latin typeface="MS PGothic" panose="020B0600070205080204" pitchFamily="34" charset="-128"/>
               <a:ea typeface="MS PGothic" panose="020B0600070205080204" pitchFamily="34" charset="-128"/>
-              <a:cs typeface="Calibri" panose="020F0502020204030204" pitchFamily="34" charset="0"/>
             </a:endParaRPr>
-          </a:p>
-        </p:txBody>
-      </p:sp>
-      <p:sp>
-        <p:nvSpPr>
-          <p:cNvPr id="7" name="Content Placeholder 1">
-            <a:extLst>
-              <a:ext uri="{FF2B5EF4-FFF2-40B4-BE49-F238E27FC236}">
-                <a16:creationId xmlns:a16="http://schemas.microsoft.com/office/drawing/2014/main" id="{A72BB791-A951-40D7-9201-6888E462357B}"/>
-              </a:ext>
-            </a:extLst>
-          </p:cNvPr>
-          <p:cNvSpPr>
-            <a:spLocks noGrp="1"/>
-          </p:cNvSpPr>
-          <p:nvPr>
-            <p:ph idx="1"/>
-          </p:nvPr>
-        </p:nvSpPr>
-        <p:spPr>
-          <a:xfrm>
-            <a:off x="457200" y="1600200"/>
-            <a:ext cx="8229600" cy="4525963"/>
-          </a:xfrm>
-        </p:spPr>
-        <p:txBody>
-          <a:bodyPr/>
-          <a:lstStyle/>
-          <a:p>
-            <a:endParaRPr kumimoji="1" lang="ja-JP" altLang="en-US"/>
           </a:p>
         </p:txBody>
       </p:sp>
     </p:spTree>
     <p:extLst>
       <p:ext uri="{BB962C8B-B14F-4D97-AF65-F5344CB8AC3E}">
-        <p14:creationId xmlns:p14="http://schemas.microsoft.com/office/powerpoint/2010/main" val="2847394921"/>
+        <p14:creationId xmlns:p14="http://schemas.microsoft.com/office/powerpoint/2010/main" val="1073964731"/>
       </p:ext>
     </p:extLst>
   </p:cSld>
@@ -21315,8 +21072,8 @@
         </p:nvSpPr>
         <p:spPr>
           <a:xfrm>
-            <a:off x="479336" y="548752"/>
-            <a:ext cx="8229600" cy="648000"/>
+            <a:off x="97200" y="126000"/>
+            <a:ext cx="8917200" cy="648000"/>
           </a:xfrm>
         </p:spPr>
         <p:txBody>
@@ -21336,47 +21093,16 @@
                   <a:lumOff val="25000"/>
                 </a:schemeClr>
               </a:solidFill>
-              <a:latin typeface="Calibri" panose="020F0502020204030204" pitchFamily="34" charset="0"/>
+              <a:latin typeface="MS PGothic" panose="020B0600070205080204" pitchFamily="34" charset="-128"/>
               <a:ea typeface="MS PGothic" panose="020B0600070205080204" pitchFamily="34" charset="-128"/>
-              <a:cs typeface="Calibri" panose="020F0502020204030204" pitchFamily="34" charset="0"/>
             </a:endParaRPr>
-          </a:p>
-        </p:txBody>
-      </p:sp>
-      <p:sp>
-        <p:nvSpPr>
-          <p:cNvPr id="7" name="Content Placeholder 1">
-            <a:extLst>
-              <a:ext uri="{FF2B5EF4-FFF2-40B4-BE49-F238E27FC236}">
-                <a16:creationId xmlns:a16="http://schemas.microsoft.com/office/drawing/2014/main" id="{A72BB791-A951-40D7-9201-6888E462357B}"/>
-              </a:ext>
-            </a:extLst>
-          </p:cNvPr>
-          <p:cNvSpPr>
-            <a:spLocks noGrp="1"/>
-          </p:cNvSpPr>
-          <p:nvPr>
-            <p:ph idx="1"/>
-          </p:nvPr>
-        </p:nvSpPr>
-        <p:spPr>
-          <a:xfrm>
-            <a:off x="457200" y="1600200"/>
-            <a:ext cx="8229600" cy="4525963"/>
-          </a:xfrm>
-        </p:spPr>
-        <p:txBody>
-          <a:bodyPr/>
-          <a:lstStyle/>
-          <a:p>
-            <a:endParaRPr kumimoji="1" lang="ja-JP" altLang="en-US"/>
           </a:p>
         </p:txBody>
       </p:sp>
     </p:spTree>
     <p:extLst>
       <p:ext uri="{BB962C8B-B14F-4D97-AF65-F5344CB8AC3E}">
-        <p14:creationId xmlns:p14="http://schemas.microsoft.com/office/powerpoint/2010/main" val="1624184403"/>
+        <p14:creationId xmlns:p14="http://schemas.microsoft.com/office/powerpoint/2010/main" val="4008275905"/>
       </p:ext>
     </p:extLst>
   </p:cSld>
@@ -21453,8 +21179,8 @@
         </p:nvSpPr>
         <p:spPr>
           <a:xfrm>
-            <a:off x="479336" y="548752"/>
-            <a:ext cx="8229600" cy="648000"/>
+            <a:off x="97200" y="126000"/>
+            <a:ext cx="8917200" cy="648000"/>
           </a:xfrm>
         </p:spPr>
         <p:txBody>
@@ -21474,47 +21200,16 @@
                   <a:lumOff val="25000"/>
                 </a:schemeClr>
               </a:solidFill>
-              <a:latin typeface="Calibri" panose="020F0502020204030204" pitchFamily="34" charset="0"/>
+              <a:latin typeface="MS PGothic" panose="020B0600070205080204" pitchFamily="34" charset="-128"/>
               <a:ea typeface="MS PGothic" panose="020B0600070205080204" pitchFamily="34" charset="-128"/>
-              <a:cs typeface="Calibri" panose="020F0502020204030204" pitchFamily="34" charset="0"/>
             </a:endParaRPr>
-          </a:p>
-        </p:txBody>
-      </p:sp>
-      <p:sp>
-        <p:nvSpPr>
-          <p:cNvPr id="7" name="Content Placeholder 1">
-            <a:extLst>
-              <a:ext uri="{FF2B5EF4-FFF2-40B4-BE49-F238E27FC236}">
-                <a16:creationId xmlns:a16="http://schemas.microsoft.com/office/drawing/2014/main" id="{A72BB791-A951-40D7-9201-6888E462357B}"/>
-              </a:ext>
-            </a:extLst>
-          </p:cNvPr>
-          <p:cNvSpPr>
-            <a:spLocks noGrp="1"/>
-          </p:cNvSpPr>
-          <p:nvPr>
-            <p:ph idx="1"/>
-          </p:nvPr>
-        </p:nvSpPr>
-        <p:spPr>
-          <a:xfrm>
-            <a:off x="457200" y="1600200"/>
-            <a:ext cx="8229600" cy="4525963"/>
-          </a:xfrm>
-        </p:spPr>
-        <p:txBody>
-          <a:bodyPr/>
-          <a:lstStyle/>
-          <a:p>
-            <a:endParaRPr kumimoji="1" lang="ja-JP" altLang="en-US"/>
           </a:p>
         </p:txBody>
       </p:sp>
     </p:spTree>
     <p:extLst>
       <p:ext uri="{BB962C8B-B14F-4D97-AF65-F5344CB8AC3E}">
-        <p14:creationId xmlns:p14="http://schemas.microsoft.com/office/powerpoint/2010/main" val="814184889"/>
+        <p14:creationId xmlns:p14="http://schemas.microsoft.com/office/powerpoint/2010/main" val="1235352368"/>
       </p:ext>
     </p:extLst>
   </p:cSld>
@@ -21591,8 +21286,8 @@
         </p:nvSpPr>
         <p:spPr>
           <a:xfrm>
-            <a:off x="479336" y="548752"/>
-            <a:ext cx="8229600" cy="648000"/>
+            <a:off x="97200" y="126000"/>
+            <a:ext cx="8917200" cy="648000"/>
           </a:xfrm>
         </p:spPr>
         <p:txBody>
@@ -21612,47 +21307,16 @@
                   <a:lumOff val="25000"/>
                 </a:schemeClr>
               </a:solidFill>
-              <a:latin typeface="Calibri" panose="020F0502020204030204" pitchFamily="34" charset="0"/>
+              <a:latin typeface="MS PGothic" panose="020B0600070205080204" pitchFamily="34" charset="-128"/>
               <a:ea typeface="MS PGothic" panose="020B0600070205080204" pitchFamily="34" charset="-128"/>
-              <a:cs typeface="Calibri" panose="020F0502020204030204" pitchFamily="34" charset="0"/>
             </a:endParaRPr>
-          </a:p>
-        </p:txBody>
-      </p:sp>
-      <p:sp>
-        <p:nvSpPr>
-          <p:cNvPr id="7" name="Content Placeholder 1">
-            <a:extLst>
-              <a:ext uri="{FF2B5EF4-FFF2-40B4-BE49-F238E27FC236}">
-                <a16:creationId xmlns:a16="http://schemas.microsoft.com/office/drawing/2014/main" id="{A72BB791-A951-40D7-9201-6888E462357B}"/>
-              </a:ext>
-            </a:extLst>
-          </p:cNvPr>
-          <p:cNvSpPr>
-            <a:spLocks noGrp="1"/>
-          </p:cNvSpPr>
-          <p:nvPr>
-            <p:ph idx="1"/>
-          </p:nvPr>
-        </p:nvSpPr>
-        <p:spPr>
-          <a:xfrm>
-            <a:off x="457200" y="1600200"/>
-            <a:ext cx="8229600" cy="4525963"/>
-          </a:xfrm>
-        </p:spPr>
-        <p:txBody>
-          <a:bodyPr/>
-          <a:lstStyle/>
-          <a:p>
-            <a:endParaRPr kumimoji="1" lang="ja-JP" altLang="en-US"/>
           </a:p>
         </p:txBody>
       </p:sp>
     </p:spTree>
     <p:extLst>
       <p:ext uri="{BB962C8B-B14F-4D97-AF65-F5344CB8AC3E}">
-        <p14:creationId xmlns:p14="http://schemas.microsoft.com/office/powerpoint/2010/main" val="1260900360"/>
+        <p14:creationId xmlns:p14="http://schemas.microsoft.com/office/powerpoint/2010/main" val="2735492818"/>
       </p:ext>
     </p:extLst>
   </p:cSld>
@@ -21729,8 +21393,8 @@
         </p:nvSpPr>
         <p:spPr>
           <a:xfrm>
-            <a:off x="479336" y="548752"/>
-            <a:ext cx="8229600" cy="648000"/>
+            <a:off x="97200" y="126000"/>
+            <a:ext cx="8917200" cy="648000"/>
           </a:xfrm>
         </p:spPr>
         <p:txBody>
@@ -21750,47 +21414,16 @@
                   <a:lumOff val="25000"/>
                 </a:schemeClr>
               </a:solidFill>
-              <a:latin typeface="Calibri" panose="020F0502020204030204" pitchFamily="34" charset="0"/>
+              <a:latin typeface="MS PGothic" panose="020B0600070205080204" pitchFamily="34" charset="-128"/>
               <a:ea typeface="MS PGothic" panose="020B0600070205080204" pitchFamily="34" charset="-128"/>
-              <a:cs typeface="Calibri" panose="020F0502020204030204" pitchFamily="34" charset="0"/>
             </a:endParaRPr>
-          </a:p>
-        </p:txBody>
-      </p:sp>
-      <p:sp>
-        <p:nvSpPr>
-          <p:cNvPr id="7" name="Content Placeholder 1">
-            <a:extLst>
-              <a:ext uri="{FF2B5EF4-FFF2-40B4-BE49-F238E27FC236}">
-                <a16:creationId xmlns:a16="http://schemas.microsoft.com/office/drawing/2014/main" id="{A72BB791-A951-40D7-9201-6888E462357B}"/>
-              </a:ext>
-            </a:extLst>
-          </p:cNvPr>
-          <p:cNvSpPr>
-            <a:spLocks noGrp="1"/>
-          </p:cNvSpPr>
-          <p:nvPr>
-            <p:ph idx="1"/>
-          </p:nvPr>
-        </p:nvSpPr>
-        <p:spPr>
-          <a:xfrm>
-            <a:off x="457200" y="1600200"/>
-            <a:ext cx="8229600" cy="4525963"/>
-          </a:xfrm>
-        </p:spPr>
-        <p:txBody>
-          <a:bodyPr/>
-          <a:lstStyle/>
-          <a:p>
-            <a:endParaRPr kumimoji="1" lang="ja-JP" altLang="en-US"/>
           </a:p>
         </p:txBody>
       </p:sp>
     </p:spTree>
     <p:extLst>
       <p:ext uri="{BB962C8B-B14F-4D97-AF65-F5344CB8AC3E}">
-        <p14:creationId xmlns:p14="http://schemas.microsoft.com/office/powerpoint/2010/main" val="1466182860"/>
+        <p14:creationId xmlns:p14="http://schemas.microsoft.com/office/powerpoint/2010/main" val="2902572309"/>
       </p:ext>
     </p:extLst>
   </p:cSld>
@@ -21867,8 +21500,8 @@
         </p:nvSpPr>
         <p:spPr>
           <a:xfrm>
-            <a:off x="479336" y="548752"/>
-            <a:ext cx="8229600" cy="648000"/>
+            <a:off x="97200" y="126000"/>
+            <a:ext cx="8917200" cy="648000"/>
           </a:xfrm>
         </p:spPr>
         <p:txBody>
@@ -21888,47 +21521,16 @@
                   <a:lumOff val="25000"/>
                 </a:schemeClr>
               </a:solidFill>
-              <a:latin typeface="Calibri" panose="020F0502020204030204" pitchFamily="34" charset="0"/>
+              <a:latin typeface="MS PGothic" panose="020B0600070205080204" pitchFamily="34" charset="-128"/>
               <a:ea typeface="MS PGothic" panose="020B0600070205080204" pitchFamily="34" charset="-128"/>
-              <a:cs typeface="Calibri" panose="020F0502020204030204" pitchFamily="34" charset="0"/>
             </a:endParaRPr>
-          </a:p>
-        </p:txBody>
-      </p:sp>
-      <p:sp>
-        <p:nvSpPr>
-          <p:cNvPr id="7" name="Content Placeholder 1">
-            <a:extLst>
-              <a:ext uri="{FF2B5EF4-FFF2-40B4-BE49-F238E27FC236}">
-                <a16:creationId xmlns:a16="http://schemas.microsoft.com/office/drawing/2014/main" id="{A72BB791-A951-40D7-9201-6888E462357B}"/>
-              </a:ext>
-            </a:extLst>
-          </p:cNvPr>
-          <p:cNvSpPr>
-            <a:spLocks noGrp="1"/>
-          </p:cNvSpPr>
-          <p:nvPr>
-            <p:ph idx="1"/>
-          </p:nvPr>
-        </p:nvSpPr>
-        <p:spPr>
-          <a:xfrm>
-            <a:off x="457200" y="1600200"/>
-            <a:ext cx="8229600" cy="4525963"/>
-          </a:xfrm>
-        </p:spPr>
-        <p:txBody>
-          <a:bodyPr/>
-          <a:lstStyle/>
-          <a:p>
-            <a:endParaRPr kumimoji="1" lang="ja-JP" altLang="en-US"/>
           </a:p>
         </p:txBody>
       </p:sp>
     </p:spTree>
     <p:extLst>
       <p:ext uri="{BB962C8B-B14F-4D97-AF65-F5344CB8AC3E}">
-        <p14:creationId xmlns:p14="http://schemas.microsoft.com/office/powerpoint/2010/main" val="314823047"/>
+        <p14:creationId xmlns:p14="http://schemas.microsoft.com/office/powerpoint/2010/main" val="3683486976"/>
       </p:ext>
     </p:extLst>
   </p:cSld>
@@ -22005,8 +21607,8 @@
         </p:nvSpPr>
         <p:spPr>
           <a:xfrm>
-            <a:off x="479336" y="548752"/>
-            <a:ext cx="8229600" cy="648000"/>
+            <a:off x="97200" y="126000"/>
+            <a:ext cx="8917200" cy="648000"/>
           </a:xfrm>
         </p:spPr>
         <p:txBody>
@@ -22026,47 +21628,16 @@
                   <a:lumOff val="25000"/>
                 </a:schemeClr>
               </a:solidFill>
-              <a:latin typeface="Calibri" panose="020F0502020204030204" pitchFamily="34" charset="0"/>
+              <a:latin typeface="MS PGothic" panose="020B0600070205080204" pitchFamily="34" charset="-128"/>
               <a:ea typeface="MS PGothic" panose="020B0600070205080204" pitchFamily="34" charset="-128"/>
-              <a:cs typeface="Calibri" panose="020F0502020204030204" pitchFamily="34" charset="0"/>
             </a:endParaRPr>
-          </a:p>
-        </p:txBody>
-      </p:sp>
-      <p:sp>
-        <p:nvSpPr>
-          <p:cNvPr id="7" name="Content Placeholder 1">
-            <a:extLst>
-              <a:ext uri="{FF2B5EF4-FFF2-40B4-BE49-F238E27FC236}">
-                <a16:creationId xmlns:a16="http://schemas.microsoft.com/office/drawing/2014/main" id="{A72BB791-A951-40D7-9201-6888E462357B}"/>
-              </a:ext>
-            </a:extLst>
-          </p:cNvPr>
-          <p:cNvSpPr>
-            <a:spLocks noGrp="1"/>
-          </p:cNvSpPr>
-          <p:nvPr>
-            <p:ph idx="1"/>
-          </p:nvPr>
-        </p:nvSpPr>
-        <p:spPr>
-          <a:xfrm>
-            <a:off x="457200" y="1600200"/>
-            <a:ext cx="8229600" cy="4525963"/>
-          </a:xfrm>
-        </p:spPr>
-        <p:txBody>
-          <a:bodyPr/>
-          <a:lstStyle/>
-          <a:p>
-            <a:endParaRPr kumimoji="1" lang="ja-JP" altLang="en-US"/>
           </a:p>
         </p:txBody>
       </p:sp>
     </p:spTree>
     <p:extLst>
       <p:ext uri="{BB962C8B-B14F-4D97-AF65-F5344CB8AC3E}">
-        <p14:creationId xmlns:p14="http://schemas.microsoft.com/office/powerpoint/2010/main" val="54115788"/>
+        <p14:creationId xmlns:p14="http://schemas.microsoft.com/office/powerpoint/2010/main" val="3014639095"/>
       </p:ext>
     </p:extLst>
   </p:cSld>
@@ -22143,8 +21714,8 @@
         </p:nvSpPr>
         <p:spPr>
           <a:xfrm>
-            <a:off x="479336" y="548752"/>
-            <a:ext cx="8229600" cy="648000"/>
+            <a:off x="97200" y="126000"/>
+            <a:ext cx="8917200" cy="648000"/>
           </a:xfrm>
         </p:spPr>
         <p:txBody>
@@ -22164,47 +21735,16 @@
                   <a:lumOff val="25000"/>
                 </a:schemeClr>
               </a:solidFill>
-              <a:latin typeface="Calibri" panose="020F0502020204030204" pitchFamily="34" charset="0"/>
+              <a:latin typeface="MS PGothic" panose="020B0600070205080204" pitchFamily="34" charset="-128"/>
               <a:ea typeface="MS PGothic" panose="020B0600070205080204" pitchFamily="34" charset="-128"/>
-              <a:cs typeface="Calibri" panose="020F0502020204030204" pitchFamily="34" charset="0"/>
             </a:endParaRPr>
-          </a:p>
-        </p:txBody>
-      </p:sp>
-      <p:sp>
-        <p:nvSpPr>
-          <p:cNvPr id="7" name="Content Placeholder 1">
-            <a:extLst>
-              <a:ext uri="{FF2B5EF4-FFF2-40B4-BE49-F238E27FC236}">
-                <a16:creationId xmlns:a16="http://schemas.microsoft.com/office/drawing/2014/main" id="{A72BB791-A951-40D7-9201-6888E462357B}"/>
-              </a:ext>
-            </a:extLst>
-          </p:cNvPr>
-          <p:cNvSpPr>
-            <a:spLocks noGrp="1"/>
-          </p:cNvSpPr>
-          <p:nvPr>
-            <p:ph idx="1"/>
-          </p:nvPr>
-        </p:nvSpPr>
-        <p:spPr>
-          <a:xfrm>
-            <a:off x="457200" y="1600200"/>
-            <a:ext cx="8229600" cy="4525963"/>
-          </a:xfrm>
-        </p:spPr>
-        <p:txBody>
-          <a:bodyPr/>
-          <a:lstStyle/>
-          <a:p>
-            <a:endParaRPr kumimoji="1" lang="ja-JP" altLang="en-US"/>
           </a:p>
         </p:txBody>
       </p:sp>
     </p:spTree>
     <p:extLst>
       <p:ext uri="{BB962C8B-B14F-4D97-AF65-F5344CB8AC3E}">
-        <p14:creationId xmlns:p14="http://schemas.microsoft.com/office/powerpoint/2010/main" val="1116595744"/>
+        <p14:creationId xmlns:p14="http://schemas.microsoft.com/office/powerpoint/2010/main" val="2066356599"/>
       </p:ext>
     </p:extLst>
   </p:cSld>
@@ -22281,8 +21821,8 @@
         </p:nvSpPr>
         <p:spPr>
           <a:xfrm>
-            <a:off x="479336" y="548752"/>
-            <a:ext cx="8229600" cy="648000"/>
+            <a:off x="97200" y="126000"/>
+            <a:ext cx="8917200" cy="648000"/>
           </a:xfrm>
         </p:spPr>
         <p:txBody>
@@ -22302,47 +21842,16 @@
                   <a:lumOff val="25000"/>
                 </a:schemeClr>
               </a:solidFill>
-              <a:latin typeface="Calibri" panose="020F0502020204030204" pitchFamily="34" charset="0"/>
+              <a:latin typeface="MS PGothic" panose="020B0600070205080204" pitchFamily="34" charset="-128"/>
               <a:ea typeface="MS PGothic" panose="020B0600070205080204" pitchFamily="34" charset="-128"/>
-              <a:cs typeface="Calibri" panose="020F0502020204030204" pitchFamily="34" charset="0"/>
             </a:endParaRPr>
-          </a:p>
-        </p:txBody>
-      </p:sp>
-      <p:sp>
-        <p:nvSpPr>
-          <p:cNvPr id="7" name="Content Placeholder 1">
-            <a:extLst>
-              <a:ext uri="{FF2B5EF4-FFF2-40B4-BE49-F238E27FC236}">
-                <a16:creationId xmlns:a16="http://schemas.microsoft.com/office/drawing/2014/main" id="{A72BB791-A951-40D7-9201-6888E462357B}"/>
-              </a:ext>
-            </a:extLst>
-          </p:cNvPr>
-          <p:cNvSpPr>
-            <a:spLocks noGrp="1"/>
-          </p:cNvSpPr>
-          <p:nvPr>
-            <p:ph idx="1"/>
-          </p:nvPr>
-        </p:nvSpPr>
-        <p:spPr>
-          <a:xfrm>
-            <a:off x="457200" y="1600200"/>
-            <a:ext cx="8229600" cy="4525963"/>
-          </a:xfrm>
-        </p:spPr>
-        <p:txBody>
-          <a:bodyPr/>
-          <a:lstStyle/>
-          <a:p>
-            <a:endParaRPr kumimoji="1" lang="ja-JP" altLang="en-US"/>
           </a:p>
         </p:txBody>
       </p:sp>
     </p:spTree>
     <p:extLst>
       <p:ext uri="{BB962C8B-B14F-4D97-AF65-F5344CB8AC3E}">
-        <p14:creationId xmlns:p14="http://schemas.microsoft.com/office/powerpoint/2010/main" val="1776589598"/>
+        <p14:creationId xmlns:p14="http://schemas.microsoft.com/office/powerpoint/2010/main" val="1851385806"/>
       </p:ext>
     </p:extLst>
   </p:cSld>
@@ -22419,8 +21928,8 @@
         </p:nvSpPr>
         <p:spPr>
           <a:xfrm>
-            <a:off x="479336" y="548752"/>
-            <a:ext cx="8229600" cy="648000"/>
+            <a:off x="97200" y="126000"/>
+            <a:ext cx="8917200" cy="648000"/>
           </a:xfrm>
         </p:spPr>
         <p:txBody>
@@ -22440,47 +21949,979 @@
                   <a:lumOff val="25000"/>
                 </a:schemeClr>
               </a:solidFill>
-              <a:latin typeface="Calibri" panose="020F0502020204030204" pitchFamily="34" charset="0"/>
+              <a:latin typeface="MS PGothic" panose="020B0600070205080204" pitchFamily="34" charset="-128"/>
               <a:ea typeface="MS PGothic" panose="020B0600070205080204" pitchFamily="34" charset="-128"/>
-              <a:cs typeface="Calibri" panose="020F0502020204030204" pitchFamily="34" charset="0"/>
             </a:endParaRPr>
           </a:p>
         </p:txBody>
       </p:sp>
-      <p:sp>
-        <p:nvSpPr>
-          <p:cNvPr id="7" name="Content Placeholder 1">
+    </p:spTree>
+    <p:extLst>
+      <p:ext uri="{BB962C8B-B14F-4D97-AF65-F5344CB8AC3E}">
+        <p14:creationId xmlns:p14="http://schemas.microsoft.com/office/powerpoint/2010/main" val="2715189589"/>
+      </p:ext>
+    </p:extLst>
+  </p:cSld>
+  <p:clrMapOvr>
+    <a:masterClrMapping/>
+  </p:clrMapOvr>
+</p:sld>
+</file>
+
+<file path=ppt/slides/slide81.xml><?xml version="1.0" encoding="utf-8"?>
+<p:sld xmlns:a="http://schemas.openxmlformats.org/drawingml/2006/main" xmlns:r="http://schemas.openxmlformats.org/officeDocument/2006/relationships" xmlns:p="http://schemas.openxmlformats.org/presentationml/2006/main">
+  <p:cSld>
+    <p:spTree>
+      <p:nvGrpSpPr>
+        <p:cNvPr id="1" name=""/>
+        <p:cNvGrpSpPr/>
+        <p:nvPr/>
+      </p:nvGrpSpPr>
+      <p:grpSpPr>
+        <a:xfrm>
+          <a:off x="0" y="0"/>
+          <a:ext cx="0" cy="0"/>
+          <a:chOff x="0" y="0"/>
+          <a:chExt cx="0" cy="0"/>
+        </a:xfrm>
+      </p:grpSpPr>
+      <p:sp>
+        <p:nvSpPr>
+          <p:cNvPr id="3" name="TextBox 2">
             <a:extLst>
               <a:ext uri="{FF2B5EF4-FFF2-40B4-BE49-F238E27FC236}">
-                <a16:creationId xmlns:a16="http://schemas.microsoft.com/office/drawing/2014/main" id="{A72BB791-A951-40D7-9201-6888E462357B}"/>
+                <a16:creationId xmlns:a16="http://schemas.microsoft.com/office/drawing/2014/main" id="{CAC89241-8DEF-4A64-B416-7FEDEACAEAA8}"/>
               </a:ext>
             </a:extLst>
           </p:cNvPr>
-          <p:cNvSpPr>
-            <a:spLocks noGrp="1"/>
-          </p:cNvSpPr>
-          <p:nvPr>
-            <p:ph idx="1"/>
-          </p:nvPr>
+          <p:cNvSpPr txBox="1"/>
+          <p:nvPr/>
         </p:nvSpPr>
         <p:spPr>
           <a:xfrm>
-            <a:off x="457200" y="1600200"/>
-            <a:ext cx="8229600" cy="4525963"/>
+            <a:off x="98474" y="127000"/>
+            <a:ext cx="8918526" cy="646331"/>
+          </a:xfrm>
+          <a:prstGeom prst="rect">
+            <a:avLst/>
+          </a:prstGeom>
+          <a:noFill/>
+        </p:spPr>
+        <p:txBody>
+          <a:bodyPr vert="horz" wrap="square" rtlCol="0">
+            <a:spAutoFit/>
+          </a:bodyPr>
+          <a:lstStyle/>
+          <a:p>
+            <a:endParaRPr lang="en-US" sz="3600" dirty="0"/>
+          </a:p>
+        </p:txBody>
+      </p:sp>
+      <p:sp>
+        <p:nvSpPr>
+          <p:cNvPr id="6" name="Title 1">
+            <a:extLst>
+              <a:ext uri="{FF2B5EF4-FFF2-40B4-BE49-F238E27FC236}">
+                <a16:creationId xmlns:a16="http://schemas.microsoft.com/office/drawing/2014/main" id="{5FB3CCF4-1DC4-43A7-8B39-459BC2520CE3}"/>
+              </a:ext>
+            </a:extLst>
+          </p:cNvPr>
+          <p:cNvSpPr>
+            <a:spLocks noGrp="1"/>
+          </p:cNvSpPr>
+          <p:nvPr>
+            <p:ph type="title"/>
+          </p:nvPr>
+        </p:nvSpPr>
+        <p:spPr>
+          <a:xfrm>
+            <a:off x="97200" y="126000"/>
+            <a:ext cx="8917200" cy="648000"/>
           </a:xfrm>
         </p:spPr>
         <p:txBody>
           <a:bodyPr/>
           <a:lstStyle/>
           <a:p>
-            <a:endParaRPr kumimoji="1" lang="ja-JP" altLang="en-US"/>
+            <a:pPr algn="l">
+              <a:lnSpc>
+                <a:spcPct val="90000"/>
+              </a:lnSpc>
+              <a:defRPr/>
+            </a:pPr>
+            <a:endParaRPr lang="en-US" sz="3600" dirty="0">
+              <a:solidFill>
+                <a:schemeClr val="tx1">
+                  <a:lumMod val="75000"/>
+                  <a:lumOff val="25000"/>
+                </a:schemeClr>
+              </a:solidFill>
+              <a:latin typeface="MS PGothic" panose="020B0600070205080204" pitchFamily="34" charset="-128"/>
+              <a:ea typeface="MS PGothic" panose="020B0600070205080204" pitchFamily="34" charset="-128"/>
+            </a:endParaRPr>
           </a:p>
         </p:txBody>
       </p:sp>
     </p:spTree>
     <p:extLst>
       <p:ext uri="{BB962C8B-B14F-4D97-AF65-F5344CB8AC3E}">
-        <p14:creationId xmlns:p14="http://schemas.microsoft.com/office/powerpoint/2010/main" val="388587682"/>
+        <p14:creationId xmlns:p14="http://schemas.microsoft.com/office/powerpoint/2010/main" val="3918594049"/>
+      </p:ext>
+    </p:extLst>
+  </p:cSld>
+  <p:clrMapOvr>
+    <a:masterClrMapping/>
+  </p:clrMapOvr>
+</p:sld>
+</file>
+
+<file path=ppt/slides/slide82.xml><?xml version="1.0" encoding="utf-8"?>
+<p:sld xmlns:a="http://schemas.openxmlformats.org/drawingml/2006/main" xmlns:r="http://schemas.openxmlformats.org/officeDocument/2006/relationships" xmlns:p="http://schemas.openxmlformats.org/presentationml/2006/main">
+  <p:cSld>
+    <p:spTree>
+      <p:nvGrpSpPr>
+        <p:cNvPr id="1" name=""/>
+        <p:cNvGrpSpPr/>
+        <p:nvPr/>
+      </p:nvGrpSpPr>
+      <p:grpSpPr>
+        <a:xfrm>
+          <a:off x="0" y="0"/>
+          <a:ext cx="0" cy="0"/>
+          <a:chOff x="0" y="0"/>
+          <a:chExt cx="0" cy="0"/>
+        </a:xfrm>
+      </p:grpSpPr>
+      <p:sp>
+        <p:nvSpPr>
+          <p:cNvPr id="3" name="TextBox 2">
+            <a:extLst>
+              <a:ext uri="{FF2B5EF4-FFF2-40B4-BE49-F238E27FC236}">
+                <a16:creationId xmlns:a16="http://schemas.microsoft.com/office/drawing/2014/main" id="{CAC89241-8DEF-4A64-B416-7FEDEACAEAA8}"/>
+              </a:ext>
+            </a:extLst>
+          </p:cNvPr>
+          <p:cNvSpPr txBox="1"/>
+          <p:nvPr/>
+        </p:nvSpPr>
+        <p:spPr>
+          <a:xfrm>
+            <a:off x="98474" y="127000"/>
+            <a:ext cx="8918526" cy="646331"/>
+          </a:xfrm>
+          <a:prstGeom prst="rect">
+            <a:avLst/>
+          </a:prstGeom>
+          <a:noFill/>
+        </p:spPr>
+        <p:txBody>
+          <a:bodyPr vert="horz" wrap="square" rtlCol="0">
+            <a:spAutoFit/>
+          </a:bodyPr>
+          <a:lstStyle/>
+          <a:p>
+            <a:endParaRPr lang="en-US" sz="3600" dirty="0"/>
+          </a:p>
+        </p:txBody>
+      </p:sp>
+      <p:sp>
+        <p:nvSpPr>
+          <p:cNvPr id="6" name="Title 1">
+            <a:extLst>
+              <a:ext uri="{FF2B5EF4-FFF2-40B4-BE49-F238E27FC236}">
+                <a16:creationId xmlns:a16="http://schemas.microsoft.com/office/drawing/2014/main" id="{5FB3CCF4-1DC4-43A7-8B39-459BC2520CE3}"/>
+              </a:ext>
+            </a:extLst>
+          </p:cNvPr>
+          <p:cNvSpPr>
+            <a:spLocks noGrp="1"/>
+          </p:cNvSpPr>
+          <p:nvPr>
+            <p:ph type="title"/>
+          </p:nvPr>
+        </p:nvSpPr>
+        <p:spPr>
+          <a:xfrm>
+            <a:off x="97200" y="126000"/>
+            <a:ext cx="8917200" cy="648000"/>
+          </a:xfrm>
+        </p:spPr>
+        <p:txBody>
+          <a:bodyPr/>
+          <a:lstStyle/>
+          <a:p>
+            <a:pPr algn="l">
+              <a:lnSpc>
+                <a:spcPct val="90000"/>
+              </a:lnSpc>
+              <a:defRPr/>
+            </a:pPr>
+            <a:endParaRPr lang="en-US" sz="3600" dirty="0">
+              <a:solidFill>
+                <a:schemeClr val="tx1">
+                  <a:lumMod val="75000"/>
+                  <a:lumOff val="25000"/>
+                </a:schemeClr>
+              </a:solidFill>
+              <a:latin typeface="MS PGothic" panose="020B0600070205080204" pitchFamily="34" charset="-128"/>
+              <a:ea typeface="MS PGothic" panose="020B0600070205080204" pitchFamily="34" charset="-128"/>
+            </a:endParaRPr>
+          </a:p>
+        </p:txBody>
+      </p:sp>
+    </p:spTree>
+    <p:extLst>
+      <p:ext uri="{BB962C8B-B14F-4D97-AF65-F5344CB8AC3E}">
+        <p14:creationId xmlns:p14="http://schemas.microsoft.com/office/powerpoint/2010/main" val="182788360"/>
+      </p:ext>
+    </p:extLst>
+  </p:cSld>
+  <p:clrMapOvr>
+    <a:masterClrMapping/>
+  </p:clrMapOvr>
+</p:sld>
+</file>
+
+<file path=ppt/slides/slide83.xml><?xml version="1.0" encoding="utf-8"?>
+<p:sld xmlns:a="http://schemas.openxmlformats.org/drawingml/2006/main" xmlns:r="http://schemas.openxmlformats.org/officeDocument/2006/relationships" xmlns:p="http://schemas.openxmlformats.org/presentationml/2006/main">
+  <p:cSld>
+    <p:spTree>
+      <p:nvGrpSpPr>
+        <p:cNvPr id="1" name=""/>
+        <p:cNvGrpSpPr/>
+        <p:nvPr/>
+      </p:nvGrpSpPr>
+      <p:grpSpPr>
+        <a:xfrm>
+          <a:off x="0" y="0"/>
+          <a:ext cx="0" cy="0"/>
+          <a:chOff x="0" y="0"/>
+          <a:chExt cx="0" cy="0"/>
+        </a:xfrm>
+      </p:grpSpPr>
+      <p:sp>
+        <p:nvSpPr>
+          <p:cNvPr id="3" name="TextBox 2">
+            <a:extLst>
+              <a:ext uri="{FF2B5EF4-FFF2-40B4-BE49-F238E27FC236}">
+                <a16:creationId xmlns:a16="http://schemas.microsoft.com/office/drawing/2014/main" id="{CAC89241-8DEF-4A64-B416-7FEDEACAEAA8}"/>
+              </a:ext>
+            </a:extLst>
+          </p:cNvPr>
+          <p:cNvSpPr txBox="1"/>
+          <p:nvPr/>
+        </p:nvSpPr>
+        <p:spPr>
+          <a:xfrm>
+            <a:off x="98474" y="127000"/>
+            <a:ext cx="8918526" cy="646331"/>
+          </a:xfrm>
+          <a:prstGeom prst="rect">
+            <a:avLst/>
+          </a:prstGeom>
+          <a:noFill/>
+        </p:spPr>
+        <p:txBody>
+          <a:bodyPr vert="horz" wrap="square" rtlCol="0">
+            <a:spAutoFit/>
+          </a:bodyPr>
+          <a:lstStyle/>
+          <a:p>
+            <a:endParaRPr lang="en-US" sz="3600" dirty="0"/>
+          </a:p>
+        </p:txBody>
+      </p:sp>
+      <p:sp>
+        <p:nvSpPr>
+          <p:cNvPr id="6" name="Title 1">
+            <a:extLst>
+              <a:ext uri="{FF2B5EF4-FFF2-40B4-BE49-F238E27FC236}">
+                <a16:creationId xmlns:a16="http://schemas.microsoft.com/office/drawing/2014/main" id="{5FB3CCF4-1DC4-43A7-8B39-459BC2520CE3}"/>
+              </a:ext>
+            </a:extLst>
+          </p:cNvPr>
+          <p:cNvSpPr>
+            <a:spLocks noGrp="1"/>
+          </p:cNvSpPr>
+          <p:nvPr>
+            <p:ph type="title"/>
+          </p:nvPr>
+        </p:nvSpPr>
+        <p:spPr>
+          <a:xfrm>
+            <a:off x="97200" y="126000"/>
+            <a:ext cx="8917200" cy="648000"/>
+          </a:xfrm>
+        </p:spPr>
+        <p:txBody>
+          <a:bodyPr/>
+          <a:lstStyle/>
+          <a:p>
+            <a:pPr algn="l">
+              <a:lnSpc>
+                <a:spcPct val="90000"/>
+              </a:lnSpc>
+              <a:defRPr/>
+            </a:pPr>
+            <a:endParaRPr lang="en-US" sz="3600" dirty="0">
+              <a:solidFill>
+                <a:schemeClr val="tx1">
+                  <a:lumMod val="75000"/>
+                  <a:lumOff val="25000"/>
+                </a:schemeClr>
+              </a:solidFill>
+              <a:latin typeface="MS PGothic" panose="020B0600070205080204" pitchFamily="34" charset="-128"/>
+              <a:ea typeface="MS PGothic" panose="020B0600070205080204" pitchFamily="34" charset="-128"/>
+            </a:endParaRPr>
+          </a:p>
+        </p:txBody>
+      </p:sp>
+    </p:spTree>
+    <p:extLst>
+      <p:ext uri="{BB962C8B-B14F-4D97-AF65-F5344CB8AC3E}">
+        <p14:creationId xmlns:p14="http://schemas.microsoft.com/office/powerpoint/2010/main" val="686732025"/>
+      </p:ext>
+    </p:extLst>
+  </p:cSld>
+  <p:clrMapOvr>
+    <a:masterClrMapping/>
+  </p:clrMapOvr>
+</p:sld>
+</file>
+
+<file path=ppt/slides/slide84.xml><?xml version="1.0" encoding="utf-8"?>
+<p:sld xmlns:a="http://schemas.openxmlformats.org/drawingml/2006/main" xmlns:r="http://schemas.openxmlformats.org/officeDocument/2006/relationships" xmlns:p="http://schemas.openxmlformats.org/presentationml/2006/main">
+  <p:cSld>
+    <p:spTree>
+      <p:nvGrpSpPr>
+        <p:cNvPr id="1" name=""/>
+        <p:cNvGrpSpPr/>
+        <p:nvPr/>
+      </p:nvGrpSpPr>
+      <p:grpSpPr>
+        <a:xfrm>
+          <a:off x="0" y="0"/>
+          <a:ext cx="0" cy="0"/>
+          <a:chOff x="0" y="0"/>
+          <a:chExt cx="0" cy="0"/>
+        </a:xfrm>
+      </p:grpSpPr>
+      <p:sp>
+        <p:nvSpPr>
+          <p:cNvPr id="3" name="TextBox 2">
+            <a:extLst>
+              <a:ext uri="{FF2B5EF4-FFF2-40B4-BE49-F238E27FC236}">
+                <a16:creationId xmlns:a16="http://schemas.microsoft.com/office/drawing/2014/main" id="{CAC89241-8DEF-4A64-B416-7FEDEACAEAA8}"/>
+              </a:ext>
+            </a:extLst>
+          </p:cNvPr>
+          <p:cNvSpPr txBox="1"/>
+          <p:nvPr/>
+        </p:nvSpPr>
+        <p:spPr>
+          <a:xfrm>
+            <a:off x="98474" y="127000"/>
+            <a:ext cx="8918526" cy="646331"/>
+          </a:xfrm>
+          <a:prstGeom prst="rect">
+            <a:avLst/>
+          </a:prstGeom>
+          <a:noFill/>
+        </p:spPr>
+        <p:txBody>
+          <a:bodyPr vert="horz" wrap="square" rtlCol="0">
+            <a:spAutoFit/>
+          </a:bodyPr>
+          <a:lstStyle/>
+          <a:p>
+            <a:endParaRPr lang="en-US" sz="3600" dirty="0"/>
+          </a:p>
+        </p:txBody>
+      </p:sp>
+      <p:sp>
+        <p:nvSpPr>
+          <p:cNvPr id="6" name="Title 1">
+            <a:extLst>
+              <a:ext uri="{FF2B5EF4-FFF2-40B4-BE49-F238E27FC236}">
+                <a16:creationId xmlns:a16="http://schemas.microsoft.com/office/drawing/2014/main" id="{5FB3CCF4-1DC4-43A7-8B39-459BC2520CE3}"/>
+              </a:ext>
+            </a:extLst>
+          </p:cNvPr>
+          <p:cNvSpPr>
+            <a:spLocks noGrp="1"/>
+          </p:cNvSpPr>
+          <p:nvPr>
+            <p:ph type="title"/>
+          </p:nvPr>
+        </p:nvSpPr>
+        <p:spPr>
+          <a:xfrm>
+            <a:off x="97200" y="126000"/>
+            <a:ext cx="8917200" cy="648000"/>
+          </a:xfrm>
+        </p:spPr>
+        <p:txBody>
+          <a:bodyPr/>
+          <a:lstStyle/>
+          <a:p>
+            <a:pPr algn="l">
+              <a:lnSpc>
+                <a:spcPct val="90000"/>
+              </a:lnSpc>
+              <a:defRPr/>
+            </a:pPr>
+            <a:endParaRPr lang="en-US" sz="3600" dirty="0">
+              <a:solidFill>
+                <a:schemeClr val="tx1">
+                  <a:lumMod val="75000"/>
+                  <a:lumOff val="25000"/>
+                </a:schemeClr>
+              </a:solidFill>
+              <a:latin typeface="MS PGothic" panose="020B0600070205080204" pitchFamily="34" charset="-128"/>
+              <a:ea typeface="MS PGothic" panose="020B0600070205080204" pitchFamily="34" charset="-128"/>
+            </a:endParaRPr>
+          </a:p>
+        </p:txBody>
+      </p:sp>
+    </p:spTree>
+    <p:extLst>
+      <p:ext uri="{BB962C8B-B14F-4D97-AF65-F5344CB8AC3E}">
+        <p14:creationId xmlns:p14="http://schemas.microsoft.com/office/powerpoint/2010/main" val="4065580524"/>
+      </p:ext>
+    </p:extLst>
+  </p:cSld>
+  <p:clrMapOvr>
+    <a:masterClrMapping/>
+  </p:clrMapOvr>
+</p:sld>
+</file>
+
+<file path=ppt/slides/slide85.xml><?xml version="1.0" encoding="utf-8"?>
+<p:sld xmlns:a="http://schemas.openxmlformats.org/drawingml/2006/main" xmlns:r="http://schemas.openxmlformats.org/officeDocument/2006/relationships" xmlns:p="http://schemas.openxmlformats.org/presentationml/2006/main">
+  <p:cSld>
+    <p:spTree>
+      <p:nvGrpSpPr>
+        <p:cNvPr id="1" name=""/>
+        <p:cNvGrpSpPr/>
+        <p:nvPr/>
+      </p:nvGrpSpPr>
+      <p:grpSpPr>
+        <a:xfrm>
+          <a:off x="0" y="0"/>
+          <a:ext cx="0" cy="0"/>
+          <a:chOff x="0" y="0"/>
+          <a:chExt cx="0" cy="0"/>
+        </a:xfrm>
+      </p:grpSpPr>
+      <p:sp>
+        <p:nvSpPr>
+          <p:cNvPr id="3" name="TextBox 2">
+            <a:extLst>
+              <a:ext uri="{FF2B5EF4-FFF2-40B4-BE49-F238E27FC236}">
+                <a16:creationId xmlns:a16="http://schemas.microsoft.com/office/drawing/2014/main" id="{CAC89241-8DEF-4A64-B416-7FEDEACAEAA8}"/>
+              </a:ext>
+            </a:extLst>
+          </p:cNvPr>
+          <p:cNvSpPr txBox="1"/>
+          <p:nvPr/>
+        </p:nvSpPr>
+        <p:spPr>
+          <a:xfrm>
+            <a:off x="98474" y="127000"/>
+            <a:ext cx="8918526" cy="646331"/>
+          </a:xfrm>
+          <a:prstGeom prst="rect">
+            <a:avLst/>
+          </a:prstGeom>
+          <a:noFill/>
+        </p:spPr>
+        <p:txBody>
+          <a:bodyPr vert="horz" wrap="square" rtlCol="0">
+            <a:spAutoFit/>
+          </a:bodyPr>
+          <a:lstStyle/>
+          <a:p>
+            <a:endParaRPr lang="en-US" sz="3600" dirty="0"/>
+          </a:p>
+        </p:txBody>
+      </p:sp>
+      <p:sp>
+        <p:nvSpPr>
+          <p:cNvPr id="6" name="Title 1">
+            <a:extLst>
+              <a:ext uri="{FF2B5EF4-FFF2-40B4-BE49-F238E27FC236}">
+                <a16:creationId xmlns:a16="http://schemas.microsoft.com/office/drawing/2014/main" id="{5FB3CCF4-1DC4-43A7-8B39-459BC2520CE3}"/>
+              </a:ext>
+            </a:extLst>
+          </p:cNvPr>
+          <p:cNvSpPr>
+            <a:spLocks noGrp="1"/>
+          </p:cNvSpPr>
+          <p:nvPr>
+            <p:ph type="title"/>
+          </p:nvPr>
+        </p:nvSpPr>
+        <p:spPr>
+          <a:xfrm>
+            <a:off x="97200" y="126000"/>
+            <a:ext cx="8917200" cy="648000"/>
+          </a:xfrm>
+        </p:spPr>
+        <p:txBody>
+          <a:bodyPr/>
+          <a:lstStyle/>
+          <a:p>
+            <a:pPr algn="l">
+              <a:lnSpc>
+                <a:spcPct val="90000"/>
+              </a:lnSpc>
+              <a:defRPr/>
+            </a:pPr>
+            <a:endParaRPr lang="en-US" sz="3600" dirty="0">
+              <a:solidFill>
+                <a:schemeClr val="tx1">
+                  <a:lumMod val="75000"/>
+                  <a:lumOff val="25000"/>
+                </a:schemeClr>
+              </a:solidFill>
+              <a:latin typeface="MS PGothic" panose="020B0600070205080204" pitchFamily="34" charset="-128"/>
+              <a:ea typeface="MS PGothic" panose="020B0600070205080204" pitchFamily="34" charset="-128"/>
+            </a:endParaRPr>
+          </a:p>
+        </p:txBody>
+      </p:sp>
+    </p:spTree>
+    <p:extLst>
+      <p:ext uri="{BB962C8B-B14F-4D97-AF65-F5344CB8AC3E}">
+        <p14:creationId xmlns:p14="http://schemas.microsoft.com/office/powerpoint/2010/main" val="4285663420"/>
+      </p:ext>
+    </p:extLst>
+  </p:cSld>
+  <p:clrMapOvr>
+    <a:masterClrMapping/>
+  </p:clrMapOvr>
+</p:sld>
+</file>
+
+<file path=ppt/slides/slide86.xml><?xml version="1.0" encoding="utf-8"?>
+<p:sld xmlns:a="http://schemas.openxmlformats.org/drawingml/2006/main" xmlns:r="http://schemas.openxmlformats.org/officeDocument/2006/relationships" xmlns:p="http://schemas.openxmlformats.org/presentationml/2006/main">
+  <p:cSld>
+    <p:spTree>
+      <p:nvGrpSpPr>
+        <p:cNvPr id="1" name=""/>
+        <p:cNvGrpSpPr/>
+        <p:nvPr/>
+      </p:nvGrpSpPr>
+      <p:grpSpPr>
+        <a:xfrm>
+          <a:off x="0" y="0"/>
+          <a:ext cx="0" cy="0"/>
+          <a:chOff x="0" y="0"/>
+          <a:chExt cx="0" cy="0"/>
+        </a:xfrm>
+      </p:grpSpPr>
+      <p:sp>
+        <p:nvSpPr>
+          <p:cNvPr id="3" name="TextBox 2">
+            <a:extLst>
+              <a:ext uri="{FF2B5EF4-FFF2-40B4-BE49-F238E27FC236}">
+                <a16:creationId xmlns:a16="http://schemas.microsoft.com/office/drawing/2014/main" id="{CAC89241-8DEF-4A64-B416-7FEDEACAEAA8}"/>
+              </a:ext>
+            </a:extLst>
+          </p:cNvPr>
+          <p:cNvSpPr txBox="1"/>
+          <p:nvPr/>
+        </p:nvSpPr>
+        <p:spPr>
+          <a:xfrm>
+            <a:off x="98474" y="127000"/>
+            <a:ext cx="8918526" cy="646331"/>
+          </a:xfrm>
+          <a:prstGeom prst="rect">
+            <a:avLst/>
+          </a:prstGeom>
+          <a:noFill/>
+        </p:spPr>
+        <p:txBody>
+          <a:bodyPr vert="horz" wrap="square" rtlCol="0">
+            <a:spAutoFit/>
+          </a:bodyPr>
+          <a:lstStyle/>
+          <a:p>
+            <a:endParaRPr lang="en-US" sz="3600" dirty="0"/>
+          </a:p>
+        </p:txBody>
+      </p:sp>
+      <p:sp>
+        <p:nvSpPr>
+          <p:cNvPr id="6" name="Title 1">
+            <a:extLst>
+              <a:ext uri="{FF2B5EF4-FFF2-40B4-BE49-F238E27FC236}">
+                <a16:creationId xmlns:a16="http://schemas.microsoft.com/office/drawing/2014/main" id="{5FB3CCF4-1DC4-43A7-8B39-459BC2520CE3}"/>
+              </a:ext>
+            </a:extLst>
+          </p:cNvPr>
+          <p:cNvSpPr>
+            <a:spLocks noGrp="1"/>
+          </p:cNvSpPr>
+          <p:nvPr>
+            <p:ph type="title"/>
+          </p:nvPr>
+        </p:nvSpPr>
+        <p:spPr>
+          <a:xfrm>
+            <a:off x="97200" y="126000"/>
+            <a:ext cx="8917200" cy="648000"/>
+          </a:xfrm>
+        </p:spPr>
+        <p:txBody>
+          <a:bodyPr/>
+          <a:lstStyle/>
+          <a:p>
+            <a:pPr algn="l">
+              <a:lnSpc>
+                <a:spcPct val="90000"/>
+              </a:lnSpc>
+              <a:defRPr/>
+            </a:pPr>
+            <a:endParaRPr lang="en-US" sz="3600" dirty="0">
+              <a:solidFill>
+                <a:schemeClr val="tx1">
+                  <a:lumMod val="75000"/>
+                  <a:lumOff val="25000"/>
+                </a:schemeClr>
+              </a:solidFill>
+              <a:latin typeface="MS PGothic" panose="020B0600070205080204" pitchFamily="34" charset="-128"/>
+              <a:ea typeface="MS PGothic" panose="020B0600070205080204" pitchFamily="34" charset="-128"/>
+            </a:endParaRPr>
+          </a:p>
+        </p:txBody>
+      </p:sp>
+    </p:spTree>
+    <p:extLst>
+      <p:ext uri="{BB962C8B-B14F-4D97-AF65-F5344CB8AC3E}">
+        <p14:creationId xmlns:p14="http://schemas.microsoft.com/office/powerpoint/2010/main" val="3157600082"/>
+      </p:ext>
+    </p:extLst>
+  </p:cSld>
+  <p:clrMapOvr>
+    <a:masterClrMapping/>
+  </p:clrMapOvr>
+</p:sld>
+</file>
+
+<file path=ppt/slides/slide87.xml><?xml version="1.0" encoding="utf-8"?>
+<p:sld xmlns:a="http://schemas.openxmlformats.org/drawingml/2006/main" xmlns:r="http://schemas.openxmlformats.org/officeDocument/2006/relationships" xmlns:p="http://schemas.openxmlformats.org/presentationml/2006/main">
+  <p:cSld>
+    <p:spTree>
+      <p:nvGrpSpPr>
+        <p:cNvPr id="1" name=""/>
+        <p:cNvGrpSpPr/>
+        <p:nvPr/>
+      </p:nvGrpSpPr>
+      <p:grpSpPr>
+        <a:xfrm>
+          <a:off x="0" y="0"/>
+          <a:ext cx="0" cy="0"/>
+          <a:chOff x="0" y="0"/>
+          <a:chExt cx="0" cy="0"/>
+        </a:xfrm>
+      </p:grpSpPr>
+      <p:sp>
+        <p:nvSpPr>
+          <p:cNvPr id="3" name="TextBox 2">
+            <a:extLst>
+              <a:ext uri="{FF2B5EF4-FFF2-40B4-BE49-F238E27FC236}">
+                <a16:creationId xmlns:a16="http://schemas.microsoft.com/office/drawing/2014/main" id="{CAC89241-8DEF-4A64-B416-7FEDEACAEAA8}"/>
+              </a:ext>
+            </a:extLst>
+          </p:cNvPr>
+          <p:cNvSpPr txBox="1"/>
+          <p:nvPr/>
+        </p:nvSpPr>
+        <p:spPr>
+          <a:xfrm>
+            <a:off x="98474" y="127000"/>
+            <a:ext cx="8918526" cy="646331"/>
+          </a:xfrm>
+          <a:prstGeom prst="rect">
+            <a:avLst/>
+          </a:prstGeom>
+          <a:noFill/>
+        </p:spPr>
+        <p:txBody>
+          <a:bodyPr vert="horz" wrap="square" rtlCol="0">
+            <a:spAutoFit/>
+          </a:bodyPr>
+          <a:lstStyle/>
+          <a:p>
+            <a:endParaRPr lang="en-US" sz="3600" dirty="0"/>
+          </a:p>
+        </p:txBody>
+      </p:sp>
+      <p:sp>
+        <p:nvSpPr>
+          <p:cNvPr id="6" name="Title 1">
+            <a:extLst>
+              <a:ext uri="{FF2B5EF4-FFF2-40B4-BE49-F238E27FC236}">
+                <a16:creationId xmlns:a16="http://schemas.microsoft.com/office/drawing/2014/main" id="{5FB3CCF4-1DC4-43A7-8B39-459BC2520CE3}"/>
+              </a:ext>
+            </a:extLst>
+          </p:cNvPr>
+          <p:cNvSpPr>
+            <a:spLocks noGrp="1"/>
+          </p:cNvSpPr>
+          <p:nvPr>
+            <p:ph type="title"/>
+          </p:nvPr>
+        </p:nvSpPr>
+        <p:spPr>
+          <a:xfrm>
+            <a:off x="97200" y="126000"/>
+            <a:ext cx="8917200" cy="648000"/>
+          </a:xfrm>
+        </p:spPr>
+        <p:txBody>
+          <a:bodyPr/>
+          <a:lstStyle/>
+          <a:p>
+            <a:pPr algn="l">
+              <a:lnSpc>
+                <a:spcPct val="90000"/>
+              </a:lnSpc>
+              <a:defRPr/>
+            </a:pPr>
+            <a:endParaRPr lang="en-US" sz="3600" dirty="0">
+              <a:solidFill>
+                <a:schemeClr val="tx1">
+                  <a:lumMod val="75000"/>
+                  <a:lumOff val="25000"/>
+                </a:schemeClr>
+              </a:solidFill>
+              <a:latin typeface="MS PGothic" panose="020B0600070205080204" pitchFamily="34" charset="-128"/>
+              <a:ea typeface="MS PGothic" panose="020B0600070205080204" pitchFamily="34" charset="-128"/>
+            </a:endParaRPr>
+          </a:p>
+        </p:txBody>
+      </p:sp>
+    </p:spTree>
+    <p:extLst>
+      <p:ext uri="{BB962C8B-B14F-4D97-AF65-F5344CB8AC3E}">
+        <p14:creationId xmlns:p14="http://schemas.microsoft.com/office/powerpoint/2010/main" val="805392739"/>
+      </p:ext>
+    </p:extLst>
+  </p:cSld>
+  <p:clrMapOvr>
+    <a:masterClrMapping/>
+  </p:clrMapOvr>
+</p:sld>
+</file>
+
+<file path=ppt/slides/slide88.xml><?xml version="1.0" encoding="utf-8"?>
+<p:sld xmlns:a="http://schemas.openxmlformats.org/drawingml/2006/main" xmlns:r="http://schemas.openxmlformats.org/officeDocument/2006/relationships" xmlns:p="http://schemas.openxmlformats.org/presentationml/2006/main">
+  <p:cSld>
+    <p:spTree>
+      <p:nvGrpSpPr>
+        <p:cNvPr id="1" name=""/>
+        <p:cNvGrpSpPr/>
+        <p:nvPr/>
+      </p:nvGrpSpPr>
+      <p:grpSpPr>
+        <a:xfrm>
+          <a:off x="0" y="0"/>
+          <a:ext cx="0" cy="0"/>
+          <a:chOff x="0" y="0"/>
+          <a:chExt cx="0" cy="0"/>
+        </a:xfrm>
+      </p:grpSpPr>
+      <p:sp>
+        <p:nvSpPr>
+          <p:cNvPr id="3" name="TextBox 2">
+            <a:extLst>
+              <a:ext uri="{FF2B5EF4-FFF2-40B4-BE49-F238E27FC236}">
+                <a16:creationId xmlns:a16="http://schemas.microsoft.com/office/drawing/2014/main" id="{CAC89241-8DEF-4A64-B416-7FEDEACAEAA8}"/>
+              </a:ext>
+            </a:extLst>
+          </p:cNvPr>
+          <p:cNvSpPr txBox="1"/>
+          <p:nvPr/>
+        </p:nvSpPr>
+        <p:spPr>
+          <a:xfrm>
+            <a:off x="98474" y="127000"/>
+            <a:ext cx="8918526" cy="646331"/>
+          </a:xfrm>
+          <a:prstGeom prst="rect">
+            <a:avLst/>
+          </a:prstGeom>
+          <a:noFill/>
+        </p:spPr>
+        <p:txBody>
+          <a:bodyPr vert="horz" wrap="square" rtlCol="0">
+            <a:spAutoFit/>
+          </a:bodyPr>
+          <a:lstStyle/>
+          <a:p>
+            <a:endParaRPr lang="en-US" sz="3600" dirty="0"/>
+          </a:p>
+        </p:txBody>
+      </p:sp>
+      <p:sp>
+        <p:nvSpPr>
+          <p:cNvPr id="6" name="Title 1">
+            <a:extLst>
+              <a:ext uri="{FF2B5EF4-FFF2-40B4-BE49-F238E27FC236}">
+                <a16:creationId xmlns:a16="http://schemas.microsoft.com/office/drawing/2014/main" id="{5FB3CCF4-1DC4-43A7-8B39-459BC2520CE3}"/>
+              </a:ext>
+            </a:extLst>
+          </p:cNvPr>
+          <p:cNvSpPr>
+            <a:spLocks noGrp="1"/>
+          </p:cNvSpPr>
+          <p:nvPr>
+            <p:ph type="title"/>
+          </p:nvPr>
+        </p:nvSpPr>
+        <p:spPr>
+          <a:xfrm>
+            <a:off x="97200" y="126000"/>
+            <a:ext cx="8917200" cy="648000"/>
+          </a:xfrm>
+        </p:spPr>
+        <p:txBody>
+          <a:bodyPr/>
+          <a:lstStyle/>
+          <a:p>
+            <a:pPr algn="l">
+              <a:lnSpc>
+                <a:spcPct val="90000"/>
+              </a:lnSpc>
+              <a:defRPr/>
+            </a:pPr>
+            <a:endParaRPr lang="en-US" sz="3600" dirty="0">
+              <a:solidFill>
+                <a:schemeClr val="tx1">
+                  <a:lumMod val="75000"/>
+                  <a:lumOff val="25000"/>
+                </a:schemeClr>
+              </a:solidFill>
+              <a:latin typeface="MS PGothic" panose="020B0600070205080204" pitchFamily="34" charset="-128"/>
+              <a:ea typeface="MS PGothic" panose="020B0600070205080204" pitchFamily="34" charset="-128"/>
+            </a:endParaRPr>
+          </a:p>
+        </p:txBody>
+      </p:sp>
+    </p:spTree>
+    <p:extLst>
+      <p:ext uri="{BB962C8B-B14F-4D97-AF65-F5344CB8AC3E}">
+        <p14:creationId xmlns:p14="http://schemas.microsoft.com/office/powerpoint/2010/main" val="3047804535"/>
+      </p:ext>
+    </p:extLst>
+  </p:cSld>
+  <p:clrMapOvr>
+    <a:masterClrMapping/>
+  </p:clrMapOvr>
+</p:sld>
+</file>
+
+<file path=ppt/slides/slide89.xml><?xml version="1.0" encoding="utf-8"?>
+<p:sld xmlns:a="http://schemas.openxmlformats.org/drawingml/2006/main" xmlns:r="http://schemas.openxmlformats.org/officeDocument/2006/relationships" xmlns:p="http://schemas.openxmlformats.org/presentationml/2006/main">
+  <p:cSld>
+    <p:spTree>
+      <p:nvGrpSpPr>
+        <p:cNvPr id="1" name=""/>
+        <p:cNvGrpSpPr/>
+        <p:nvPr/>
+      </p:nvGrpSpPr>
+      <p:grpSpPr>
+        <a:xfrm>
+          <a:off x="0" y="0"/>
+          <a:ext cx="0" cy="0"/>
+          <a:chOff x="0" y="0"/>
+          <a:chExt cx="0" cy="0"/>
+        </a:xfrm>
+      </p:grpSpPr>
+      <p:sp>
+        <p:nvSpPr>
+          <p:cNvPr id="3" name="TextBox 2">
+            <a:extLst>
+              <a:ext uri="{FF2B5EF4-FFF2-40B4-BE49-F238E27FC236}">
+                <a16:creationId xmlns:a16="http://schemas.microsoft.com/office/drawing/2014/main" id="{CAC89241-8DEF-4A64-B416-7FEDEACAEAA8}"/>
+              </a:ext>
+            </a:extLst>
+          </p:cNvPr>
+          <p:cNvSpPr txBox="1"/>
+          <p:nvPr/>
+        </p:nvSpPr>
+        <p:spPr>
+          <a:xfrm>
+            <a:off x="98474" y="127000"/>
+            <a:ext cx="8918526" cy="646331"/>
+          </a:xfrm>
+          <a:prstGeom prst="rect">
+            <a:avLst/>
+          </a:prstGeom>
+          <a:noFill/>
+        </p:spPr>
+        <p:txBody>
+          <a:bodyPr vert="horz" wrap="square" rtlCol="0">
+            <a:spAutoFit/>
+          </a:bodyPr>
+          <a:lstStyle/>
+          <a:p>
+            <a:endParaRPr lang="en-US" sz="3600" dirty="0"/>
+          </a:p>
+        </p:txBody>
+      </p:sp>
+      <p:sp>
+        <p:nvSpPr>
+          <p:cNvPr id="6" name="Title 1">
+            <a:extLst>
+              <a:ext uri="{FF2B5EF4-FFF2-40B4-BE49-F238E27FC236}">
+                <a16:creationId xmlns:a16="http://schemas.microsoft.com/office/drawing/2014/main" id="{5FB3CCF4-1DC4-43A7-8B39-459BC2520CE3}"/>
+              </a:ext>
+            </a:extLst>
+          </p:cNvPr>
+          <p:cNvSpPr>
+            <a:spLocks noGrp="1"/>
+          </p:cNvSpPr>
+          <p:nvPr>
+            <p:ph type="title"/>
+          </p:nvPr>
+        </p:nvSpPr>
+        <p:spPr>
+          <a:xfrm>
+            <a:off x="97200" y="126000"/>
+            <a:ext cx="8917200" cy="648000"/>
+          </a:xfrm>
+        </p:spPr>
+        <p:txBody>
+          <a:bodyPr/>
+          <a:lstStyle/>
+          <a:p>
+            <a:pPr algn="l">
+              <a:lnSpc>
+                <a:spcPct val="90000"/>
+              </a:lnSpc>
+              <a:defRPr/>
+            </a:pPr>
+            <a:endParaRPr lang="en-US" sz="3600" dirty="0">
+              <a:solidFill>
+                <a:schemeClr val="tx1">
+                  <a:lumMod val="75000"/>
+                  <a:lumOff val="25000"/>
+                </a:schemeClr>
+              </a:solidFill>
+              <a:latin typeface="MS PGothic" panose="020B0600070205080204" pitchFamily="34" charset="-128"/>
+              <a:ea typeface="MS PGothic" panose="020B0600070205080204" pitchFamily="34" charset="-128"/>
+            </a:endParaRPr>
+          </a:p>
+        </p:txBody>
+      </p:sp>
+    </p:spTree>
+    <p:extLst>
+      <p:ext uri="{BB962C8B-B14F-4D97-AF65-F5344CB8AC3E}">
+        <p14:creationId xmlns:p14="http://schemas.microsoft.com/office/powerpoint/2010/main" val="1701370829"/>
       </p:ext>
     </p:extLst>
   </p:cSld>
@@ -22557,8 +22998,8 @@
         </p:nvSpPr>
         <p:spPr>
           <a:xfrm>
-            <a:off x="479336" y="548752"/>
-            <a:ext cx="8229600" cy="648000"/>
+            <a:off x="97200" y="126000"/>
+            <a:ext cx="8917200" cy="648000"/>
           </a:xfrm>
         </p:spPr>
         <p:txBody>
@@ -22578,47 +23019,1086 @@
                   <a:lumOff val="25000"/>
                 </a:schemeClr>
               </a:solidFill>
-              <a:latin typeface="Calibri" panose="020F0502020204030204" pitchFamily="34" charset="0"/>
+              <a:latin typeface="MS PGothic" panose="020B0600070205080204" pitchFamily="34" charset="-128"/>
               <a:ea typeface="MS PGothic" panose="020B0600070205080204" pitchFamily="34" charset="-128"/>
-              <a:cs typeface="Calibri" panose="020F0502020204030204" pitchFamily="34" charset="0"/>
             </a:endParaRPr>
           </a:p>
         </p:txBody>
       </p:sp>
-      <p:sp>
-        <p:nvSpPr>
-          <p:cNvPr id="7" name="Content Placeholder 1">
+    </p:spTree>
+    <p:extLst>
+      <p:ext uri="{BB962C8B-B14F-4D97-AF65-F5344CB8AC3E}">
+        <p14:creationId xmlns:p14="http://schemas.microsoft.com/office/powerpoint/2010/main" val="3367162419"/>
+      </p:ext>
+    </p:extLst>
+  </p:cSld>
+  <p:clrMapOvr>
+    <a:masterClrMapping/>
+  </p:clrMapOvr>
+</p:sld>
+</file>
+
+<file path=ppt/slides/slide90.xml><?xml version="1.0" encoding="utf-8"?>
+<p:sld xmlns:a="http://schemas.openxmlformats.org/drawingml/2006/main" xmlns:r="http://schemas.openxmlformats.org/officeDocument/2006/relationships" xmlns:p="http://schemas.openxmlformats.org/presentationml/2006/main">
+  <p:cSld>
+    <p:spTree>
+      <p:nvGrpSpPr>
+        <p:cNvPr id="1" name=""/>
+        <p:cNvGrpSpPr/>
+        <p:nvPr/>
+      </p:nvGrpSpPr>
+      <p:grpSpPr>
+        <a:xfrm>
+          <a:off x="0" y="0"/>
+          <a:ext cx="0" cy="0"/>
+          <a:chOff x="0" y="0"/>
+          <a:chExt cx="0" cy="0"/>
+        </a:xfrm>
+      </p:grpSpPr>
+      <p:sp>
+        <p:nvSpPr>
+          <p:cNvPr id="3" name="TextBox 2">
             <a:extLst>
               <a:ext uri="{FF2B5EF4-FFF2-40B4-BE49-F238E27FC236}">
-                <a16:creationId xmlns:a16="http://schemas.microsoft.com/office/drawing/2014/main" id="{A72BB791-A951-40D7-9201-6888E462357B}"/>
+                <a16:creationId xmlns:a16="http://schemas.microsoft.com/office/drawing/2014/main" id="{CAC89241-8DEF-4A64-B416-7FEDEACAEAA8}"/>
               </a:ext>
             </a:extLst>
           </p:cNvPr>
-          <p:cNvSpPr>
-            <a:spLocks noGrp="1"/>
-          </p:cNvSpPr>
-          <p:nvPr>
-            <p:ph idx="1"/>
-          </p:nvPr>
+          <p:cNvSpPr txBox="1"/>
+          <p:nvPr/>
         </p:nvSpPr>
         <p:spPr>
           <a:xfrm>
-            <a:off x="457200" y="1600200"/>
-            <a:ext cx="8229600" cy="4525963"/>
+            <a:off x="98474" y="127000"/>
+            <a:ext cx="8918526" cy="646331"/>
+          </a:xfrm>
+          <a:prstGeom prst="rect">
+            <a:avLst/>
+          </a:prstGeom>
+          <a:noFill/>
+        </p:spPr>
+        <p:txBody>
+          <a:bodyPr vert="horz" wrap="square" rtlCol="0">
+            <a:spAutoFit/>
+          </a:bodyPr>
+          <a:lstStyle/>
+          <a:p>
+            <a:endParaRPr lang="en-US" sz="3600" dirty="0"/>
+          </a:p>
+        </p:txBody>
+      </p:sp>
+      <p:sp>
+        <p:nvSpPr>
+          <p:cNvPr id="6" name="Title 1">
+            <a:extLst>
+              <a:ext uri="{FF2B5EF4-FFF2-40B4-BE49-F238E27FC236}">
+                <a16:creationId xmlns:a16="http://schemas.microsoft.com/office/drawing/2014/main" id="{5FB3CCF4-1DC4-43A7-8B39-459BC2520CE3}"/>
+              </a:ext>
+            </a:extLst>
+          </p:cNvPr>
+          <p:cNvSpPr>
+            <a:spLocks noGrp="1"/>
+          </p:cNvSpPr>
+          <p:nvPr>
+            <p:ph type="title"/>
+          </p:nvPr>
+        </p:nvSpPr>
+        <p:spPr>
+          <a:xfrm>
+            <a:off x="97200" y="126000"/>
+            <a:ext cx="8917200" cy="648000"/>
           </a:xfrm>
         </p:spPr>
         <p:txBody>
           <a:bodyPr/>
           <a:lstStyle/>
           <a:p>
-            <a:endParaRPr kumimoji="1" lang="ja-JP" altLang="en-US"/>
+            <a:pPr algn="l">
+              <a:lnSpc>
+                <a:spcPct val="90000"/>
+              </a:lnSpc>
+              <a:defRPr/>
+            </a:pPr>
+            <a:endParaRPr lang="en-US" sz="3600" dirty="0">
+              <a:solidFill>
+                <a:schemeClr val="tx1">
+                  <a:lumMod val="75000"/>
+                  <a:lumOff val="25000"/>
+                </a:schemeClr>
+              </a:solidFill>
+              <a:latin typeface="MS PGothic" panose="020B0600070205080204" pitchFamily="34" charset="-128"/>
+              <a:ea typeface="MS PGothic" panose="020B0600070205080204" pitchFamily="34" charset="-128"/>
+            </a:endParaRPr>
           </a:p>
         </p:txBody>
       </p:sp>
     </p:spTree>
     <p:extLst>
       <p:ext uri="{BB962C8B-B14F-4D97-AF65-F5344CB8AC3E}">
-        <p14:creationId xmlns:p14="http://schemas.microsoft.com/office/powerpoint/2010/main" val="4105773584"/>
+        <p14:creationId xmlns:p14="http://schemas.microsoft.com/office/powerpoint/2010/main" val="2889110857"/>
+      </p:ext>
+    </p:extLst>
+  </p:cSld>
+  <p:clrMapOvr>
+    <a:masterClrMapping/>
+  </p:clrMapOvr>
+</p:sld>
+</file>
+
+<file path=ppt/slides/slide91.xml><?xml version="1.0" encoding="utf-8"?>
+<p:sld xmlns:a="http://schemas.openxmlformats.org/drawingml/2006/main" xmlns:r="http://schemas.openxmlformats.org/officeDocument/2006/relationships" xmlns:p="http://schemas.openxmlformats.org/presentationml/2006/main">
+  <p:cSld>
+    <p:spTree>
+      <p:nvGrpSpPr>
+        <p:cNvPr id="1" name=""/>
+        <p:cNvGrpSpPr/>
+        <p:nvPr/>
+      </p:nvGrpSpPr>
+      <p:grpSpPr>
+        <a:xfrm>
+          <a:off x="0" y="0"/>
+          <a:ext cx="0" cy="0"/>
+          <a:chOff x="0" y="0"/>
+          <a:chExt cx="0" cy="0"/>
+        </a:xfrm>
+      </p:grpSpPr>
+      <p:sp>
+        <p:nvSpPr>
+          <p:cNvPr id="3" name="TextBox 2">
+            <a:extLst>
+              <a:ext uri="{FF2B5EF4-FFF2-40B4-BE49-F238E27FC236}">
+                <a16:creationId xmlns:a16="http://schemas.microsoft.com/office/drawing/2014/main" id="{CAC89241-8DEF-4A64-B416-7FEDEACAEAA8}"/>
+              </a:ext>
+            </a:extLst>
+          </p:cNvPr>
+          <p:cNvSpPr txBox="1"/>
+          <p:nvPr/>
+        </p:nvSpPr>
+        <p:spPr>
+          <a:xfrm>
+            <a:off x="98474" y="127000"/>
+            <a:ext cx="8918526" cy="646331"/>
+          </a:xfrm>
+          <a:prstGeom prst="rect">
+            <a:avLst/>
+          </a:prstGeom>
+          <a:noFill/>
+        </p:spPr>
+        <p:txBody>
+          <a:bodyPr vert="horz" wrap="square" rtlCol="0">
+            <a:spAutoFit/>
+          </a:bodyPr>
+          <a:lstStyle/>
+          <a:p>
+            <a:endParaRPr lang="en-US" sz="3600" dirty="0"/>
+          </a:p>
+        </p:txBody>
+      </p:sp>
+      <p:sp>
+        <p:nvSpPr>
+          <p:cNvPr id="6" name="Title 1">
+            <a:extLst>
+              <a:ext uri="{FF2B5EF4-FFF2-40B4-BE49-F238E27FC236}">
+                <a16:creationId xmlns:a16="http://schemas.microsoft.com/office/drawing/2014/main" id="{5FB3CCF4-1DC4-43A7-8B39-459BC2520CE3}"/>
+              </a:ext>
+            </a:extLst>
+          </p:cNvPr>
+          <p:cNvSpPr>
+            <a:spLocks noGrp="1"/>
+          </p:cNvSpPr>
+          <p:nvPr>
+            <p:ph type="title"/>
+          </p:nvPr>
+        </p:nvSpPr>
+        <p:spPr>
+          <a:xfrm>
+            <a:off x="97200" y="126000"/>
+            <a:ext cx="8917200" cy="648000"/>
+          </a:xfrm>
+        </p:spPr>
+        <p:txBody>
+          <a:bodyPr/>
+          <a:lstStyle/>
+          <a:p>
+            <a:pPr algn="l">
+              <a:lnSpc>
+                <a:spcPct val="90000"/>
+              </a:lnSpc>
+              <a:defRPr/>
+            </a:pPr>
+            <a:endParaRPr lang="en-US" sz="3600" dirty="0">
+              <a:solidFill>
+                <a:schemeClr val="tx1">
+                  <a:lumMod val="75000"/>
+                  <a:lumOff val="25000"/>
+                </a:schemeClr>
+              </a:solidFill>
+              <a:latin typeface="MS PGothic" panose="020B0600070205080204" pitchFamily="34" charset="-128"/>
+              <a:ea typeface="MS PGothic" panose="020B0600070205080204" pitchFamily="34" charset="-128"/>
+            </a:endParaRPr>
+          </a:p>
+        </p:txBody>
+      </p:sp>
+    </p:spTree>
+    <p:extLst>
+      <p:ext uri="{BB962C8B-B14F-4D97-AF65-F5344CB8AC3E}">
+        <p14:creationId xmlns:p14="http://schemas.microsoft.com/office/powerpoint/2010/main" val="3008769909"/>
+      </p:ext>
+    </p:extLst>
+  </p:cSld>
+  <p:clrMapOvr>
+    <a:masterClrMapping/>
+  </p:clrMapOvr>
+</p:sld>
+</file>
+
+<file path=ppt/slides/slide92.xml><?xml version="1.0" encoding="utf-8"?>
+<p:sld xmlns:a="http://schemas.openxmlformats.org/drawingml/2006/main" xmlns:r="http://schemas.openxmlformats.org/officeDocument/2006/relationships" xmlns:p="http://schemas.openxmlformats.org/presentationml/2006/main">
+  <p:cSld>
+    <p:spTree>
+      <p:nvGrpSpPr>
+        <p:cNvPr id="1" name=""/>
+        <p:cNvGrpSpPr/>
+        <p:nvPr/>
+      </p:nvGrpSpPr>
+      <p:grpSpPr>
+        <a:xfrm>
+          <a:off x="0" y="0"/>
+          <a:ext cx="0" cy="0"/>
+          <a:chOff x="0" y="0"/>
+          <a:chExt cx="0" cy="0"/>
+        </a:xfrm>
+      </p:grpSpPr>
+      <p:sp>
+        <p:nvSpPr>
+          <p:cNvPr id="3" name="TextBox 2">
+            <a:extLst>
+              <a:ext uri="{FF2B5EF4-FFF2-40B4-BE49-F238E27FC236}">
+                <a16:creationId xmlns:a16="http://schemas.microsoft.com/office/drawing/2014/main" id="{CAC89241-8DEF-4A64-B416-7FEDEACAEAA8}"/>
+              </a:ext>
+            </a:extLst>
+          </p:cNvPr>
+          <p:cNvSpPr txBox="1"/>
+          <p:nvPr/>
+        </p:nvSpPr>
+        <p:spPr>
+          <a:xfrm>
+            <a:off x="98474" y="127000"/>
+            <a:ext cx="8918526" cy="646331"/>
+          </a:xfrm>
+          <a:prstGeom prst="rect">
+            <a:avLst/>
+          </a:prstGeom>
+          <a:noFill/>
+        </p:spPr>
+        <p:txBody>
+          <a:bodyPr vert="horz" wrap="square" rtlCol="0">
+            <a:spAutoFit/>
+          </a:bodyPr>
+          <a:lstStyle/>
+          <a:p>
+            <a:endParaRPr lang="en-US" sz="3600" dirty="0"/>
+          </a:p>
+        </p:txBody>
+      </p:sp>
+      <p:sp>
+        <p:nvSpPr>
+          <p:cNvPr id="6" name="Title 1">
+            <a:extLst>
+              <a:ext uri="{FF2B5EF4-FFF2-40B4-BE49-F238E27FC236}">
+                <a16:creationId xmlns:a16="http://schemas.microsoft.com/office/drawing/2014/main" id="{5FB3CCF4-1DC4-43A7-8B39-459BC2520CE3}"/>
+              </a:ext>
+            </a:extLst>
+          </p:cNvPr>
+          <p:cNvSpPr>
+            <a:spLocks noGrp="1"/>
+          </p:cNvSpPr>
+          <p:nvPr>
+            <p:ph type="title"/>
+          </p:nvPr>
+        </p:nvSpPr>
+        <p:spPr>
+          <a:xfrm>
+            <a:off x="97200" y="126000"/>
+            <a:ext cx="8917200" cy="648000"/>
+          </a:xfrm>
+        </p:spPr>
+        <p:txBody>
+          <a:bodyPr/>
+          <a:lstStyle/>
+          <a:p>
+            <a:pPr algn="l">
+              <a:lnSpc>
+                <a:spcPct val="90000"/>
+              </a:lnSpc>
+              <a:defRPr/>
+            </a:pPr>
+            <a:endParaRPr lang="en-US" sz="3600" dirty="0">
+              <a:solidFill>
+                <a:schemeClr val="tx1">
+                  <a:lumMod val="75000"/>
+                  <a:lumOff val="25000"/>
+                </a:schemeClr>
+              </a:solidFill>
+              <a:latin typeface="MS PGothic" panose="020B0600070205080204" pitchFamily="34" charset="-128"/>
+              <a:ea typeface="MS PGothic" panose="020B0600070205080204" pitchFamily="34" charset="-128"/>
+            </a:endParaRPr>
+          </a:p>
+        </p:txBody>
+      </p:sp>
+    </p:spTree>
+    <p:extLst>
+      <p:ext uri="{BB962C8B-B14F-4D97-AF65-F5344CB8AC3E}">
+        <p14:creationId xmlns:p14="http://schemas.microsoft.com/office/powerpoint/2010/main" val="1655079471"/>
+      </p:ext>
+    </p:extLst>
+  </p:cSld>
+  <p:clrMapOvr>
+    <a:masterClrMapping/>
+  </p:clrMapOvr>
+</p:sld>
+</file>
+
+<file path=ppt/slides/slide93.xml><?xml version="1.0" encoding="utf-8"?>
+<p:sld xmlns:a="http://schemas.openxmlformats.org/drawingml/2006/main" xmlns:r="http://schemas.openxmlformats.org/officeDocument/2006/relationships" xmlns:p="http://schemas.openxmlformats.org/presentationml/2006/main">
+  <p:cSld>
+    <p:spTree>
+      <p:nvGrpSpPr>
+        <p:cNvPr id="1" name=""/>
+        <p:cNvGrpSpPr/>
+        <p:nvPr/>
+      </p:nvGrpSpPr>
+      <p:grpSpPr>
+        <a:xfrm>
+          <a:off x="0" y="0"/>
+          <a:ext cx="0" cy="0"/>
+          <a:chOff x="0" y="0"/>
+          <a:chExt cx="0" cy="0"/>
+        </a:xfrm>
+      </p:grpSpPr>
+      <p:sp>
+        <p:nvSpPr>
+          <p:cNvPr id="3" name="TextBox 2">
+            <a:extLst>
+              <a:ext uri="{FF2B5EF4-FFF2-40B4-BE49-F238E27FC236}">
+                <a16:creationId xmlns:a16="http://schemas.microsoft.com/office/drawing/2014/main" id="{CAC89241-8DEF-4A64-B416-7FEDEACAEAA8}"/>
+              </a:ext>
+            </a:extLst>
+          </p:cNvPr>
+          <p:cNvSpPr txBox="1"/>
+          <p:nvPr/>
+        </p:nvSpPr>
+        <p:spPr>
+          <a:xfrm>
+            <a:off x="98474" y="127000"/>
+            <a:ext cx="8918526" cy="646331"/>
+          </a:xfrm>
+          <a:prstGeom prst="rect">
+            <a:avLst/>
+          </a:prstGeom>
+          <a:noFill/>
+        </p:spPr>
+        <p:txBody>
+          <a:bodyPr vert="horz" wrap="square" rtlCol="0">
+            <a:spAutoFit/>
+          </a:bodyPr>
+          <a:lstStyle/>
+          <a:p>
+            <a:endParaRPr lang="en-US" sz="3600" dirty="0"/>
+          </a:p>
+        </p:txBody>
+      </p:sp>
+      <p:sp>
+        <p:nvSpPr>
+          <p:cNvPr id="6" name="Title 1">
+            <a:extLst>
+              <a:ext uri="{FF2B5EF4-FFF2-40B4-BE49-F238E27FC236}">
+                <a16:creationId xmlns:a16="http://schemas.microsoft.com/office/drawing/2014/main" id="{5FB3CCF4-1DC4-43A7-8B39-459BC2520CE3}"/>
+              </a:ext>
+            </a:extLst>
+          </p:cNvPr>
+          <p:cNvSpPr>
+            <a:spLocks noGrp="1"/>
+          </p:cNvSpPr>
+          <p:nvPr>
+            <p:ph type="title"/>
+          </p:nvPr>
+        </p:nvSpPr>
+        <p:spPr>
+          <a:xfrm>
+            <a:off x="97200" y="126000"/>
+            <a:ext cx="8917200" cy="648000"/>
+          </a:xfrm>
+        </p:spPr>
+        <p:txBody>
+          <a:bodyPr/>
+          <a:lstStyle/>
+          <a:p>
+            <a:pPr algn="l">
+              <a:lnSpc>
+                <a:spcPct val="90000"/>
+              </a:lnSpc>
+              <a:defRPr/>
+            </a:pPr>
+            <a:endParaRPr lang="en-US" sz="3600" dirty="0">
+              <a:solidFill>
+                <a:schemeClr val="tx1">
+                  <a:lumMod val="75000"/>
+                  <a:lumOff val="25000"/>
+                </a:schemeClr>
+              </a:solidFill>
+              <a:latin typeface="MS PGothic" panose="020B0600070205080204" pitchFamily="34" charset="-128"/>
+              <a:ea typeface="MS PGothic" panose="020B0600070205080204" pitchFamily="34" charset="-128"/>
+            </a:endParaRPr>
+          </a:p>
+        </p:txBody>
+      </p:sp>
+    </p:spTree>
+    <p:extLst>
+      <p:ext uri="{BB962C8B-B14F-4D97-AF65-F5344CB8AC3E}">
+        <p14:creationId xmlns:p14="http://schemas.microsoft.com/office/powerpoint/2010/main" val="2841086675"/>
+      </p:ext>
+    </p:extLst>
+  </p:cSld>
+  <p:clrMapOvr>
+    <a:masterClrMapping/>
+  </p:clrMapOvr>
+</p:sld>
+</file>
+
+<file path=ppt/slides/slide94.xml><?xml version="1.0" encoding="utf-8"?>
+<p:sld xmlns:a="http://schemas.openxmlformats.org/drawingml/2006/main" xmlns:r="http://schemas.openxmlformats.org/officeDocument/2006/relationships" xmlns:p="http://schemas.openxmlformats.org/presentationml/2006/main">
+  <p:cSld>
+    <p:spTree>
+      <p:nvGrpSpPr>
+        <p:cNvPr id="1" name=""/>
+        <p:cNvGrpSpPr/>
+        <p:nvPr/>
+      </p:nvGrpSpPr>
+      <p:grpSpPr>
+        <a:xfrm>
+          <a:off x="0" y="0"/>
+          <a:ext cx="0" cy="0"/>
+          <a:chOff x="0" y="0"/>
+          <a:chExt cx="0" cy="0"/>
+        </a:xfrm>
+      </p:grpSpPr>
+      <p:sp>
+        <p:nvSpPr>
+          <p:cNvPr id="3" name="TextBox 2">
+            <a:extLst>
+              <a:ext uri="{FF2B5EF4-FFF2-40B4-BE49-F238E27FC236}">
+                <a16:creationId xmlns:a16="http://schemas.microsoft.com/office/drawing/2014/main" id="{CAC89241-8DEF-4A64-B416-7FEDEACAEAA8}"/>
+              </a:ext>
+            </a:extLst>
+          </p:cNvPr>
+          <p:cNvSpPr txBox="1"/>
+          <p:nvPr/>
+        </p:nvSpPr>
+        <p:spPr>
+          <a:xfrm>
+            <a:off x="98474" y="127000"/>
+            <a:ext cx="8918526" cy="646331"/>
+          </a:xfrm>
+          <a:prstGeom prst="rect">
+            <a:avLst/>
+          </a:prstGeom>
+          <a:noFill/>
+        </p:spPr>
+        <p:txBody>
+          <a:bodyPr vert="horz" wrap="square" rtlCol="0">
+            <a:spAutoFit/>
+          </a:bodyPr>
+          <a:lstStyle/>
+          <a:p>
+            <a:endParaRPr lang="en-US" sz="3600" dirty="0"/>
+          </a:p>
+        </p:txBody>
+      </p:sp>
+      <p:sp>
+        <p:nvSpPr>
+          <p:cNvPr id="6" name="Title 1">
+            <a:extLst>
+              <a:ext uri="{FF2B5EF4-FFF2-40B4-BE49-F238E27FC236}">
+                <a16:creationId xmlns:a16="http://schemas.microsoft.com/office/drawing/2014/main" id="{5FB3CCF4-1DC4-43A7-8B39-459BC2520CE3}"/>
+              </a:ext>
+            </a:extLst>
+          </p:cNvPr>
+          <p:cNvSpPr>
+            <a:spLocks noGrp="1"/>
+          </p:cNvSpPr>
+          <p:nvPr>
+            <p:ph type="title"/>
+          </p:nvPr>
+        </p:nvSpPr>
+        <p:spPr>
+          <a:xfrm>
+            <a:off x="97200" y="126000"/>
+            <a:ext cx="8917200" cy="648000"/>
+          </a:xfrm>
+        </p:spPr>
+        <p:txBody>
+          <a:bodyPr/>
+          <a:lstStyle/>
+          <a:p>
+            <a:pPr algn="l">
+              <a:lnSpc>
+                <a:spcPct val="90000"/>
+              </a:lnSpc>
+              <a:defRPr/>
+            </a:pPr>
+            <a:endParaRPr lang="en-US" sz="3600" dirty="0">
+              <a:solidFill>
+                <a:schemeClr val="tx1">
+                  <a:lumMod val="75000"/>
+                  <a:lumOff val="25000"/>
+                </a:schemeClr>
+              </a:solidFill>
+              <a:latin typeface="MS PGothic" panose="020B0600070205080204" pitchFamily="34" charset="-128"/>
+              <a:ea typeface="MS PGothic" panose="020B0600070205080204" pitchFamily="34" charset="-128"/>
+            </a:endParaRPr>
+          </a:p>
+        </p:txBody>
+      </p:sp>
+    </p:spTree>
+    <p:extLst>
+      <p:ext uri="{BB962C8B-B14F-4D97-AF65-F5344CB8AC3E}">
+        <p14:creationId xmlns:p14="http://schemas.microsoft.com/office/powerpoint/2010/main" val="337132535"/>
+      </p:ext>
+    </p:extLst>
+  </p:cSld>
+  <p:clrMapOvr>
+    <a:masterClrMapping/>
+  </p:clrMapOvr>
+</p:sld>
+</file>
+
+<file path=ppt/slides/slide95.xml><?xml version="1.0" encoding="utf-8"?>
+<p:sld xmlns:a="http://schemas.openxmlformats.org/drawingml/2006/main" xmlns:r="http://schemas.openxmlformats.org/officeDocument/2006/relationships" xmlns:p="http://schemas.openxmlformats.org/presentationml/2006/main">
+  <p:cSld>
+    <p:spTree>
+      <p:nvGrpSpPr>
+        <p:cNvPr id="1" name=""/>
+        <p:cNvGrpSpPr/>
+        <p:nvPr/>
+      </p:nvGrpSpPr>
+      <p:grpSpPr>
+        <a:xfrm>
+          <a:off x="0" y="0"/>
+          <a:ext cx="0" cy="0"/>
+          <a:chOff x="0" y="0"/>
+          <a:chExt cx="0" cy="0"/>
+        </a:xfrm>
+      </p:grpSpPr>
+      <p:sp>
+        <p:nvSpPr>
+          <p:cNvPr id="3" name="TextBox 2">
+            <a:extLst>
+              <a:ext uri="{FF2B5EF4-FFF2-40B4-BE49-F238E27FC236}">
+                <a16:creationId xmlns:a16="http://schemas.microsoft.com/office/drawing/2014/main" id="{CAC89241-8DEF-4A64-B416-7FEDEACAEAA8}"/>
+              </a:ext>
+            </a:extLst>
+          </p:cNvPr>
+          <p:cNvSpPr txBox="1"/>
+          <p:nvPr/>
+        </p:nvSpPr>
+        <p:spPr>
+          <a:xfrm>
+            <a:off x="98474" y="127000"/>
+            <a:ext cx="8918526" cy="646331"/>
+          </a:xfrm>
+          <a:prstGeom prst="rect">
+            <a:avLst/>
+          </a:prstGeom>
+          <a:noFill/>
+        </p:spPr>
+        <p:txBody>
+          <a:bodyPr vert="horz" wrap="square" rtlCol="0">
+            <a:spAutoFit/>
+          </a:bodyPr>
+          <a:lstStyle/>
+          <a:p>
+            <a:endParaRPr lang="en-US" sz="3600" dirty="0"/>
+          </a:p>
+        </p:txBody>
+      </p:sp>
+      <p:sp>
+        <p:nvSpPr>
+          <p:cNvPr id="6" name="Title 1">
+            <a:extLst>
+              <a:ext uri="{FF2B5EF4-FFF2-40B4-BE49-F238E27FC236}">
+                <a16:creationId xmlns:a16="http://schemas.microsoft.com/office/drawing/2014/main" id="{5FB3CCF4-1DC4-43A7-8B39-459BC2520CE3}"/>
+              </a:ext>
+            </a:extLst>
+          </p:cNvPr>
+          <p:cNvSpPr>
+            <a:spLocks noGrp="1"/>
+          </p:cNvSpPr>
+          <p:nvPr>
+            <p:ph type="title"/>
+          </p:nvPr>
+        </p:nvSpPr>
+        <p:spPr>
+          <a:xfrm>
+            <a:off x="97200" y="126000"/>
+            <a:ext cx="8917200" cy="648000"/>
+          </a:xfrm>
+        </p:spPr>
+        <p:txBody>
+          <a:bodyPr/>
+          <a:lstStyle/>
+          <a:p>
+            <a:pPr algn="l">
+              <a:lnSpc>
+                <a:spcPct val="90000"/>
+              </a:lnSpc>
+              <a:defRPr/>
+            </a:pPr>
+            <a:endParaRPr lang="en-US" sz="3600" dirty="0">
+              <a:solidFill>
+                <a:schemeClr val="tx1">
+                  <a:lumMod val="75000"/>
+                  <a:lumOff val="25000"/>
+                </a:schemeClr>
+              </a:solidFill>
+              <a:latin typeface="MS PGothic" panose="020B0600070205080204" pitchFamily="34" charset="-128"/>
+              <a:ea typeface="MS PGothic" panose="020B0600070205080204" pitchFamily="34" charset="-128"/>
+            </a:endParaRPr>
+          </a:p>
+        </p:txBody>
+      </p:sp>
+    </p:spTree>
+    <p:extLst>
+      <p:ext uri="{BB962C8B-B14F-4D97-AF65-F5344CB8AC3E}">
+        <p14:creationId xmlns:p14="http://schemas.microsoft.com/office/powerpoint/2010/main" val="544544958"/>
+      </p:ext>
+    </p:extLst>
+  </p:cSld>
+  <p:clrMapOvr>
+    <a:masterClrMapping/>
+  </p:clrMapOvr>
+</p:sld>
+</file>
+
+<file path=ppt/slides/slide96.xml><?xml version="1.0" encoding="utf-8"?>
+<p:sld xmlns:a="http://schemas.openxmlformats.org/drawingml/2006/main" xmlns:r="http://schemas.openxmlformats.org/officeDocument/2006/relationships" xmlns:p="http://schemas.openxmlformats.org/presentationml/2006/main">
+  <p:cSld>
+    <p:spTree>
+      <p:nvGrpSpPr>
+        <p:cNvPr id="1" name=""/>
+        <p:cNvGrpSpPr/>
+        <p:nvPr/>
+      </p:nvGrpSpPr>
+      <p:grpSpPr>
+        <a:xfrm>
+          <a:off x="0" y="0"/>
+          <a:ext cx="0" cy="0"/>
+          <a:chOff x="0" y="0"/>
+          <a:chExt cx="0" cy="0"/>
+        </a:xfrm>
+      </p:grpSpPr>
+      <p:sp>
+        <p:nvSpPr>
+          <p:cNvPr id="3" name="TextBox 2">
+            <a:extLst>
+              <a:ext uri="{FF2B5EF4-FFF2-40B4-BE49-F238E27FC236}">
+                <a16:creationId xmlns:a16="http://schemas.microsoft.com/office/drawing/2014/main" id="{CAC89241-8DEF-4A64-B416-7FEDEACAEAA8}"/>
+              </a:ext>
+            </a:extLst>
+          </p:cNvPr>
+          <p:cNvSpPr txBox="1"/>
+          <p:nvPr/>
+        </p:nvSpPr>
+        <p:spPr>
+          <a:xfrm>
+            <a:off x="98474" y="127000"/>
+            <a:ext cx="8918526" cy="646331"/>
+          </a:xfrm>
+          <a:prstGeom prst="rect">
+            <a:avLst/>
+          </a:prstGeom>
+          <a:noFill/>
+        </p:spPr>
+        <p:txBody>
+          <a:bodyPr vert="horz" wrap="square" rtlCol="0">
+            <a:spAutoFit/>
+          </a:bodyPr>
+          <a:lstStyle/>
+          <a:p>
+            <a:endParaRPr lang="en-US" sz="3600" dirty="0"/>
+          </a:p>
+        </p:txBody>
+      </p:sp>
+      <p:sp>
+        <p:nvSpPr>
+          <p:cNvPr id="6" name="Title 1">
+            <a:extLst>
+              <a:ext uri="{FF2B5EF4-FFF2-40B4-BE49-F238E27FC236}">
+                <a16:creationId xmlns:a16="http://schemas.microsoft.com/office/drawing/2014/main" id="{5FB3CCF4-1DC4-43A7-8B39-459BC2520CE3}"/>
+              </a:ext>
+            </a:extLst>
+          </p:cNvPr>
+          <p:cNvSpPr>
+            <a:spLocks noGrp="1"/>
+          </p:cNvSpPr>
+          <p:nvPr>
+            <p:ph type="title"/>
+          </p:nvPr>
+        </p:nvSpPr>
+        <p:spPr>
+          <a:xfrm>
+            <a:off x="97200" y="126000"/>
+            <a:ext cx="8917200" cy="648000"/>
+          </a:xfrm>
+        </p:spPr>
+        <p:txBody>
+          <a:bodyPr/>
+          <a:lstStyle/>
+          <a:p>
+            <a:pPr algn="l">
+              <a:lnSpc>
+                <a:spcPct val="90000"/>
+              </a:lnSpc>
+              <a:defRPr/>
+            </a:pPr>
+            <a:endParaRPr lang="en-US" sz="3600" dirty="0">
+              <a:solidFill>
+                <a:schemeClr val="tx1">
+                  <a:lumMod val="75000"/>
+                  <a:lumOff val="25000"/>
+                </a:schemeClr>
+              </a:solidFill>
+              <a:latin typeface="MS PGothic" panose="020B0600070205080204" pitchFamily="34" charset="-128"/>
+              <a:ea typeface="MS PGothic" panose="020B0600070205080204" pitchFamily="34" charset="-128"/>
+            </a:endParaRPr>
+          </a:p>
+        </p:txBody>
+      </p:sp>
+    </p:spTree>
+    <p:extLst>
+      <p:ext uri="{BB962C8B-B14F-4D97-AF65-F5344CB8AC3E}">
+        <p14:creationId xmlns:p14="http://schemas.microsoft.com/office/powerpoint/2010/main" val="2285370632"/>
+      </p:ext>
+    </p:extLst>
+  </p:cSld>
+  <p:clrMapOvr>
+    <a:masterClrMapping/>
+  </p:clrMapOvr>
+</p:sld>
+</file>
+
+<file path=ppt/slides/slide97.xml><?xml version="1.0" encoding="utf-8"?>
+<p:sld xmlns:a="http://schemas.openxmlformats.org/drawingml/2006/main" xmlns:r="http://schemas.openxmlformats.org/officeDocument/2006/relationships" xmlns:p="http://schemas.openxmlformats.org/presentationml/2006/main">
+  <p:cSld>
+    <p:spTree>
+      <p:nvGrpSpPr>
+        <p:cNvPr id="1" name=""/>
+        <p:cNvGrpSpPr/>
+        <p:nvPr/>
+      </p:nvGrpSpPr>
+      <p:grpSpPr>
+        <a:xfrm>
+          <a:off x="0" y="0"/>
+          <a:ext cx="0" cy="0"/>
+          <a:chOff x="0" y="0"/>
+          <a:chExt cx="0" cy="0"/>
+        </a:xfrm>
+      </p:grpSpPr>
+      <p:sp>
+        <p:nvSpPr>
+          <p:cNvPr id="3" name="TextBox 2">
+            <a:extLst>
+              <a:ext uri="{FF2B5EF4-FFF2-40B4-BE49-F238E27FC236}">
+                <a16:creationId xmlns:a16="http://schemas.microsoft.com/office/drawing/2014/main" id="{CAC89241-8DEF-4A64-B416-7FEDEACAEAA8}"/>
+              </a:ext>
+            </a:extLst>
+          </p:cNvPr>
+          <p:cNvSpPr txBox="1"/>
+          <p:nvPr/>
+        </p:nvSpPr>
+        <p:spPr>
+          <a:xfrm>
+            <a:off x="98474" y="127000"/>
+            <a:ext cx="8918526" cy="646331"/>
+          </a:xfrm>
+          <a:prstGeom prst="rect">
+            <a:avLst/>
+          </a:prstGeom>
+          <a:noFill/>
+        </p:spPr>
+        <p:txBody>
+          <a:bodyPr vert="horz" wrap="square" rtlCol="0">
+            <a:spAutoFit/>
+          </a:bodyPr>
+          <a:lstStyle/>
+          <a:p>
+            <a:endParaRPr lang="en-US" sz="3600" dirty="0"/>
+          </a:p>
+        </p:txBody>
+      </p:sp>
+      <p:sp>
+        <p:nvSpPr>
+          <p:cNvPr id="6" name="Title 1">
+            <a:extLst>
+              <a:ext uri="{FF2B5EF4-FFF2-40B4-BE49-F238E27FC236}">
+                <a16:creationId xmlns:a16="http://schemas.microsoft.com/office/drawing/2014/main" id="{5FB3CCF4-1DC4-43A7-8B39-459BC2520CE3}"/>
+              </a:ext>
+            </a:extLst>
+          </p:cNvPr>
+          <p:cNvSpPr>
+            <a:spLocks noGrp="1"/>
+          </p:cNvSpPr>
+          <p:nvPr>
+            <p:ph type="title"/>
+          </p:nvPr>
+        </p:nvSpPr>
+        <p:spPr>
+          <a:xfrm>
+            <a:off x="97200" y="126000"/>
+            <a:ext cx="8917200" cy="648000"/>
+          </a:xfrm>
+        </p:spPr>
+        <p:txBody>
+          <a:bodyPr/>
+          <a:lstStyle/>
+          <a:p>
+            <a:pPr algn="l">
+              <a:lnSpc>
+                <a:spcPct val="90000"/>
+              </a:lnSpc>
+              <a:defRPr/>
+            </a:pPr>
+            <a:endParaRPr lang="en-US" sz="3600" dirty="0">
+              <a:solidFill>
+                <a:schemeClr val="tx1">
+                  <a:lumMod val="75000"/>
+                  <a:lumOff val="25000"/>
+                </a:schemeClr>
+              </a:solidFill>
+              <a:latin typeface="MS PGothic" panose="020B0600070205080204" pitchFamily="34" charset="-128"/>
+              <a:ea typeface="MS PGothic" panose="020B0600070205080204" pitchFamily="34" charset="-128"/>
+            </a:endParaRPr>
+          </a:p>
+        </p:txBody>
+      </p:sp>
+    </p:spTree>
+    <p:extLst>
+      <p:ext uri="{BB962C8B-B14F-4D97-AF65-F5344CB8AC3E}">
+        <p14:creationId xmlns:p14="http://schemas.microsoft.com/office/powerpoint/2010/main" val="3380639831"/>
+      </p:ext>
+    </p:extLst>
+  </p:cSld>
+  <p:clrMapOvr>
+    <a:masterClrMapping/>
+  </p:clrMapOvr>
+</p:sld>
+</file>
+
+<file path=ppt/slides/slide98.xml><?xml version="1.0" encoding="utf-8"?>
+<p:sld xmlns:a="http://schemas.openxmlformats.org/drawingml/2006/main" xmlns:r="http://schemas.openxmlformats.org/officeDocument/2006/relationships" xmlns:p="http://schemas.openxmlformats.org/presentationml/2006/main">
+  <p:cSld>
+    <p:spTree>
+      <p:nvGrpSpPr>
+        <p:cNvPr id="1" name=""/>
+        <p:cNvGrpSpPr/>
+        <p:nvPr/>
+      </p:nvGrpSpPr>
+      <p:grpSpPr>
+        <a:xfrm>
+          <a:off x="0" y="0"/>
+          <a:ext cx="0" cy="0"/>
+          <a:chOff x="0" y="0"/>
+          <a:chExt cx="0" cy="0"/>
+        </a:xfrm>
+      </p:grpSpPr>
+      <p:sp>
+        <p:nvSpPr>
+          <p:cNvPr id="3" name="TextBox 2">
+            <a:extLst>
+              <a:ext uri="{FF2B5EF4-FFF2-40B4-BE49-F238E27FC236}">
+                <a16:creationId xmlns:a16="http://schemas.microsoft.com/office/drawing/2014/main" id="{CAC89241-8DEF-4A64-B416-7FEDEACAEAA8}"/>
+              </a:ext>
+            </a:extLst>
+          </p:cNvPr>
+          <p:cNvSpPr txBox="1"/>
+          <p:nvPr/>
+        </p:nvSpPr>
+        <p:spPr>
+          <a:xfrm>
+            <a:off x="98474" y="127000"/>
+            <a:ext cx="8918526" cy="646331"/>
+          </a:xfrm>
+          <a:prstGeom prst="rect">
+            <a:avLst/>
+          </a:prstGeom>
+          <a:noFill/>
+        </p:spPr>
+        <p:txBody>
+          <a:bodyPr vert="horz" wrap="square" rtlCol="0">
+            <a:spAutoFit/>
+          </a:bodyPr>
+          <a:lstStyle/>
+          <a:p>
+            <a:endParaRPr lang="en-US" sz="3600" dirty="0"/>
+          </a:p>
+        </p:txBody>
+      </p:sp>
+      <p:sp>
+        <p:nvSpPr>
+          <p:cNvPr id="6" name="Title 1">
+            <a:extLst>
+              <a:ext uri="{FF2B5EF4-FFF2-40B4-BE49-F238E27FC236}">
+                <a16:creationId xmlns:a16="http://schemas.microsoft.com/office/drawing/2014/main" id="{5FB3CCF4-1DC4-43A7-8B39-459BC2520CE3}"/>
+              </a:ext>
+            </a:extLst>
+          </p:cNvPr>
+          <p:cNvSpPr>
+            <a:spLocks noGrp="1"/>
+          </p:cNvSpPr>
+          <p:nvPr>
+            <p:ph type="title"/>
+          </p:nvPr>
+        </p:nvSpPr>
+        <p:spPr>
+          <a:xfrm>
+            <a:off x="97200" y="126000"/>
+            <a:ext cx="8917200" cy="648000"/>
+          </a:xfrm>
+        </p:spPr>
+        <p:txBody>
+          <a:bodyPr/>
+          <a:lstStyle/>
+          <a:p>
+            <a:pPr algn="l">
+              <a:lnSpc>
+                <a:spcPct val="90000"/>
+              </a:lnSpc>
+              <a:defRPr/>
+            </a:pPr>
+            <a:endParaRPr lang="en-US" sz="3600" dirty="0">
+              <a:solidFill>
+                <a:schemeClr val="tx1">
+                  <a:lumMod val="75000"/>
+                  <a:lumOff val="25000"/>
+                </a:schemeClr>
+              </a:solidFill>
+              <a:latin typeface="MS PGothic" panose="020B0600070205080204" pitchFamily="34" charset="-128"/>
+              <a:ea typeface="MS PGothic" panose="020B0600070205080204" pitchFamily="34" charset="-128"/>
+            </a:endParaRPr>
+          </a:p>
+        </p:txBody>
+      </p:sp>
+    </p:spTree>
+    <p:extLst>
+      <p:ext uri="{BB962C8B-B14F-4D97-AF65-F5344CB8AC3E}">
+        <p14:creationId xmlns:p14="http://schemas.microsoft.com/office/powerpoint/2010/main" val="1463968373"/>
+      </p:ext>
+    </p:extLst>
+  </p:cSld>
+  <p:clrMapOvr>
+    <a:masterClrMapping/>
+  </p:clrMapOvr>
+</p:sld>
+</file>
+
+<file path=ppt/slides/slide99.xml><?xml version="1.0" encoding="utf-8"?>
+<p:sld xmlns:a="http://schemas.openxmlformats.org/drawingml/2006/main" xmlns:r="http://schemas.openxmlformats.org/officeDocument/2006/relationships" xmlns:p="http://schemas.openxmlformats.org/presentationml/2006/main">
+  <p:cSld>
+    <p:spTree>
+      <p:nvGrpSpPr>
+        <p:cNvPr id="1" name=""/>
+        <p:cNvGrpSpPr/>
+        <p:nvPr/>
+      </p:nvGrpSpPr>
+      <p:grpSpPr>
+        <a:xfrm>
+          <a:off x="0" y="0"/>
+          <a:ext cx="0" cy="0"/>
+          <a:chOff x="0" y="0"/>
+          <a:chExt cx="0" cy="0"/>
+        </a:xfrm>
+      </p:grpSpPr>
+      <p:sp>
+        <p:nvSpPr>
+          <p:cNvPr id="3" name="TextBox 2">
+            <a:extLst>
+              <a:ext uri="{FF2B5EF4-FFF2-40B4-BE49-F238E27FC236}">
+                <a16:creationId xmlns:a16="http://schemas.microsoft.com/office/drawing/2014/main" id="{CAC89241-8DEF-4A64-B416-7FEDEACAEAA8}"/>
+              </a:ext>
+            </a:extLst>
+          </p:cNvPr>
+          <p:cNvSpPr txBox="1"/>
+          <p:nvPr/>
+        </p:nvSpPr>
+        <p:spPr>
+          <a:xfrm>
+            <a:off x="98474" y="127000"/>
+            <a:ext cx="8918526" cy="646331"/>
+          </a:xfrm>
+          <a:prstGeom prst="rect">
+            <a:avLst/>
+          </a:prstGeom>
+          <a:noFill/>
+        </p:spPr>
+        <p:txBody>
+          <a:bodyPr vert="horz" wrap="square" rtlCol="0">
+            <a:spAutoFit/>
+          </a:bodyPr>
+          <a:lstStyle/>
+          <a:p>
+            <a:endParaRPr lang="en-US" sz="3600" dirty="0"/>
+          </a:p>
+        </p:txBody>
+      </p:sp>
+      <p:sp>
+        <p:nvSpPr>
+          <p:cNvPr id="6" name="Title 1">
+            <a:extLst>
+              <a:ext uri="{FF2B5EF4-FFF2-40B4-BE49-F238E27FC236}">
+                <a16:creationId xmlns:a16="http://schemas.microsoft.com/office/drawing/2014/main" id="{5FB3CCF4-1DC4-43A7-8B39-459BC2520CE3}"/>
+              </a:ext>
+            </a:extLst>
+          </p:cNvPr>
+          <p:cNvSpPr>
+            <a:spLocks noGrp="1"/>
+          </p:cNvSpPr>
+          <p:nvPr>
+            <p:ph type="title"/>
+          </p:nvPr>
+        </p:nvSpPr>
+        <p:spPr>
+          <a:xfrm>
+            <a:off x="97200" y="126000"/>
+            <a:ext cx="8917200" cy="648000"/>
+          </a:xfrm>
+        </p:spPr>
+        <p:txBody>
+          <a:bodyPr/>
+          <a:lstStyle/>
+          <a:p>
+            <a:pPr algn="l">
+              <a:lnSpc>
+                <a:spcPct val="90000"/>
+              </a:lnSpc>
+              <a:defRPr/>
+            </a:pPr>
+            <a:endParaRPr lang="en-US" sz="3600" dirty="0">
+              <a:solidFill>
+                <a:schemeClr val="tx1">
+                  <a:lumMod val="75000"/>
+                  <a:lumOff val="25000"/>
+                </a:schemeClr>
+              </a:solidFill>
+              <a:latin typeface="MS PGothic" panose="020B0600070205080204" pitchFamily="34" charset="-128"/>
+              <a:ea typeface="MS PGothic" panose="020B0600070205080204" pitchFamily="34" charset="-128"/>
+            </a:endParaRPr>
+          </a:p>
+        </p:txBody>
+      </p:sp>
+    </p:spTree>
+    <p:extLst>
+      <p:ext uri="{BB962C8B-B14F-4D97-AF65-F5344CB8AC3E}">
+        <p14:creationId xmlns:p14="http://schemas.microsoft.com/office/powerpoint/2010/main" val="2841084369"/>
       </p:ext>
     </p:extLst>
   </p:cSld>
@@ -23195,15 +24675,6 @@
 </file>
 
 <file path=customXml/item1.xml><?xml version="1.0" encoding="utf-8"?>
-<?mso-contentType ?>
-<FormTemplates xmlns="http://schemas.microsoft.com/sharepoint/v3/contenttype/forms">
-  <Display>DocumentLibraryForm</Display>
-  <Edit>DocumentLibraryForm</Edit>
-  <New>DocumentLibraryForm</New>
-</FormTemplates>
-</file>
-
-<file path=customXml/item2.xml><?xml version="1.0" encoding="utf-8"?>
 <ct:contentTypeSchema xmlns:ct="http://schemas.microsoft.com/office/2006/metadata/contentType" xmlns:ma="http://schemas.microsoft.com/office/2006/metadata/properties/metaAttributes" ct:_="" ma:_="" ma:contentTypeName="Document" ma:contentTypeID="0x0101008E3EF0B5D0F524479F4A65CE4B7FCE4C" ma:contentTypeVersion="12" ma:contentTypeDescription="Create a new document." ma:contentTypeScope="" ma:versionID="091000212451a79bf41ce6f4e90d348c">
   <xsd:schema xmlns:xsd="http://www.w3.org/2001/XMLSchema" xmlns:xs="http://www.w3.org/2001/XMLSchema" xmlns:p="http://schemas.microsoft.com/office/2006/metadata/properties" xmlns:ns3="9af5489c-a085-4326-91eb-83c783094305" xmlns:ns4="8abf8cd2-ef29-4363-9342-d0755b3818d2" targetNamespace="http://schemas.microsoft.com/office/2006/metadata/properties" ma:root="true" ma:fieldsID="e1d3737ce4fb98a567391470043da7ed" ns3:_="" ns4:_="">
     <xsd:import namespace="9af5489c-a085-4326-91eb-83c783094305"/>
@@ -23420,15 +24891,16 @@
 </ct:contentTypeSchema>
 </file>
 
-<file path=customXml/itemProps1.xml><?xml version="1.0" encoding="utf-8"?>
-<ds:datastoreItem xmlns:ds="http://schemas.openxmlformats.org/officeDocument/2006/customXml" ds:itemID="{34DB5929-F83C-482D-BE30-C40ACBD87DCF}">
-  <ds:schemaRefs>
-    <ds:schemaRef ds:uri="http://schemas.microsoft.com/sharepoint/v3/contenttype/forms"/>
-  </ds:schemaRefs>
-</ds:datastoreItem>
+<file path=customXml/item2.xml><?xml version="1.0" encoding="utf-8"?>
+<?mso-contentType ?>
+<FormTemplates xmlns="http://schemas.microsoft.com/sharepoint/v3/contenttype/forms">
+  <Display>DocumentLibraryForm</Display>
+  <Edit>DocumentLibraryForm</Edit>
+  <New>DocumentLibraryForm</New>
+</FormTemplates>
 </file>
 
-<file path=customXml/itemProps2.xml><?xml version="1.0" encoding="utf-8"?>
+<file path=customXml/itemProps1.xml><?xml version="1.0" encoding="utf-8"?>
 <ds:datastoreItem xmlns:ds="http://schemas.openxmlformats.org/officeDocument/2006/customXml" ds:itemID="{54DF23E9-086B-4F27-A895-BCC66FD3195B}">
   <ds:schemaRefs>
     <ds:schemaRef ds:uri="http://schemas.microsoft.com/office/2006/metadata/contentType"/>
@@ -23445,4 +24917,12 @@
     <ds:schemaRef ds:uri="http://schemas.microsoft.com/internal/obd"/>
   </ds:schemaRefs>
 </ds:datastoreItem>
+</file>
+
+<file path=customXml/itemProps2.xml><?xml version="1.0" encoding="utf-8"?>
+<ds:datastoreItem xmlns:ds="http://schemas.openxmlformats.org/officeDocument/2006/customXml" ds:itemID="{34DB5929-F83C-482D-BE30-C40ACBD87DCF}">
+  <ds:schemaRefs>
+    <ds:schemaRef ds:uri="http://schemas.microsoft.com/sharepoint/v3/contenttype/forms"/>
+  </ds:schemaRefs>
+</ds:datastoreItem>
 </file>
--- a/myTemplateFile4.pptx
+++ b/myTemplateFile4.pptx
@@ -5,7 +5,7 @@
     <p:sldMasterId id="2147483648" r:id="rId3"/>
   </p:sldMasterIdLst>
   <p:notesMasterIdLst>
-    <p:notesMasterId r:id="rId104"/>
+    <p:notesMasterId r:id="rId84"/>
   </p:notesMasterIdLst>
   <p:sldIdLst>
     <p:sldId id="2288" r:id="rId4"/>
@@ -20,24 +20,24 @@
     <p:sldId id="2297" r:id="rId13"/>
     <p:sldId id="2298" r:id="rId14"/>
     <p:sldId id="2299" r:id="rId15"/>
-    <p:sldId id="2308" r:id="rId16"/>
-    <p:sldId id="2309" r:id="rId17"/>
-    <p:sldId id="2310" r:id="rId18"/>
-    <p:sldId id="2311" r:id="rId19"/>
-    <p:sldId id="2312" r:id="rId20"/>
-    <p:sldId id="2313" r:id="rId21"/>
-    <p:sldId id="2314" r:id="rId22"/>
-    <p:sldId id="2315" r:id="rId23"/>
-    <p:sldId id="2316" r:id="rId24"/>
-    <p:sldId id="2317" r:id="rId25"/>
-    <p:sldId id="2300" r:id="rId26"/>
-    <p:sldId id="2301" r:id="rId27"/>
-    <p:sldId id="2302" r:id="rId28"/>
-    <p:sldId id="2303" r:id="rId29"/>
-    <p:sldId id="2304" r:id="rId30"/>
-    <p:sldId id="2305" r:id="rId31"/>
-    <p:sldId id="2306" r:id="rId32"/>
-    <p:sldId id="2307" r:id="rId33"/>
+    <p:sldId id="2300" r:id="rId16"/>
+    <p:sldId id="2301" r:id="rId17"/>
+    <p:sldId id="2302" r:id="rId18"/>
+    <p:sldId id="2303" r:id="rId19"/>
+    <p:sldId id="2304" r:id="rId20"/>
+    <p:sldId id="2305" r:id="rId21"/>
+    <p:sldId id="2306" r:id="rId22"/>
+    <p:sldId id="2307" r:id="rId23"/>
+    <p:sldId id="2308" r:id="rId24"/>
+    <p:sldId id="2309" r:id="rId25"/>
+    <p:sldId id="2310" r:id="rId26"/>
+    <p:sldId id="2311" r:id="rId27"/>
+    <p:sldId id="2312" r:id="rId28"/>
+    <p:sldId id="2313" r:id="rId29"/>
+    <p:sldId id="2314" r:id="rId30"/>
+    <p:sldId id="2315" r:id="rId31"/>
+    <p:sldId id="2316" r:id="rId32"/>
+    <p:sldId id="2317" r:id="rId33"/>
     <p:sldId id="2318" r:id="rId34"/>
     <p:sldId id="2319" r:id="rId35"/>
     <p:sldId id="2320" r:id="rId36"/>
@@ -88,26 +88,6 @@
     <p:sldId id="2365" r:id="rId81"/>
     <p:sldId id="2366" r:id="rId82"/>
     <p:sldId id="2367" r:id="rId83"/>
-    <p:sldId id="2368" r:id="rId84"/>
-    <p:sldId id="2369" r:id="rId85"/>
-    <p:sldId id="2370" r:id="rId86"/>
-    <p:sldId id="2371" r:id="rId87"/>
-    <p:sldId id="2372" r:id="rId88"/>
-    <p:sldId id="2373" r:id="rId89"/>
-    <p:sldId id="2374" r:id="rId90"/>
-    <p:sldId id="2375" r:id="rId91"/>
-    <p:sldId id="2376" r:id="rId92"/>
-    <p:sldId id="2377" r:id="rId93"/>
-    <p:sldId id="2378" r:id="rId94"/>
-    <p:sldId id="2379" r:id="rId95"/>
-    <p:sldId id="2380" r:id="rId96"/>
-    <p:sldId id="2381" r:id="rId97"/>
-    <p:sldId id="2382" r:id="rId98"/>
-    <p:sldId id="2383" r:id="rId99"/>
-    <p:sldId id="2384" r:id="rId100"/>
-    <p:sldId id="2385" r:id="rId101"/>
-    <p:sldId id="2386" r:id="rId102"/>
-    <p:sldId id="2387" r:id="rId103"/>
   </p:sldIdLst>
   <p:sldSz cx="9144000" cy="6858000" type="screen4x3"/>
   <p:notesSz cx="6858000" cy="9144000"/>
@@ -367,7 +347,7 @@
               <a:pPr>
                 <a:defRPr/>
               </a:pPr>
-              <a:t>2020/6/8</a:t>
+              <a:t>2020/8/16</a:t>
             </a:fld>
             <a:endParaRPr lang="zh-CN" altLang="en-US"/>
           </a:p>
@@ -875,97 +855,7 @@
     </p:spTree>
     <p:extLst>
       <p:ext uri="{BB962C8B-B14F-4D97-AF65-F5344CB8AC3E}">
-        <p14:creationId xmlns:p14="http://schemas.microsoft.com/office/powerpoint/2010/main" val="3780194590"/>
-      </p:ext>
-    </p:extLst>
-  </p:cSld>
-  <p:clrMapOvr>
-    <a:masterClrMapping/>
-  </p:clrMapOvr>
-</p:notes>
-</file>
-
-<file path=ppt/notesSlides/notesSlide100.xml><?xml version="1.0" encoding="utf-8"?>
-<p:notes xmlns:a="http://schemas.openxmlformats.org/drawingml/2006/main" xmlns:r="http://schemas.openxmlformats.org/officeDocument/2006/relationships" xmlns:p="http://schemas.openxmlformats.org/presentationml/2006/main">
-  <p:cSld>
-    <p:spTree>
-      <p:nvGrpSpPr>
-        <p:cNvPr id="1" name=""/>
-        <p:cNvGrpSpPr/>
-        <p:nvPr/>
-      </p:nvGrpSpPr>
-      <p:grpSpPr>
-        <a:xfrm>
-          <a:off x="0" y="0"/>
-          <a:ext cx="0" cy="0"/>
-          <a:chOff x="0" y="0"/>
-          <a:chExt cx="0" cy="0"/>
-        </a:xfrm>
-      </p:grpSpPr>
-      <p:sp>
-        <p:nvSpPr>
-          <p:cNvPr id="2" name="Slide Image Placeholder 1"/>
-          <p:cNvSpPr>
-            <a:spLocks noGrp="1" noRot="1" noChangeAspect="1"/>
-          </p:cNvSpPr>
-          <p:nvPr>
-            <p:ph type="sldImg"/>
-          </p:nvPr>
-        </p:nvSpPr>
-        <p:spPr/>
-      </p:sp>
-      <p:sp>
-        <p:nvSpPr>
-          <p:cNvPr id="3" name="Notes Placeholder 2"/>
-          <p:cNvSpPr>
-            <a:spLocks noGrp="1"/>
-          </p:cNvSpPr>
-          <p:nvPr>
-            <p:ph type="body" idx="1"/>
-          </p:nvPr>
-        </p:nvSpPr>
-        <p:spPr/>
-        <p:txBody>
-          <a:bodyPr/>
-          <a:lstStyle/>
-          <a:p>
-            <a:endParaRPr lang="en-US"/>
-          </a:p>
-        </p:txBody>
-      </p:sp>
-      <p:sp>
-        <p:nvSpPr>
-          <p:cNvPr id="4" name="Slide Number Placeholder 3"/>
-          <p:cNvSpPr>
-            <a:spLocks noGrp="1"/>
-          </p:cNvSpPr>
-          <p:nvPr>
-            <p:ph type="sldNum" sz="quarter" idx="10"/>
-          </p:nvPr>
-        </p:nvSpPr>
-        <p:spPr/>
-        <p:txBody>
-          <a:bodyPr/>
-          <a:lstStyle/>
-          <a:p>
-            <a:pPr>
-              <a:defRPr/>
-            </a:pPr>
-            <a:fld id="{33C126F0-D5BC-46FB-A5E8-CF5096E10E86}" type="slidenum">
-              <a:rPr lang="en-GB" altLang="ja-JP"/>
-              <a:pPr>
-                <a:defRPr/>
-              </a:pPr>
-              <a:t>100</a:t>
-            </a:fld>
-            <a:endParaRPr lang="en-GB" altLang="ja-JP"/>
-          </a:p>
-        </p:txBody>
-      </p:sp>
-    </p:spTree>
-    <p:extLst>
-      <p:ext uri="{BB962C8B-B14F-4D97-AF65-F5344CB8AC3E}">
-        <p14:creationId xmlns:p14="http://schemas.microsoft.com/office/powerpoint/2010/main" val="2043824755"/>
+        <p14:creationId xmlns:p14="http://schemas.microsoft.com/office/powerpoint/2010/main" val="2207602844"/>
       </p:ext>
     </p:extLst>
   </p:cSld>
@@ -1055,7 +945,7 @@
     </p:spTree>
     <p:extLst>
       <p:ext uri="{BB962C8B-B14F-4D97-AF65-F5344CB8AC3E}">
-        <p14:creationId xmlns:p14="http://schemas.microsoft.com/office/powerpoint/2010/main" val="3128625022"/>
+        <p14:creationId xmlns:p14="http://schemas.microsoft.com/office/powerpoint/2010/main" val="2842523064"/>
       </p:ext>
     </p:extLst>
   </p:cSld>
@@ -1145,7 +1035,7 @@
     </p:spTree>
     <p:extLst>
       <p:ext uri="{BB962C8B-B14F-4D97-AF65-F5344CB8AC3E}">
-        <p14:creationId xmlns:p14="http://schemas.microsoft.com/office/powerpoint/2010/main" val="3919691640"/>
+        <p14:creationId xmlns:p14="http://schemas.microsoft.com/office/powerpoint/2010/main" val="363535945"/>
       </p:ext>
     </p:extLst>
   </p:cSld>
@@ -1235,7 +1125,7 @@
     </p:spTree>
     <p:extLst>
       <p:ext uri="{BB962C8B-B14F-4D97-AF65-F5344CB8AC3E}">
-        <p14:creationId xmlns:p14="http://schemas.microsoft.com/office/powerpoint/2010/main" val="335464532"/>
+        <p14:creationId xmlns:p14="http://schemas.microsoft.com/office/powerpoint/2010/main" val="54907377"/>
       </p:ext>
     </p:extLst>
   </p:cSld>
@@ -1325,7 +1215,7 @@
     </p:spTree>
     <p:extLst>
       <p:ext uri="{BB962C8B-B14F-4D97-AF65-F5344CB8AC3E}">
-        <p14:creationId xmlns:p14="http://schemas.microsoft.com/office/powerpoint/2010/main" val="3710837945"/>
+        <p14:creationId xmlns:p14="http://schemas.microsoft.com/office/powerpoint/2010/main" val="81634943"/>
       </p:ext>
     </p:extLst>
   </p:cSld>
@@ -1415,7 +1305,7 @@
     </p:spTree>
     <p:extLst>
       <p:ext uri="{BB962C8B-B14F-4D97-AF65-F5344CB8AC3E}">
-        <p14:creationId xmlns:p14="http://schemas.microsoft.com/office/powerpoint/2010/main" val="140320903"/>
+        <p14:creationId xmlns:p14="http://schemas.microsoft.com/office/powerpoint/2010/main" val="683575044"/>
       </p:ext>
     </p:extLst>
   </p:cSld>
@@ -1505,7 +1395,7 @@
     </p:spTree>
     <p:extLst>
       <p:ext uri="{BB962C8B-B14F-4D97-AF65-F5344CB8AC3E}">
-        <p14:creationId xmlns:p14="http://schemas.microsoft.com/office/powerpoint/2010/main" val="2010091919"/>
+        <p14:creationId xmlns:p14="http://schemas.microsoft.com/office/powerpoint/2010/main" val="4144942747"/>
       </p:ext>
     </p:extLst>
   </p:cSld>
@@ -1595,7 +1485,7 @@
     </p:spTree>
     <p:extLst>
       <p:ext uri="{BB962C8B-B14F-4D97-AF65-F5344CB8AC3E}">
-        <p14:creationId xmlns:p14="http://schemas.microsoft.com/office/powerpoint/2010/main" val="2362539217"/>
+        <p14:creationId xmlns:p14="http://schemas.microsoft.com/office/powerpoint/2010/main" val="3009196008"/>
       </p:ext>
     </p:extLst>
   </p:cSld>
@@ -1685,7 +1575,7 @@
     </p:spTree>
     <p:extLst>
       <p:ext uri="{BB962C8B-B14F-4D97-AF65-F5344CB8AC3E}">
-        <p14:creationId xmlns:p14="http://schemas.microsoft.com/office/powerpoint/2010/main" val="878741552"/>
+        <p14:creationId xmlns:p14="http://schemas.microsoft.com/office/powerpoint/2010/main" val="76830450"/>
       </p:ext>
     </p:extLst>
   </p:cSld>
@@ -1775,7 +1665,7 @@
     </p:spTree>
     <p:extLst>
       <p:ext uri="{BB962C8B-B14F-4D97-AF65-F5344CB8AC3E}">
-        <p14:creationId xmlns:p14="http://schemas.microsoft.com/office/powerpoint/2010/main" val="2666529605"/>
+        <p14:creationId xmlns:p14="http://schemas.microsoft.com/office/powerpoint/2010/main" val="3190210623"/>
       </p:ext>
     </p:extLst>
   </p:cSld>
@@ -1865,7 +1755,7 @@
     </p:spTree>
     <p:extLst>
       <p:ext uri="{BB962C8B-B14F-4D97-AF65-F5344CB8AC3E}">
-        <p14:creationId xmlns:p14="http://schemas.microsoft.com/office/powerpoint/2010/main" val="1830034054"/>
+        <p14:creationId xmlns:p14="http://schemas.microsoft.com/office/powerpoint/2010/main" val="3953856024"/>
       </p:ext>
     </p:extLst>
   </p:cSld>
@@ -1955,7 +1845,7 @@
     </p:spTree>
     <p:extLst>
       <p:ext uri="{BB962C8B-B14F-4D97-AF65-F5344CB8AC3E}">
-        <p14:creationId xmlns:p14="http://schemas.microsoft.com/office/powerpoint/2010/main" val="3834820193"/>
+        <p14:creationId xmlns:p14="http://schemas.microsoft.com/office/powerpoint/2010/main" val="2097515746"/>
       </p:ext>
     </p:extLst>
   </p:cSld>
@@ -2045,7 +1935,7 @@
     </p:spTree>
     <p:extLst>
       <p:ext uri="{BB962C8B-B14F-4D97-AF65-F5344CB8AC3E}">
-        <p14:creationId xmlns:p14="http://schemas.microsoft.com/office/powerpoint/2010/main" val="3193120307"/>
+        <p14:creationId xmlns:p14="http://schemas.microsoft.com/office/powerpoint/2010/main" val="4052009335"/>
       </p:ext>
     </p:extLst>
   </p:cSld>
@@ -2135,7 +2025,7 @@
     </p:spTree>
     <p:extLst>
       <p:ext uri="{BB962C8B-B14F-4D97-AF65-F5344CB8AC3E}">
-        <p14:creationId xmlns:p14="http://schemas.microsoft.com/office/powerpoint/2010/main" val="3338865075"/>
+        <p14:creationId xmlns:p14="http://schemas.microsoft.com/office/powerpoint/2010/main" val="1929817137"/>
       </p:ext>
     </p:extLst>
   </p:cSld>
@@ -2225,7 +2115,7 @@
     </p:spTree>
     <p:extLst>
       <p:ext uri="{BB962C8B-B14F-4D97-AF65-F5344CB8AC3E}">
-        <p14:creationId xmlns:p14="http://schemas.microsoft.com/office/powerpoint/2010/main" val="3512028083"/>
+        <p14:creationId xmlns:p14="http://schemas.microsoft.com/office/powerpoint/2010/main" val="2242173213"/>
       </p:ext>
     </p:extLst>
   </p:cSld>
@@ -2315,7 +2205,7 @@
     </p:spTree>
     <p:extLst>
       <p:ext uri="{BB962C8B-B14F-4D97-AF65-F5344CB8AC3E}">
-        <p14:creationId xmlns:p14="http://schemas.microsoft.com/office/powerpoint/2010/main" val="3854964082"/>
+        <p14:creationId xmlns:p14="http://schemas.microsoft.com/office/powerpoint/2010/main" val="3591618309"/>
       </p:ext>
     </p:extLst>
   </p:cSld>
@@ -2405,7 +2295,7 @@
     </p:spTree>
     <p:extLst>
       <p:ext uri="{BB962C8B-B14F-4D97-AF65-F5344CB8AC3E}">
-        <p14:creationId xmlns:p14="http://schemas.microsoft.com/office/powerpoint/2010/main" val="599930112"/>
+        <p14:creationId xmlns:p14="http://schemas.microsoft.com/office/powerpoint/2010/main" val="3926517465"/>
       </p:ext>
     </p:extLst>
   </p:cSld>
@@ -2495,7 +2385,7 @@
     </p:spTree>
     <p:extLst>
       <p:ext uri="{BB962C8B-B14F-4D97-AF65-F5344CB8AC3E}">
-        <p14:creationId xmlns:p14="http://schemas.microsoft.com/office/powerpoint/2010/main" val="4276503171"/>
+        <p14:creationId xmlns:p14="http://schemas.microsoft.com/office/powerpoint/2010/main" val="2089222384"/>
       </p:ext>
     </p:extLst>
   </p:cSld>
@@ -2585,7 +2475,7 @@
     </p:spTree>
     <p:extLst>
       <p:ext uri="{BB962C8B-B14F-4D97-AF65-F5344CB8AC3E}">
-        <p14:creationId xmlns:p14="http://schemas.microsoft.com/office/powerpoint/2010/main" val="1914226250"/>
+        <p14:creationId xmlns:p14="http://schemas.microsoft.com/office/powerpoint/2010/main" val="3770397863"/>
       </p:ext>
     </p:extLst>
   </p:cSld>
@@ -2675,7 +2565,7 @@
     </p:spTree>
     <p:extLst>
       <p:ext uri="{BB962C8B-B14F-4D97-AF65-F5344CB8AC3E}">
-        <p14:creationId xmlns:p14="http://schemas.microsoft.com/office/powerpoint/2010/main" val="619197530"/>
+        <p14:creationId xmlns:p14="http://schemas.microsoft.com/office/powerpoint/2010/main" val="2754880388"/>
       </p:ext>
     </p:extLst>
   </p:cSld>
@@ -2765,7 +2655,7 @@
     </p:spTree>
     <p:extLst>
       <p:ext uri="{BB962C8B-B14F-4D97-AF65-F5344CB8AC3E}">
-        <p14:creationId xmlns:p14="http://schemas.microsoft.com/office/powerpoint/2010/main" val="2149864038"/>
+        <p14:creationId xmlns:p14="http://schemas.microsoft.com/office/powerpoint/2010/main" val="2220568663"/>
       </p:ext>
     </p:extLst>
   </p:cSld>
@@ -2855,7 +2745,7 @@
     </p:spTree>
     <p:extLst>
       <p:ext uri="{BB962C8B-B14F-4D97-AF65-F5344CB8AC3E}">
-        <p14:creationId xmlns:p14="http://schemas.microsoft.com/office/powerpoint/2010/main" val="4034052246"/>
+        <p14:creationId xmlns:p14="http://schemas.microsoft.com/office/powerpoint/2010/main" val="92301304"/>
       </p:ext>
     </p:extLst>
   </p:cSld>
@@ -2945,7 +2835,7 @@
     </p:spTree>
     <p:extLst>
       <p:ext uri="{BB962C8B-B14F-4D97-AF65-F5344CB8AC3E}">
-        <p14:creationId xmlns:p14="http://schemas.microsoft.com/office/powerpoint/2010/main" val="926925861"/>
+        <p14:creationId xmlns:p14="http://schemas.microsoft.com/office/powerpoint/2010/main" val="2284947767"/>
       </p:ext>
     </p:extLst>
   </p:cSld>
@@ -3035,7 +2925,7 @@
     </p:spTree>
     <p:extLst>
       <p:ext uri="{BB962C8B-B14F-4D97-AF65-F5344CB8AC3E}">
-        <p14:creationId xmlns:p14="http://schemas.microsoft.com/office/powerpoint/2010/main" val="3282369872"/>
+        <p14:creationId xmlns:p14="http://schemas.microsoft.com/office/powerpoint/2010/main" val="794001009"/>
       </p:ext>
     </p:extLst>
   </p:cSld>
@@ -3125,7 +3015,7 @@
     </p:spTree>
     <p:extLst>
       <p:ext uri="{BB962C8B-B14F-4D97-AF65-F5344CB8AC3E}">
-        <p14:creationId xmlns:p14="http://schemas.microsoft.com/office/powerpoint/2010/main" val="3877831266"/>
+        <p14:creationId xmlns:p14="http://schemas.microsoft.com/office/powerpoint/2010/main" val="2659560735"/>
       </p:ext>
     </p:extLst>
   </p:cSld>
@@ -3215,7 +3105,7 @@
     </p:spTree>
     <p:extLst>
       <p:ext uri="{BB962C8B-B14F-4D97-AF65-F5344CB8AC3E}">
-        <p14:creationId xmlns:p14="http://schemas.microsoft.com/office/powerpoint/2010/main" val="1253171932"/>
+        <p14:creationId xmlns:p14="http://schemas.microsoft.com/office/powerpoint/2010/main" val="2480130542"/>
       </p:ext>
     </p:extLst>
   </p:cSld>
@@ -3305,7 +3195,7 @@
     </p:spTree>
     <p:extLst>
       <p:ext uri="{BB962C8B-B14F-4D97-AF65-F5344CB8AC3E}">
-        <p14:creationId xmlns:p14="http://schemas.microsoft.com/office/powerpoint/2010/main" val="180270989"/>
+        <p14:creationId xmlns:p14="http://schemas.microsoft.com/office/powerpoint/2010/main" val="2594464076"/>
       </p:ext>
     </p:extLst>
   </p:cSld>
@@ -3395,7 +3285,7 @@
     </p:spTree>
     <p:extLst>
       <p:ext uri="{BB962C8B-B14F-4D97-AF65-F5344CB8AC3E}">
-        <p14:creationId xmlns:p14="http://schemas.microsoft.com/office/powerpoint/2010/main" val="2500875386"/>
+        <p14:creationId xmlns:p14="http://schemas.microsoft.com/office/powerpoint/2010/main" val="2442511515"/>
       </p:ext>
     </p:extLst>
   </p:cSld>
@@ -3485,7 +3375,7 @@
     </p:spTree>
     <p:extLst>
       <p:ext uri="{BB962C8B-B14F-4D97-AF65-F5344CB8AC3E}">
-        <p14:creationId xmlns:p14="http://schemas.microsoft.com/office/powerpoint/2010/main" val="4135891192"/>
+        <p14:creationId xmlns:p14="http://schemas.microsoft.com/office/powerpoint/2010/main" val="3614635425"/>
       </p:ext>
     </p:extLst>
   </p:cSld>
@@ -3575,7 +3465,7 @@
     </p:spTree>
     <p:extLst>
       <p:ext uri="{BB962C8B-B14F-4D97-AF65-F5344CB8AC3E}">
-        <p14:creationId xmlns:p14="http://schemas.microsoft.com/office/powerpoint/2010/main" val="1398927265"/>
+        <p14:creationId xmlns:p14="http://schemas.microsoft.com/office/powerpoint/2010/main" val="4240274642"/>
       </p:ext>
     </p:extLst>
   </p:cSld>
@@ -3665,7 +3555,7 @@
     </p:spTree>
     <p:extLst>
       <p:ext uri="{BB962C8B-B14F-4D97-AF65-F5344CB8AC3E}">
-        <p14:creationId xmlns:p14="http://schemas.microsoft.com/office/powerpoint/2010/main" val="3408337945"/>
+        <p14:creationId xmlns:p14="http://schemas.microsoft.com/office/powerpoint/2010/main" val="405676014"/>
       </p:ext>
     </p:extLst>
   </p:cSld>
@@ -3755,7 +3645,7 @@
     </p:spTree>
     <p:extLst>
       <p:ext uri="{BB962C8B-B14F-4D97-AF65-F5344CB8AC3E}">
-        <p14:creationId xmlns:p14="http://schemas.microsoft.com/office/powerpoint/2010/main" val="3379162442"/>
+        <p14:creationId xmlns:p14="http://schemas.microsoft.com/office/powerpoint/2010/main" val="2792821033"/>
       </p:ext>
     </p:extLst>
   </p:cSld>
@@ -3845,7 +3735,7 @@
     </p:spTree>
     <p:extLst>
       <p:ext uri="{BB962C8B-B14F-4D97-AF65-F5344CB8AC3E}">
-        <p14:creationId xmlns:p14="http://schemas.microsoft.com/office/powerpoint/2010/main" val="1545987951"/>
+        <p14:creationId xmlns:p14="http://schemas.microsoft.com/office/powerpoint/2010/main" val="173881211"/>
       </p:ext>
     </p:extLst>
   </p:cSld>
@@ -3935,7 +3825,7 @@
     </p:spTree>
     <p:extLst>
       <p:ext uri="{BB962C8B-B14F-4D97-AF65-F5344CB8AC3E}">
-        <p14:creationId xmlns:p14="http://schemas.microsoft.com/office/powerpoint/2010/main" val="1464352364"/>
+        <p14:creationId xmlns:p14="http://schemas.microsoft.com/office/powerpoint/2010/main" val="1941269723"/>
       </p:ext>
     </p:extLst>
   </p:cSld>
@@ -4025,7 +3915,7 @@
     </p:spTree>
     <p:extLst>
       <p:ext uri="{BB962C8B-B14F-4D97-AF65-F5344CB8AC3E}">
-        <p14:creationId xmlns:p14="http://schemas.microsoft.com/office/powerpoint/2010/main" val="2510155203"/>
+        <p14:creationId xmlns:p14="http://schemas.microsoft.com/office/powerpoint/2010/main" val="3698572892"/>
       </p:ext>
     </p:extLst>
   </p:cSld>
@@ -4115,7 +4005,7 @@
     </p:spTree>
     <p:extLst>
       <p:ext uri="{BB962C8B-B14F-4D97-AF65-F5344CB8AC3E}">
-        <p14:creationId xmlns:p14="http://schemas.microsoft.com/office/powerpoint/2010/main" val="2597766445"/>
+        <p14:creationId xmlns:p14="http://schemas.microsoft.com/office/powerpoint/2010/main" val="1318547600"/>
       </p:ext>
     </p:extLst>
   </p:cSld>
@@ -4205,7 +4095,7 @@
     </p:spTree>
     <p:extLst>
       <p:ext uri="{BB962C8B-B14F-4D97-AF65-F5344CB8AC3E}">
-        <p14:creationId xmlns:p14="http://schemas.microsoft.com/office/powerpoint/2010/main" val="2386055593"/>
+        <p14:creationId xmlns:p14="http://schemas.microsoft.com/office/powerpoint/2010/main" val="727208549"/>
       </p:ext>
     </p:extLst>
   </p:cSld>
@@ -4295,7 +4185,7 @@
     </p:spTree>
     <p:extLst>
       <p:ext uri="{BB962C8B-B14F-4D97-AF65-F5344CB8AC3E}">
-        <p14:creationId xmlns:p14="http://schemas.microsoft.com/office/powerpoint/2010/main" val="4152145854"/>
+        <p14:creationId xmlns:p14="http://schemas.microsoft.com/office/powerpoint/2010/main" val="444482500"/>
       </p:ext>
     </p:extLst>
   </p:cSld>
@@ -4385,7 +4275,7 @@
     </p:spTree>
     <p:extLst>
       <p:ext uri="{BB962C8B-B14F-4D97-AF65-F5344CB8AC3E}">
-        <p14:creationId xmlns:p14="http://schemas.microsoft.com/office/powerpoint/2010/main" val="1199561930"/>
+        <p14:creationId xmlns:p14="http://schemas.microsoft.com/office/powerpoint/2010/main" val="841561680"/>
       </p:ext>
     </p:extLst>
   </p:cSld>
@@ -4475,7 +4365,7 @@
     </p:spTree>
     <p:extLst>
       <p:ext uri="{BB962C8B-B14F-4D97-AF65-F5344CB8AC3E}">
-        <p14:creationId xmlns:p14="http://schemas.microsoft.com/office/powerpoint/2010/main" val="2479486176"/>
+        <p14:creationId xmlns:p14="http://schemas.microsoft.com/office/powerpoint/2010/main" val="2871132557"/>
       </p:ext>
     </p:extLst>
   </p:cSld>
@@ -4565,7 +4455,7 @@
     </p:spTree>
     <p:extLst>
       <p:ext uri="{BB962C8B-B14F-4D97-AF65-F5344CB8AC3E}">
-        <p14:creationId xmlns:p14="http://schemas.microsoft.com/office/powerpoint/2010/main" val="2142292235"/>
+        <p14:creationId xmlns:p14="http://schemas.microsoft.com/office/powerpoint/2010/main" val="1164895194"/>
       </p:ext>
     </p:extLst>
   </p:cSld>
@@ -4655,7 +4545,7 @@
     </p:spTree>
     <p:extLst>
       <p:ext uri="{BB962C8B-B14F-4D97-AF65-F5344CB8AC3E}">
-        <p14:creationId xmlns:p14="http://schemas.microsoft.com/office/powerpoint/2010/main" val="3979375112"/>
+        <p14:creationId xmlns:p14="http://schemas.microsoft.com/office/powerpoint/2010/main" val="1007384473"/>
       </p:ext>
     </p:extLst>
   </p:cSld>
@@ -4745,7 +4635,7 @@
     </p:spTree>
     <p:extLst>
       <p:ext uri="{BB962C8B-B14F-4D97-AF65-F5344CB8AC3E}">
-        <p14:creationId xmlns:p14="http://schemas.microsoft.com/office/powerpoint/2010/main" val="3083095396"/>
+        <p14:creationId xmlns:p14="http://schemas.microsoft.com/office/powerpoint/2010/main" val="3890254365"/>
       </p:ext>
     </p:extLst>
   </p:cSld>
@@ -4835,7 +4725,7 @@
     </p:spTree>
     <p:extLst>
       <p:ext uri="{BB962C8B-B14F-4D97-AF65-F5344CB8AC3E}">
-        <p14:creationId xmlns:p14="http://schemas.microsoft.com/office/powerpoint/2010/main" val="1244113089"/>
+        <p14:creationId xmlns:p14="http://schemas.microsoft.com/office/powerpoint/2010/main" val="248988105"/>
       </p:ext>
     </p:extLst>
   </p:cSld>
@@ -4925,7 +4815,7 @@
     </p:spTree>
     <p:extLst>
       <p:ext uri="{BB962C8B-B14F-4D97-AF65-F5344CB8AC3E}">
-        <p14:creationId xmlns:p14="http://schemas.microsoft.com/office/powerpoint/2010/main" val="2784539907"/>
+        <p14:creationId xmlns:p14="http://schemas.microsoft.com/office/powerpoint/2010/main" val="3860365749"/>
       </p:ext>
     </p:extLst>
   </p:cSld>
@@ -5015,7 +4905,7 @@
     </p:spTree>
     <p:extLst>
       <p:ext uri="{BB962C8B-B14F-4D97-AF65-F5344CB8AC3E}">
-        <p14:creationId xmlns:p14="http://schemas.microsoft.com/office/powerpoint/2010/main" val="1323952986"/>
+        <p14:creationId xmlns:p14="http://schemas.microsoft.com/office/powerpoint/2010/main" val="2907412753"/>
       </p:ext>
     </p:extLst>
   </p:cSld>
@@ -5105,7 +4995,7 @@
     </p:spTree>
     <p:extLst>
       <p:ext uri="{BB962C8B-B14F-4D97-AF65-F5344CB8AC3E}">
-        <p14:creationId xmlns:p14="http://schemas.microsoft.com/office/powerpoint/2010/main" val="164187038"/>
+        <p14:creationId xmlns:p14="http://schemas.microsoft.com/office/powerpoint/2010/main" val="704390620"/>
       </p:ext>
     </p:extLst>
   </p:cSld>
@@ -5195,7 +5085,7 @@
     </p:spTree>
     <p:extLst>
       <p:ext uri="{BB962C8B-B14F-4D97-AF65-F5344CB8AC3E}">
-        <p14:creationId xmlns:p14="http://schemas.microsoft.com/office/powerpoint/2010/main" val="4251474500"/>
+        <p14:creationId xmlns:p14="http://schemas.microsoft.com/office/powerpoint/2010/main" val="3653879055"/>
       </p:ext>
     </p:extLst>
   </p:cSld>
@@ -5285,7 +5175,7 @@
     </p:spTree>
     <p:extLst>
       <p:ext uri="{BB962C8B-B14F-4D97-AF65-F5344CB8AC3E}">
-        <p14:creationId xmlns:p14="http://schemas.microsoft.com/office/powerpoint/2010/main" val="1280117730"/>
+        <p14:creationId xmlns:p14="http://schemas.microsoft.com/office/powerpoint/2010/main" val="3339706146"/>
       </p:ext>
     </p:extLst>
   </p:cSld>
@@ -5375,7 +5265,7 @@
     </p:spTree>
     <p:extLst>
       <p:ext uri="{BB962C8B-B14F-4D97-AF65-F5344CB8AC3E}">
-        <p14:creationId xmlns:p14="http://schemas.microsoft.com/office/powerpoint/2010/main" val="1551416124"/>
+        <p14:creationId xmlns:p14="http://schemas.microsoft.com/office/powerpoint/2010/main" val="4107015657"/>
       </p:ext>
     </p:extLst>
   </p:cSld>
@@ -5465,7 +5355,7 @@
     </p:spTree>
     <p:extLst>
       <p:ext uri="{BB962C8B-B14F-4D97-AF65-F5344CB8AC3E}">
-        <p14:creationId xmlns:p14="http://schemas.microsoft.com/office/powerpoint/2010/main" val="2976926524"/>
+        <p14:creationId xmlns:p14="http://schemas.microsoft.com/office/powerpoint/2010/main" val="2061469543"/>
       </p:ext>
     </p:extLst>
   </p:cSld>
@@ -5555,7 +5445,7 @@
     </p:spTree>
     <p:extLst>
       <p:ext uri="{BB962C8B-B14F-4D97-AF65-F5344CB8AC3E}">
-        <p14:creationId xmlns:p14="http://schemas.microsoft.com/office/powerpoint/2010/main" val="189727911"/>
+        <p14:creationId xmlns:p14="http://schemas.microsoft.com/office/powerpoint/2010/main" val="2294920517"/>
       </p:ext>
     </p:extLst>
   </p:cSld>
@@ -5645,7 +5535,7 @@
     </p:spTree>
     <p:extLst>
       <p:ext uri="{BB962C8B-B14F-4D97-AF65-F5344CB8AC3E}">
-        <p14:creationId xmlns:p14="http://schemas.microsoft.com/office/powerpoint/2010/main" val="3456360695"/>
+        <p14:creationId xmlns:p14="http://schemas.microsoft.com/office/powerpoint/2010/main" val="3462241559"/>
       </p:ext>
     </p:extLst>
   </p:cSld>
@@ -5735,7 +5625,7 @@
     </p:spTree>
     <p:extLst>
       <p:ext uri="{BB962C8B-B14F-4D97-AF65-F5344CB8AC3E}">
-        <p14:creationId xmlns:p14="http://schemas.microsoft.com/office/powerpoint/2010/main" val="762267636"/>
+        <p14:creationId xmlns:p14="http://schemas.microsoft.com/office/powerpoint/2010/main" val="1765348056"/>
       </p:ext>
     </p:extLst>
   </p:cSld>
@@ -5825,7 +5715,7 @@
     </p:spTree>
     <p:extLst>
       <p:ext uri="{BB962C8B-B14F-4D97-AF65-F5344CB8AC3E}">
-        <p14:creationId xmlns:p14="http://schemas.microsoft.com/office/powerpoint/2010/main" val="3098814615"/>
+        <p14:creationId xmlns:p14="http://schemas.microsoft.com/office/powerpoint/2010/main" val="1643960704"/>
       </p:ext>
     </p:extLst>
   </p:cSld>
@@ -5915,7 +5805,7 @@
     </p:spTree>
     <p:extLst>
       <p:ext uri="{BB962C8B-B14F-4D97-AF65-F5344CB8AC3E}">
-        <p14:creationId xmlns:p14="http://schemas.microsoft.com/office/powerpoint/2010/main" val="646192024"/>
+        <p14:creationId xmlns:p14="http://schemas.microsoft.com/office/powerpoint/2010/main" val="3365599129"/>
       </p:ext>
     </p:extLst>
   </p:cSld>
@@ -6005,7 +5895,7 @@
     </p:spTree>
     <p:extLst>
       <p:ext uri="{BB962C8B-B14F-4D97-AF65-F5344CB8AC3E}">
-        <p14:creationId xmlns:p14="http://schemas.microsoft.com/office/powerpoint/2010/main" val="3218444390"/>
+        <p14:creationId xmlns:p14="http://schemas.microsoft.com/office/powerpoint/2010/main" val="4146942659"/>
       </p:ext>
     </p:extLst>
   </p:cSld>
@@ -6095,7 +5985,7 @@
     </p:spTree>
     <p:extLst>
       <p:ext uri="{BB962C8B-B14F-4D97-AF65-F5344CB8AC3E}">
-        <p14:creationId xmlns:p14="http://schemas.microsoft.com/office/powerpoint/2010/main" val="3064749303"/>
+        <p14:creationId xmlns:p14="http://schemas.microsoft.com/office/powerpoint/2010/main" val="2042371367"/>
       </p:ext>
     </p:extLst>
   </p:cSld>
@@ -6185,7 +6075,7 @@
     </p:spTree>
     <p:extLst>
       <p:ext uri="{BB962C8B-B14F-4D97-AF65-F5344CB8AC3E}">
-        <p14:creationId xmlns:p14="http://schemas.microsoft.com/office/powerpoint/2010/main" val="3371386577"/>
+        <p14:creationId xmlns:p14="http://schemas.microsoft.com/office/powerpoint/2010/main" val="510153561"/>
       </p:ext>
     </p:extLst>
   </p:cSld>
@@ -6275,7 +6165,7 @@
     </p:spTree>
     <p:extLst>
       <p:ext uri="{BB962C8B-B14F-4D97-AF65-F5344CB8AC3E}">
-        <p14:creationId xmlns:p14="http://schemas.microsoft.com/office/powerpoint/2010/main" val="3301968959"/>
+        <p14:creationId xmlns:p14="http://schemas.microsoft.com/office/powerpoint/2010/main" val="2185695927"/>
       </p:ext>
     </p:extLst>
   </p:cSld>
@@ -6365,7 +6255,7 @@
     </p:spTree>
     <p:extLst>
       <p:ext uri="{BB962C8B-B14F-4D97-AF65-F5344CB8AC3E}">
-        <p14:creationId xmlns:p14="http://schemas.microsoft.com/office/powerpoint/2010/main" val="1576460853"/>
+        <p14:creationId xmlns:p14="http://schemas.microsoft.com/office/powerpoint/2010/main" val="2681381632"/>
       </p:ext>
     </p:extLst>
   </p:cSld>
@@ -6455,7 +6345,7 @@
     </p:spTree>
     <p:extLst>
       <p:ext uri="{BB962C8B-B14F-4D97-AF65-F5344CB8AC3E}">
-        <p14:creationId xmlns:p14="http://schemas.microsoft.com/office/powerpoint/2010/main" val="2171342456"/>
+        <p14:creationId xmlns:p14="http://schemas.microsoft.com/office/powerpoint/2010/main" val="260011203"/>
       </p:ext>
     </p:extLst>
   </p:cSld>
@@ -6545,7 +6435,7 @@
     </p:spTree>
     <p:extLst>
       <p:ext uri="{BB962C8B-B14F-4D97-AF65-F5344CB8AC3E}">
-        <p14:creationId xmlns:p14="http://schemas.microsoft.com/office/powerpoint/2010/main" val="3255272713"/>
+        <p14:creationId xmlns:p14="http://schemas.microsoft.com/office/powerpoint/2010/main" val="4020853326"/>
       </p:ext>
     </p:extLst>
   </p:cSld>
@@ -6635,7 +6525,7 @@
     </p:spTree>
     <p:extLst>
       <p:ext uri="{BB962C8B-B14F-4D97-AF65-F5344CB8AC3E}">
-        <p14:creationId xmlns:p14="http://schemas.microsoft.com/office/powerpoint/2010/main" val="672612978"/>
+        <p14:creationId xmlns:p14="http://schemas.microsoft.com/office/powerpoint/2010/main" val="4202211841"/>
       </p:ext>
     </p:extLst>
   </p:cSld>
@@ -6725,7 +6615,7 @@
     </p:spTree>
     <p:extLst>
       <p:ext uri="{BB962C8B-B14F-4D97-AF65-F5344CB8AC3E}">
-        <p14:creationId xmlns:p14="http://schemas.microsoft.com/office/powerpoint/2010/main" val="2324363100"/>
+        <p14:creationId xmlns:p14="http://schemas.microsoft.com/office/powerpoint/2010/main" val="1183022173"/>
       </p:ext>
     </p:extLst>
   </p:cSld>
@@ -6815,7 +6705,7 @@
     </p:spTree>
     <p:extLst>
       <p:ext uri="{BB962C8B-B14F-4D97-AF65-F5344CB8AC3E}">
-        <p14:creationId xmlns:p14="http://schemas.microsoft.com/office/powerpoint/2010/main" val="3585918019"/>
+        <p14:creationId xmlns:p14="http://schemas.microsoft.com/office/powerpoint/2010/main" val="263877968"/>
       </p:ext>
     </p:extLst>
   </p:cSld>
@@ -6905,7 +6795,7 @@
     </p:spTree>
     <p:extLst>
       <p:ext uri="{BB962C8B-B14F-4D97-AF65-F5344CB8AC3E}">
-        <p14:creationId xmlns:p14="http://schemas.microsoft.com/office/powerpoint/2010/main" val="203135875"/>
+        <p14:creationId xmlns:p14="http://schemas.microsoft.com/office/powerpoint/2010/main" val="2349683165"/>
       </p:ext>
     </p:extLst>
   </p:cSld>
@@ -6995,7 +6885,7 @@
     </p:spTree>
     <p:extLst>
       <p:ext uri="{BB962C8B-B14F-4D97-AF65-F5344CB8AC3E}">
-        <p14:creationId xmlns:p14="http://schemas.microsoft.com/office/powerpoint/2010/main" val="1546271050"/>
+        <p14:creationId xmlns:p14="http://schemas.microsoft.com/office/powerpoint/2010/main" val="3989466313"/>
       </p:ext>
     </p:extLst>
   </p:cSld>
@@ -7085,7 +6975,7 @@
     </p:spTree>
     <p:extLst>
       <p:ext uri="{BB962C8B-B14F-4D97-AF65-F5344CB8AC3E}">
-        <p14:creationId xmlns:p14="http://schemas.microsoft.com/office/powerpoint/2010/main" val="2675444498"/>
+        <p14:creationId xmlns:p14="http://schemas.microsoft.com/office/powerpoint/2010/main" val="2132256347"/>
       </p:ext>
     </p:extLst>
   </p:cSld>
@@ -7175,7 +7065,7 @@
     </p:spTree>
     <p:extLst>
       <p:ext uri="{BB962C8B-B14F-4D97-AF65-F5344CB8AC3E}">
-        <p14:creationId xmlns:p14="http://schemas.microsoft.com/office/powerpoint/2010/main" val="3305752168"/>
+        <p14:creationId xmlns:p14="http://schemas.microsoft.com/office/powerpoint/2010/main" val="4059998536"/>
       </p:ext>
     </p:extLst>
   </p:cSld>
@@ -7265,7 +7155,7 @@
     </p:spTree>
     <p:extLst>
       <p:ext uri="{BB962C8B-B14F-4D97-AF65-F5344CB8AC3E}">
-        <p14:creationId xmlns:p14="http://schemas.microsoft.com/office/powerpoint/2010/main" val="405424257"/>
+        <p14:creationId xmlns:p14="http://schemas.microsoft.com/office/powerpoint/2010/main" val="1143509146"/>
       </p:ext>
     </p:extLst>
   </p:cSld>
@@ -7355,7 +7245,7 @@
     </p:spTree>
     <p:extLst>
       <p:ext uri="{BB962C8B-B14F-4D97-AF65-F5344CB8AC3E}">
-        <p14:creationId xmlns:p14="http://schemas.microsoft.com/office/powerpoint/2010/main" val="565757780"/>
+        <p14:creationId xmlns:p14="http://schemas.microsoft.com/office/powerpoint/2010/main" val="987429575"/>
       </p:ext>
     </p:extLst>
   </p:cSld>
@@ -7445,7 +7335,7 @@
     </p:spTree>
     <p:extLst>
       <p:ext uri="{BB962C8B-B14F-4D97-AF65-F5344CB8AC3E}">
-        <p14:creationId xmlns:p14="http://schemas.microsoft.com/office/powerpoint/2010/main" val="3753645262"/>
+        <p14:creationId xmlns:p14="http://schemas.microsoft.com/office/powerpoint/2010/main" val="563660410"/>
       </p:ext>
     </p:extLst>
   </p:cSld>
@@ -7535,7 +7425,7 @@
     </p:spTree>
     <p:extLst>
       <p:ext uri="{BB962C8B-B14F-4D97-AF65-F5344CB8AC3E}">
-        <p14:creationId xmlns:p14="http://schemas.microsoft.com/office/powerpoint/2010/main" val="910030868"/>
+        <p14:creationId xmlns:p14="http://schemas.microsoft.com/office/powerpoint/2010/main" val="2987829667"/>
       </p:ext>
     </p:extLst>
   </p:cSld>
@@ -7625,7 +7515,7 @@
     </p:spTree>
     <p:extLst>
       <p:ext uri="{BB962C8B-B14F-4D97-AF65-F5344CB8AC3E}">
-        <p14:creationId xmlns:p14="http://schemas.microsoft.com/office/powerpoint/2010/main" val="3828650199"/>
+        <p14:creationId xmlns:p14="http://schemas.microsoft.com/office/powerpoint/2010/main" val="2813021863"/>
       </p:ext>
     </p:extLst>
   </p:cSld>
@@ -7715,7 +7605,7 @@
     </p:spTree>
     <p:extLst>
       <p:ext uri="{BB962C8B-B14F-4D97-AF65-F5344CB8AC3E}">
-        <p14:creationId xmlns:p14="http://schemas.microsoft.com/office/powerpoint/2010/main" val="2104091352"/>
+        <p14:creationId xmlns:p14="http://schemas.microsoft.com/office/powerpoint/2010/main" val="1612872905"/>
       </p:ext>
     </p:extLst>
   </p:cSld>
@@ -7805,7 +7695,7 @@
     </p:spTree>
     <p:extLst>
       <p:ext uri="{BB962C8B-B14F-4D97-AF65-F5344CB8AC3E}">
-        <p14:creationId xmlns:p14="http://schemas.microsoft.com/office/powerpoint/2010/main" val="3089849487"/>
+        <p14:creationId xmlns:p14="http://schemas.microsoft.com/office/powerpoint/2010/main" val="407413507"/>
       </p:ext>
     </p:extLst>
   </p:cSld>
@@ -7895,817 +7785,7 @@
     </p:spTree>
     <p:extLst>
       <p:ext uri="{BB962C8B-B14F-4D97-AF65-F5344CB8AC3E}">
-        <p14:creationId xmlns:p14="http://schemas.microsoft.com/office/powerpoint/2010/main" val="202095491"/>
-      </p:ext>
-    </p:extLst>
-  </p:cSld>
-  <p:clrMapOvr>
-    <a:masterClrMapping/>
-  </p:clrMapOvr>
-</p:notes>
-</file>
-
-<file path=ppt/notesSlides/notesSlide81.xml><?xml version="1.0" encoding="utf-8"?>
-<p:notes xmlns:a="http://schemas.openxmlformats.org/drawingml/2006/main" xmlns:r="http://schemas.openxmlformats.org/officeDocument/2006/relationships" xmlns:p="http://schemas.openxmlformats.org/presentationml/2006/main">
-  <p:cSld>
-    <p:spTree>
-      <p:nvGrpSpPr>
-        <p:cNvPr id="1" name=""/>
-        <p:cNvGrpSpPr/>
-        <p:nvPr/>
-      </p:nvGrpSpPr>
-      <p:grpSpPr>
-        <a:xfrm>
-          <a:off x="0" y="0"/>
-          <a:ext cx="0" cy="0"/>
-          <a:chOff x="0" y="0"/>
-          <a:chExt cx="0" cy="0"/>
-        </a:xfrm>
-      </p:grpSpPr>
-      <p:sp>
-        <p:nvSpPr>
-          <p:cNvPr id="2" name="Slide Image Placeholder 1"/>
-          <p:cNvSpPr>
-            <a:spLocks noGrp="1" noRot="1" noChangeAspect="1"/>
-          </p:cNvSpPr>
-          <p:nvPr>
-            <p:ph type="sldImg"/>
-          </p:nvPr>
-        </p:nvSpPr>
-        <p:spPr/>
-      </p:sp>
-      <p:sp>
-        <p:nvSpPr>
-          <p:cNvPr id="3" name="Notes Placeholder 2"/>
-          <p:cNvSpPr>
-            <a:spLocks noGrp="1"/>
-          </p:cNvSpPr>
-          <p:nvPr>
-            <p:ph type="body" idx="1"/>
-          </p:nvPr>
-        </p:nvSpPr>
-        <p:spPr/>
-        <p:txBody>
-          <a:bodyPr/>
-          <a:lstStyle/>
-          <a:p>
-            <a:endParaRPr lang="en-US"/>
-          </a:p>
-        </p:txBody>
-      </p:sp>
-      <p:sp>
-        <p:nvSpPr>
-          <p:cNvPr id="4" name="Slide Number Placeholder 3"/>
-          <p:cNvSpPr>
-            <a:spLocks noGrp="1"/>
-          </p:cNvSpPr>
-          <p:nvPr>
-            <p:ph type="sldNum" sz="quarter" idx="10"/>
-          </p:nvPr>
-        </p:nvSpPr>
-        <p:spPr/>
-        <p:txBody>
-          <a:bodyPr/>
-          <a:lstStyle/>
-          <a:p>
-            <a:pPr>
-              <a:defRPr/>
-            </a:pPr>
-            <a:fld id="{33C126F0-D5BC-46FB-A5E8-CF5096E10E86}" type="slidenum">
-              <a:rPr lang="en-GB" altLang="ja-JP"/>
-              <a:pPr>
-                <a:defRPr/>
-              </a:pPr>
-              <a:t>81</a:t>
-            </a:fld>
-            <a:endParaRPr lang="en-GB" altLang="ja-JP"/>
-          </a:p>
-        </p:txBody>
-      </p:sp>
-    </p:spTree>
-    <p:extLst>
-      <p:ext uri="{BB962C8B-B14F-4D97-AF65-F5344CB8AC3E}">
-        <p14:creationId xmlns:p14="http://schemas.microsoft.com/office/powerpoint/2010/main" val="4082035084"/>
-      </p:ext>
-    </p:extLst>
-  </p:cSld>
-  <p:clrMapOvr>
-    <a:masterClrMapping/>
-  </p:clrMapOvr>
-</p:notes>
-</file>
-
-<file path=ppt/notesSlides/notesSlide82.xml><?xml version="1.0" encoding="utf-8"?>
-<p:notes xmlns:a="http://schemas.openxmlformats.org/drawingml/2006/main" xmlns:r="http://schemas.openxmlformats.org/officeDocument/2006/relationships" xmlns:p="http://schemas.openxmlformats.org/presentationml/2006/main">
-  <p:cSld>
-    <p:spTree>
-      <p:nvGrpSpPr>
-        <p:cNvPr id="1" name=""/>
-        <p:cNvGrpSpPr/>
-        <p:nvPr/>
-      </p:nvGrpSpPr>
-      <p:grpSpPr>
-        <a:xfrm>
-          <a:off x="0" y="0"/>
-          <a:ext cx="0" cy="0"/>
-          <a:chOff x="0" y="0"/>
-          <a:chExt cx="0" cy="0"/>
-        </a:xfrm>
-      </p:grpSpPr>
-      <p:sp>
-        <p:nvSpPr>
-          <p:cNvPr id="2" name="Slide Image Placeholder 1"/>
-          <p:cNvSpPr>
-            <a:spLocks noGrp="1" noRot="1" noChangeAspect="1"/>
-          </p:cNvSpPr>
-          <p:nvPr>
-            <p:ph type="sldImg"/>
-          </p:nvPr>
-        </p:nvSpPr>
-        <p:spPr/>
-      </p:sp>
-      <p:sp>
-        <p:nvSpPr>
-          <p:cNvPr id="3" name="Notes Placeholder 2"/>
-          <p:cNvSpPr>
-            <a:spLocks noGrp="1"/>
-          </p:cNvSpPr>
-          <p:nvPr>
-            <p:ph type="body" idx="1"/>
-          </p:nvPr>
-        </p:nvSpPr>
-        <p:spPr/>
-        <p:txBody>
-          <a:bodyPr/>
-          <a:lstStyle/>
-          <a:p>
-            <a:endParaRPr lang="en-US"/>
-          </a:p>
-        </p:txBody>
-      </p:sp>
-      <p:sp>
-        <p:nvSpPr>
-          <p:cNvPr id="4" name="Slide Number Placeholder 3"/>
-          <p:cNvSpPr>
-            <a:spLocks noGrp="1"/>
-          </p:cNvSpPr>
-          <p:nvPr>
-            <p:ph type="sldNum" sz="quarter" idx="10"/>
-          </p:nvPr>
-        </p:nvSpPr>
-        <p:spPr/>
-        <p:txBody>
-          <a:bodyPr/>
-          <a:lstStyle/>
-          <a:p>
-            <a:pPr>
-              <a:defRPr/>
-            </a:pPr>
-            <a:fld id="{33C126F0-D5BC-46FB-A5E8-CF5096E10E86}" type="slidenum">
-              <a:rPr lang="en-GB" altLang="ja-JP"/>
-              <a:pPr>
-                <a:defRPr/>
-              </a:pPr>
-              <a:t>82</a:t>
-            </a:fld>
-            <a:endParaRPr lang="en-GB" altLang="ja-JP"/>
-          </a:p>
-        </p:txBody>
-      </p:sp>
-    </p:spTree>
-    <p:extLst>
-      <p:ext uri="{BB962C8B-B14F-4D97-AF65-F5344CB8AC3E}">
-        <p14:creationId xmlns:p14="http://schemas.microsoft.com/office/powerpoint/2010/main" val="4281853635"/>
-      </p:ext>
-    </p:extLst>
-  </p:cSld>
-  <p:clrMapOvr>
-    <a:masterClrMapping/>
-  </p:clrMapOvr>
-</p:notes>
-</file>
-
-<file path=ppt/notesSlides/notesSlide83.xml><?xml version="1.0" encoding="utf-8"?>
-<p:notes xmlns:a="http://schemas.openxmlformats.org/drawingml/2006/main" xmlns:r="http://schemas.openxmlformats.org/officeDocument/2006/relationships" xmlns:p="http://schemas.openxmlformats.org/presentationml/2006/main">
-  <p:cSld>
-    <p:spTree>
-      <p:nvGrpSpPr>
-        <p:cNvPr id="1" name=""/>
-        <p:cNvGrpSpPr/>
-        <p:nvPr/>
-      </p:nvGrpSpPr>
-      <p:grpSpPr>
-        <a:xfrm>
-          <a:off x="0" y="0"/>
-          <a:ext cx="0" cy="0"/>
-          <a:chOff x="0" y="0"/>
-          <a:chExt cx="0" cy="0"/>
-        </a:xfrm>
-      </p:grpSpPr>
-      <p:sp>
-        <p:nvSpPr>
-          <p:cNvPr id="2" name="Slide Image Placeholder 1"/>
-          <p:cNvSpPr>
-            <a:spLocks noGrp="1" noRot="1" noChangeAspect="1"/>
-          </p:cNvSpPr>
-          <p:nvPr>
-            <p:ph type="sldImg"/>
-          </p:nvPr>
-        </p:nvSpPr>
-        <p:spPr/>
-      </p:sp>
-      <p:sp>
-        <p:nvSpPr>
-          <p:cNvPr id="3" name="Notes Placeholder 2"/>
-          <p:cNvSpPr>
-            <a:spLocks noGrp="1"/>
-          </p:cNvSpPr>
-          <p:nvPr>
-            <p:ph type="body" idx="1"/>
-          </p:nvPr>
-        </p:nvSpPr>
-        <p:spPr/>
-        <p:txBody>
-          <a:bodyPr/>
-          <a:lstStyle/>
-          <a:p>
-            <a:endParaRPr lang="en-US"/>
-          </a:p>
-        </p:txBody>
-      </p:sp>
-      <p:sp>
-        <p:nvSpPr>
-          <p:cNvPr id="4" name="Slide Number Placeholder 3"/>
-          <p:cNvSpPr>
-            <a:spLocks noGrp="1"/>
-          </p:cNvSpPr>
-          <p:nvPr>
-            <p:ph type="sldNum" sz="quarter" idx="10"/>
-          </p:nvPr>
-        </p:nvSpPr>
-        <p:spPr/>
-        <p:txBody>
-          <a:bodyPr/>
-          <a:lstStyle/>
-          <a:p>
-            <a:pPr>
-              <a:defRPr/>
-            </a:pPr>
-            <a:fld id="{33C126F0-D5BC-46FB-A5E8-CF5096E10E86}" type="slidenum">
-              <a:rPr lang="en-GB" altLang="ja-JP"/>
-              <a:pPr>
-                <a:defRPr/>
-              </a:pPr>
-              <a:t>83</a:t>
-            </a:fld>
-            <a:endParaRPr lang="en-GB" altLang="ja-JP"/>
-          </a:p>
-        </p:txBody>
-      </p:sp>
-    </p:spTree>
-    <p:extLst>
-      <p:ext uri="{BB962C8B-B14F-4D97-AF65-F5344CB8AC3E}">
-        <p14:creationId xmlns:p14="http://schemas.microsoft.com/office/powerpoint/2010/main" val="586193702"/>
-      </p:ext>
-    </p:extLst>
-  </p:cSld>
-  <p:clrMapOvr>
-    <a:masterClrMapping/>
-  </p:clrMapOvr>
-</p:notes>
-</file>
-
-<file path=ppt/notesSlides/notesSlide84.xml><?xml version="1.0" encoding="utf-8"?>
-<p:notes xmlns:a="http://schemas.openxmlformats.org/drawingml/2006/main" xmlns:r="http://schemas.openxmlformats.org/officeDocument/2006/relationships" xmlns:p="http://schemas.openxmlformats.org/presentationml/2006/main">
-  <p:cSld>
-    <p:spTree>
-      <p:nvGrpSpPr>
-        <p:cNvPr id="1" name=""/>
-        <p:cNvGrpSpPr/>
-        <p:nvPr/>
-      </p:nvGrpSpPr>
-      <p:grpSpPr>
-        <a:xfrm>
-          <a:off x="0" y="0"/>
-          <a:ext cx="0" cy="0"/>
-          <a:chOff x="0" y="0"/>
-          <a:chExt cx="0" cy="0"/>
-        </a:xfrm>
-      </p:grpSpPr>
-      <p:sp>
-        <p:nvSpPr>
-          <p:cNvPr id="2" name="Slide Image Placeholder 1"/>
-          <p:cNvSpPr>
-            <a:spLocks noGrp="1" noRot="1" noChangeAspect="1"/>
-          </p:cNvSpPr>
-          <p:nvPr>
-            <p:ph type="sldImg"/>
-          </p:nvPr>
-        </p:nvSpPr>
-        <p:spPr/>
-      </p:sp>
-      <p:sp>
-        <p:nvSpPr>
-          <p:cNvPr id="3" name="Notes Placeholder 2"/>
-          <p:cNvSpPr>
-            <a:spLocks noGrp="1"/>
-          </p:cNvSpPr>
-          <p:nvPr>
-            <p:ph type="body" idx="1"/>
-          </p:nvPr>
-        </p:nvSpPr>
-        <p:spPr/>
-        <p:txBody>
-          <a:bodyPr/>
-          <a:lstStyle/>
-          <a:p>
-            <a:endParaRPr lang="en-US"/>
-          </a:p>
-        </p:txBody>
-      </p:sp>
-      <p:sp>
-        <p:nvSpPr>
-          <p:cNvPr id="4" name="Slide Number Placeholder 3"/>
-          <p:cNvSpPr>
-            <a:spLocks noGrp="1"/>
-          </p:cNvSpPr>
-          <p:nvPr>
-            <p:ph type="sldNum" sz="quarter" idx="10"/>
-          </p:nvPr>
-        </p:nvSpPr>
-        <p:spPr/>
-        <p:txBody>
-          <a:bodyPr/>
-          <a:lstStyle/>
-          <a:p>
-            <a:pPr>
-              <a:defRPr/>
-            </a:pPr>
-            <a:fld id="{33C126F0-D5BC-46FB-A5E8-CF5096E10E86}" type="slidenum">
-              <a:rPr lang="en-GB" altLang="ja-JP"/>
-              <a:pPr>
-                <a:defRPr/>
-              </a:pPr>
-              <a:t>84</a:t>
-            </a:fld>
-            <a:endParaRPr lang="en-GB" altLang="ja-JP"/>
-          </a:p>
-        </p:txBody>
-      </p:sp>
-    </p:spTree>
-    <p:extLst>
-      <p:ext uri="{BB962C8B-B14F-4D97-AF65-F5344CB8AC3E}">
-        <p14:creationId xmlns:p14="http://schemas.microsoft.com/office/powerpoint/2010/main" val="526888811"/>
-      </p:ext>
-    </p:extLst>
-  </p:cSld>
-  <p:clrMapOvr>
-    <a:masterClrMapping/>
-  </p:clrMapOvr>
-</p:notes>
-</file>
-
-<file path=ppt/notesSlides/notesSlide85.xml><?xml version="1.0" encoding="utf-8"?>
-<p:notes xmlns:a="http://schemas.openxmlformats.org/drawingml/2006/main" xmlns:r="http://schemas.openxmlformats.org/officeDocument/2006/relationships" xmlns:p="http://schemas.openxmlformats.org/presentationml/2006/main">
-  <p:cSld>
-    <p:spTree>
-      <p:nvGrpSpPr>
-        <p:cNvPr id="1" name=""/>
-        <p:cNvGrpSpPr/>
-        <p:nvPr/>
-      </p:nvGrpSpPr>
-      <p:grpSpPr>
-        <a:xfrm>
-          <a:off x="0" y="0"/>
-          <a:ext cx="0" cy="0"/>
-          <a:chOff x="0" y="0"/>
-          <a:chExt cx="0" cy="0"/>
-        </a:xfrm>
-      </p:grpSpPr>
-      <p:sp>
-        <p:nvSpPr>
-          <p:cNvPr id="2" name="Slide Image Placeholder 1"/>
-          <p:cNvSpPr>
-            <a:spLocks noGrp="1" noRot="1" noChangeAspect="1"/>
-          </p:cNvSpPr>
-          <p:nvPr>
-            <p:ph type="sldImg"/>
-          </p:nvPr>
-        </p:nvSpPr>
-        <p:spPr/>
-      </p:sp>
-      <p:sp>
-        <p:nvSpPr>
-          <p:cNvPr id="3" name="Notes Placeholder 2"/>
-          <p:cNvSpPr>
-            <a:spLocks noGrp="1"/>
-          </p:cNvSpPr>
-          <p:nvPr>
-            <p:ph type="body" idx="1"/>
-          </p:nvPr>
-        </p:nvSpPr>
-        <p:spPr/>
-        <p:txBody>
-          <a:bodyPr/>
-          <a:lstStyle/>
-          <a:p>
-            <a:endParaRPr lang="en-US"/>
-          </a:p>
-        </p:txBody>
-      </p:sp>
-      <p:sp>
-        <p:nvSpPr>
-          <p:cNvPr id="4" name="Slide Number Placeholder 3"/>
-          <p:cNvSpPr>
-            <a:spLocks noGrp="1"/>
-          </p:cNvSpPr>
-          <p:nvPr>
-            <p:ph type="sldNum" sz="quarter" idx="10"/>
-          </p:nvPr>
-        </p:nvSpPr>
-        <p:spPr/>
-        <p:txBody>
-          <a:bodyPr/>
-          <a:lstStyle/>
-          <a:p>
-            <a:pPr>
-              <a:defRPr/>
-            </a:pPr>
-            <a:fld id="{33C126F0-D5BC-46FB-A5E8-CF5096E10E86}" type="slidenum">
-              <a:rPr lang="en-GB" altLang="ja-JP"/>
-              <a:pPr>
-                <a:defRPr/>
-              </a:pPr>
-              <a:t>85</a:t>
-            </a:fld>
-            <a:endParaRPr lang="en-GB" altLang="ja-JP"/>
-          </a:p>
-        </p:txBody>
-      </p:sp>
-    </p:spTree>
-    <p:extLst>
-      <p:ext uri="{BB962C8B-B14F-4D97-AF65-F5344CB8AC3E}">
-        <p14:creationId xmlns:p14="http://schemas.microsoft.com/office/powerpoint/2010/main" val="3904754767"/>
-      </p:ext>
-    </p:extLst>
-  </p:cSld>
-  <p:clrMapOvr>
-    <a:masterClrMapping/>
-  </p:clrMapOvr>
-</p:notes>
-</file>
-
-<file path=ppt/notesSlides/notesSlide86.xml><?xml version="1.0" encoding="utf-8"?>
-<p:notes xmlns:a="http://schemas.openxmlformats.org/drawingml/2006/main" xmlns:r="http://schemas.openxmlformats.org/officeDocument/2006/relationships" xmlns:p="http://schemas.openxmlformats.org/presentationml/2006/main">
-  <p:cSld>
-    <p:spTree>
-      <p:nvGrpSpPr>
-        <p:cNvPr id="1" name=""/>
-        <p:cNvGrpSpPr/>
-        <p:nvPr/>
-      </p:nvGrpSpPr>
-      <p:grpSpPr>
-        <a:xfrm>
-          <a:off x="0" y="0"/>
-          <a:ext cx="0" cy="0"/>
-          <a:chOff x="0" y="0"/>
-          <a:chExt cx="0" cy="0"/>
-        </a:xfrm>
-      </p:grpSpPr>
-      <p:sp>
-        <p:nvSpPr>
-          <p:cNvPr id="2" name="Slide Image Placeholder 1"/>
-          <p:cNvSpPr>
-            <a:spLocks noGrp="1" noRot="1" noChangeAspect="1"/>
-          </p:cNvSpPr>
-          <p:nvPr>
-            <p:ph type="sldImg"/>
-          </p:nvPr>
-        </p:nvSpPr>
-        <p:spPr/>
-      </p:sp>
-      <p:sp>
-        <p:nvSpPr>
-          <p:cNvPr id="3" name="Notes Placeholder 2"/>
-          <p:cNvSpPr>
-            <a:spLocks noGrp="1"/>
-          </p:cNvSpPr>
-          <p:nvPr>
-            <p:ph type="body" idx="1"/>
-          </p:nvPr>
-        </p:nvSpPr>
-        <p:spPr/>
-        <p:txBody>
-          <a:bodyPr/>
-          <a:lstStyle/>
-          <a:p>
-            <a:endParaRPr lang="en-US"/>
-          </a:p>
-        </p:txBody>
-      </p:sp>
-      <p:sp>
-        <p:nvSpPr>
-          <p:cNvPr id="4" name="Slide Number Placeholder 3"/>
-          <p:cNvSpPr>
-            <a:spLocks noGrp="1"/>
-          </p:cNvSpPr>
-          <p:nvPr>
-            <p:ph type="sldNum" sz="quarter" idx="10"/>
-          </p:nvPr>
-        </p:nvSpPr>
-        <p:spPr/>
-        <p:txBody>
-          <a:bodyPr/>
-          <a:lstStyle/>
-          <a:p>
-            <a:pPr>
-              <a:defRPr/>
-            </a:pPr>
-            <a:fld id="{33C126F0-D5BC-46FB-A5E8-CF5096E10E86}" type="slidenum">
-              <a:rPr lang="en-GB" altLang="ja-JP"/>
-              <a:pPr>
-                <a:defRPr/>
-              </a:pPr>
-              <a:t>86</a:t>
-            </a:fld>
-            <a:endParaRPr lang="en-GB" altLang="ja-JP"/>
-          </a:p>
-        </p:txBody>
-      </p:sp>
-    </p:spTree>
-    <p:extLst>
-      <p:ext uri="{BB962C8B-B14F-4D97-AF65-F5344CB8AC3E}">
-        <p14:creationId xmlns:p14="http://schemas.microsoft.com/office/powerpoint/2010/main" val="4083743259"/>
-      </p:ext>
-    </p:extLst>
-  </p:cSld>
-  <p:clrMapOvr>
-    <a:masterClrMapping/>
-  </p:clrMapOvr>
-</p:notes>
-</file>
-
-<file path=ppt/notesSlides/notesSlide87.xml><?xml version="1.0" encoding="utf-8"?>
-<p:notes xmlns:a="http://schemas.openxmlformats.org/drawingml/2006/main" xmlns:r="http://schemas.openxmlformats.org/officeDocument/2006/relationships" xmlns:p="http://schemas.openxmlformats.org/presentationml/2006/main">
-  <p:cSld>
-    <p:spTree>
-      <p:nvGrpSpPr>
-        <p:cNvPr id="1" name=""/>
-        <p:cNvGrpSpPr/>
-        <p:nvPr/>
-      </p:nvGrpSpPr>
-      <p:grpSpPr>
-        <a:xfrm>
-          <a:off x="0" y="0"/>
-          <a:ext cx="0" cy="0"/>
-          <a:chOff x="0" y="0"/>
-          <a:chExt cx="0" cy="0"/>
-        </a:xfrm>
-      </p:grpSpPr>
-      <p:sp>
-        <p:nvSpPr>
-          <p:cNvPr id="2" name="Slide Image Placeholder 1"/>
-          <p:cNvSpPr>
-            <a:spLocks noGrp="1" noRot="1" noChangeAspect="1"/>
-          </p:cNvSpPr>
-          <p:nvPr>
-            <p:ph type="sldImg"/>
-          </p:nvPr>
-        </p:nvSpPr>
-        <p:spPr/>
-      </p:sp>
-      <p:sp>
-        <p:nvSpPr>
-          <p:cNvPr id="3" name="Notes Placeholder 2"/>
-          <p:cNvSpPr>
-            <a:spLocks noGrp="1"/>
-          </p:cNvSpPr>
-          <p:nvPr>
-            <p:ph type="body" idx="1"/>
-          </p:nvPr>
-        </p:nvSpPr>
-        <p:spPr/>
-        <p:txBody>
-          <a:bodyPr/>
-          <a:lstStyle/>
-          <a:p>
-            <a:endParaRPr lang="en-US"/>
-          </a:p>
-        </p:txBody>
-      </p:sp>
-      <p:sp>
-        <p:nvSpPr>
-          <p:cNvPr id="4" name="Slide Number Placeholder 3"/>
-          <p:cNvSpPr>
-            <a:spLocks noGrp="1"/>
-          </p:cNvSpPr>
-          <p:nvPr>
-            <p:ph type="sldNum" sz="quarter" idx="10"/>
-          </p:nvPr>
-        </p:nvSpPr>
-        <p:spPr/>
-        <p:txBody>
-          <a:bodyPr/>
-          <a:lstStyle/>
-          <a:p>
-            <a:pPr>
-              <a:defRPr/>
-            </a:pPr>
-            <a:fld id="{33C126F0-D5BC-46FB-A5E8-CF5096E10E86}" type="slidenum">
-              <a:rPr lang="en-GB" altLang="ja-JP"/>
-              <a:pPr>
-                <a:defRPr/>
-              </a:pPr>
-              <a:t>87</a:t>
-            </a:fld>
-            <a:endParaRPr lang="en-GB" altLang="ja-JP"/>
-          </a:p>
-        </p:txBody>
-      </p:sp>
-    </p:spTree>
-    <p:extLst>
-      <p:ext uri="{BB962C8B-B14F-4D97-AF65-F5344CB8AC3E}">
-        <p14:creationId xmlns:p14="http://schemas.microsoft.com/office/powerpoint/2010/main" val="2801047731"/>
-      </p:ext>
-    </p:extLst>
-  </p:cSld>
-  <p:clrMapOvr>
-    <a:masterClrMapping/>
-  </p:clrMapOvr>
-</p:notes>
-</file>
-
-<file path=ppt/notesSlides/notesSlide88.xml><?xml version="1.0" encoding="utf-8"?>
-<p:notes xmlns:a="http://schemas.openxmlformats.org/drawingml/2006/main" xmlns:r="http://schemas.openxmlformats.org/officeDocument/2006/relationships" xmlns:p="http://schemas.openxmlformats.org/presentationml/2006/main">
-  <p:cSld>
-    <p:spTree>
-      <p:nvGrpSpPr>
-        <p:cNvPr id="1" name=""/>
-        <p:cNvGrpSpPr/>
-        <p:nvPr/>
-      </p:nvGrpSpPr>
-      <p:grpSpPr>
-        <a:xfrm>
-          <a:off x="0" y="0"/>
-          <a:ext cx="0" cy="0"/>
-          <a:chOff x="0" y="0"/>
-          <a:chExt cx="0" cy="0"/>
-        </a:xfrm>
-      </p:grpSpPr>
-      <p:sp>
-        <p:nvSpPr>
-          <p:cNvPr id="2" name="Slide Image Placeholder 1"/>
-          <p:cNvSpPr>
-            <a:spLocks noGrp="1" noRot="1" noChangeAspect="1"/>
-          </p:cNvSpPr>
-          <p:nvPr>
-            <p:ph type="sldImg"/>
-          </p:nvPr>
-        </p:nvSpPr>
-        <p:spPr/>
-      </p:sp>
-      <p:sp>
-        <p:nvSpPr>
-          <p:cNvPr id="3" name="Notes Placeholder 2"/>
-          <p:cNvSpPr>
-            <a:spLocks noGrp="1"/>
-          </p:cNvSpPr>
-          <p:nvPr>
-            <p:ph type="body" idx="1"/>
-          </p:nvPr>
-        </p:nvSpPr>
-        <p:spPr/>
-        <p:txBody>
-          <a:bodyPr/>
-          <a:lstStyle/>
-          <a:p>
-            <a:endParaRPr lang="en-US"/>
-          </a:p>
-        </p:txBody>
-      </p:sp>
-      <p:sp>
-        <p:nvSpPr>
-          <p:cNvPr id="4" name="Slide Number Placeholder 3"/>
-          <p:cNvSpPr>
-            <a:spLocks noGrp="1"/>
-          </p:cNvSpPr>
-          <p:nvPr>
-            <p:ph type="sldNum" sz="quarter" idx="10"/>
-          </p:nvPr>
-        </p:nvSpPr>
-        <p:spPr/>
-        <p:txBody>
-          <a:bodyPr/>
-          <a:lstStyle/>
-          <a:p>
-            <a:pPr>
-              <a:defRPr/>
-            </a:pPr>
-            <a:fld id="{33C126F0-D5BC-46FB-A5E8-CF5096E10E86}" type="slidenum">
-              <a:rPr lang="en-GB" altLang="ja-JP"/>
-              <a:pPr>
-                <a:defRPr/>
-              </a:pPr>
-              <a:t>88</a:t>
-            </a:fld>
-            <a:endParaRPr lang="en-GB" altLang="ja-JP"/>
-          </a:p>
-        </p:txBody>
-      </p:sp>
-    </p:spTree>
-    <p:extLst>
-      <p:ext uri="{BB962C8B-B14F-4D97-AF65-F5344CB8AC3E}">
-        <p14:creationId xmlns:p14="http://schemas.microsoft.com/office/powerpoint/2010/main" val="499054019"/>
-      </p:ext>
-    </p:extLst>
-  </p:cSld>
-  <p:clrMapOvr>
-    <a:masterClrMapping/>
-  </p:clrMapOvr>
-</p:notes>
-</file>
-
-<file path=ppt/notesSlides/notesSlide89.xml><?xml version="1.0" encoding="utf-8"?>
-<p:notes xmlns:a="http://schemas.openxmlformats.org/drawingml/2006/main" xmlns:r="http://schemas.openxmlformats.org/officeDocument/2006/relationships" xmlns:p="http://schemas.openxmlformats.org/presentationml/2006/main">
-  <p:cSld>
-    <p:spTree>
-      <p:nvGrpSpPr>
-        <p:cNvPr id="1" name=""/>
-        <p:cNvGrpSpPr/>
-        <p:nvPr/>
-      </p:nvGrpSpPr>
-      <p:grpSpPr>
-        <a:xfrm>
-          <a:off x="0" y="0"/>
-          <a:ext cx="0" cy="0"/>
-          <a:chOff x="0" y="0"/>
-          <a:chExt cx="0" cy="0"/>
-        </a:xfrm>
-      </p:grpSpPr>
-      <p:sp>
-        <p:nvSpPr>
-          <p:cNvPr id="2" name="Slide Image Placeholder 1"/>
-          <p:cNvSpPr>
-            <a:spLocks noGrp="1" noRot="1" noChangeAspect="1"/>
-          </p:cNvSpPr>
-          <p:nvPr>
-            <p:ph type="sldImg"/>
-          </p:nvPr>
-        </p:nvSpPr>
-        <p:spPr/>
-      </p:sp>
-      <p:sp>
-        <p:nvSpPr>
-          <p:cNvPr id="3" name="Notes Placeholder 2"/>
-          <p:cNvSpPr>
-            <a:spLocks noGrp="1"/>
-          </p:cNvSpPr>
-          <p:nvPr>
-            <p:ph type="body" idx="1"/>
-          </p:nvPr>
-        </p:nvSpPr>
-        <p:spPr/>
-        <p:txBody>
-          <a:bodyPr/>
-          <a:lstStyle/>
-          <a:p>
-            <a:endParaRPr lang="en-US"/>
-          </a:p>
-        </p:txBody>
-      </p:sp>
-      <p:sp>
-        <p:nvSpPr>
-          <p:cNvPr id="4" name="Slide Number Placeholder 3"/>
-          <p:cNvSpPr>
-            <a:spLocks noGrp="1"/>
-          </p:cNvSpPr>
-          <p:nvPr>
-            <p:ph type="sldNum" sz="quarter" idx="10"/>
-          </p:nvPr>
-        </p:nvSpPr>
-        <p:spPr/>
-        <p:txBody>
-          <a:bodyPr/>
-          <a:lstStyle/>
-          <a:p>
-            <a:pPr>
-              <a:defRPr/>
-            </a:pPr>
-            <a:fld id="{33C126F0-D5BC-46FB-A5E8-CF5096E10E86}" type="slidenum">
-              <a:rPr lang="en-GB" altLang="ja-JP"/>
-              <a:pPr>
-                <a:defRPr/>
-              </a:pPr>
-              <a:t>89</a:t>
-            </a:fld>
-            <a:endParaRPr lang="en-GB" altLang="ja-JP"/>
-          </a:p>
-        </p:txBody>
-      </p:sp>
-    </p:spTree>
-    <p:extLst>
-      <p:ext uri="{BB962C8B-B14F-4D97-AF65-F5344CB8AC3E}">
-        <p14:creationId xmlns:p14="http://schemas.microsoft.com/office/powerpoint/2010/main" val="3948131479"/>
+        <p14:creationId xmlns:p14="http://schemas.microsoft.com/office/powerpoint/2010/main" val="821999432"/>
       </p:ext>
     </p:extLst>
   </p:cSld>
@@ -8795,907 +7875,7 @@
     </p:spTree>
     <p:extLst>
       <p:ext uri="{BB962C8B-B14F-4D97-AF65-F5344CB8AC3E}">
-        <p14:creationId xmlns:p14="http://schemas.microsoft.com/office/powerpoint/2010/main" val="2738394394"/>
-      </p:ext>
-    </p:extLst>
-  </p:cSld>
-  <p:clrMapOvr>
-    <a:masterClrMapping/>
-  </p:clrMapOvr>
-</p:notes>
-</file>
-
-<file path=ppt/notesSlides/notesSlide90.xml><?xml version="1.0" encoding="utf-8"?>
-<p:notes xmlns:a="http://schemas.openxmlformats.org/drawingml/2006/main" xmlns:r="http://schemas.openxmlformats.org/officeDocument/2006/relationships" xmlns:p="http://schemas.openxmlformats.org/presentationml/2006/main">
-  <p:cSld>
-    <p:spTree>
-      <p:nvGrpSpPr>
-        <p:cNvPr id="1" name=""/>
-        <p:cNvGrpSpPr/>
-        <p:nvPr/>
-      </p:nvGrpSpPr>
-      <p:grpSpPr>
-        <a:xfrm>
-          <a:off x="0" y="0"/>
-          <a:ext cx="0" cy="0"/>
-          <a:chOff x="0" y="0"/>
-          <a:chExt cx="0" cy="0"/>
-        </a:xfrm>
-      </p:grpSpPr>
-      <p:sp>
-        <p:nvSpPr>
-          <p:cNvPr id="2" name="Slide Image Placeholder 1"/>
-          <p:cNvSpPr>
-            <a:spLocks noGrp="1" noRot="1" noChangeAspect="1"/>
-          </p:cNvSpPr>
-          <p:nvPr>
-            <p:ph type="sldImg"/>
-          </p:nvPr>
-        </p:nvSpPr>
-        <p:spPr/>
-      </p:sp>
-      <p:sp>
-        <p:nvSpPr>
-          <p:cNvPr id="3" name="Notes Placeholder 2"/>
-          <p:cNvSpPr>
-            <a:spLocks noGrp="1"/>
-          </p:cNvSpPr>
-          <p:nvPr>
-            <p:ph type="body" idx="1"/>
-          </p:nvPr>
-        </p:nvSpPr>
-        <p:spPr/>
-        <p:txBody>
-          <a:bodyPr/>
-          <a:lstStyle/>
-          <a:p>
-            <a:endParaRPr lang="en-US"/>
-          </a:p>
-        </p:txBody>
-      </p:sp>
-      <p:sp>
-        <p:nvSpPr>
-          <p:cNvPr id="4" name="Slide Number Placeholder 3"/>
-          <p:cNvSpPr>
-            <a:spLocks noGrp="1"/>
-          </p:cNvSpPr>
-          <p:nvPr>
-            <p:ph type="sldNum" sz="quarter" idx="10"/>
-          </p:nvPr>
-        </p:nvSpPr>
-        <p:spPr/>
-        <p:txBody>
-          <a:bodyPr/>
-          <a:lstStyle/>
-          <a:p>
-            <a:pPr>
-              <a:defRPr/>
-            </a:pPr>
-            <a:fld id="{33C126F0-D5BC-46FB-A5E8-CF5096E10E86}" type="slidenum">
-              <a:rPr lang="en-GB" altLang="ja-JP"/>
-              <a:pPr>
-                <a:defRPr/>
-              </a:pPr>
-              <a:t>90</a:t>
-            </a:fld>
-            <a:endParaRPr lang="en-GB" altLang="ja-JP"/>
-          </a:p>
-        </p:txBody>
-      </p:sp>
-    </p:spTree>
-    <p:extLst>
-      <p:ext uri="{BB962C8B-B14F-4D97-AF65-F5344CB8AC3E}">
-        <p14:creationId xmlns:p14="http://schemas.microsoft.com/office/powerpoint/2010/main" val="3105358783"/>
-      </p:ext>
-    </p:extLst>
-  </p:cSld>
-  <p:clrMapOvr>
-    <a:masterClrMapping/>
-  </p:clrMapOvr>
-</p:notes>
-</file>
-
-<file path=ppt/notesSlides/notesSlide91.xml><?xml version="1.0" encoding="utf-8"?>
-<p:notes xmlns:a="http://schemas.openxmlformats.org/drawingml/2006/main" xmlns:r="http://schemas.openxmlformats.org/officeDocument/2006/relationships" xmlns:p="http://schemas.openxmlformats.org/presentationml/2006/main">
-  <p:cSld>
-    <p:spTree>
-      <p:nvGrpSpPr>
-        <p:cNvPr id="1" name=""/>
-        <p:cNvGrpSpPr/>
-        <p:nvPr/>
-      </p:nvGrpSpPr>
-      <p:grpSpPr>
-        <a:xfrm>
-          <a:off x="0" y="0"/>
-          <a:ext cx="0" cy="0"/>
-          <a:chOff x="0" y="0"/>
-          <a:chExt cx="0" cy="0"/>
-        </a:xfrm>
-      </p:grpSpPr>
-      <p:sp>
-        <p:nvSpPr>
-          <p:cNvPr id="2" name="Slide Image Placeholder 1"/>
-          <p:cNvSpPr>
-            <a:spLocks noGrp="1" noRot="1" noChangeAspect="1"/>
-          </p:cNvSpPr>
-          <p:nvPr>
-            <p:ph type="sldImg"/>
-          </p:nvPr>
-        </p:nvSpPr>
-        <p:spPr/>
-      </p:sp>
-      <p:sp>
-        <p:nvSpPr>
-          <p:cNvPr id="3" name="Notes Placeholder 2"/>
-          <p:cNvSpPr>
-            <a:spLocks noGrp="1"/>
-          </p:cNvSpPr>
-          <p:nvPr>
-            <p:ph type="body" idx="1"/>
-          </p:nvPr>
-        </p:nvSpPr>
-        <p:spPr/>
-        <p:txBody>
-          <a:bodyPr/>
-          <a:lstStyle/>
-          <a:p>
-            <a:endParaRPr lang="en-US"/>
-          </a:p>
-        </p:txBody>
-      </p:sp>
-      <p:sp>
-        <p:nvSpPr>
-          <p:cNvPr id="4" name="Slide Number Placeholder 3"/>
-          <p:cNvSpPr>
-            <a:spLocks noGrp="1"/>
-          </p:cNvSpPr>
-          <p:nvPr>
-            <p:ph type="sldNum" sz="quarter" idx="10"/>
-          </p:nvPr>
-        </p:nvSpPr>
-        <p:spPr/>
-        <p:txBody>
-          <a:bodyPr/>
-          <a:lstStyle/>
-          <a:p>
-            <a:pPr>
-              <a:defRPr/>
-            </a:pPr>
-            <a:fld id="{33C126F0-D5BC-46FB-A5E8-CF5096E10E86}" type="slidenum">
-              <a:rPr lang="en-GB" altLang="ja-JP"/>
-              <a:pPr>
-                <a:defRPr/>
-              </a:pPr>
-              <a:t>91</a:t>
-            </a:fld>
-            <a:endParaRPr lang="en-GB" altLang="ja-JP"/>
-          </a:p>
-        </p:txBody>
-      </p:sp>
-    </p:spTree>
-    <p:extLst>
-      <p:ext uri="{BB962C8B-B14F-4D97-AF65-F5344CB8AC3E}">
-        <p14:creationId xmlns:p14="http://schemas.microsoft.com/office/powerpoint/2010/main" val="2913525057"/>
-      </p:ext>
-    </p:extLst>
-  </p:cSld>
-  <p:clrMapOvr>
-    <a:masterClrMapping/>
-  </p:clrMapOvr>
-</p:notes>
-</file>
-
-<file path=ppt/notesSlides/notesSlide92.xml><?xml version="1.0" encoding="utf-8"?>
-<p:notes xmlns:a="http://schemas.openxmlformats.org/drawingml/2006/main" xmlns:r="http://schemas.openxmlformats.org/officeDocument/2006/relationships" xmlns:p="http://schemas.openxmlformats.org/presentationml/2006/main">
-  <p:cSld>
-    <p:spTree>
-      <p:nvGrpSpPr>
-        <p:cNvPr id="1" name=""/>
-        <p:cNvGrpSpPr/>
-        <p:nvPr/>
-      </p:nvGrpSpPr>
-      <p:grpSpPr>
-        <a:xfrm>
-          <a:off x="0" y="0"/>
-          <a:ext cx="0" cy="0"/>
-          <a:chOff x="0" y="0"/>
-          <a:chExt cx="0" cy="0"/>
-        </a:xfrm>
-      </p:grpSpPr>
-      <p:sp>
-        <p:nvSpPr>
-          <p:cNvPr id="2" name="Slide Image Placeholder 1"/>
-          <p:cNvSpPr>
-            <a:spLocks noGrp="1" noRot="1" noChangeAspect="1"/>
-          </p:cNvSpPr>
-          <p:nvPr>
-            <p:ph type="sldImg"/>
-          </p:nvPr>
-        </p:nvSpPr>
-        <p:spPr/>
-      </p:sp>
-      <p:sp>
-        <p:nvSpPr>
-          <p:cNvPr id="3" name="Notes Placeholder 2"/>
-          <p:cNvSpPr>
-            <a:spLocks noGrp="1"/>
-          </p:cNvSpPr>
-          <p:nvPr>
-            <p:ph type="body" idx="1"/>
-          </p:nvPr>
-        </p:nvSpPr>
-        <p:spPr/>
-        <p:txBody>
-          <a:bodyPr/>
-          <a:lstStyle/>
-          <a:p>
-            <a:endParaRPr lang="en-US"/>
-          </a:p>
-        </p:txBody>
-      </p:sp>
-      <p:sp>
-        <p:nvSpPr>
-          <p:cNvPr id="4" name="Slide Number Placeholder 3"/>
-          <p:cNvSpPr>
-            <a:spLocks noGrp="1"/>
-          </p:cNvSpPr>
-          <p:nvPr>
-            <p:ph type="sldNum" sz="quarter" idx="10"/>
-          </p:nvPr>
-        </p:nvSpPr>
-        <p:spPr/>
-        <p:txBody>
-          <a:bodyPr/>
-          <a:lstStyle/>
-          <a:p>
-            <a:pPr>
-              <a:defRPr/>
-            </a:pPr>
-            <a:fld id="{33C126F0-D5BC-46FB-A5E8-CF5096E10E86}" type="slidenum">
-              <a:rPr lang="en-GB" altLang="ja-JP"/>
-              <a:pPr>
-                <a:defRPr/>
-              </a:pPr>
-              <a:t>92</a:t>
-            </a:fld>
-            <a:endParaRPr lang="en-GB" altLang="ja-JP"/>
-          </a:p>
-        </p:txBody>
-      </p:sp>
-    </p:spTree>
-    <p:extLst>
-      <p:ext uri="{BB962C8B-B14F-4D97-AF65-F5344CB8AC3E}">
-        <p14:creationId xmlns:p14="http://schemas.microsoft.com/office/powerpoint/2010/main" val="3709410151"/>
-      </p:ext>
-    </p:extLst>
-  </p:cSld>
-  <p:clrMapOvr>
-    <a:masterClrMapping/>
-  </p:clrMapOvr>
-</p:notes>
-</file>
-
-<file path=ppt/notesSlides/notesSlide93.xml><?xml version="1.0" encoding="utf-8"?>
-<p:notes xmlns:a="http://schemas.openxmlformats.org/drawingml/2006/main" xmlns:r="http://schemas.openxmlformats.org/officeDocument/2006/relationships" xmlns:p="http://schemas.openxmlformats.org/presentationml/2006/main">
-  <p:cSld>
-    <p:spTree>
-      <p:nvGrpSpPr>
-        <p:cNvPr id="1" name=""/>
-        <p:cNvGrpSpPr/>
-        <p:nvPr/>
-      </p:nvGrpSpPr>
-      <p:grpSpPr>
-        <a:xfrm>
-          <a:off x="0" y="0"/>
-          <a:ext cx="0" cy="0"/>
-          <a:chOff x="0" y="0"/>
-          <a:chExt cx="0" cy="0"/>
-        </a:xfrm>
-      </p:grpSpPr>
-      <p:sp>
-        <p:nvSpPr>
-          <p:cNvPr id="2" name="Slide Image Placeholder 1"/>
-          <p:cNvSpPr>
-            <a:spLocks noGrp="1" noRot="1" noChangeAspect="1"/>
-          </p:cNvSpPr>
-          <p:nvPr>
-            <p:ph type="sldImg"/>
-          </p:nvPr>
-        </p:nvSpPr>
-        <p:spPr/>
-      </p:sp>
-      <p:sp>
-        <p:nvSpPr>
-          <p:cNvPr id="3" name="Notes Placeholder 2"/>
-          <p:cNvSpPr>
-            <a:spLocks noGrp="1"/>
-          </p:cNvSpPr>
-          <p:nvPr>
-            <p:ph type="body" idx="1"/>
-          </p:nvPr>
-        </p:nvSpPr>
-        <p:spPr/>
-        <p:txBody>
-          <a:bodyPr/>
-          <a:lstStyle/>
-          <a:p>
-            <a:endParaRPr lang="en-US"/>
-          </a:p>
-        </p:txBody>
-      </p:sp>
-      <p:sp>
-        <p:nvSpPr>
-          <p:cNvPr id="4" name="Slide Number Placeholder 3"/>
-          <p:cNvSpPr>
-            <a:spLocks noGrp="1"/>
-          </p:cNvSpPr>
-          <p:nvPr>
-            <p:ph type="sldNum" sz="quarter" idx="10"/>
-          </p:nvPr>
-        </p:nvSpPr>
-        <p:spPr/>
-        <p:txBody>
-          <a:bodyPr/>
-          <a:lstStyle/>
-          <a:p>
-            <a:pPr>
-              <a:defRPr/>
-            </a:pPr>
-            <a:fld id="{33C126F0-D5BC-46FB-A5E8-CF5096E10E86}" type="slidenum">
-              <a:rPr lang="en-GB" altLang="ja-JP"/>
-              <a:pPr>
-                <a:defRPr/>
-              </a:pPr>
-              <a:t>93</a:t>
-            </a:fld>
-            <a:endParaRPr lang="en-GB" altLang="ja-JP"/>
-          </a:p>
-        </p:txBody>
-      </p:sp>
-    </p:spTree>
-    <p:extLst>
-      <p:ext uri="{BB962C8B-B14F-4D97-AF65-F5344CB8AC3E}">
-        <p14:creationId xmlns:p14="http://schemas.microsoft.com/office/powerpoint/2010/main" val="3211277900"/>
-      </p:ext>
-    </p:extLst>
-  </p:cSld>
-  <p:clrMapOvr>
-    <a:masterClrMapping/>
-  </p:clrMapOvr>
-</p:notes>
-</file>
-
-<file path=ppt/notesSlides/notesSlide94.xml><?xml version="1.0" encoding="utf-8"?>
-<p:notes xmlns:a="http://schemas.openxmlformats.org/drawingml/2006/main" xmlns:r="http://schemas.openxmlformats.org/officeDocument/2006/relationships" xmlns:p="http://schemas.openxmlformats.org/presentationml/2006/main">
-  <p:cSld>
-    <p:spTree>
-      <p:nvGrpSpPr>
-        <p:cNvPr id="1" name=""/>
-        <p:cNvGrpSpPr/>
-        <p:nvPr/>
-      </p:nvGrpSpPr>
-      <p:grpSpPr>
-        <a:xfrm>
-          <a:off x="0" y="0"/>
-          <a:ext cx="0" cy="0"/>
-          <a:chOff x="0" y="0"/>
-          <a:chExt cx="0" cy="0"/>
-        </a:xfrm>
-      </p:grpSpPr>
-      <p:sp>
-        <p:nvSpPr>
-          <p:cNvPr id="2" name="Slide Image Placeholder 1"/>
-          <p:cNvSpPr>
-            <a:spLocks noGrp="1" noRot="1" noChangeAspect="1"/>
-          </p:cNvSpPr>
-          <p:nvPr>
-            <p:ph type="sldImg"/>
-          </p:nvPr>
-        </p:nvSpPr>
-        <p:spPr/>
-      </p:sp>
-      <p:sp>
-        <p:nvSpPr>
-          <p:cNvPr id="3" name="Notes Placeholder 2"/>
-          <p:cNvSpPr>
-            <a:spLocks noGrp="1"/>
-          </p:cNvSpPr>
-          <p:nvPr>
-            <p:ph type="body" idx="1"/>
-          </p:nvPr>
-        </p:nvSpPr>
-        <p:spPr/>
-        <p:txBody>
-          <a:bodyPr/>
-          <a:lstStyle/>
-          <a:p>
-            <a:endParaRPr lang="en-US"/>
-          </a:p>
-        </p:txBody>
-      </p:sp>
-      <p:sp>
-        <p:nvSpPr>
-          <p:cNvPr id="4" name="Slide Number Placeholder 3"/>
-          <p:cNvSpPr>
-            <a:spLocks noGrp="1"/>
-          </p:cNvSpPr>
-          <p:nvPr>
-            <p:ph type="sldNum" sz="quarter" idx="10"/>
-          </p:nvPr>
-        </p:nvSpPr>
-        <p:spPr/>
-        <p:txBody>
-          <a:bodyPr/>
-          <a:lstStyle/>
-          <a:p>
-            <a:pPr>
-              <a:defRPr/>
-            </a:pPr>
-            <a:fld id="{33C126F0-D5BC-46FB-A5E8-CF5096E10E86}" type="slidenum">
-              <a:rPr lang="en-GB" altLang="ja-JP"/>
-              <a:pPr>
-                <a:defRPr/>
-              </a:pPr>
-              <a:t>94</a:t>
-            </a:fld>
-            <a:endParaRPr lang="en-GB" altLang="ja-JP"/>
-          </a:p>
-        </p:txBody>
-      </p:sp>
-    </p:spTree>
-    <p:extLst>
-      <p:ext uri="{BB962C8B-B14F-4D97-AF65-F5344CB8AC3E}">
-        <p14:creationId xmlns:p14="http://schemas.microsoft.com/office/powerpoint/2010/main" val="4270435796"/>
-      </p:ext>
-    </p:extLst>
-  </p:cSld>
-  <p:clrMapOvr>
-    <a:masterClrMapping/>
-  </p:clrMapOvr>
-</p:notes>
-</file>
-
-<file path=ppt/notesSlides/notesSlide95.xml><?xml version="1.0" encoding="utf-8"?>
-<p:notes xmlns:a="http://schemas.openxmlformats.org/drawingml/2006/main" xmlns:r="http://schemas.openxmlformats.org/officeDocument/2006/relationships" xmlns:p="http://schemas.openxmlformats.org/presentationml/2006/main">
-  <p:cSld>
-    <p:spTree>
-      <p:nvGrpSpPr>
-        <p:cNvPr id="1" name=""/>
-        <p:cNvGrpSpPr/>
-        <p:nvPr/>
-      </p:nvGrpSpPr>
-      <p:grpSpPr>
-        <a:xfrm>
-          <a:off x="0" y="0"/>
-          <a:ext cx="0" cy="0"/>
-          <a:chOff x="0" y="0"/>
-          <a:chExt cx="0" cy="0"/>
-        </a:xfrm>
-      </p:grpSpPr>
-      <p:sp>
-        <p:nvSpPr>
-          <p:cNvPr id="2" name="Slide Image Placeholder 1"/>
-          <p:cNvSpPr>
-            <a:spLocks noGrp="1" noRot="1" noChangeAspect="1"/>
-          </p:cNvSpPr>
-          <p:nvPr>
-            <p:ph type="sldImg"/>
-          </p:nvPr>
-        </p:nvSpPr>
-        <p:spPr/>
-      </p:sp>
-      <p:sp>
-        <p:nvSpPr>
-          <p:cNvPr id="3" name="Notes Placeholder 2"/>
-          <p:cNvSpPr>
-            <a:spLocks noGrp="1"/>
-          </p:cNvSpPr>
-          <p:nvPr>
-            <p:ph type="body" idx="1"/>
-          </p:nvPr>
-        </p:nvSpPr>
-        <p:spPr/>
-        <p:txBody>
-          <a:bodyPr/>
-          <a:lstStyle/>
-          <a:p>
-            <a:endParaRPr lang="en-US"/>
-          </a:p>
-        </p:txBody>
-      </p:sp>
-      <p:sp>
-        <p:nvSpPr>
-          <p:cNvPr id="4" name="Slide Number Placeholder 3"/>
-          <p:cNvSpPr>
-            <a:spLocks noGrp="1"/>
-          </p:cNvSpPr>
-          <p:nvPr>
-            <p:ph type="sldNum" sz="quarter" idx="10"/>
-          </p:nvPr>
-        </p:nvSpPr>
-        <p:spPr/>
-        <p:txBody>
-          <a:bodyPr/>
-          <a:lstStyle/>
-          <a:p>
-            <a:pPr>
-              <a:defRPr/>
-            </a:pPr>
-            <a:fld id="{33C126F0-D5BC-46FB-A5E8-CF5096E10E86}" type="slidenum">
-              <a:rPr lang="en-GB" altLang="ja-JP"/>
-              <a:pPr>
-                <a:defRPr/>
-              </a:pPr>
-              <a:t>95</a:t>
-            </a:fld>
-            <a:endParaRPr lang="en-GB" altLang="ja-JP"/>
-          </a:p>
-        </p:txBody>
-      </p:sp>
-    </p:spTree>
-    <p:extLst>
-      <p:ext uri="{BB962C8B-B14F-4D97-AF65-F5344CB8AC3E}">
-        <p14:creationId xmlns:p14="http://schemas.microsoft.com/office/powerpoint/2010/main" val="1074909402"/>
-      </p:ext>
-    </p:extLst>
-  </p:cSld>
-  <p:clrMapOvr>
-    <a:masterClrMapping/>
-  </p:clrMapOvr>
-</p:notes>
-</file>
-
-<file path=ppt/notesSlides/notesSlide96.xml><?xml version="1.0" encoding="utf-8"?>
-<p:notes xmlns:a="http://schemas.openxmlformats.org/drawingml/2006/main" xmlns:r="http://schemas.openxmlformats.org/officeDocument/2006/relationships" xmlns:p="http://schemas.openxmlformats.org/presentationml/2006/main">
-  <p:cSld>
-    <p:spTree>
-      <p:nvGrpSpPr>
-        <p:cNvPr id="1" name=""/>
-        <p:cNvGrpSpPr/>
-        <p:nvPr/>
-      </p:nvGrpSpPr>
-      <p:grpSpPr>
-        <a:xfrm>
-          <a:off x="0" y="0"/>
-          <a:ext cx="0" cy="0"/>
-          <a:chOff x="0" y="0"/>
-          <a:chExt cx="0" cy="0"/>
-        </a:xfrm>
-      </p:grpSpPr>
-      <p:sp>
-        <p:nvSpPr>
-          <p:cNvPr id="2" name="Slide Image Placeholder 1"/>
-          <p:cNvSpPr>
-            <a:spLocks noGrp="1" noRot="1" noChangeAspect="1"/>
-          </p:cNvSpPr>
-          <p:nvPr>
-            <p:ph type="sldImg"/>
-          </p:nvPr>
-        </p:nvSpPr>
-        <p:spPr/>
-      </p:sp>
-      <p:sp>
-        <p:nvSpPr>
-          <p:cNvPr id="3" name="Notes Placeholder 2"/>
-          <p:cNvSpPr>
-            <a:spLocks noGrp="1"/>
-          </p:cNvSpPr>
-          <p:nvPr>
-            <p:ph type="body" idx="1"/>
-          </p:nvPr>
-        </p:nvSpPr>
-        <p:spPr/>
-        <p:txBody>
-          <a:bodyPr/>
-          <a:lstStyle/>
-          <a:p>
-            <a:endParaRPr lang="en-US"/>
-          </a:p>
-        </p:txBody>
-      </p:sp>
-      <p:sp>
-        <p:nvSpPr>
-          <p:cNvPr id="4" name="Slide Number Placeholder 3"/>
-          <p:cNvSpPr>
-            <a:spLocks noGrp="1"/>
-          </p:cNvSpPr>
-          <p:nvPr>
-            <p:ph type="sldNum" sz="quarter" idx="10"/>
-          </p:nvPr>
-        </p:nvSpPr>
-        <p:spPr/>
-        <p:txBody>
-          <a:bodyPr/>
-          <a:lstStyle/>
-          <a:p>
-            <a:pPr>
-              <a:defRPr/>
-            </a:pPr>
-            <a:fld id="{33C126F0-D5BC-46FB-A5E8-CF5096E10E86}" type="slidenum">
-              <a:rPr lang="en-GB" altLang="ja-JP"/>
-              <a:pPr>
-                <a:defRPr/>
-              </a:pPr>
-              <a:t>96</a:t>
-            </a:fld>
-            <a:endParaRPr lang="en-GB" altLang="ja-JP"/>
-          </a:p>
-        </p:txBody>
-      </p:sp>
-    </p:spTree>
-    <p:extLst>
-      <p:ext uri="{BB962C8B-B14F-4D97-AF65-F5344CB8AC3E}">
-        <p14:creationId xmlns:p14="http://schemas.microsoft.com/office/powerpoint/2010/main" val="3389748217"/>
-      </p:ext>
-    </p:extLst>
-  </p:cSld>
-  <p:clrMapOvr>
-    <a:masterClrMapping/>
-  </p:clrMapOvr>
-</p:notes>
-</file>
-
-<file path=ppt/notesSlides/notesSlide97.xml><?xml version="1.0" encoding="utf-8"?>
-<p:notes xmlns:a="http://schemas.openxmlformats.org/drawingml/2006/main" xmlns:r="http://schemas.openxmlformats.org/officeDocument/2006/relationships" xmlns:p="http://schemas.openxmlformats.org/presentationml/2006/main">
-  <p:cSld>
-    <p:spTree>
-      <p:nvGrpSpPr>
-        <p:cNvPr id="1" name=""/>
-        <p:cNvGrpSpPr/>
-        <p:nvPr/>
-      </p:nvGrpSpPr>
-      <p:grpSpPr>
-        <a:xfrm>
-          <a:off x="0" y="0"/>
-          <a:ext cx="0" cy="0"/>
-          <a:chOff x="0" y="0"/>
-          <a:chExt cx="0" cy="0"/>
-        </a:xfrm>
-      </p:grpSpPr>
-      <p:sp>
-        <p:nvSpPr>
-          <p:cNvPr id="2" name="Slide Image Placeholder 1"/>
-          <p:cNvSpPr>
-            <a:spLocks noGrp="1" noRot="1" noChangeAspect="1"/>
-          </p:cNvSpPr>
-          <p:nvPr>
-            <p:ph type="sldImg"/>
-          </p:nvPr>
-        </p:nvSpPr>
-        <p:spPr/>
-      </p:sp>
-      <p:sp>
-        <p:nvSpPr>
-          <p:cNvPr id="3" name="Notes Placeholder 2"/>
-          <p:cNvSpPr>
-            <a:spLocks noGrp="1"/>
-          </p:cNvSpPr>
-          <p:nvPr>
-            <p:ph type="body" idx="1"/>
-          </p:nvPr>
-        </p:nvSpPr>
-        <p:spPr/>
-        <p:txBody>
-          <a:bodyPr/>
-          <a:lstStyle/>
-          <a:p>
-            <a:endParaRPr lang="en-US"/>
-          </a:p>
-        </p:txBody>
-      </p:sp>
-      <p:sp>
-        <p:nvSpPr>
-          <p:cNvPr id="4" name="Slide Number Placeholder 3"/>
-          <p:cNvSpPr>
-            <a:spLocks noGrp="1"/>
-          </p:cNvSpPr>
-          <p:nvPr>
-            <p:ph type="sldNum" sz="quarter" idx="10"/>
-          </p:nvPr>
-        </p:nvSpPr>
-        <p:spPr/>
-        <p:txBody>
-          <a:bodyPr/>
-          <a:lstStyle/>
-          <a:p>
-            <a:pPr>
-              <a:defRPr/>
-            </a:pPr>
-            <a:fld id="{33C126F0-D5BC-46FB-A5E8-CF5096E10E86}" type="slidenum">
-              <a:rPr lang="en-GB" altLang="ja-JP"/>
-              <a:pPr>
-                <a:defRPr/>
-              </a:pPr>
-              <a:t>97</a:t>
-            </a:fld>
-            <a:endParaRPr lang="en-GB" altLang="ja-JP"/>
-          </a:p>
-        </p:txBody>
-      </p:sp>
-    </p:spTree>
-    <p:extLst>
-      <p:ext uri="{BB962C8B-B14F-4D97-AF65-F5344CB8AC3E}">
-        <p14:creationId xmlns:p14="http://schemas.microsoft.com/office/powerpoint/2010/main" val="2643592184"/>
-      </p:ext>
-    </p:extLst>
-  </p:cSld>
-  <p:clrMapOvr>
-    <a:masterClrMapping/>
-  </p:clrMapOvr>
-</p:notes>
-</file>
-
-<file path=ppt/notesSlides/notesSlide98.xml><?xml version="1.0" encoding="utf-8"?>
-<p:notes xmlns:a="http://schemas.openxmlformats.org/drawingml/2006/main" xmlns:r="http://schemas.openxmlformats.org/officeDocument/2006/relationships" xmlns:p="http://schemas.openxmlformats.org/presentationml/2006/main">
-  <p:cSld>
-    <p:spTree>
-      <p:nvGrpSpPr>
-        <p:cNvPr id="1" name=""/>
-        <p:cNvGrpSpPr/>
-        <p:nvPr/>
-      </p:nvGrpSpPr>
-      <p:grpSpPr>
-        <a:xfrm>
-          <a:off x="0" y="0"/>
-          <a:ext cx="0" cy="0"/>
-          <a:chOff x="0" y="0"/>
-          <a:chExt cx="0" cy="0"/>
-        </a:xfrm>
-      </p:grpSpPr>
-      <p:sp>
-        <p:nvSpPr>
-          <p:cNvPr id="2" name="Slide Image Placeholder 1"/>
-          <p:cNvSpPr>
-            <a:spLocks noGrp="1" noRot="1" noChangeAspect="1"/>
-          </p:cNvSpPr>
-          <p:nvPr>
-            <p:ph type="sldImg"/>
-          </p:nvPr>
-        </p:nvSpPr>
-        <p:spPr/>
-      </p:sp>
-      <p:sp>
-        <p:nvSpPr>
-          <p:cNvPr id="3" name="Notes Placeholder 2"/>
-          <p:cNvSpPr>
-            <a:spLocks noGrp="1"/>
-          </p:cNvSpPr>
-          <p:nvPr>
-            <p:ph type="body" idx="1"/>
-          </p:nvPr>
-        </p:nvSpPr>
-        <p:spPr/>
-        <p:txBody>
-          <a:bodyPr/>
-          <a:lstStyle/>
-          <a:p>
-            <a:endParaRPr lang="en-US"/>
-          </a:p>
-        </p:txBody>
-      </p:sp>
-      <p:sp>
-        <p:nvSpPr>
-          <p:cNvPr id="4" name="Slide Number Placeholder 3"/>
-          <p:cNvSpPr>
-            <a:spLocks noGrp="1"/>
-          </p:cNvSpPr>
-          <p:nvPr>
-            <p:ph type="sldNum" sz="quarter" idx="10"/>
-          </p:nvPr>
-        </p:nvSpPr>
-        <p:spPr/>
-        <p:txBody>
-          <a:bodyPr/>
-          <a:lstStyle/>
-          <a:p>
-            <a:pPr>
-              <a:defRPr/>
-            </a:pPr>
-            <a:fld id="{33C126F0-D5BC-46FB-A5E8-CF5096E10E86}" type="slidenum">
-              <a:rPr lang="en-GB" altLang="ja-JP"/>
-              <a:pPr>
-                <a:defRPr/>
-              </a:pPr>
-              <a:t>98</a:t>
-            </a:fld>
-            <a:endParaRPr lang="en-GB" altLang="ja-JP"/>
-          </a:p>
-        </p:txBody>
-      </p:sp>
-    </p:spTree>
-    <p:extLst>
-      <p:ext uri="{BB962C8B-B14F-4D97-AF65-F5344CB8AC3E}">
-        <p14:creationId xmlns:p14="http://schemas.microsoft.com/office/powerpoint/2010/main" val="3183126280"/>
-      </p:ext>
-    </p:extLst>
-  </p:cSld>
-  <p:clrMapOvr>
-    <a:masterClrMapping/>
-  </p:clrMapOvr>
-</p:notes>
-</file>
-
-<file path=ppt/notesSlides/notesSlide99.xml><?xml version="1.0" encoding="utf-8"?>
-<p:notes xmlns:a="http://schemas.openxmlformats.org/drawingml/2006/main" xmlns:r="http://schemas.openxmlformats.org/officeDocument/2006/relationships" xmlns:p="http://schemas.openxmlformats.org/presentationml/2006/main">
-  <p:cSld>
-    <p:spTree>
-      <p:nvGrpSpPr>
-        <p:cNvPr id="1" name=""/>
-        <p:cNvGrpSpPr/>
-        <p:nvPr/>
-      </p:nvGrpSpPr>
-      <p:grpSpPr>
-        <a:xfrm>
-          <a:off x="0" y="0"/>
-          <a:ext cx="0" cy="0"/>
-          <a:chOff x="0" y="0"/>
-          <a:chExt cx="0" cy="0"/>
-        </a:xfrm>
-      </p:grpSpPr>
-      <p:sp>
-        <p:nvSpPr>
-          <p:cNvPr id="2" name="Slide Image Placeholder 1"/>
-          <p:cNvSpPr>
-            <a:spLocks noGrp="1" noRot="1" noChangeAspect="1"/>
-          </p:cNvSpPr>
-          <p:nvPr>
-            <p:ph type="sldImg"/>
-          </p:nvPr>
-        </p:nvSpPr>
-        <p:spPr/>
-      </p:sp>
-      <p:sp>
-        <p:nvSpPr>
-          <p:cNvPr id="3" name="Notes Placeholder 2"/>
-          <p:cNvSpPr>
-            <a:spLocks noGrp="1"/>
-          </p:cNvSpPr>
-          <p:nvPr>
-            <p:ph type="body" idx="1"/>
-          </p:nvPr>
-        </p:nvSpPr>
-        <p:spPr/>
-        <p:txBody>
-          <a:bodyPr/>
-          <a:lstStyle/>
-          <a:p>
-            <a:endParaRPr lang="en-US"/>
-          </a:p>
-        </p:txBody>
-      </p:sp>
-      <p:sp>
-        <p:nvSpPr>
-          <p:cNvPr id="4" name="Slide Number Placeholder 3"/>
-          <p:cNvSpPr>
-            <a:spLocks noGrp="1"/>
-          </p:cNvSpPr>
-          <p:nvPr>
-            <p:ph type="sldNum" sz="quarter" idx="10"/>
-          </p:nvPr>
-        </p:nvSpPr>
-        <p:spPr/>
-        <p:txBody>
-          <a:bodyPr/>
-          <a:lstStyle/>
-          <a:p>
-            <a:pPr>
-              <a:defRPr/>
-            </a:pPr>
-            <a:fld id="{33C126F0-D5BC-46FB-A5E8-CF5096E10E86}" type="slidenum">
-              <a:rPr lang="en-GB" altLang="ja-JP"/>
-              <a:pPr>
-                <a:defRPr/>
-              </a:pPr>
-              <a:t>99</a:t>
-            </a:fld>
-            <a:endParaRPr lang="en-GB" altLang="ja-JP"/>
-          </a:p>
-        </p:txBody>
-      </p:sp>
-    </p:spTree>
-    <p:extLst>
-      <p:ext uri="{BB962C8B-B14F-4D97-AF65-F5344CB8AC3E}">
-        <p14:creationId xmlns:p14="http://schemas.microsoft.com/office/powerpoint/2010/main" val="3868107391"/>
+        <p14:creationId xmlns:p14="http://schemas.microsoft.com/office/powerpoint/2010/main" val="3390444419"/>
       </p:ext>
     </p:extLst>
   </p:cSld>
@@ -9902,7 +8082,7 @@
               <a:pPr>
                 <a:defRPr/>
               </a:pPr>
-              <a:t>8/6/2020</a:t>
+              <a:t>16/8/2020</a:t>
             </a:fld>
             <a:endParaRPr lang="en-SG" altLang="zh-CN"/>
           </a:p>
@@ -10117,7 +8297,7 @@
               <a:pPr>
                 <a:defRPr/>
               </a:pPr>
-              <a:t>8/6/2020</a:t>
+              <a:t>16/8/2020</a:t>
             </a:fld>
             <a:endParaRPr lang="en-SG" altLang="zh-CN"/>
           </a:p>
@@ -10342,7 +8522,7 @@
               <a:pPr>
                 <a:defRPr/>
               </a:pPr>
-              <a:t>8/6/2020</a:t>
+              <a:t>16/8/2020</a:t>
             </a:fld>
             <a:endParaRPr lang="en-SG" altLang="zh-CN"/>
           </a:p>
@@ -10557,7 +8737,7 @@
               <a:pPr>
                 <a:defRPr/>
               </a:pPr>
-              <a:t>8/6/2020</a:t>
+              <a:t>16/8/2020</a:t>
             </a:fld>
             <a:endParaRPr lang="en-SG" altLang="zh-CN"/>
           </a:p>
@@ -10848,7 +9028,7 @@
               <a:pPr>
                 <a:defRPr/>
               </a:pPr>
-              <a:t>8/6/2020</a:t>
+              <a:t>16/8/2020</a:t>
             </a:fld>
             <a:endParaRPr lang="en-SG" altLang="zh-CN"/>
           </a:p>
@@ -11181,7 +9361,7 @@
               <a:pPr>
                 <a:defRPr/>
               </a:pPr>
-              <a:t>8/6/2020</a:t>
+              <a:t>16/8/2020</a:t>
             </a:fld>
             <a:endParaRPr lang="en-SG" altLang="zh-CN"/>
           </a:p>
@@ -11648,7 +9828,7 @@
               <a:pPr>
                 <a:defRPr/>
               </a:pPr>
-              <a:t>8/6/2020</a:t>
+              <a:t>16/8/2020</a:t>
             </a:fld>
             <a:endParaRPr lang="en-SG" altLang="zh-CN"/>
           </a:p>
@@ -11811,7 +9991,7 @@
               <a:pPr>
                 <a:defRPr/>
               </a:pPr>
-              <a:t>8/6/2020</a:t>
+              <a:t>16/8/2020</a:t>
             </a:fld>
             <a:endParaRPr lang="en-SG" altLang="zh-CN"/>
           </a:p>
@@ -11951,7 +10131,7 @@
               <a:pPr>
                 <a:defRPr/>
               </a:pPr>
-              <a:t>8/6/2020</a:t>
+              <a:t>16/8/2020</a:t>
             </a:fld>
             <a:endParaRPr lang="en-SG" altLang="zh-CN"/>
           </a:p>
@@ -12273,7 +10453,7 @@
               <a:pPr>
                 <a:defRPr/>
               </a:pPr>
-              <a:t>8/6/2020</a:t>
+              <a:t>16/8/2020</a:t>
             </a:fld>
             <a:endParaRPr lang="en-SG" altLang="zh-CN"/>
           </a:p>
@@ -12574,7 +10754,7 @@
               <a:pPr>
                 <a:defRPr/>
               </a:pPr>
-              <a:t>8/6/2020</a:t>
+              <a:t>16/8/2020</a:t>
             </a:fld>
             <a:endParaRPr lang="en-SG" altLang="zh-CN"/>
           </a:p>
@@ -12898,7 +11078,7 @@
               <a:pPr>
                 <a:defRPr/>
               </a:pPr>
-              <a:t>8/6/2020</a:t>
+              <a:t>16/8/2020</a:t>
             </a:fld>
             <a:endParaRPr lang="en-SG" altLang="zh-CN"/>
           </a:p>
@@ -13496,8 +11676,9 @@
                   <a:lumOff val="25000"/>
                 </a:schemeClr>
               </a:solidFill>
-              <a:latin typeface="MS PGothic" panose="020B0600070205080204" pitchFamily="34" charset="-128"/>
+              <a:latin typeface="Calibri" panose="020F0502020204030204" pitchFamily="34" charset="0"/>
               <a:ea typeface="MS PGothic" panose="020B0600070205080204" pitchFamily="34" charset="-128"/>
+              <a:cs typeface="Calibri" panose="020F0502020204030204" pitchFamily="34" charset="0"/>
             </a:endParaRPr>
           </a:p>
         </p:txBody>
@@ -13603,8 +11784,9 @@
                   <a:lumOff val="25000"/>
                 </a:schemeClr>
               </a:solidFill>
-              <a:latin typeface="MS PGothic" panose="020B0600070205080204" pitchFamily="34" charset="-128"/>
+              <a:latin typeface="Calibri" panose="020F0502020204030204" pitchFamily="34" charset="0"/>
               <a:ea typeface="MS PGothic" panose="020B0600070205080204" pitchFamily="34" charset="-128"/>
+              <a:cs typeface="Calibri" panose="020F0502020204030204" pitchFamily="34" charset="0"/>
             </a:endParaRPr>
           </a:p>
         </p:txBody>
@@ -13612,114 +11794,7 @@
     </p:spTree>
     <p:extLst>
       <p:ext uri="{BB962C8B-B14F-4D97-AF65-F5344CB8AC3E}">
-        <p14:creationId xmlns:p14="http://schemas.microsoft.com/office/powerpoint/2010/main" val="213241367"/>
-      </p:ext>
-    </p:extLst>
-  </p:cSld>
-  <p:clrMapOvr>
-    <a:masterClrMapping/>
-  </p:clrMapOvr>
-</p:sld>
-</file>
-
-<file path=ppt/slides/slide100.xml><?xml version="1.0" encoding="utf-8"?>
-<p:sld xmlns:a="http://schemas.openxmlformats.org/drawingml/2006/main" xmlns:r="http://schemas.openxmlformats.org/officeDocument/2006/relationships" xmlns:p="http://schemas.openxmlformats.org/presentationml/2006/main">
-  <p:cSld>
-    <p:spTree>
-      <p:nvGrpSpPr>
-        <p:cNvPr id="1" name=""/>
-        <p:cNvGrpSpPr/>
-        <p:nvPr/>
-      </p:nvGrpSpPr>
-      <p:grpSpPr>
-        <a:xfrm>
-          <a:off x="0" y="0"/>
-          <a:ext cx="0" cy="0"/>
-          <a:chOff x="0" y="0"/>
-          <a:chExt cx="0" cy="0"/>
-        </a:xfrm>
-      </p:grpSpPr>
-      <p:sp>
-        <p:nvSpPr>
-          <p:cNvPr id="3" name="TextBox 2">
-            <a:extLst>
-              <a:ext uri="{FF2B5EF4-FFF2-40B4-BE49-F238E27FC236}">
-                <a16:creationId xmlns:a16="http://schemas.microsoft.com/office/drawing/2014/main" id="{CAC89241-8DEF-4A64-B416-7FEDEACAEAA8}"/>
-              </a:ext>
-            </a:extLst>
-          </p:cNvPr>
-          <p:cNvSpPr txBox="1"/>
-          <p:nvPr/>
-        </p:nvSpPr>
-        <p:spPr>
-          <a:xfrm>
-            <a:off x="98474" y="127000"/>
-            <a:ext cx="8918526" cy="646331"/>
-          </a:xfrm>
-          <a:prstGeom prst="rect">
-            <a:avLst/>
-          </a:prstGeom>
-          <a:noFill/>
-        </p:spPr>
-        <p:txBody>
-          <a:bodyPr vert="horz" wrap="square" rtlCol="0">
-            <a:spAutoFit/>
-          </a:bodyPr>
-          <a:lstStyle/>
-          <a:p>
-            <a:endParaRPr lang="en-US" sz="3600" dirty="0"/>
-          </a:p>
-        </p:txBody>
-      </p:sp>
-      <p:sp>
-        <p:nvSpPr>
-          <p:cNvPr id="6" name="Title 1">
-            <a:extLst>
-              <a:ext uri="{FF2B5EF4-FFF2-40B4-BE49-F238E27FC236}">
-                <a16:creationId xmlns:a16="http://schemas.microsoft.com/office/drawing/2014/main" id="{5FB3CCF4-1DC4-43A7-8B39-459BC2520CE3}"/>
-              </a:ext>
-            </a:extLst>
-          </p:cNvPr>
-          <p:cNvSpPr>
-            <a:spLocks noGrp="1"/>
-          </p:cNvSpPr>
-          <p:nvPr>
-            <p:ph type="title"/>
-          </p:nvPr>
-        </p:nvSpPr>
-        <p:spPr>
-          <a:xfrm>
-            <a:off x="97200" y="126000"/>
-            <a:ext cx="8917200" cy="648000"/>
-          </a:xfrm>
-        </p:spPr>
-        <p:txBody>
-          <a:bodyPr/>
-          <a:lstStyle/>
-          <a:p>
-            <a:pPr algn="l">
-              <a:lnSpc>
-                <a:spcPct val="90000"/>
-              </a:lnSpc>
-              <a:defRPr/>
-            </a:pPr>
-            <a:endParaRPr lang="en-US" sz="3600" dirty="0">
-              <a:solidFill>
-                <a:schemeClr val="tx1">
-                  <a:lumMod val="75000"/>
-                  <a:lumOff val="25000"/>
-                </a:schemeClr>
-              </a:solidFill>
-              <a:latin typeface="MS PGothic" panose="020B0600070205080204" pitchFamily="34" charset="-128"/>
-              <a:ea typeface="MS PGothic" panose="020B0600070205080204" pitchFamily="34" charset="-128"/>
-            </a:endParaRPr>
-          </a:p>
-        </p:txBody>
-      </p:sp>
-    </p:spTree>
-    <p:extLst>
-      <p:ext uri="{BB962C8B-B14F-4D97-AF65-F5344CB8AC3E}">
-        <p14:creationId xmlns:p14="http://schemas.microsoft.com/office/powerpoint/2010/main" val="4221343144"/>
+        <p14:creationId xmlns:p14="http://schemas.microsoft.com/office/powerpoint/2010/main" val="186301342"/>
       </p:ext>
     </p:extLst>
   </p:cSld>
@@ -13817,8 +11892,9 @@
                   <a:lumOff val="25000"/>
                 </a:schemeClr>
               </a:solidFill>
-              <a:latin typeface="MS PGothic" panose="020B0600070205080204" pitchFamily="34" charset="-128"/>
+              <a:latin typeface="Calibri" panose="020F0502020204030204" pitchFamily="34" charset="0"/>
               <a:ea typeface="MS PGothic" panose="020B0600070205080204" pitchFamily="34" charset="-128"/>
+              <a:cs typeface="Calibri" panose="020F0502020204030204" pitchFamily="34" charset="0"/>
             </a:endParaRPr>
           </a:p>
         </p:txBody>
@@ -13826,7 +11902,7 @@
     </p:spTree>
     <p:extLst>
       <p:ext uri="{BB962C8B-B14F-4D97-AF65-F5344CB8AC3E}">
-        <p14:creationId xmlns:p14="http://schemas.microsoft.com/office/powerpoint/2010/main" val="464527377"/>
+        <p14:creationId xmlns:p14="http://schemas.microsoft.com/office/powerpoint/2010/main" val="2012210101"/>
       </p:ext>
     </p:extLst>
   </p:cSld>
@@ -13924,8 +12000,9 @@
                   <a:lumOff val="25000"/>
                 </a:schemeClr>
               </a:solidFill>
-              <a:latin typeface="MS PGothic" panose="020B0600070205080204" pitchFamily="34" charset="-128"/>
+              <a:latin typeface="Calibri" panose="020F0502020204030204" pitchFamily="34" charset="0"/>
               <a:ea typeface="MS PGothic" panose="020B0600070205080204" pitchFamily="34" charset="-128"/>
+              <a:cs typeface="Calibri" panose="020F0502020204030204" pitchFamily="34" charset="0"/>
             </a:endParaRPr>
           </a:p>
         </p:txBody>
@@ -13933,7 +12010,7 @@
     </p:spTree>
     <p:extLst>
       <p:ext uri="{BB962C8B-B14F-4D97-AF65-F5344CB8AC3E}">
-        <p14:creationId xmlns:p14="http://schemas.microsoft.com/office/powerpoint/2010/main" val="3134246474"/>
+        <p14:creationId xmlns:p14="http://schemas.microsoft.com/office/powerpoint/2010/main" val="241030991"/>
       </p:ext>
     </p:extLst>
   </p:cSld>
@@ -14031,8 +12108,9 @@
                   <a:lumOff val="25000"/>
                 </a:schemeClr>
               </a:solidFill>
-              <a:latin typeface="MS PGothic" panose="020B0600070205080204" pitchFamily="34" charset="-128"/>
+              <a:latin typeface="Calibri" panose="020F0502020204030204" pitchFamily="34" charset="0"/>
               <a:ea typeface="MS PGothic" panose="020B0600070205080204" pitchFamily="34" charset="-128"/>
+              <a:cs typeface="Calibri" panose="020F0502020204030204" pitchFamily="34" charset="0"/>
             </a:endParaRPr>
           </a:p>
         </p:txBody>
@@ -14040,7 +12118,7 @@
     </p:spTree>
     <p:extLst>
       <p:ext uri="{BB962C8B-B14F-4D97-AF65-F5344CB8AC3E}">
-        <p14:creationId xmlns:p14="http://schemas.microsoft.com/office/powerpoint/2010/main" val="1941975044"/>
+        <p14:creationId xmlns:p14="http://schemas.microsoft.com/office/powerpoint/2010/main" val="1079172099"/>
       </p:ext>
     </p:extLst>
   </p:cSld>
@@ -14138,8 +12216,9 @@
                   <a:lumOff val="25000"/>
                 </a:schemeClr>
               </a:solidFill>
-              <a:latin typeface="MS PGothic" panose="020B0600070205080204" pitchFamily="34" charset="-128"/>
+              <a:latin typeface="Calibri" panose="020F0502020204030204" pitchFamily="34" charset="0"/>
               <a:ea typeface="MS PGothic" panose="020B0600070205080204" pitchFamily="34" charset="-128"/>
+              <a:cs typeface="Calibri" panose="020F0502020204030204" pitchFamily="34" charset="0"/>
             </a:endParaRPr>
           </a:p>
         </p:txBody>
@@ -14147,7 +12226,7 @@
     </p:spTree>
     <p:extLst>
       <p:ext uri="{BB962C8B-B14F-4D97-AF65-F5344CB8AC3E}">
-        <p14:creationId xmlns:p14="http://schemas.microsoft.com/office/powerpoint/2010/main" val="4008865239"/>
+        <p14:creationId xmlns:p14="http://schemas.microsoft.com/office/powerpoint/2010/main" val="2715620453"/>
       </p:ext>
     </p:extLst>
   </p:cSld>
@@ -14245,8 +12324,9 @@
                   <a:lumOff val="25000"/>
                 </a:schemeClr>
               </a:solidFill>
-              <a:latin typeface="MS PGothic" panose="020B0600070205080204" pitchFamily="34" charset="-128"/>
+              <a:latin typeface="Calibri" panose="020F0502020204030204" pitchFamily="34" charset="0"/>
               <a:ea typeface="MS PGothic" panose="020B0600070205080204" pitchFamily="34" charset="-128"/>
+              <a:cs typeface="Calibri" panose="020F0502020204030204" pitchFamily="34" charset="0"/>
             </a:endParaRPr>
           </a:p>
         </p:txBody>
@@ -14254,7 +12334,7 @@
     </p:spTree>
     <p:extLst>
       <p:ext uri="{BB962C8B-B14F-4D97-AF65-F5344CB8AC3E}">
-        <p14:creationId xmlns:p14="http://schemas.microsoft.com/office/powerpoint/2010/main" val="4198322589"/>
+        <p14:creationId xmlns:p14="http://schemas.microsoft.com/office/powerpoint/2010/main" val="3134030832"/>
       </p:ext>
     </p:extLst>
   </p:cSld>
@@ -14352,8 +12432,9 @@
                   <a:lumOff val="25000"/>
                 </a:schemeClr>
               </a:solidFill>
-              <a:latin typeface="MS PGothic" panose="020B0600070205080204" pitchFamily="34" charset="-128"/>
+              <a:latin typeface="Calibri" panose="020F0502020204030204" pitchFamily="34" charset="0"/>
               <a:ea typeface="MS PGothic" panose="020B0600070205080204" pitchFamily="34" charset="-128"/>
+              <a:cs typeface="Calibri" panose="020F0502020204030204" pitchFamily="34" charset="0"/>
             </a:endParaRPr>
           </a:p>
         </p:txBody>
@@ -14361,7 +12442,7 @@
     </p:spTree>
     <p:extLst>
       <p:ext uri="{BB962C8B-B14F-4D97-AF65-F5344CB8AC3E}">
-        <p14:creationId xmlns:p14="http://schemas.microsoft.com/office/powerpoint/2010/main" val="2285263893"/>
+        <p14:creationId xmlns:p14="http://schemas.microsoft.com/office/powerpoint/2010/main" val="4021745662"/>
       </p:ext>
     </p:extLst>
   </p:cSld>
@@ -14459,8 +12540,9 @@
                   <a:lumOff val="25000"/>
                 </a:schemeClr>
               </a:solidFill>
-              <a:latin typeface="MS PGothic" panose="020B0600070205080204" pitchFamily="34" charset="-128"/>
+              <a:latin typeface="Calibri" panose="020F0502020204030204" pitchFamily="34" charset="0"/>
               <a:ea typeface="MS PGothic" panose="020B0600070205080204" pitchFamily="34" charset="-128"/>
+              <a:cs typeface="Calibri" panose="020F0502020204030204" pitchFamily="34" charset="0"/>
             </a:endParaRPr>
           </a:p>
         </p:txBody>
@@ -14468,7 +12550,7 @@
     </p:spTree>
     <p:extLst>
       <p:ext uri="{BB962C8B-B14F-4D97-AF65-F5344CB8AC3E}">
-        <p14:creationId xmlns:p14="http://schemas.microsoft.com/office/powerpoint/2010/main" val="4154957187"/>
+        <p14:creationId xmlns:p14="http://schemas.microsoft.com/office/powerpoint/2010/main" val="1795024421"/>
       </p:ext>
     </p:extLst>
   </p:cSld>
@@ -14566,8 +12648,9 @@
                   <a:lumOff val="25000"/>
                 </a:schemeClr>
               </a:solidFill>
-              <a:latin typeface="MS PGothic" panose="020B0600070205080204" pitchFamily="34" charset="-128"/>
+              <a:latin typeface="Calibri" panose="020F0502020204030204" pitchFamily="34" charset="0"/>
               <a:ea typeface="MS PGothic" panose="020B0600070205080204" pitchFamily="34" charset="-128"/>
+              <a:cs typeface="Calibri" panose="020F0502020204030204" pitchFamily="34" charset="0"/>
             </a:endParaRPr>
           </a:p>
         </p:txBody>
@@ -14575,7 +12658,7 @@
     </p:spTree>
     <p:extLst>
       <p:ext uri="{BB962C8B-B14F-4D97-AF65-F5344CB8AC3E}">
-        <p14:creationId xmlns:p14="http://schemas.microsoft.com/office/powerpoint/2010/main" val="3277249316"/>
+        <p14:creationId xmlns:p14="http://schemas.microsoft.com/office/powerpoint/2010/main" val="1976684395"/>
       </p:ext>
     </p:extLst>
   </p:cSld>
@@ -14673,8 +12756,9 @@
                   <a:lumOff val="25000"/>
                 </a:schemeClr>
               </a:solidFill>
-              <a:latin typeface="MS PGothic" panose="020B0600070205080204" pitchFamily="34" charset="-128"/>
+              <a:latin typeface="Calibri" panose="020F0502020204030204" pitchFamily="34" charset="0"/>
               <a:ea typeface="MS PGothic" panose="020B0600070205080204" pitchFamily="34" charset="-128"/>
+              <a:cs typeface="Calibri" panose="020F0502020204030204" pitchFamily="34" charset="0"/>
             </a:endParaRPr>
           </a:p>
         </p:txBody>
@@ -14682,7 +12766,7 @@
     </p:spTree>
     <p:extLst>
       <p:ext uri="{BB962C8B-B14F-4D97-AF65-F5344CB8AC3E}">
-        <p14:creationId xmlns:p14="http://schemas.microsoft.com/office/powerpoint/2010/main" val="4016795810"/>
+        <p14:creationId xmlns:p14="http://schemas.microsoft.com/office/powerpoint/2010/main" val="316691345"/>
       </p:ext>
     </p:extLst>
   </p:cSld>
@@ -14780,8 +12864,9 @@
                   <a:lumOff val="25000"/>
                 </a:schemeClr>
               </a:solidFill>
-              <a:latin typeface="MS PGothic" panose="020B0600070205080204" pitchFamily="34" charset="-128"/>
+              <a:latin typeface="Calibri" panose="020F0502020204030204" pitchFamily="34" charset="0"/>
               <a:ea typeface="MS PGothic" panose="020B0600070205080204" pitchFamily="34" charset="-128"/>
+              <a:cs typeface="Calibri" panose="020F0502020204030204" pitchFamily="34" charset="0"/>
             </a:endParaRPr>
           </a:p>
         </p:txBody>
@@ -14789,7 +12874,7 @@
     </p:spTree>
     <p:extLst>
       <p:ext uri="{BB962C8B-B14F-4D97-AF65-F5344CB8AC3E}">
-        <p14:creationId xmlns:p14="http://schemas.microsoft.com/office/powerpoint/2010/main" val="347301675"/>
+        <p14:creationId xmlns:p14="http://schemas.microsoft.com/office/powerpoint/2010/main" val="1218988507"/>
       </p:ext>
     </p:extLst>
   </p:cSld>
@@ -14887,8 +12972,9 @@
                   <a:lumOff val="25000"/>
                 </a:schemeClr>
               </a:solidFill>
-              <a:latin typeface="MS PGothic" panose="020B0600070205080204" pitchFamily="34" charset="-128"/>
+              <a:latin typeface="Calibri" panose="020F0502020204030204" pitchFamily="34" charset="0"/>
               <a:ea typeface="MS PGothic" panose="020B0600070205080204" pitchFamily="34" charset="-128"/>
+              <a:cs typeface="Calibri" panose="020F0502020204030204" pitchFamily="34" charset="0"/>
             </a:endParaRPr>
           </a:p>
         </p:txBody>
@@ -14896,7 +12982,7 @@
     </p:spTree>
     <p:extLst>
       <p:ext uri="{BB962C8B-B14F-4D97-AF65-F5344CB8AC3E}">
-        <p14:creationId xmlns:p14="http://schemas.microsoft.com/office/powerpoint/2010/main" val="375077425"/>
+        <p14:creationId xmlns:p14="http://schemas.microsoft.com/office/powerpoint/2010/main" val="3884341284"/>
       </p:ext>
     </p:extLst>
   </p:cSld>
@@ -14994,8 +13080,9 @@
                   <a:lumOff val="25000"/>
                 </a:schemeClr>
               </a:solidFill>
-              <a:latin typeface="MS PGothic" panose="020B0600070205080204" pitchFamily="34" charset="-128"/>
+              <a:latin typeface="Calibri" panose="020F0502020204030204" pitchFamily="34" charset="0"/>
               <a:ea typeface="MS PGothic" panose="020B0600070205080204" pitchFamily="34" charset="-128"/>
+              <a:cs typeface="Calibri" panose="020F0502020204030204" pitchFamily="34" charset="0"/>
             </a:endParaRPr>
           </a:p>
         </p:txBody>
@@ -15003,7 +13090,7 @@
     </p:spTree>
     <p:extLst>
       <p:ext uri="{BB962C8B-B14F-4D97-AF65-F5344CB8AC3E}">
-        <p14:creationId xmlns:p14="http://schemas.microsoft.com/office/powerpoint/2010/main" val="3757955169"/>
+        <p14:creationId xmlns:p14="http://schemas.microsoft.com/office/powerpoint/2010/main" val="3542396212"/>
       </p:ext>
     </p:extLst>
   </p:cSld>
@@ -15101,8 +13188,9 @@
                   <a:lumOff val="25000"/>
                 </a:schemeClr>
               </a:solidFill>
-              <a:latin typeface="MS PGothic" panose="020B0600070205080204" pitchFamily="34" charset="-128"/>
+              <a:latin typeface="Calibri" panose="020F0502020204030204" pitchFamily="34" charset="0"/>
               <a:ea typeface="MS PGothic" panose="020B0600070205080204" pitchFamily="34" charset="-128"/>
+              <a:cs typeface="Calibri" panose="020F0502020204030204" pitchFamily="34" charset="0"/>
             </a:endParaRPr>
           </a:p>
         </p:txBody>
@@ -15110,7 +13198,7 @@
     </p:spTree>
     <p:extLst>
       <p:ext uri="{BB962C8B-B14F-4D97-AF65-F5344CB8AC3E}">
-        <p14:creationId xmlns:p14="http://schemas.microsoft.com/office/powerpoint/2010/main" val="4144882533"/>
+        <p14:creationId xmlns:p14="http://schemas.microsoft.com/office/powerpoint/2010/main" val="1653689382"/>
       </p:ext>
     </p:extLst>
   </p:cSld>
@@ -15208,8 +13296,9 @@
                   <a:lumOff val="25000"/>
                 </a:schemeClr>
               </a:solidFill>
-              <a:latin typeface="MS PGothic" panose="020B0600070205080204" pitchFamily="34" charset="-128"/>
+              <a:latin typeface="Calibri" panose="020F0502020204030204" pitchFamily="34" charset="0"/>
               <a:ea typeface="MS PGothic" panose="020B0600070205080204" pitchFamily="34" charset="-128"/>
+              <a:cs typeface="Calibri" panose="020F0502020204030204" pitchFamily="34" charset="0"/>
             </a:endParaRPr>
           </a:p>
         </p:txBody>
@@ -15217,7 +13306,7 @@
     </p:spTree>
     <p:extLst>
       <p:ext uri="{BB962C8B-B14F-4D97-AF65-F5344CB8AC3E}">
-        <p14:creationId xmlns:p14="http://schemas.microsoft.com/office/powerpoint/2010/main" val="2190537946"/>
+        <p14:creationId xmlns:p14="http://schemas.microsoft.com/office/powerpoint/2010/main" val="1948407749"/>
       </p:ext>
     </p:extLst>
   </p:cSld>
@@ -15315,8 +13404,9 @@
                   <a:lumOff val="25000"/>
                 </a:schemeClr>
               </a:solidFill>
-              <a:latin typeface="MS PGothic" panose="020B0600070205080204" pitchFamily="34" charset="-128"/>
+              <a:latin typeface="Calibri" panose="020F0502020204030204" pitchFamily="34" charset="0"/>
               <a:ea typeface="MS PGothic" panose="020B0600070205080204" pitchFamily="34" charset="-128"/>
+              <a:cs typeface="Calibri" panose="020F0502020204030204" pitchFamily="34" charset="0"/>
             </a:endParaRPr>
           </a:p>
         </p:txBody>
@@ -15324,7 +13414,7 @@
     </p:spTree>
     <p:extLst>
       <p:ext uri="{BB962C8B-B14F-4D97-AF65-F5344CB8AC3E}">
-        <p14:creationId xmlns:p14="http://schemas.microsoft.com/office/powerpoint/2010/main" val="1062320691"/>
+        <p14:creationId xmlns:p14="http://schemas.microsoft.com/office/powerpoint/2010/main" val="1247965158"/>
       </p:ext>
     </p:extLst>
   </p:cSld>
@@ -15422,8 +13512,9 @@
                   <a:lumOff val="25000"/>
                 </a:schemeClr>
               </a:solidFill>
-              <a:latin typeface="MS PGothic" panose="020B0600070205080204" pitchFamily="34" charset="-128"/>
+              <a:latin typeface="Calibri" panose="020F0502020204030204" pitchFamily="34" charset="0"/>
               <a:ea typeface="MS PGothic" panose="020B0600070205080204" pitchFamily="34" charset="-128"/>
+              <a:cs typeface="Calibri" panose="020F0502020204030204" pitchFamily="34" charset="0"/>
             </a:endParaRPr>
           </a:p>
         </p:txBody>
@@ -15431,7 +13522,7 @@
     </p:spTree>
     <p:extLst>
       <p:ext uri="{BB962C8B-B14F-4D97-AF65-F5344CB8AC3E}">
-        <p14:creationId xmlns:p14="http://schemas.microsoft.com/office/powerpoint/2010/main" val="2802536971"/>
+        <p14:creationId xmlns:p14="http://schemas.microsoft.com/office/powerpoint/2010/main" val="1019284586"/>
       </p:ext>
     </p:extLst>
   </p:cSld>
@@ -15529,8 +13620,9 @@
                   <a:lumOff val="25000"/>
                 </a:schemeClr>
               </a:solidFill>
-              <a:latin typeface="MS PGothic" panose="020B0600070205080204" pitchFamily="34" charset="-128"/>
+              <a:latin typeface="Calibri" panose="020F0502020204030204" pitchFamily="34" charset="0"/>
               <a:ea typeface="MS PGothic" panose="020B0600070205080204" pitchFamily="34" charset="-128"/>
+              <a:cs typeface="Calibri" panose="020F0502020204030204" pitchFamily="34" charset="0"/>
             </a:endParaRPr>
           </a:p>
         </p:txBody>
@@ -15538,7 +13630,7 @@
     </p:spTree>
     <p:extLst>
       <p:ext uri="{BB962C8B-B14F-4D97-AF65-F5344CB8AC3E}">
-        <p14:creationId xmlns:p14="http://schemas.microsoft.com/office/powerpoint/2010/main" val="1805107616"/>
+        <p14:creationId xmlns:p14="http://schemas.microsoft.com/office/powerpoint/2010/main" val="3751704269"/>
       </p:ext>
     </p:extLst>
   </p:cSld>
@@ -15636,8 +13728,9 @@
                   <a:lumOff val="25000"/>
                 </a:schemeClr>
               </a:solidFill>
-              <a:latin typeface="MS PGothic" panose="020B0600070205080204" pitchFamily="34" charset="-128"/>
+              <a:latin typeface="Calibri" panose="020F0502020204030204" pitchFamily="34" charset="0"/>
               <a:ea typeface="MS PGothic" panose="020B0600070205080204" pitchFamily="34" charset="-128"/>
+              <a:cs typeface="Calibri" panose="020F0502020204030204" pitchFamily="34" charset="0"/>
             </a:endParaRPr>
           </a:p>
         </p:txBody>
@@ -15645,7 +13738,7 @@
     </p:spTree>
     <p:extLst>
       <p:ext uri="{BB962C8B-B14F-4D97-AF65-F5344CB8AC3E}">
-        <p14:creationId xmlns:p14="http://schemas.microsoft.com/office/powerpoint/2010/main" val="2000545414"/>
+        <p14:creationId xmlns:p14="http://schemas.microsoft.com/office/powerpoint/2010/main" val="3041687215"/>
       </p:ext>
     </p:extLst>
   </p:cSld>
@@ -15743,8 +13836,9 @@
                   <a:lumOff val="25000"/>
                 </a:schemeClr>
               </a:solidFill>
-              <a:latin typeface="MS PGothic" panose="020B0600070205080204" pitchFamily="34" charset="-128"/>
+              <a:latin typeface="Calibri" panose="020F0502020204030204" pitchFamily="34" charset="0"/>
               <a:ea typeface="MS PGothic" panose="020B0600070205080204" pitchFamily="34" charset="-128"/>
+              <a:cs typeface="Calibri" panose="020F0502020204030204" pitchFamily="34" charset="0"/>
             </a:endParaRPr>
           </a:p>
         </p:txBody>
@@ -15752,7 +13846,7 @@
     </p:spTree>
     <p:extLst>
       <p:ext uri="{BB962C8B-B14F-4D97-AF65-F5344CB8AC3E}">
-        <p14:creationId xmlns:p14="http://schemas.microsoft.com/office/powerpoint/2010/main" val="1473400100"/>
+        <p14:creationId xmlns:p14="http://schemas.microsoft.com/office/powerpoint/2010/main" val="3096257832"/>
       </p:ext>
     </p:extLst>
   </p:cSld>
@@ -15850,8 +13944,9 @@
                   <a:lumOff val="25000"/>
                 </a:schemeClr>
               </a:solidFill>
-              <a:latin typeface="MS PGothic" panose="020B0600070205080204" pitchFamily="34" charset="-128"/>
+              <a:latin typeface="Calibri" panose="020F0502020204030204" pitchFamily="34" charset="0"/>
               <a:ea typeface="MS PGothic" panose="020B0600070205080204" pitchFamily="34" charset="-128"/>
+              <a:cs typeface="Calibri" panose="020F0502020204030204" pitchFamily="34" charset="0"/>
             </a:endParaRPr>
           </a:p>
         </p:txBody>
@@ -15859,7 +13954,7 @@
     </p:spTree>
     <p:extLst>
       <p:ext uri="{BB962C8B-B14F-4D97-AF65-F5344CB8AC3E}">
-        <p14:creationId xmlns:p14="http://schemas.microsoft.com/office/powerpoint/2010/main" val="1700929180"/>
+        <p14:creationId xmlns:p14="http://schemas.microsoft.com/office/powerpoint/2010/main" val="2062681933"/>
       </p:ext>
     </p:extLst>
   </p:cSld>
@@ -15957,8 +14052,9 @@
                   <a:lumOff val="25000"/>
                 </a:schemeClr>
               </a:solidFill>
-              <a:latin typeface="MS PGothic" panose="020B0600070205080204" pitchFamily="34" charset="-128"/>
+              <a:latin typeface="Calibri" panose="020F0502020204030204" pitchFamily="34" charset="0"/>
               <a:ea typeface="MS PGothic" panose="020B0600070205080204" pitchFamily="34" charset="-128"/>
+              <a:cs typeface="Calibri" panose="020F0502020204030204" pitchFamily="34" charset="0"/>
             </a:endParaRPr>
           </a:p>
         </p:txBody>
@@ -15966,7 +14062,7 @@
     </p:spTree>
     <p:extLst>
       <p:ext uri="{BB962C8B-B14F-4D97-AF65-F5344CB8AC3E}">
-        <p14:creationId xmlns:p14="http://schemas.microsoft.com/office/powerpoint/2010/main" val="618391188"/>
+        <p14:creationId xmlns:p14="http://schemas.microsoft.com/office/powerpoint/2010/main" val="2279477775"/>
       </p:ext>
     </p:extLst>
   </p:cSld>
@@ -16064,8 +14160,9 @@
                   <a:lumOff val="25000"/>
                 </a:schemeClr>
               </a:solidFill>
-              <a:latin typeface="MS PGothic" panose="020B0600070205080204" pitchFamily="34" charset="-128"/>
+              <a:latin typeface="Calibri" panose="020F0502020204030204" pitchFamily="34" charset="0"/>
               <a:ea typeface="MS PGothic" panose="020B0600070205080204" pitchFamily="34" charset="-128"/>
+              <a:cs typeface="Calibri" panose="020F0502020204030204" pitchFamily="34" charset="0"/>
             </a:endParaRPr>
           </a:p>
         </p:txBody>
@@ -16073,7 +14170,7 @@
     </p:spTree>
     <p:extLst>
       <p:ext uri="{BB962C8B-B14F-4D97-AF65-F5344CB8AC3E}">
-        <p14:creationId xmlns:p14="http://schemas.microsoft.com/office/powerpoint/2010/main" val="1612313072"/>
+        <p14:creationId xmlns:p14="http://schemas.microsoft.com/office/powerpoint/2010/main" val="1769856131"/>
       </p:ext>
     </p:extLst>
   </p:cSld>
@@ -16171,8 +14268,9 @@
                   <a:lumOff val="25000"/>
                 </a:schemeClr>
               </a:solidFill>
-              <a:latin typeface="MS PGothic" panose="020B0600070205080204" pitchFamily="34" charset="-128"/>
+              <a:latin typeface="Calibri" panose="020F0502020204030204" pitchFamily="34" charset="0"/>
               <a:ea typeface="MS PGothic" panose="020B0600070205080204" pitchFamily="34" charset="-128"/>
+              <a:cs typeface="Calibri" panose="020F0502020204030204" pitchFamily="34" charset="0"/>
             </a:endParaRPr>
           </a:p>
         </p:txBody>
@@ -16180,7 +14278,7 @@
     </p:spTree>
     <p:extLst>
       <p:ext uri="{BB962C8B-B14F-4D97-AF65-F5344CB8AC3E}">
-        <p14:creationId xmlns:p14="http://schemas.microsoft.com/office/powerpoint/2010/main" val="330254880"/>
+        <p14:creationId xmlns:p14="http://schemas.microsoft.com/office/powerpoint/2010/main" val="693526394"/>
       </p:ext>
     </p:extLst>
   </p:cSld>
@@ -16278,8 +14376,9 @@
                   <a:lumOff val="25000"/>
                 </a:schemeClr>
               </a:solidFill>
-              <a:latin typeface="MS PGothic" panose="020B0600070205080204" pitchFamily="34" charset="-128"/>
+              <a:latin typeface="Calibri" panose="020F0502020204030204" pitchFamily="34" charset="0"/>
               <a:ea typeface="MS PGothic" panose="020B0600070205080204" pitchFamily="34" charset="-128"/>
+              <a:cs typeface="Calibri" panose="020F0502020204030204" pitchFamily="34" charset="0"/>
             </a:endParaRPr>
           </a:p>
         </p:txBody>
@@ -16287,7 +14386,7 @@
     </p:spTree>
     <p:extLst>
       <p:ext uri="{BB962C8B-B14F-4D97-AF65-F5344CB8AC3E}">
-        <p14:creationId xmlns:p14="http://schemas.microsoft.com/office/powerpoint/2010/main" val="2058607968"/>
+        <p14:creationId xmlns:p14="http://schemas.microsoft.com/office/powerpoint/2010/main" val="3967835921"/>
       </p:ext>
     </p:extLst>
   </p:cSld>
@@ -16385,8 +14484,9 @@
                   <a:lumOff val="25000"/>
                 </a:schemeClr>
               </a:solidFill>
-              <a:latin typeface="MS PGothic" panose="020B0600070205080204" pitchFamily="34" charset="-128"/>
+              <a:latin typeface="Calibri" panose="020F0502020204030204" pitchFamily="34" charset="0"/>
               <a:ea typeface="MS PGothic" panose="020B0600070205080204" pitchFamily="34" charset="-128"/>
+              <a:cs typeface="Calibri" panose="020F0502020204030204" pitchFamily="34" charset="0"/>
             </a:endParaRPr>
           </a:p>
         </p:txBody>
@@ -16394,7 +14494,7 @@
     </p:spTree>
     <p:extLst>
       <p:ext uri="{BB962C8B-B14F-4D97-AF65-F5344CB8AC3E}">
-        <p14:creationId xmlns:p14="http://schemas.microsoft.com/office/powerpoint/2010/main" val="3611683311"/>
+        <p14:creationId xmlns:p14="http://schemas.microsoft.com/office/powerpoint/2010/main" val="856360164"/>
       </p:ext>
     </p:extLst>
   </p:cSld>
@@ -16492,8 +14592,9 @@
                   <a:lumOff val="25000"/>
                 </a:schemeClr>
               </a:solidFill>
-              <a:latin typeface="MS PGothic" panose="020B0600070205080204" pitchFamily="34" charset="-128"/>
+              <a:latin typeface="Calibri" panose="020F0502020204030204" pitchFamily="34" charset="0"/>
               <a:ea typeface="MS PGothic" panose="020B0600070205080204" pitchFamily="34" charset="-128"/>
+              <a:cs typeface="Calibri" panose="020F0502020204030204" pitchFamily="34" charset="0"/>
             </a:endParaRPr>
           </a:p>
         </p:txBody>
@@ -16501,7 +14602,7 @@
     </p:spTree>
     <p:extLst>
       <p:ext uri="{BB962C8B-B14F-4D97-AF65-F5344CB8AC3E}">
-        <p14:creationId xmlns:p14="http://schemas.microsoft.com/office/powerpoint/2010/main" val="2766745426"/>
+        <p14:creationId xmlns:p14="http://schemas.microsoft.com/office/powerpoint/2010/main" val="1325119395"/>
       </p:ext>
     </p:extLst>
   </p:cSld>
@@ -16599,8 +14700,9 @@
                   <a:lumOff val="25000"/>
                 </a:schemeClr>
               </a:solidFill>
-              <a:latin typeface="MS PGothic" panose="020B0600070205080204" pitchFamily="34" charset="-128"/>
+              <a:latin typeface="Calibri" panose="020F0502020204030204" pitchFamily="34" charset="0"/>
               <a:ea typeface="MS PGothic" panose="020B0600070205080204" pitchFamily="34" charset="-128"/>
+              <a:cs typeface="Calibri" panose="020F0502020204030204" pitchFamily="34" charset="0"/>
             </a:endParaRPr>
           </a:p>
         </p:txBody>
@@ -16608,7 +14710,7 @@
     </p:spTree>
     <p:extLst>
       <p:ext uri="{BB962C8B-B14F-4D97-AF65-F5344CB8AC3E}">
-        <p14:creationId xmlns:p14="http://schemas.microsoft.com/office/powerpoint/2010/main" val="591176582"/>
+        <p14:creationId xmlns:p14="http://schemas.microsoft.com/office/powerpoint/2010/main" val="1090558651"/>
       </p:ext>
     </p:extLst>
   </p:cSld>
@@ -16706,8 +14808,9 @@
                   <a:lumOff val="25000"/>
                 </a:schemeClr>
               </a:solidFill>
-              <a:latin typeface="MS PGothic" panose="020B0600070205080204" pitchFamily="34" charset="-128"/>
+              <a:latin typeface="Calibri" panose="020F0502020204030204" pitchFamily="34" charset="0"/>
               <a:ea typeface="MS PGothic" panose="020B0600070205080204" pitchFamily="34" charset="-128"/>
+              <a:cs typeface="Calibri" panose="020F0502020204030204" pitchFamily="34" charset="0"/>
             </a:endParaRPr>
           </a:p>
         </p:txBody>
@@ -16715,7 +14818,7 @@
     </p:spTree>
     <p:extLst>
       <p:ext uri="{BB962C8B-B14F-4D97-AF65-F5344CB8AC3E}">
-        <p14:creationId xmlns:p14="http://schemas.microsoft.com/office/powerpoint/2010/main" val="3860982208"/>
+        <p14:creationId xmlns:p14="http://schemas.microsoft.com/office/powerpoint/2010/main" val="490862393"/>
       </p:ext>
     </p:extLst>
   </p:cSld>
@@ -16813,8 +14916,9 @@
                   <a:lumOff val="25000"/>
                 </a:schemeClr>
               </a:solidFill>
-              <a:latin typeface="MS PGothic" panose="020B0600070205080204" pitchFamily="34" charset="-128"/>
+              <a:latin typeface="Calibri" panose="020F0502020204030204" pitchFamily="34" charset="0"/>
               <a:ea typeface="MS PGothic" panose="020B0600070205080204" pitchFamily="34" charset="-128"/>
+              <a:cs typeface="Calibri" panose="020F0502020204030204" pitchFamily="34" charset="0"/>
             </a:endParaRPr>
           </a:p>
         </p:txBody>
@@ -16822,7 +14926,7 @@
     </p:spTree>
     <p:extLst>
       <p:ext uri="{BB962C8B-B14F-4D97-AF65-F5344CB8AC3E}">
-        <p14:creationId xmlns:p14="http://schemas.microsoft.com/office/powerpoint/2010/main" val="730759925"/>
+        <p14:creationId xmlns:p14="http://schemas.microsoft.com/office/powerpoint/2010/main" val="4187947077"/>
       </p:ext>
     </p:extLst>
   </p:cSld>
@@ -16920,8 +15024,9 @@
                   <a:lumOff val="25000"/>
                 </a:schemeClr>
               </a:solidFill>
-              <a:latin typeface="MS PGothic" panose="020B0600070205080204" pitchFamily="34" charset="-128"/>
+              <a:latin typeface="Calibri" panose="020F0502020204030204" pitchFamily="34" charset="0"/>
               <a:ea typeface="MS PGothic" panose="020B0600070205080204" pitchFamily="34" charset="-128"/>
+              <a:cs typeface="Calibri" panose="020F0502020204030204" pitchFamily="34" charset="0"/>
             </a:endParaRPr>
           </a:p>
         </p:txBody>
@@ -16929,7 +15034,7 @@
     </p:spTree>
     <p:extLst>
       <p:ext uri="{BB962C8B-B14F-4D97-AF65-F5344CB8AC3E}">
-        <p14:creationId xmlns:p14="http://schemas.microsoft.com/office/powerpoint/2010/main" val="3273186615"/>
+        <p14:creationId xmlns:p14="http://schemas.microsoft.com/office/powerpoint/2010/main" val="1370726559"/>
       </p:ext>
     </p:extLst>
   </p:cSld>
@@ -17027,8 +15132,9 @@
                   <a:lumOff val="25000"/>
                 </a:schemeClr>
               </a:solidFill>
-              <a:latin typeface="MS PGothic" panose="020B0600070205080204" pitchFamily="34" charset="-128"/>
+              <a:latin typeface="Calibri" panose="020F0502020204030204" pitchFamily="34" charset="0"/>
               <a:ea typeface="MS PGothic" panose="020B0600070205080204" pitchFamily="34" charset="-128"/>
+              <a:cs typeface="Calibri" panose="020F0502020204030204" pitchFamily="34" charset="0"/>
             </a:endParaRPr>
           </a:p>
         </p:txBody>
@@ -17036,7 +15142,7 @@
     </p:spTree>
     <p:extLst>
       <p:ext uri="{BB962C8B-B14F-4D97-AF65-F5344CB8AC3E}">
-        <p14:creationId xmlns:p14="http://schemas.microsoft.com/office/powerpoint/2010/main" val="2697132927"/>
+        <p14:creationId xmlns:p14="http://schemas.microsoft.com/office/powerpoint/2010/main" val="1787883405"/>
       </p:ext>
     </p:extLst>
   </p:cSld>
@@ -17134,8 +15240,9 @@
                   <a:lumOff val="25000"/>
                 </a:schemeClr>
               </a:solidFill>
-              <a:latin typeface="MS PGothic" panose="020B0600070205080204" pitchFamily="34" charset="-128"/>
+              <a:latin typeface="Calibri" panose="020F0502020204030204" pitchFamily="34" charset="0"/>
               <a:ea typeface="MS PGothic" panose="020B0600070205080204" pitchFamily="34" charset="-128"/>
+              <a:cs typeface="Calibri" panose="020F0502020204030204" pitchFamily="34" charset="0"/>
             </a:endParaRPr>
           </a:p>
         </p:txBody>
@@ -17143,7 +15250,7 @@
     </p:spTree>
     <p:extLst>
       <p:ext uri="{BB962C8B-B14F-4D97-AF65-F5344CB8AC3E}">
-        <p14:creationId xmlns:p14="http://schemas.microsoft.com/office/powerpoint/2010/main" val="2336474339"/>
+        <p14:creationId xmlns:p14="http://schemas.microsoft.com/office/powerpoint/2010/main" val="1069932811"/>
       </p:ext>
     </p:extLst>
   </p:cSld>
@@ -17241,8 +15348,9 @@
                   <a:lumOff val="25000"/>
                 </a:schemeClr>
               </a:solidFill>
-              <a:latin typeface="MS PGothic" panose="020B0600070205080204" pitchFamily="34" charset="-128"/>
+              <a:latin typeface="Calibri" panose="020F0502020204030204" pitchFamily="34" charset="0"/>
               <a:ea typeface="MS PGothic" panose="020B0600070205080204" pitchFamily="34" charset="-128"/>
+              <a:cs typeface="Calibri" panose="020F0502020204030204" pitchFamily="34" charset="0"/>
             </a:endParaRPr>
           </a:p>
         </p:txBody>
@@ -17250,7 +15358,7 @@
     </p:spTree>
     <p:extLst>
       <p:ext uri="{BB962C8B-B14F-4D97-AF65-F5344CB8AC3E}">
-        <p14:creationId xmlns:p14="http://schemas.microsoft.com/office/powerpoint/2010/main" val="1402262666"/>
+        <p14:creationId xmlns:p14="http://schemas.microsoft.com/office/powerpoint/2010/main" val="1233765058"/>
       </p:ext>
     </p:extLst>
   </p:cSld>
@@ -17348,8 +15456,9 @@
                   <a:lumOff val="25000"/>
                 </a:schemeClr>
               </a:solidFill>
-              <a:latin typeface="MS PGothic" panose="020B0600070205080204" pitchFamily="34" charset="-128"/>
+              <a:latin typeface="Calibri" panose="020F0502020204030204" pitchFamily="34" charset="0"/>
               <a:ea typeface="MS PGothic" panose="020B0600070205080204" pitchFamily="34" charset="-128"/>
+              <a:cs typeface="Calibri" panose="020F0502020204030204" pitchFamily="34" charset="0"/>
             </a:endParaRPr>
           </a:p>
         </p:txBody>
@@ -17357,7 +15466,7 @@
     </p:spTree>
     <p:extLst>
       <p:ext uri="{BB962C8B-B14F-4D97-AF65-F5344CB8AC3E}">
-        <p14:creationId xmlns:p14="http://schemas.microsoft.com/office/powerpoint/2010/main" val="95692841"/>
+        <p14:creationId xmlns:p14="http://schemas.microsoft.com/office/powerpoint/2010/main" val="2625834283"/>
       </p:ext>
     </p:extLst>
   </p:cSld>
@@ -17455,8 +15564,9 @@
                   <a:lumOff val="25000"/>
                 </a:schemeClr>
               </a:solidFill>
-              <a:latin typeface="MS PGothic" panose="020B0600070205080204" pitchFamily="34" charset="-128"/>
+              <a:latin typeface="Calibri" panose="020F0502020204030204" pitchFamily="34" charset="0"/>
               <a:ea typeface="MS PGothic" panose="020B0600070205080204" pitchFamily="34" charset="-128"/>
+              <a:cs typeface="Calibri" panose="020F0502020204030204" pitchFamily="34" charset="0"/>
             </a:endParaRPr>
           </a:p>
         </p:txBody>
@@ -17464,7 +15574,7 @@
     </p:spTree>
     <p:extLst>
       <p:ext uri="{BB962C8B-B14F-4D97-AF65-F5344CB8AC3E}">
-        <p14:creationId xmlns:p14="http://schemas.microsoft.com/office/powerpoint/2010/main" val="3395194378"/>
+        <p14:creationId xmlns:p14="http://schemas.microsoft.com/office/powerpoint/2010/main" val="301124587"/>
       </p:ext>
     </p:extLst>
   </p:cSld>
@@ -17562,8 +15672,9 @@
                   <a:lumOff val="25000"/>
                 </a:schemeClr>
               </a:solidFill>
-              <a:latin typeface="MS PGothic" panose="020B0600070205080204" pitchFamily="34" charset="-128"/>
+              <a:latin typeface="Calibri" panose="020F0502020204030204" pitchFamily="34" charset="0"/>
               <a:ea typeface="MS PGothic" panose="020B0600070205080204" pitchFamily="34" charset="-128"/>
+              <a:cs typeface="Calibri" panose="020F0502020204030204" pitchFamily="34" charset="0"/>
             </a:endParaRPr>
           </a:p>
         </p:txBody>
@@ -17571,7 +15682,7 @@
     </p:spTree>
     <p:extLst>
       <p:ext uri="{BB962C8B-B14F-4D97-AF65-F5344CB8AC3E}">
-        <p14:creationId xmlns:p14="http://schemas.microsoft.com/office/powerpoint/2010/main" val="1469534267"/>
+        <p14:creationId xmlns:p14="http://schemas.microsoft.com/office/powerpoint/2010/main" val="3540314239"/>
       </p:ext>
     </p:extLst>
   </p:cSld>
@@ -17669,8 +15780,9 @@
                   <a:lumOff val="25000"/>
                 </a:schemeClr>
               </a:solidFill>
-              <a:latin typeface="MS PGothic" panose="020B0600070205080204" pitchFamily="34" charset="-128"/>
+              <a:latin typeface="Calibri" panose="020F0502020204030204" pitchFamily="34" charset="0"/>
               <a:ea typeface="MS PGothic" panose="020B0600070205080204" pitchFamily="34" charset="-128"/>
+              <a:cs typeface="Calibri" panose="020F0502020204030204" pitchFamily="34" charset="0"/>
             </a:endParaRPr>
           </a:p>
         </p:txBody>
@@ -17678,7 +15790,7 @@
     </p:spTree>
     <p:extLst>
       <p:ext uri="{BB962C8B-B14F-4D97-AF65-F5344CB8AC3E}">
-        <p14:creationId xmlns:p14="http://schemas.microsoft.com/office/powerpoint/2010/main" val="2027380020"/>
+        <p14:creationId xmlns:p14="http://schemas.microsoft.com/office/powerpoint/2010/main" val="223598754"/>
       </p:ext>
     </p:extLst>
   </p:cSld>
@@ -17776,8 +15888,9 @@
                   <a:lumOff val="25000"/>
                 </a:schemeClr>
               </a:solidFill>
-              <a:latin typeface="MS PGothic" panose="020B0600070205080204" pitchFamily="34" charset="-128"/>
+              <a:latin typeface="Calibri" panose="020F0502020204030204" pitchFamily="34" charset="0"/>
               <a:ea typeface="MS PGothic" panose="020B0600070205080204" pitchFamily="34" charset="-128"/>
+              <a:cs typeface="Calibri" panose="020F0502020204030204" pitchFamily="34" charset="0"/>
             </a:endParaRPr>
           </a:p>
         </p:txBody>
@@ -17785,7 +15898,7 @@
     </p:spTree>
     <p:extLst>
       <p:ext uri="{BB962C8B-B14F-4D97-AF65-F5344CB8AC3E}">
-        <p14:creationId xmlns:p14="http://schemas.microsoft.com/office/powerpoint/2010/main" val="3070130660"/>
+        <p14:creationId xmlns:p14="http://schemas.microsoft.com/office/powerpoint/2010/main" val="1323328770"/>
       </p:ext>
     </p:extLst>
   </p:cSld>
@@ -17883,8 +15996,9 @@
                   <a:lumOff val="25000"/>
                 </a:schemeClr>
               </a:solidFill>
-              <a:latin typeface="MS PGothic" panose="020B0600070205080204" pitchFamily="34" charset="-128"/>
+              <a:latin typeface="Calibri" panose="020F0502020204030204" pitchFamily="34" charset="0"/>
               <a:ea typeface="MS PGothic" panose="020B0600070205080204" pitchFamily="34" charset="-128"/>
+              <a:cs typeface="Calibri" panose="020F0502020204030204" pitchFamily="34" charset="0"/>
             </a:endParaRPr>
           </a:p>
         </p:txBody>
@@ -17892,7 +16006,7 @@
     </p:spTree>
     <p:extLst>
       <p:ext uri="{BB962C8B-B14F-4D97-AF65-F5344CB8AC3E}">
-        <p14:creationId xmlns:p14="http://schemas.microsoft.com/office/powerpoint/2010/main" val="1676977857"/>
+        <p14:creationId xmlns:p14="http://schemas.microsoft.com/office/powerpoint/2010/main" val="3692728885"/>
       </p:ext>
     </p:extLst>
   </p:cSld>
@@ -17990,8 +16104,9 @@
                   <a:lumOff val="25000"/>
                 </a:schemeClr>
               </a:solidFill>
-              <a:latin typeface="MS PGothic" panose="020B0600070205080204" pitchFamily="34" charset="-128"/>
+              <a:latin typeface="Calibri" panose="020F0502020204030204" pitchFamily="34" charset="0"/>
               <a:ea typeface="MS PGothic" panose="020B0600070205080204" pitchFamily="34" charset="-128"/>
+              <a:cs typeface="Calibri" panose="020F0502020204030204" pitchFamily="34" charset="0"/>
             </a:endParaRPr>
           </a:p>
         </p:txBody>
@@ -17999,7 +16114,7 @@
     </p:spTree>
     <p:extLst>
       <p:ext uri="{BB962C8B-B14F-4D97-AF65-F5344CB8AC3E}">
-        <p14:creationId xmlns:p14="http://schemas.microsoft.com/office/powerpoint/2010/main" val="2187173065"/>
+        <p14:creationId xmlns:p14="http://schemas.microsoft.com/office/powerpoint/2010/main" val="4024380631"/>
       </p:ext>
     </p:extLst>
   </p:cSld>
@@ -18097,8 +16212,9 @@
                   <a:lumOff val="25000"/>
                 </a:schemeClr>
               </a:solidFill>
-              <a:latin typeface="MS PGothic" panose="020B0600070205080204" pitchFamily="34" charset="-128"/>
+              <a:latin typeface="Calibri" panose="020F0502020204030204" pitchFamily="34" charset="0"/>
               <a:ea typeface="MS PGothic" panose="020B0600070205080204" pitchFamily="34" charset="-128"/>
+              <a:cs typeface="Calibri" panose="020F0502020204030204" pitchFamily="34" charset="0"/>
             </a:endParaRPr>
           </a:p>
         </p:txBody>
@@ -18106,7 +16222,7 @@
     </p:spTree>
     <p:extLst>
       <p:ext uri="{BB962C8B-B14F-4D97-AF65-F5344CB8AC3E}">
-        <p14:creationId xmlns:p14="http://schemas.microsoft.com/office/powerpoint/2010/main" val="1566570515"/>
+        <p14:creationId xmlns:p14="http://schemas.microsoft.com/office/powerpoint/2010/main" val="2851306663"/>
       </p:ext>
     </p:extLst>
   </p:cSld>
@@ -18204,8 +16320,9 @@
                   <a:lumOff val="25000"/>
                 </a:schemeClr>
               </a:solidFill>
-              <a:latin typeface="MS PGothic" panose="020B0600070205080204" pitchFamily="34" charset="-128"/>
+              <a:latin typeface="Calibri" panose="020F0502020204030204" pitchFamily="34" charset="0"/>
               <a:ea typeface="MS PGothic" panose="020B0600070205080204" pitchFamily="34" charset="-128"/>
+              <a:cs typeface="Calibri" panose="020F0502020204030204" pitchFamily="34" charset="0"/>
             </a:endParaRPr>
           </a:p>
         </p:txBody>
@@ -18213,7 +16330,7 @@
     </p:spTree>
     <p:extLst>
       <p:ext uri="{BB962C8B-B14F-4D97-AF65-F5344CB8AC3E}">
-        <p14:creationId xmlns:p14="http://schemas.microsoft.com/office/powerpoint/2010/main" val="501932356"/>
+        <p14:creationId xmlns:p14="http://schemas.microsoft.com/office/powerpoint/2010/main" val="1710318598"/>
       </p:ext>
     </p:extLst>
   </p:cSld>
@@ -18311,8 +16428,9 @@
                   <a:lumOff val="25000"/>
                 </a:schemeClr>
               </a:solidFill>
-              <a:latin typeface="MS PGothic" panose="020B0600070205080204" pitchFamily="34" charset="-128"/>
+              <a:latin typeface="Calibri" panose="020F0502020204030204" pitchFamily="34" charset="0"/>
               <a:ea typeface="MS PGothic" panose="020B0600070205080204" pitchFamily="34" charset="-128"/>
+              <a:cs typeface="Calibri" panose="020F0502020204030204" pitchFamily="34" charset="0"/>
             </a:endParaRPr>
           </a:p>
         </p:txBody>
@@ -18320,7 +16438,7 @@
     </p:spTree>
     <p:extLst>
       <p:ext uri="{BB962C8B-B14F-4D97-AF65-F5344CB8AC3E}">
-        <p14:creationId xmlns:p14="http://schemas.microsoft.com/office/powerpoint/2010/main" val="2080722727"/>
+        <p14:creationId xmlns:p14="http://schemas.microsoft.com/office/powerpoint/2010/main" val="2291730280"/>
       </p:ext>
     </p:extLst>
   </p:cSld>
@@ -18418,8 +16536,9 @@
                   <a:lumOff val="25000"/>
                 </a:schemeClr>
               </a:solidFill>
-              <a:latin typeface="MS PGothic" panose="020B0600070205080204" pitchFamily="34" charset="-128"/>
+              <a:latin typeface="Calibri" panose="020F0502020204030204" pitchFamily="34" charset="0"/>
               <a:ea typeface="MS PGothic" panose="020B0600070205080204" pitchFamily="34" charset="-128"/>
+              <a:cs typeface="Calibri" panose="020F0502020204030204" pitchFamily="34" charset="0"/>
             </a:endParaRPr>
           </a:p>
         </p:txBody>
@@ -18427,7 +16546,7 @@
     </p:spTree>
     <p:extLst>
       <p:ext uri="{BB962C8B-B14F-4D97-AF65-F5344CB8AC3E}">
-        <p14:creationId xmlns:p14="http://schemas.microsoft.com/office/powerpoint/2010/main" val="1877359717"/>
+        <p14:creationId xmlns:p14="http://schemas.microsoft.com/office/powerpoint/2010/main" val="2674723392"/>
       </p:ext>
     </p:extLst>
   </p:cSld>
@@ -18525,8 +16644,9 @@
                   <a:lumOff val="25000"/>
                 </a:schemeClr>
               </a:solidFill>
-              <a:latin typeface="MS PGothic" panose="020B0600070205080204" pitchFamily="34" charset="-128"/>
+              <a:latin typeface="Calibri" panose="020F0502020204030204" pitchFamily="34" charset="0"/>
               <a:ea typeface="MS PGothic" panose="020B0600070205080204" pitchFamily="34" charset="-128"/>
+              <a:cs typeface="Calibri" panose="020F0502020204030204" pitchFamily="34" charset="0"/>
             </a:endParaRPr>
           </a:p>
         </p:txBody>
@@ -18534,7 +16654,7 @@
     </p:spTree>
     <p:extLst>
       <p:ext uri="{BB962C8B-B14F-4D97-AF65-F5344CB8AC3E}">
-        <p14:creationId xmlns:p14="http://schemas.microsoft.com/office/powerpoint/2010/main" val="2583273699"/>
+        <p14:creationId xmlns:p14="http://schemas.microsoft.com/office/powerpoint/2010/main" val="1829106774"/>
       </p:ext>
     </p:extLst>
   </p:cSld>
@@ -18632,8 +16752,9 @@
                   <a:lumOff val="25000"/>
                 </a:schemeClr>
               </a:solidFill>
-              <a:latin typeface="MS PGothic" panose="020B0600070205080204" pitchFamily="34" charset="-128"/>
+              <a:latin typeface="Calibri" panose="020F0502020204030204" pitchFamily="34" charset="0"/>
               <a:ea typeface="MS PGothic" panose="020B0600070205080204" pitchFamily="34" charset="-128"/>
+              <a:cs typeface="Calibri" panose="020F0502020204030204" pitchFamily="34" charset="0"/>
             </a:endParaRPr>
           </a:p>
         </p:txBody>
@@ -18641,7 +16762,7 @@
     </p:spTree>
     <p:extLst>
       <p:ext uri="{BB962C8B-B14F-4D97-AF65-F5344CB8AC3E}">
-        <p14:creationId xmlns:p14="http://schemas.microsoft.com/office/powerpoint/2010/main" val="3221987141"/>
+        <p14:creationId xmlns:p14="http://schemas.microsoft.com/office/powerpoint/2010/main" val="2319263356"/>
       </p:ext>
     </p:extLst>
   </p:cSld>
@@ -18739,8 +16860,9 @@
                   <a:lumOff val="25000"/>
                 </a:schemeClr>
               </a:solidFill>
-              <a:latin typeface="MS PGothic" panose="020B0600070205080204" pitchFamily="34" charset="-128"/>
+              <a:latin typeface="Calibri" panose="020F0502020204030204" pitchFamily="34" charset="0"/>
               <a:ea typeface="MS PGothic" panose="020B0600070205080204" pitchFamily="34" charset="-128"/>
+              <a:cs typeface="Calibri" panose="020F0502020204030204" pitchFamily="34" charset="0"/>
             </a:endParaRPr>
           </a:p>
         </p:txBody>
@@ -18748,7 +16870,7 @@
     </p:spTree>
     <p:extLst>
       <p:ext uri="{BB962C8B-B14F-4D97-AF65-F5344CB8AC3E}">
-        <p14:creationId xmlns:p14="http://schemas.microsoft.com/office/powerpoint/2010/main" val="3599493379"/>
+        <p14:creationId xmlns:p14="http://schemas.microsoft.com/office/powerpoint/2010/main" val="1545651063"/>
       </p:ext>
     </p:extLst>
   </p:cSld>
@@ -18846,8 +16968,9 @@
                   <a:lumOff val="25000"/>
                 </a:schemeClr>
               </a:solidFill>
-              <a:latin typeface="MS PGothic" panose="020B0600070205080204" pitchFamily="34" charset="-128"/>
+              <a:latin typeface="Calibri" panose="020F0502020204030204" pitchFamily="34" charset="0"/>
               <a:ea typeface="MS PGothic" panose="020B0600070205080204" pitchFamily="34" charset="-128"/>
+              <a:cs typeface="Calibri" panose="020F0502020204030204" pitchFamily="34" charset="0"/>
             </a:endParaRPr>
           </a:p>
         </p:txBody>
@@ -18855,7 +16978,7 @@
     </p:spTree>
     <p:extLst>
       <p:ext uri="{BB962C8B-B14F-4D97-AF65-F5344CB8AC3E}">
-        <p14:creationId xmlns:p14="http://schemas.microsoft.com/office/powerpoint/2010/main" val="795817528"/>
+        <p14:creationId xmlns:p14="http://schemas.microsoft.com/office/powerpoint/2010/main" val="1581269879"/>
       </p:ext>
     </p:extLst>
   </p:cSld>
@@ -18953,8 +17076,9 @@
                   <a:lumOff val="25000"/>
                 </a:schemeClr>
               </a:solidFill>
-              <a:latin typeface="MS PGothic" panose="020B0600070205080204" pitchFamily="34" charset="-128"/>
+              <a:latin typeface="Calibri" panose="020F0502020204030204" pitchFamily="34" charset="0"/>
               <a:ea typeface="MS PGothic" panose="020B0600070205080204" pitchFamily="34" charset="-128"/>
+              <a:cs typeface="Calibri" panose="020F0502020204030204" pitchFamily="34" charset="0"/>
             </a:endParaRPr>
           </a:p>
         </p:txBody>
@@ -18962,7 +17086,7 @@
     </p:spTree>
     <p:extLst>
       <p:ext uri="{BB962C8B-B14F-4D97-AF65-F5344CB8AC3E}">
-        <p14:creationId xmlns:p14="http://schemas.microsoft.com/office/powerpoint/2010/main" val="2669087750"/>
+        <p14:creationId xmlns:p14="http://schemas.microsoft.com/office/powerpoint/2010/main" val="4126756124"/>
       </p:ext>
     </p:extLst>
   </p:cSld>
@@ -19060,8 +17184,9 @@
                   <a:lumOff val="25000"/>
                 </a:schemeClr>
               </a:solidFill>
-              <a:latin typeface="MS PGothic" panose="020B0600070205080204" pitchFamily="34" charset="-128"/>
+              <a:latin typeface="Calibri" panose="020F0502020204030204" pitchFamily="34" charset="0"/>
               <a:ea typeface="MS PGothic" panose="020B0600070205080204" pitchFamily="34" charset="-128"/>
+              <a:cs typeface="Calibri" panose="020F0502020204030204" pitchFamily="34" charset="0"/>
             </a:endParaRPr>
           </a:p>
         </p:txBody>
@@ -19069,7 +17194,7 @@
     </p:spTree>
     <p:extLst>
       <p:ext uri="{BB962C8B-B14F-4D97-AF65-F5344CB8AC3E}">
-        <p14:creationId xmlns:p14="http://schemas.microsoft.com/office/powerpoint/2010/main" val="4186951970"/>
+        <p14:creationId xmlns:p14="http://schemas.microsoft.com/office/powerpoint/2010/main" val="3530564931"/>
       </p:ext>
     </p:extLst>
   </p:cSld>
@@ -19167,8 +17292,9 @@
                   <a:lumOff val="25000"/>
                 </a:schemeClr>
               </a:solidFill>
-              <a:latin typeface="MS PGothic" panose="020B0600070205080204" pitchFamily="34" charset="-128"/>
+              <a:latin typeface="Calibri" panose="020F0502020204030204" pitchFamily="34" charset="0"/>
               <a:ea typeface="MS PGothic" panose="020B0600070205080204" pitchFamily="34" charset="-128"/>
+              <a:cs typeface="Calibri" panose="020F0502020204030204" pitchFamily="34" charset="0"/>
             </a:endParaRPr>
           </a:p>
         </p:txBody>
@@ -19176,7 +17302,7 @@
     </p:spTree>
     <p:extLst>
       <p:ext uri="{BB962C8B-B14F-4D97-AF65-F5344CB8AC3E}">
-        <p14:creationId xmlns:p14="http://schemas.microsoft.com/office/powerpoint/2010/main" val="3423852673"/>
+        <p14:creationId xmlns:p14="http://schemas.microsoft.com/office/powerpoint/2010/main" val="154482537"/>
       </p:ext>
     </p:extLst>
   </p:cSld>
@@ -19274,8 +17400,9 @@
                   <a:lumOff val="25000"/>
                 </a:schemeClr>
               </a:solidFill>
-              <a:latin typeface="MS PGothic" panose="020B0600070205080204" pitchFamily="34" charset="-128"/>
+              <a:latin typeface="Calibri" panose="020F0502020204030204" pitchFamily="34" charset="0"/>
               <a:ea typeface="MS PGothic" panose="020B0600070205080204" pitchFamily="34" charset="-128"/>
+              <a:cs typeface="Calibri" panose="020F0502020204030204" pitchFamily="34" charset="0"/>
             </a:endParaRPr>
           </a:p>
         </p:txBody>
@@ -19283,7 +17410,7 @@
     </p:spTree>
     <p:extLst>
       <p:ext uri="{BB962C8B-B14F-4D97-AF65-F5344CB8AC3E}">
-        <p14:creationId xmlns:p14="http://schemas.microsoft.com/office/powerpoint/2010/main" val="571908965"/>
+        <p14:creationId xmlns:p14="http://schemas.microsoft.com/office/powerpoint/2010/main" val="743513214"/>
       </p:ext>
     </p:extLst>
   </p:cSld>
@@ -19381,8 +17508,9 @@
                   <a:lumOff val="25000"/>
                 </a:schemeClr>
               </a:solidFill>
-              <a:latin typeface="MS PGothic" panose="020B0600070205080204" pitchFamily="34" charset="-128"/>
+              <a:latin typeface="Calibri" panose="020F0502020204030204" pitchFamily="34" charset="0"/>
               <a:ea typeface="MS PGothic" panose="020B0600070205080204" pitchFamily="34" charset="-128"/>
+              <a:cs typeface="Calibri" panose="020F0502020204030204" pitchFamily="34" charset="0"/>
             </a:endParaRPr>
           </a:p>
         </p:txBody>
@@ -19390,7 +17518,7 @@
     </p:spTree>
     <p:extLst>
       <p:ext uri="{BB962C8B-B14F-4D97-AF65-F5344CB8AC3E}">
-        <p14:creationId xmlns:p14="http://schemas.microsoft.com/office/powerpoint/2010/main" val="3623009321"/>
+        <p14:creationId xmlns:p14="http://schemas.microsoft.com/office/powerpoint/2010/main" val="1863007062"/>
       </p:ext>
     </p:extLst>
   </p:cSld>
@@ -19488,8 +17616,9 @@
                   <a:lumOff val="25000"/>
                 </a:schemeClr>
               </a:solidFill>
-              <a:latin typeface="MS PGothic" panose="020B0600070205080204" pitchFamily="34" charset="-128"/>
+              <a:latin typeface="Calibri" panose="020F0502020204030204" pitchFamily="34" charset="0"/>
               <a:ea typeface="MS PGothic" panose="020B0600070205080204" pitchFamily="34" charset="-128"/>
+              <a:cs typeface="Calibri" panose="020F0502020204030204" pitchFamily="34" charset="0"/>
             </a:endParaRPr>
           </a:p>
         </p:txBody>
@@ -19497,7 +17626,7 @@
     </p:spTree>
     <p:extLst>
       <p:ext uri="{BB962C8B-B14F-4D97-AF65-F5344CB8AC3E}">
-        <p14:creationId xmlns:p14="http://schemas.microsoft.com/office/powerpoint/2010/main" val="3748958484"/>
+        <p14:creationId xmlns:p14="http://schemas.microsoft.com/office/powerpoint/2010/main" val="78397142"/>
       </p:ext>
     </p:extLst>
   </p:cSld>
@@ -19595,8 +17724,9 @@
                   <a:lumOff val="25000"/>
                 </a:schemeClr>
               </a:solidFill>
-              <a:latin typeface="MS PGothic" panose="020B0600070205080204" pitchFamily="34" charset="-128"/>
+              <a:latin typeface="Calibri" panose="020F0502020204030204" pitchFamily="34" charset="0"/>
               <a:ea typeface="MS PGothic" panose="020B0600070205080204" pitchFamily="34" charset="-128"/>
+              <a:cs typeface="Calibri" panose="020F0502020204030204" pitchFamily="34" charset="0"/>
             </a:endParaRPr>
           </a:p>
         </p:txBody>
@@ -19604,7 +17734,7 @@
     </p:spTree>
     <p:extLst>
       <p:ext uri="{BB962C8B-B14F-4D97-AF65-F5344CB8AC3E}">
-        <p14:creationId xmlns:p14="http://schemas.microsoft.com/office/powerpoint/2010/main" val="1224297127"/>
+        <p14:creationId xmlns:p14="http://schemas.microsoft.com/office/powerpoint/2010/main" val="4240511086"/>
       </p:ext>
     </p:extLst>
   </p:cSld>
@@ -19702,8 +17832,9 @@
                   <a:lumOff val="25000"/>
                 </a:schemeClr>
               </a:solidFill>
-              <a:latin typeface="MS PGothic" panose="020B0600070205080204" pitchFamily="34" charset="-128"/>
+              <a:latin typeface="Calibri" panose="020F0502020204030204" pitchFamily="34" charset="0"/>
               <a:ea typeface="MS PGothic" panose="020B0600070205080204" pitchFamily="34" charset="-128"/>
+              <a:cs typeface="Calibri" panose="020F0502020204030204" pitchFamily="34" charset="0"/>
             </a:endParaRPr>
           </a:p>
         </p:txBody>
@@ -19711,7 +17842,7 @@
     </p:spTree>
     <p:extLst>
       <p:ext uri="{BB962C8B-B14F-4D97-AF65-F5344CB8AC3E}">
-        <p14:creationId xmlns:p14="http://schemas.microsoft.com/office/powerpoint/2010/main" val="1433915510"/>
+        <p14:creationId xmlns:p14="http://schemas.microsoft.com/office/powerpoint/2010/main" val="3883899865"/>
       </p:ext>
     </p:extLst>
   </p:cSld>
@@ -19809,8 +17940,9 @@
                   <a:lumOff val="25000"/>
                 </a:schemeClr>
               </a:solidFill>
-              <a:latin typeface="MS PGothic" panose="020B0600070205080204" pitchFamily="34" charset="-128"/>
+              <a:latin typeface="Calibri" panose="020F0502020204030204" pitchFamily="34" charset="0"/>
               <a:ea typeface="MS PGothic" panose="020B0600070205080204" pitchFamily="34" charset="-128"/>
+              <a:cs typeface="Calibri" panose="020F0502020204030204" pitchFamily="34" charset="0"/>
             </a:endParaRPr>
           </a:p>
         </p:txBody>
@@ -19818,7 +17950,7 @@
     </p:spTree>
     <p:extLst>
       <p:ext uri="{BB962C8B-B14F-4D97-AF65-F5344CB8AC3E}">
-        <p14:creationId xmlns:p14="http://schemas.microsoft.com/office/powerpoint/2010/main" val="2934525250"/>
+        <p14:creationId xmlns:p14="http://schemas.microsoft.com/office/powerpoint/2010/main" val="58147016"/>
       </p:ext>
     </p:extLst>
   </p:cSld>
@@ -19916,8 +18048,9 @@
                   <a:lumOff val="25000"/>
                 </a:schemeClr>
               </a:solidFill>
-              <a:latin typeface="MS PGothic" panose="020B0600070205080204" pitchFamily="34" charset="-128"/>
+              <a:latin typeface="Calibri" panose="020F0502020204030204" pitchFamily="34" charset="0"/>
               <a:ea typeface="MS PGothic" panose="020B0600070205080204" pitchFamily="34" charset="-128"/>
+              <a:cs typeface="Calibri" panose="020F0502020204030204" pitchFamily="34" charset="0"/>
             </a:endParaRPr>
           </a:p>
         </p:txBody>
@@ -19925,7 +18058,7 @@
     </p:spTree>
     <p:extLst>
       <p:ext uri="{BB962C8B-B14F-4D97-AF65-F5344CB8AC3E}">
-        <p14:creationId xmlns:p14="http://schemas.microsoft.com/office/powerpoint/2010/main" val="2678106669"/>
+        <p14:creationId xmlns:p14="http://schemas.microsoft.com/office/powerpoint/2010/main" val="2715062496"/>
       </p:ext>
     </p:extLst>
   </p:cSld>
@@ -20023,8 +18156,9 @@
                   <a:lumOff val="25000"/>
                 </a:schemeClr>
               </a:solidFill>
-              <a:latin typeface="MS PGothic" panose="020B0600070205080204" pitchFamily="34" charset="-128"/>
+              <a:latin typeface="Calibri" panose="020F0502020204030204" pitchFamily="34" charset="0"/>
               <a:ea typeface="MS PGothic" panose="020B0600070205080204" pitchFamily="34" charset="-128"/>
+              <a:cs typeface="Calibri" panose="020F0502020204030204" pitchFamily="34" charset="0"/>
             </a:endParaRPr>
           </a:p>
         </p:txBody>
@@ -20032,7 +18166,7 @@
     </p:spTree>
     <p:extLst>
       <p:ext uri="{BB962C8B-B14F-4D97-AF65-F5344CB8AC3E}">
-        <p14:creationId xmlns:p14="http://schemas.microsoft.com/office/powerpoint/2010/main" val="166338081"/>
+        <p14:creationId xmlns:p14="http://schemas.microsoft.com/office/powerpoint/2010/main" val="2008016271"/>
       </p:ext>
     </p:extLst>
   </p:cSld>
@@ -20130,8 +18264,9 @@
                   <a:lumOff val="25000"/>
                 </a:schemeClr>
               </a:solidFill>
-              <a:latin typeface="MS PGothic" panose="020B0600070205080204" pitchFamily="34" charset="-128"/>
+              <a:latin typeface="Calibri" panose="020F0502020204030204" pitchFamily="34" charset="0"/>
               <a:ea typeface="MS PGothic" panose="020B0600070205080204" pitchFamily="34" charset="-128"/>
+              <a:cs typeface="Calibri" panose="020F0502020204030204" pitchFamily="34" charset="0"/>
             </a:endParaRPr>
           </a:p>
         </p:txBody>
@@ -20139,7 +18274,7 @@
     </p:spTree>
     <p:extLst>
       <p:ext uri="{BB962C8B-B14F-4D97-AF65-F5344CB8AC3E}">
-        <p14:creationId xmlns:p14="http://schemas.microsoft.com/office/powerpoint/2010/main" val="1585721276"/>
+        <p14:creationId xmlns:p14="http://schemas.microsoft.com/office/powerpoint/2010/main" val="3066609914"/>
       </p:ext>
     </p:extLst>
   </p:cSld>
@@ -20237,8 +18372,9 @@
                   <a:lumOff val="25000"/>
                 </a:schemeClr>
               </a:solidFill>
-              <a:latin typeface="MS PGothic" panose="020B0600070205080204" pitchFamily="34" charset="-128"/>
+              <a:latin typeface="Calibri" panose="020F0502020204030204" pitchFamily="34" charset="0"/>
               <a:ea typeface="MS PGothic" panose="020B0600070205080204" pitchFamily="34" charset="-128"/>
+              <a:cs typeface="Calibri" panose="020F0502020204030204" pitchFamily="34" charset="0"/>
             </a:endParaRPr>
           </a:p>
         </p:txBody>
@@ -20246,7 +18382,7 @@
     </p:spTree>
     <p:extLst>
       <p:ext uri="{BB962C8B-B14F-4D97-AF65-F5344CB8AC3E}">
-        <p14:creationId xmlns:p14="http://schemas.microsoft.com/office/powerpoint/2010/main" val="2749929870"/>
+        <p14:creationId xmlns:p14="http://schemas.microsoft.com/office/powerpoint/2010/main" val="4292273986"/>
       </p:ext>
     </p:extLst>
   </p:cSld>
@@ -20344,8 +18480,9 @@
                   <a:lumOff val="25000"/>
                 </a:schemeClr>
               </a:solidFill>
-              <a:latin typeface="MS PGothic" panose="020B0600070205080204" pitchFamily="34" charset="-128"/>
+              <a:latin typeface="Calibri" panose="020F0502020204030204" pitchFamily="34" charset="0"/>
               <a:ea typeface="MS PGothic" panose="020B0600070205080204" pitchFamily="34" charset="-128"/>
+              <a:cs typeface="Calibri" panose="020F0502020204030204" pitchFamily="34" charset="0"/>
             </a:endParaRPr>
           </a:p>
         </p:txBody>
@@ -20353,7 +18490,7 @@
     </p:spTree>
     <p:extLst>
       <p:ext uri="{BB962C8B-B14F-4D97-AF65-F5344CB8AC3E}">
-        <p14:creationId xmlns:p14="http://schemas.microsoft.com/office/powerpoint/2010/main" val="2151869506"/>
+        <p14:creationId xmlns:p14="http://schemas.microsoft.com/office/powerpoint/2010/main" val="3725688233"/>
       </p:ext>
     </p:extLst>
   </p:cSld>
@@ -20451,8 +18588,9 @@
                   <a:lumOff val="25000"/>
                 </a:schemeClr>
               </a:solidFill>
-              <a:latin typeface="MS PGothic" panose="020B0600070205080204" pitchFamily="34" charset="-128"/>
+              <a:latin typeface="Calibri" panose="020F0502020204030204" pitchFamily="34" charset="0"/>
               <a:ea typeface="MS PGothic" panose="020B0600070205080204" pitchFamily="34" charset="-128"/>
+              <a:cs typeface="Calibri" panose="020F0502020204030204" pitchFamily="34" charset="0"/>
             </a:endParaRPr>
           </a:p>
         </p:txBody>
@@ -20460,7 +18598,7 @@
     </p:spTree>
     <p:extLst>
       <p:ext uri="{BB962C8B-B14F-4D97-AF65-F5344CB8AC3E}">
-        <p14:creationId xmlns:p14="http://schemas.microsoft.com/office/powerpoint/2010/main" val="3601398756"/>
+        <p14:creationId xmlns:p14="http://schemas.microsoft.com/office/powerpoint/2010/main" val="1529237057"/>
       </p:ext>
     </p:extLst>
   </p:cSld>
@@ -20558,8 +18696,9 @@
                   <a:lumOff val="25000"/>
                 </a:schemeClr>
               </a:solidFill>
-              <a:latin typeface="MS PGothic" panose="020B0600070205080204" pitchFamily="34" charset="-128"/>
+              <a:latin typeface="Calibri" panose="020F0502020204030204" pitchFamily="34" charset="0"/>
               <a:ea typeface="MS PGothic" panose="020B0600070205080204" pitchFamily="34" charset="-128"/>
+              <a:cs typeface="Calibri" panose="020F0502020204030204" pitchFamily="34" charset="0"/>
             </a:endParaRPr>
           </a:p>
         </p:txBody>
@@ -20567,7 +18706,7 @@
     </p:spTree>
     <p:extLst>
       <p:ext uri="{BB962C8B-B14F-4D97-AF65-F5344CB8AC3E}">
-        <p14:creationId xmlns:p14="http://schemas.microsoft.com/office/powerpoint/2010/main" val="446198397"/>
+        <p14:creationId xmlns:p14="http://schemas.microsoft.com/office/powerpoint/2010/main" val="1157019786"/>
       </p:ext>
     </p:extLst>
   </p:cSld>
@@ -20665,8 +18804,9 @@
                   <a:lumOff val="25000"/>
                 </a:schemeClr>
               </a:solidFill>
-              <a:latin typeface="MS PGothic" panose="020B0600070205080204" pitchFamily="34" charset="-128"/>
+              <a:latin typeface="Calibri" panose="020F0502020204030204" pitchFamily="34" charset="0"/>
               <a:ea typeface="MS PGothic" panose="020B0600070205080204" pitchFamily="34" charset="-128"/>
+              <a:cs typeface="Calibri" panose="020F0502020204030204" pitchFamily="34" charset="0"/>
             </a:endParaRPr>
           </a:p>
         </p:txBody>
@@ -20674,7 +18814,7 @@
     </p:spTree>
     <p:extLst>
       <p:ext uri="{BB962C8B-B14F-4D97-AF65-F5344CB8AC3E}">
-        <p14:creationId xmlns:p14="http://schemas.microsoft.com/office/powerpoint/2010/main" val="2308280369"/>
+        <p14:creationId xmlns:p14="http://schemas.microsoft.com/office/powerpoint/2010/main" val="3076987596"/>
       </p:ext>
     </p:extLst>
   </p:cSld>
@@ -20772,8 +18912,9 @@
                   <a:lumOff val="25000"/>
                 </a:schemeClr>
               </a:solidFill>
-              <a:latin typeface="MS PGothic" panose="020B0600070205080204" pitchFamily="34" charset="-128"/>
+              <a:latin typeface="Calibri" panose="020F0502020204030204" pitchFamily="34" charset="0"/>
               <a:ea typeface="MS PGothic" panose="020B0600070205080204" pitchFamily="34" charset="-128"/>
+              <a:cs typeface="Calibri" panose="020F0502020204030204" pitchFamily="34" charset="0"/>
             </a:endParaRPr>
           </a:p>
         </p:txBody>
@@ -20781,7 +18922,7 @@
     </p:spTree>
     <p:extLst>
       <p:ext uri="{BB962C8B-B14F-4D97-AF65-F5344CB8AC3E}">
-        <p14:creationId xmlns:p14="http://schemas.microsoft.com/office/powerpoint/2010/main" val="1195545148"/>
+        <p14:creationId xmlns:p14="http://schemas.microsoft.com/office/powerpoint/2010/main" val="348343681"/>
       </p:ext>
     </p:extLst>
   </p:cSld>
@@ -20879,8 +19020,9 @@
                   <a:lumOff val="25000"/>
                 </a:schemeClr>
               </a:solidFill>
-              <a:latin typeface="MS PGothic" panose="020B0600070205080204" pitchFamily="34" charset="-128"/>
+              <a:latin typeface="Calibri" panose="020F0502020204030204" pitchFamily="34" charset="0"/>
               <a:ea typeface="MS PGothic" panose="020B0600070205080204" pitchFamily="34" charset="-128"/>
+              <a:cs typeface="Calibri" panose="020F0502020204030204" pitchFamily="34" charset="0"/>
             </a:endParaRPr>
           </a:p>
         </p:txBody>
@@ -20888,7 +19030,7 @@
     </p:spTree>
     <p:extLst>
       <p:ext uri="{BB962C8B-B14F-4D97-AF65-F5344CB8AC3E}">
-        <p14:creationId xmlns:p14="http://schemas.microsoft.com/office/powerpoint/2010/main" val="334204374"/>
+        <p14:creationId xmlns:p14="http://schemas.microsoft.com/office/powerpoint/2010/main" val="276299005"/>
       </p:ext>
     </p:extLst>
   </p:cSld>
@@ -20986,8 +19128,9 @@
                   <a:lumOff val="25000"/>
                 </a:schemeClr>
               </a:solidFill>
-              <a:latin typeface="MS PGothic" panose="020B0600070205080204" pitchFamily="34" charset="-128"/>
+              <a:latin typeface="Calibri" panose="020F0502020204030204" pitchFamily="34" charset="0"/>
               <a:ea typeface="MS PGothic" panose="020B0600070205080204" pitchFamily="34" charset="-128"/>
+              <a:cs typeface="Calibri" panose="020F0502020204030204" pitchFamily="34" charset="0"/>
             </a:endParaRPr>
           </a:p>
         </p:txBody>
@@ -20995,7 +19138,7 @@
     </p:spTree>
     <p:extLst>
       <p:ext uri="{BB962C8B-B14F-4D97-AF65-F5344CB8AC3E}">
-        <p14:creationId xmlns:p14="http://schemas.microsoft.com/office/powerpoint/2010/main" val="1073964731"/>
+        <p14:creationId xmlns:p14="http://schemas.microsoft.com/office/powerpoint/2010/main" val="2896592958"/>
       </p:ext>
     </p:extLst>
   </p:cSld>
@@ -21093,8 +19236,9 @@
                   <a:lumOff val="25000"/>
                 </a:schemeClr>
               </a:solidFill>
-              <a:latin typeface="MS PGothic" panose="020B0600070205080204" pitchFamily="34" charset="-128"/>
+              <a:latin typeface="Calibri" panose="020F0502020204030204" pitchFamily="34" charset="0"/>
               <a:ea typeface="MS PGothic" panose="020B0600070205080204" pitchFamily="34" charset="-128"/>
+              <a:cs typeface="Calibri" panose="020F0502020204030204" pitchFamily="34" charset="0"/>
             </a:endParaRPr>
           </a:p>
         </p:txBody>
@@ -21102,7 +19246,7 @@
     </p:spTree>
     <p:extLst>
       <p:ext uri="{BB962C8B-B14F-4D97-AF65-F5344CB8AC3E}">
-        <p14:creationId xmlns:p14="http://schemas.microsoft.com/office/powerpoint/2010/main" val="4008275905"/>
+        <p14:creationId xmlns:p14="http://schemas.microsoft.com/office/powerpoint/2010/main" val="772856753"/>
       </p:ext>
     </p:extLst>
   </p:cSld>
@@ -21200,8 +19344,9 @@
                   <a:lumOff val="25000"/>
                 </a:schemeClr>
               </a:solidFill>
-              <a:latin typeface="MS PGothic" panose="020B0600070205080204" pitchFamily="34" charset="-128"/>
+              <a:latin typeface="Calibri" panose="020F0502020204030204" pitchFamily="34" charset="0"/>
               <a:ea typeface="MS PGothic" panose="020B0600070205080204" pitchFamily="34" charset="-128"/>
+              <a:cs typeface="Calibri" panose="020F0502020204030204" pitchFamily="34" charset="0"/>
             </a:endParaRPr>
           </a:p>
         </p:txBody>
@@ -21209,7 +19354,7 @@
     </p:spTree>
     <p:extLst>
       <p:ext uri="{BB962C8B-B14F-4D97-AF65-F5344CB8AC3E}">
-        <p14:creationId xmlns:p14="http://schemas.microsoft.com/office/powerpoint/2010/main" val="1235352368"/>
+        <p14:creationId xmlns:p14="http://schemas.microsoft.com/office/powerpoint/2010/main" val="1465095103"/>
       </p:ext>
     </p:extLst>
   </p:cSld>
@@ -21307,8 +19452,9 @@
                   <a:lumOff val="25000"/>
                 </a:schemeClr>
               </a:solidFill>
-              <a:latin typeface="MS PGothic" panose="020B0600070205080204" pitchFamily="34" charset="-128"/>
+              <a:latin typeface="Calibri" panose="020F0502020204030204" pitchFamily="34" charset="0"/>
               <a:ea typeface="MS PGothic" panose="020B0600070205080204" pitchFamily="34" charset="-128"/>
+              <a:cs typeface="Calibri" panose="020F0502020204030204" pitchFamily="34" charset="0"/>
             </a:endParaRPr>
           </a:p>
         </p:txBody>
@@ -21316,7 +19462,7 @@
     </p:spTree>
     <p:extLst>
       <p:ext uri="{BB962C8B-B14F-4D97-AF65-F5344CB8AC3E}">
-        <p14:creationId xmlns:p14="http://schemas.microsoft.com/office/powerpoint/2010/main" val="2735492818"/>
+        <p14:creationId xmlns:p14="http://schemas.microsoft.com/office/powerpoint/2010/main" val="909881621"/>
       </p:ext>
     </p:extLst>
   </p:cSld>
@@ -21414,8 +19560,9 @@
                   <a:lumOff val="25000"/>
                 </a:schemeClr>
               </a:solidFill>
-              <a:latin typeface="MS PGothic" panose="020B0600070205080204" pitchFamily="34" charset="-128"/>
+              <a:latin typeface="Calibri" panose="020F0502020204030204" pitchFamily="34" charset="0"/>
               <a:ea typeface="MS PGothic" panose="020B0600070205080204" pitchFamily="34" charset="-128"/>
+              <a:cs typeface="Calibri" panose="020F0502020204030204" pitchFamily="34" charset="0"/>
             </a:endParaRPr>
           </a:p>
         </p:txBody>
@@ -21423,7 +19570,7 @@
     </p:spTree>
     <p:extLst>
       <p:ext uri="{BB962C8B-B14F-4D97-AF65-F5344CB8AC3E}">
-        <p14:creationId xmlns:p14="http://schemas.microsoft.com/office/powerpoint/2010/main" val="2902572309"/>
+        <p14:creationId xmlns:p14="http://schemas.microsoft.com/office/powerpoint/2010/main" val="3527910624"/>
       </p:ext>
     </p:extLst>
   </p:cSld>
@@ -21521,8 +19668,9 @@
                   <a:lumOff val="25000"/>
                 </a:schemeClr>
               </a:solidFill>
-              <a:latin typeface="MS PGothic" panose="020B0600070205080204" pitchFamily="34" charset="-128"/>
+              <a:latin typeface="Calibri" panose="020F0502020204030204" pitchFamily="34" charset="0"/>
               <a:ea typeface="MS PGothic" panose="020B0600070205080204" pitchFamily="34" charset="-128"/>
+              <a:cs typeface="Calibri" panose="020F0502020204030204" pitchFamily="34" charset="0"/>
             </a:endParaRPr>
           </a:p>
         </p:txBody>
@@ -21530,7 +19678,7 @@
     </p:spTree>
     <p:extLst>
       <p:ext uri="{BB962C8B-B14F-4D97-AF65-F5344CB8AC3E}">
-        <p14:creationId xmlns:p14="http://schemas.microsoft.com/office/powerpoint/2010/main" val="3683486976"/>
+        <p14:creationId xmlns:p14="http://schemas.microsoft.com/office/powerpoint/2010/main" val="4016092110"/>
       </p:ext>
     </p:extLst>
   </p:cSld>
@@ -21628,8 +19776,9 @@
                   <a:lumOff val="25000"/>
                 </a:schemeClr>
               </a:solidFill>
-              <a:latin typeface="MS PGothic" panose="020B0600070205080204" pitchFamily="34" charset="-128"/>
+              <a:latin typeface="Calibri" panose="020F0502020204030204" pitchFamily="34" charset="0"/>
               <a:ea typeface="MS PGothic" panose="020B0600070205080204" pitchFamily="34" charset="-128"/>
+              <a:cs typeface="Calibri" panose="020F0502020204030204" pitchFamily="34" charset="0"/>
             </a:endParaRPr>
           </a:p>
         </p:txBody>
@@ -21637,7 +19786,7 @@
     </p:spTree>
     <p:extLst>
       <p:ext uri="{BB962C8B-B14F-4D97-AF65-F5344CB8AC3E}">
-        <p14:creationId xmlns:p14="http://schemas.microsoft.com/office/powerpoint/2010/main" val="3014639095"/>
+        <p14:creationId xmlns:p14="http://schemas.microsoft.com/office/powerpoint/2010/main" val="2540265431"/>
       </p:ext>
     </p:extLst>
   </p:cSld>
@@ -21735,8 +19884,9 @@
                   <a:lumOff val="25000"/>
                 </a:schemeClr>
               </a:solidFill>
-              <a:latin typeface="MS PGothic" panose="020B0600070205080204" pitchFamily="34" charset="-128"/>
+              <a:latin typeface="Calibri" panose="020F0502020204030204" pitchFamily="34" charset="0"/>
               <a:ea typeface="MS PGothic" panose="020B0600070205080204" pitchFamily="34" charset="-128"/>
+              <a:cs typeface="Calibri" panose="020F0502020204030204" pitchFamily="34" charset="0"/>
             </a:endParaRPr>
           </a:p>
         </p:txBody>
@@ -21744,7 +19894,7 @@
     </p:spTree>
     <p:extLst>
       <p:ext uri="{BB962C8B-B14F-4D97-AF65-F5344CB8AC3E}">
-        <p14:creationId xmlns:p14="http://schemas.microsoft.com/office/powerpoint/2010/main" val="2066356599"/>
+        <p14:creationId xmlns:p14="http://schemas.microsoft.com/office/powerpoint/2010/main" val="3946628899"/>
       </p:ext>
     </p:extLst>
   </p:cSld>
@@ -21842,8 +19992,9 @@
                   <a:lumOff val="25000"/>
                 </a:schemeClr>
               </a:solidFill>
-              <a:latin typeface="MS PGothic" panose="020B0600070205080204" pitchFamily="34" charset="-128"/>
+              <a:latin typeface="Calibri" panose="020F0502020204030204" pitchFamily="34" charset="0"/>
               <a:ea typeface="MS PGothic" panose="020B0600070205080204" pitchFamily="34" charset="-128"/>
+              <a:cs typeface="Calibri" panose="020F0502020204030204" pitchFamily="34" charset="0"/>
             </a:endParaRPr>
           </a:p>
         </p:txBody>
@@ -21851,7 +20002,7 @@
     </p:spTree>
     <p:extLst>
       <p:ext uri="{BB962C8B-B14F-4D97-AF65-F5344CB8AC3E}">
-        <p14:creationId xmlns:p14="http://schemas.microsoft.com/office/powerpoint/2010/main" val="1851385806"/>
+        <p14:creationId xmlns:p14="http://schemas.microsoft.com/office/powerpoint/2010/main" val="1930327280"/>
       </p:ext>
     </p:extLst>
   </p:cSld>
@@ -21949,8 +20100,9 @@
                   <a:lumOff val="25000"/>
                 </a:schemeClr>
               </a:solidFill>
-              <a:latin typeface="MS PGothic" panose="020B0600070205080204" pitchFamily="34" charset="-128"/>
+              <a:latin typeface="Calibri" panose="020F0502020204030204" pitchFamily="34" charset="0"/>
               <a:ea typeface="MS PGothic" panose="020B0600070205080204" pitchFamily="34" charset="-128"/>
+              <a:cs typeface="Calibri" panose="020F0502020204030204" pitchFamily="34" charset="0"/>
             </a:endParaRPr>
           </a:p>
         </p:txBody>
@@ -21958,970 +20110,7 @@
     </p:spTree>
     <p:extLst>
       <p:ext uri="{BB962C8B-B14F-4D97-AF65-F5344CB8AC3E}">
-        <p14:creationId xmlns:p14="http://schemas.microsoft.com/office/powerpoint/2010/main" val="2715189589"/>
-      </p:ext>
-    </p:extLst>
-  </p:cSld>
-  <p:clrMapOvr>
-    <a:masterClrMapping/>
-  </p:clrMapOvr>
-</p:sld>
-</file>
-
-<file path=ppt/slides/slide81.xml><?xml version="1.0" encoding="utf-8"?>
-<p:sld xmlns:a="http://schemas.openxmlformats.org/drawingml/2006/main" xmlns:r="http://schemas.openxmlformats.org/officeDocument/2006/relationships" xmlns:p="http://schemas.openxmlformats.org/presentationml/2006/main">
-  <p:cSld>
-    <p:spTree>
-      <p:nvGrpSpPr>
-        <p:cNvPr id="1" name=""/>
-        <p:cNvGrpSpPr/>
-        <p:nvPr/>
-      </p:nvGrpSpPr>
-      <p:grpSpPr>
-        <a:xfrm>
-          <a:off x="0" y="0"/>
-          <a:ext cx="0" cy="0"/>
-          <a:chOff x="0" y="0"/>
-          <a:chExt cx="0" cy="0"/>
-        </a:xfrm>
-      </p:grpSpPr>
-      <p:sp>
-        <p:nvSpPr>
-          <p:cNvPr id="3" name="TextBox 2">
-            <a:extLst>
-              <a:ext uri="{FF2B5EF4-FFF2-40B4-BE49-F238E27FC236}">
-                <a16:creationId xmlns:a16="http://schemas.microsoft.com/office/drawing/2014/main" id="{CAC89241-8DEF-4A64-B416-7FEDEACAEAA8}"/>
-              </a:ext>
-            </a:extLst>
-          </p:cNvPr>
-          <p:cNvSpPr txBox="1"/>
-          <p:nvPr/>
-        </p:nvSpPr>
-        <p:spPr>
-          <a:xfrm>
-            <a:off x="98474" y="127000"/>
-            <a:ext cx="8918526" cy="646331"/>
-          </a:xfrm>
-          <a:prstGeom prst="rect">
-            <a:avLst/>
-          </a:prstGeom>
-          <a:noFill/>
-        </p:spPr>
-        <p:txBody>
-          <a:bodyPr vert="horz" wrap="square" rtlCol="0">
-            <a:spAutoFit/>
-          </a:bodyPr>
-          <a:lstStyle/>
-          <a:p>
-            <a:endParaRPr lang="en-US" sz="3600" dirty="0"/>
-          </a:p>
-        </p:txBody>
-      </p:sp>
-      <p:sp>
-        <p:nvSpPr>
-          <p:cNvPr id="6" name="Title 1">
-            <a:extLst>
-              <a:ext uri="{FF2B5EF4-FFF2-40B4-BE49-F238E27FC236}">
-                <a16:creationId xmlns:a16="http://schemas.microsoft.com/office/drawing/2014/main" id="{5FB3CCF4-1DC4-43A7-8B39-459BC2520CE3}"/>
-              </a:ext>
-            </a:extLst>
-          </p:cNvPr>
-          <p:cNvSpPr>
-            <a:spLocks noGrp="1"/>
-          </p:cNvSpPr>
-          <p:nvPr>
-            <p:ph type="title"/>
-          </p:nvPr>
-        </p:nvSpPr>
-        <p:spPr>
-          <a:xfrm>
-            <a:off x="97200" y="126000"/>
-            <a:ext cx="8917200" cy="648000"/>
-          </a:xfrm>
-        </p:spPr>
-        <p:txBody>
-          <a:bodyPr/>
-          <a:lstStyle/>
-          <a:p>
-            <a:pPr algn="l">
-              <a:lnSpc>
-                <a:spcPct val="90000"/>
-              </a:lnSpc>
-              <a:defRPr/>
-            </a:pPr>
-            <a:endParaRPr lang="en-US" sz="3600" dirty="0">
-              <a:solidFill>
-                <a:schemeClr val="tx1">
-                  <a:lumMod val="75000"/>
-                  <a:lumOff val="25000"/>
-                </a:schemeClr>
-              </a:solidFill>
-              <a:latin typeface="MS PGothic" panose="020B0600070205080204" pitchFamily="34" charset="-128"/>
-              <a:ea typeface="MS PGothic" panose="020B0600070205080204" pitchFamily="34" charset="-128"/>
-            </a:endParaRPr>
-          </a:p>
-        </p:txBody>
-      </p:sp>
-    </p:spTree>
-    <p:extLst>
-      <p:ext uri="{BB962C8B-B14F-4D97-AF65-F5344CB8AC3E}">
-        <p14:creationId xmlns:p14="http://schemas.microsoft.com/office/powerpoint/2010/main" val="3918594049"/>
-      </p:ext>
-    </p:extLst>
-  </p:cSld>
-  <p:clrMapOvr>
-    <a:masterClrMapping/>
-  </p:clrMapOvr>
-</p:sld>
-</file>
-
-<file path=ppt/slides/slide82.xml><?xml version="1.0" encoding="utf-8"?>
-<p:sld xmlns:a="http://schemas.openxmlformats.org/drawingml/2006/main" xmlns:r="http://schemas.openxmlformats.org/officeDocument/2006/relationships" xmlns:p="http://schemas.openxmlformats.org/presentationml/2006/main">
-  <p:cSld>
-    <p:spTree>
-      <p:nvGrpSpPr>
-        <p:cNvPr id="1" name=""/>
-        <p:cNvGrpSpPr/>
-        <p:nvPr/>
-      </p:nvGrpSpPr>
-      <p:grpSpPr>
-        <a:xfrm>
-          <a:off x="0" y="0"/>
-          <a:ext cx="0" cy="0"/>
-          <a:chOff x="0" y="0"/>
-          <a:chExt cx="0" cy="0"/>
-        </a:xfrm>
-      </p:grpSpPr>
-      <p:sp>
-        <p:nvSpPr>
-          <p:cNvPr id="3" name="TextBox 2">
-            <a:extLst>
-              <a:ext uri="{FF2B5EF4-FFF2-40B4-BE49-F238E27FC236}">
-                <a16:creationId xmlns:a16="http://schemas.microsoft.com/office/drawing/2014/main" id="{CAC89241-8DEF-4A64-B416-7FEDEACAEAA8}"/>
-              </a:ext>
-            </a:extLst>
-          </p:cNvPr>
-          <p:cNvSpPr txBox="1"/>
-          <p:nvPr/>
-        </p:nvSpPr>
-        <p:spPr>
-          <a:xfrm>
-            <a:off x="98474" y="127000"/>
-            <a:ext cx="8918526" cy="646331"/>
-          </a:xfrm>
-          <a:prstGeom prst="rect">
-            <a:avLst/>
-          </a:prstGeom>
-          <a:noFill/>
-        </p:spPr>
-        <p:txBody>
-          <a:bodyPr vert="horz" wrap="square" rtlCol="0">
-            <a:spAutoFit/>
-          </a:bodyPr>
-          <a:lstStyle/>
-          <a:p>
-            <a:endParaRPr lang="en-US" sz="3600" dirty="0"/>
-          </a:p>
-        </p:txBody>
-      </p:sp>
-      <p:sp>
-        <p:nvSpPr>
-          <p:cNvPr id="6" name="Title 1">
-            <a:extLst>
-              <a:ext uri="{FF2B5EF4-FFF2-40B4-BE49-F238E27FC236}">
-                <a16:creationId xmlns:a16="http://schemas.microsoft.com/office/drawing/2014/main" id="{5FB3CCF4-1DC4-43A7-8B39-459BC2520CE3}"/>
-              </a:ext>
-            </a:extLst>
-          </p:cNvPr>
-          <p:cNvSpPr>
-            <a:spLocks noGrp="1"/>
-          </p:cNvSpPr>
-          <p:nvPr>
-            <p:ph type="title"/>
-          </p:nvPr>
-        </p:nvSpPr>
-        <p:spPr>
-          <a:xfrm>
-            <a:off x="97200" y="126000"/>
-            <a:ext cx="8917200" cy="648000"/>
-          </a:xfrm>
-        </p:spPr>
-        <p:txBody>
-          <a:bodyPr/>
-          <a:lstStyle/>
-          <a:p>
-            <a:pPr algn="l">
-              <a:lnSpc>
-                <a:spcPct val="90000"/>
-              </a:lnSpc>
-              <a:defRPr/>
-            </a:pPr>
-            <a:endParaRPr lang="en-US" sz="3600" dirty="0">
-              <a:solidFill>
-                <a:schemeClr val="tx1">
-                  <a:lumMod val="75000"/>
-                  <a:lumOff val="25000"/>
-                </a:schemeClr>
-              </a:solidFill>
-              <a:latin typeface="MS PGothic" panose="020B0600070205080204" pitchFamily="34" charset="-128"/>
-              <a:ea typeface="MS PGothic" panose="020B0600070205080204" pitchFamily="34" charset="-128"/>
-            </a:endParaRPr>
-          </a:p>
-        </p:txBody>
-      </p:sp>
-    </p:spTree>
-    <p:extLst>
-      <p:ext uri="{BB962C8B-B14F-4D97-AF65-F5344CB8AC3E}">
-        <p14:creationId xmlns:p14="http://schemas.microsoft.com/office/powerpoint/2010/main" val="182788360"/>
-      </p:ext>
-    </p:extLst>
-  </p:cSld>
-  <p:clrMapOvr>
-    <a:masterClrMapping/>
-  </p:clrMapOvr>
-</p:sld>
-</file>
-
-<file path=ppt/slides/slide83.xml><?xml version="1.0" encoding="utf-8"?>
-<p:sld xmlns:a="http://schemas.openxmlformats.org/drawingml/2006/main" xmlns:r="http://schemas.openxmlformats.org/officeDocument/2006/relationships" xmlns:p="http://schemas.openxmlformats.org/presentationml/2006/main">
-  <p:cSld>
-    <p:spTree>
-      <p:nvGrpSpPr>
-        <p:cNvPr id="1" name=""/>
-        <p:cNvGrpSpPr/>
-        <p:nvPr/>
-      </p:nvGrpSpPr>
-      <p:grpSpPr>
-        <a:xfrm>
-          <a:off x="0" y="0"/>
-          <a:ext cx="0" cy="0"/>
-          <a:chOff x="0" y="0"/>
-          <a:chExt cx="0" cy="0"/>
-        </a:xfrm>
-      </p:grpSpPr>
-      <p:sp>
-        <p:nvSpPr>
-          <p:cNvPr id="3" name="TextBox 2">
-            <a:extLst>
-              <a:ext uri="{FF2B5EF4-FFF2-40B4-BE49-F238E27FC236}">
-                <a16:creationId xmlns:a16="http://schemas.microsoft.com/office/drawing/2014/main" id="{CAC89241-8DEF-4A64-B416-7FEDEACAEAA8}"/>
-              </a:ext>
-            </a:extLst>
-          </p:cNvPr>
-          <p:cNvSpPr txBox="1"/>
-          <p:nvPr/>
-        </p:nvSpPr>
-        <p:spPr>
-          <a:xfrm>
-            <a:off x="98474" y="127000"/>
-            <a:ext cx="8918526" cy="646331"/>
-          </a:xfrm>
-          <a:prstGeom prst="rect">
-            <a:avLst/>
-          </a:prstGeom>
-          <a:noFill/>
-        </p:spPr>
-        <p:txBody>
-          <a:bodyPr vert="horz" wrap="square" rtlCol="0">
-            <a:spAutoFit/>
-          </a:bodyPr>
-          <a:lstStyle/>
-          <a:p>
-            <a:endParaRPr lang="en-US" sz="3600" dirty="0"/>
-          </a:p>
-        </p:txBody>
-      </p:sp>
-      <p:sp>
-        <p:nvSpPr>
-          <p:cNvPr id="6" name="Title 1">
-            <a:extLst>
-              <a:ext uri="{FF2B5EF4-FFF2-40B4-BE49-F238E27FC236}">
-                <a16:creationId xmlns:a16="http://schemas.microsoft.com/office/drawing/2014/main" id="{5FB3CCF4-1DC4-43A7-8B39-459BC2520CE3}"/>
-              </a:ext>
-            </a:extLst>
-          </p:cNvPr>
-          <p:cNvSpPr>
-            <a:spLocks noGrp="1"/>
-          </p:cNvSpPr>
-          <p:nvPr>
-            <p:ph type="title"/>
-          </p:nvPr>
-        </p:nvSpPr>
-        <p:spPr>
-          <a:xfrm>
-            <a:off x="97200" y="126000"/>
-            <a:ext cx="8917200" cy="648000"/>
-          </a:xfrm>
-        </p:spPr>
-        <p:txBody>
-          <a:bodyPr/>
-          <a:lstStyle/>
-          <a:p>
-            <a:pPr algn="l">
-              <a:lnSpc>
-                <a:spcPct val="90000"/>
-              </a:lnSpc>
-              <a:defRPr/>
-            </a:pPr>
-            <a:endParaRPr lang="en-US" sz="3600" dirty="0">
-              <a:solidFill>
-                <a:schemeClr val="tx1">
-                  <a:lumMod val="75000"/>
-                  <a:lumOff val="25000"/>
-                </a:schemeClr>
-              </a:solidFill>
-              <a:latin typeface="MS PGothic" panose="020B0600070205080204" pitchFamily="34" charset="-128"/>
-              <a:ea typeface="MS PGothic" panose="020B0600070205080204" pitchFamily="34" charset="-128"/>
-            </a:endParaRPr>
-          </a:p>
-        </p:txBody>
-      </p:sp>
-    </p:spTree>
-    <p:extLst>
-      <p:ext uri="{BB962C8B-B14F-4D97-AF65-F5344CB8AC3E}">
-        <p14:creationId xmlns:p14="http://schemas.microsoft.com/office/powerpoint/2010/main" val="686732025"/>
-      </p:ext>
-    </p:extLst>
-  </p:cSld>
-  <p:clrMapOvr>
-    <a:masterClrMapping/>
-  </p:clrMapOvr>
-</p:sld>
-</file>
-
-<file path=ppt/slides/slide84.xml><?xml version="1.0" encoding="utf-8"?>
-<p:sld xmlns:a="http://schemas.openxmlformats.org/drawingml/2006/main" xmlns:r="http://schemas.openxmlformats.org/officeDocument/2006/relationships" xmlns:p="http://schemas.openxmlformats.org/presentationml/2006/main">
-  <p:cSld>
-    <p:spTree>
-      <p:nvGrpSpPr>
-        <p:cNvPr id="1" name=""/>
-        <p:cNvGrpSpPr/>
-        <p:nvPr/>
-      </p:nvGrpSpPr>
-      <p:grpSpPr>
-        <a:xfrm>
-          <a:off x="0" y="0"/>
-          <a:ext cx="0" cy="0"/>
-          <a:chOff x="0" y="0"/>
-          <a:chExt cx="0" cy="0"/>
-        </a:xfrm>
-      </p:grpSpPr>
-      <p:sp>
-        <p:nvSpPr>
-          <p:cNvPr id="3" name="TextBox 2">
-            <a:extLst>
-              <a:ext uri="{FF2B5EF4-FFF2-40B4-BE49-F238E27FC236}">
-                <a16:creationId xmlns:a16="http://schemas.microsoft.com/office/drawing/2014/main" id="{CAC89241-8DEF-4A64-B416-7FEDEACAEAA8}"/>
-              </a:ext>
-            </a:extLst>
-          </p:cNvPr>
-          <p:cNvSpPr txBox="1"/>
-          <p:nvPr/>
-        </p:nvSpPr>
-        <p:spPr>
-          <a:xfrm>
-            <a:off x="98474" y="127000"/>
-            <a:ext cx="8918526" cy="646331"/>
-          </a:xfrm>
-          <a:prstGeom prst="rect">
-            <a:avLst/>
-          </a:prstGeom>
-          <a:noFill/>
-        </p:spPr>
-        <p:txBody>
-          <a:bodyPr vert="horz" wrap="square" rtlCol="0">
-            <a:spAutoFit/>
-          </a:bodyPr>
-          <a:lstStyle/>
-          <a:p>
-            <a:endParaRPr lang="en-US" sz="3600" dirty="0"/>
-          </a:p>
-        </p:txBody>
-      </p:sp>
-      <p:sp>
-        <p:nvSpPr>
-          <p:cNvPr id="6" name="Title 1">
-            <a:extLst>
-              <a:ext uri="{FF2B5EF4-FFF2-40B4-BE49-F238E27FC236}">
-                <a16:creationId xmlns:a16="http://schemas.microsoft.com/office/drawing/2014/main" id="{5FB3CCF4-1DC4-43A7-8B39-459BC2520CE3}"/>
-              </a:ext>
-            </a:extLst>
-          </p:cNvPr>
-          <p:cNvSpPr>
-            <a:spLocks noGrp="1"/>
-          </p:cNvSpPr>
-          <p:nvPr>
-            <p:ph type="title"/>
-          </p:nvPr>
-        </p:nvSpPr>
-        <p:spPr>
-          <a:xfrm>
-            <a:off x="97200" y="126000"/>
-            <a:ext cx="8917200" cy="648000"/>
-          </a:xfrm>
-        </p:spPr>
-        <p:txBody>
-          <a:bodyPr/>
-          <a:lstStyle/>
-          <a:p>
-            <a:pPr algn="l">
-              <a:lnSpc>
-                <a:spcPct val="90000"/>
-              </a:lnSpc>
-              <a:defRPr/>
-            </a:pPr>
-            <a:endParaRPr lang="en-US" sz="3600" dirty="0">
-              <a:solidFill>
-                <a:schemeClr val="tx1">
-                  <a:lumMod val="75000"/>
-                  <a:lumOff val="25000"/>
-                </a:schemeClr>
-              </a:solidFill>
-              <a:latin typeface="MS PGothic" panose="020B0600070205080204" pitchFamily="34" charset="-128"/>
-              <a:ea typeface="MS PGothic" panose="020B0600070205080204" pitchFamily="34" charset="-128"/>
-            </a:endParaRPr>
-          </a:p>
-        </p:txBody>
-      </p:sp>
-    </p:spTree>
-    <p:extLst>
-      <p:ext uri="{BB962C8B-B14F-4D97-AF65-F5344CB8AC3E}">
-        <p14:creationId xmlns:p14="http://schemas.microsoft.com/office/powerpoint/2010/main" val="4065580524"/>
-      </p:ext>
-    </p:extLst>
-  </p:cSld>
-  <p:clrMapOvr>
-    <a:masterClrMapping/>
-  </p:clrMapOvr>
-</p:sld>
-</file>
-
-<file path=ppt/slides/slide85.xml><?xml version="1.0" encoding="utf-8"?>
-<p:sld xmlns:a="http://schemas.openxmlformats.org/drawingml/2006/main" xmlns:r="http://schemas.openxmlformats.org/officeDocument/2006/relationships" xmlns:p="http://schemas.openxmlformats.org/presentationml/2006/main">
-  <p:cSld>
-    <p:spTree>
-      <p:nvGrpSpPr>
-        <p:cNvPr id="1" name=""/>
-        <p:cNvGrpSpPr/>
-        <p:nvPr/>
-      </p:nvGrpSpPr>
-      <p:grpSpPr>
-        <a:xfrm>
-          <a:off x="0" y="0"/>
-          <a:ext cx="0" cy="0"/>
-          <a:chOff x="0" y="0"/>
-          <a:chExt cx="0" cy="0"/>
-        </a:xfrm>
-      </p:grpSpPr>
-      <p:sp>
-        <p:nvSpPr>
-          <p:cNvPr id="3" name="TextBox 2">
-            <a:extLst>
-              <a:ext uri="{FF2B5EF4-FFF2-40B4-BE49-F238E27FC236}">
-                <a16:creationId xmlns:a16="http://schemas.microsoft.com/office/drawing/2014/main" id="{CAC89241-8DEF-4A64-B416-7FEDEACAEAA8}"/>
-              </a:ext>
-            </a:extLst>
-          </p:cNvPr>
-          <p:cNvSpPr txBox="1"/>
-          <p:nvPr/>
-        </p:nvSpPr>
-        <p:spPr>
-          <a:xfrm>
-            <a:off x="98474" y="127000"/>
-            <a:ext cx="8918526" cy="646331"/>
-          </a:xfrm>
-          <a:prstGeom prst="rect">
-            <a:avLst/>
-          </a:prstGeom>
-          <a:noFill/>
-        </p:spPr>
-        <p:txBody>
-          <a:bodyPr vert="horz" wrap="square" rtlCol="0">
-            <a:spAutoFit/>
-          </a:bodyPr>
-          <a:lstStyle/>
-          <a:p>
-            <a:endParaRPr lang="en-US" sz="3600" dirty="0"/>
-          </a:p>
-        </p:txBody>
-      </p:sp>
-      <p:sp>
-        <p:nvSpPr>
-          <p:cNvPr id="6" name="Title 1">
-            <a:extLst>
-              <a:ext uri="{FF2B5EF4-FFF2-40B4-BE49-F238E27FC236}">
-                <a16:creationId xmlns:a16="http://schemas.microsoft.com/office/drawing/2014/main" id="{5FB3CCF4-1DC4-43A7-8B39-459BC2520CE3}"/>
-              </a:ext>
-            </a:extLst>
-          </p:cNvPr>
-          <p:cNvSpPr>
-            <a:spLocks noGrp="1"/>
-          </p:cNvSpPr>
-          <p:nvPr>
-            <p:ph type="title"/>
-          </p:nvPr>
-        </p:nvSpPr>
-        <p:spPr>
-          <a:xfrm>
-            <a:off x="97200" y="126000"/>
-            <a:ext cx="8917200" cy="648000"/>
-          </a:xfrm>
-        </p:spPr>
-        <p:txBody>
-          <a:bodyPr/>
-          <a:lstStyle/>
-          <a:p>
-            <a:pPr algn="l">
-              <a:lnSpc>
-                <a:spcPct val="90000"/>
-              </a:lnSpc>
-              <a:defRPr/>
-            </a:pPr>
-            <a:endParaRPr lang="en-US" sz="3600" dirty="0">
-              <a:solidFill>
-                <a:schemeClr val="tx1">
-                  <a:lumMod val="75000"/>
-                  <a:lumOff val="25000"/>
-                </a:schemeClr>
-              </a:solidFill>
-              <a:latin typeface="MS PGothic" panose="020B0600070205080204" pitchFamily="34" charset="-128"/>
-              <a:ea typeface="MS PGothic" panose="020B0600070205080204" pitchFamily="34" charset="-128"/>
-            </a:endParaRPr>
-          </a:p>
-        </p:txBody>
-      </p:sp>
-    </p:spTree>
-    <p:extLst>
-      <p:ext uri="{BB962C8B-B14F-4D97-AF65-F5344CB8AC3E}">
-        <p14:creationId xmlns:p14="http://schemas.microsoft.com/office/powerpoint/2010/main" val="4285663420"/>
-      </p:ext>
-    </p:extLst>
-  </p:cSld>
-  <p:clrMapOvr>
-    <a:masterClrMapping/>
-  </p:clrMapOvr>
-</p:sld>
-</file>
-
-<file path=ppt/slides/slide86.xml><?xml version="1.0" encoding="utf-8"?>
-<p:sld xmlns:a="http://schemas.openxmlformats.org/drawingml/2006/main" xmlns:r="http://schemas.openxmlformats.org/officeDocument/2006/relationships" xmlns:p="http://schemas.openxmlformats.org/presentationml/2006/main">
-  <p:cSld>
-    <p:spTree>
-      <p:nvGrpSpPr>
-        <p:cNvPr id="1" name=""/>
-        <p:cNvGrpSpPr/>
-        <p:nvPr/>
-      </p:nvGrpSpPr>
-      <p:grpSpPr>
-        <a:xfrm>
-          <a:off x="0" y="0"/>
-          <a:ext cx="0" cy="0"/>
-          <a:chOff x="0" y="0"/>
-          <a:chExt cx="0" cy="0"/>
-        </a:xfrm>
-      </p:grpSpPr>
-      <p:sp>
-        <p:nvSpPr>
-          <p:cNvPr id="3" name="TextBox 2">
-            <a:extLst>
-              <a:ext uri="{FF2B5EF4-FFF2-40B4-BE49-F238E27FC236}">
-                <a16:creationId xmlns:a16="http://schemas.microsoft.com/office/drawing/2014/main" id="{CAC89241-8DEF-4A64-B416-7FEDEACAEAA8}"/>
-              </a:ext>
-            </a:extLst>
-          </p:cNvPr>
-          <p:cNvSpPr txBox="1"/>
-          <p:nvPr/>
-        </p:nvSpPr>
-        <p:spPr>
-          <a:xfrm>
-            <a:off x="98474" y="127000"/>
-            <a:ext cx="8918526" cy="646331"/>
-          </a:xfrm>
-          <a:prstGeom prst="rect">
-            <a:avLst/>
-          </a:prstGeom>
-          <a:noFill/>
-        </p:spPr>
-        <p:txBody>
-          <a:bodyPr vert="horz" wrap="square" rtlCol="0">
-            <a:spAutoFit/>
-          </a:bodyPr>
-          <a:lstStyle/>
-          <a:p>
-            <a:endParaRPr lang="en-US" sz="3600" dirty="0"/>
-          </a:p>
-        </p:txBody>
-      </p:sp>
-      <p:sp>
-        <p:nvSpPr>
-          <p:cNvPr id="6" name="Title 1">
-            <a:extLst>
-              <a:ext uri="{FF2B5EF4-FFF2-40B4-BE49-F238E27FC236}">
-                <a16:creationId xmlns:a16="http://schemas.microsoft.com/office/drawing/2014/main" id="{5FB3CCF4-1DC4-43A7-8B39-459BC2520CE3}"/>
-              </a:ext>
-            </a:extLst>
-          </p:cNvPr>
-          <p:cNvSpPr>
-            <a:spLocks noGrp="1"/>
-          </p:cNvSpPr>
-          <p:nvPr>
-            <p:ph type="title"/>
-          </p:nvPr>
-        </p:nvSpPr>
-        <p:spPr>
-          <a:xfrm>
-            <a:off x="97200" y="126000"/>
-            <a:ext cx="8917200" cy="648000"/>
-          </a:xfrm>
-        </p:spPr>
-        <p:txBody>
-          <a:bodyPr/>
-          <a:lstStyle/>
-          <a:p>
-            <a:pPr algn="l">
-              <a:lnSpc>
-                <a:spcPct val="90000"/>
-              </a:lnSpc>
-              <a:defRPr/>
-            </a:pPr>
-            <a:endParaRPr lang="en-US" sz="3600" dirty="0">
-              <a:solidFill>
-                <a:schemeClr val="tx1">
-                  <a:lumMod val="75000"/>
-                  <a:lumOff val="25000"/>
-                </a:schemeClr>
-              </a:solidFill>
-              <a:latin typeface="MS PGothic" panose="020B0600070205080204" pitchFamily="34" charset="-128"/>
-              <a:ea typeface="MS PGothic" panose="020B0600070205080204" pitchFamily="34" charset="-128"/>
-            </a:endParaRPr>
-          </a:p>
-        </p:txBody>
-      </p:sp>
-    </p:spTree>
-    <p:extLst>
-      <p:ext uri="{BB962C8B-B14F-4D97-AF65-F5344CB8AC3E}">
-        <p14:creationId xmlns:p14="http://schemas.microsoft.com/office/powerpoint/2010/main" val="3157600082"/>
-      </p:ext>
-    </p:extLst>
-  </p:cSld>
-  <p:clrMapOvr>
-    <a:masterClrMapping/>
-  </p:clrMapOvr>
-</p:sld>
-</file>
-
-<file path=ppt/slides/slide87.xml><?xml version="1.0" encoding="utf-8"?>
-<p:sld xmlns:a="http://schemas.openxmlformats.org/drawingml/2006/main" xmlns:r="http://schemas.openxmlformats.org/officeDocument/2006/relationships" xmlns:p="http://schemas.openxmlformats.org/presentationml/2006/main">
-  <p:cSld>
-    <p:spTree>
-      <p:nvGrpSpPr>
-        <p:cNvPr id="1" name=""/>
-        <p:cNvGrpSpPr/>
-        <p:nvPr/>
-      </p:nvGrpSpPr>
-      <p:grpSpPr>
-        <a:xfrm>
-          <a:off x="0" y="0"/>
-          <a:ext cx="0" cy="0"/>
-          <a:chOff x="0" y="0"/>
-          <a:chExt cx="0" cy="0"/>
-        </a:xfrm>
-      </p:grpSpPr>
-      <p:sp>
-        <p:nvSpPr>
-          <p:cNvPr id="3" name="TextBox 2">
-            <a:extLst>
-              <a:ext uri="{FF2B5EF4-FFF2-40B4-BE49-F238E27FC236}">
-                <a16:creationId xmlns:a16="http://schemas.microsoft.com/office/drawing/2014/main" id="{CAC89241-8DEF-4A64-B416-7FEDEACAEAA8}"/>
-              </a:ext>
-            </a:extLst>
-          </p:cNvPr>
-          <p:cNvSpPr txBox="1"/>
-          <p:nvPr/>
-        </p:nvSpPr>
-        <p:spPr>
-          <a:xfrm>
-            <a:off x="98474" y="127000"/>
-            <a:ext cx="8918526" cy="646331"/>
-          </a:xfrm>
-          <a:prstGeom prst="rect">
-            <a:avLst/>
-          </a:prstGeom>
-          <a:noFill/>
-        </p:spPr>
-        <p:txBody>
-          <a:bodyPr vert="horz" wrap="square" rtlCol="0">
-            <a:spAutoFit/>
-          </a:bodyPr>
-          <a:lstStyle/>
-          <a:p>
-            <a:endParaRPr lang="en-US" sz="3600" dirty="0"/>
-          </a:p>
-        </p:txBody>
-      </p:sp>
-      <p:sp>
-        <p:nvSpPr>
-          <p:cNvPr id="6" name="Title 1">
-            <a:extLst>
-              <a:ext uri="{FF2B5EF4-FFF2-40B4-BE49-F238E27FC236}">
-                <a16:creationId xmlns:a16="http://schemas.microsoft.com/office/drawing/2014/main" id="{5FB3CCF4-1DC4-43A7-8B39-459BC2520CE3}"/>
-              </a:ext>
-            </a:extLst>
-          </p:cNvPr>
-          <p:cNvSpPr>
-            <a:spLocks noGrp="1"/>
-          </p:cNvSpPr>
-          <p:nvPr>
-            <p:ph type="title"/>
-          </p:nvPr>
-        </p:nvSpPr>
-        <p:spPr>
-          <a:xfrm>
-            <a:off x="97200" y="126000"/>
-            <a:ext cx="8917200" cy="648000"/>
-          </a:xfrm>
-        </p:spPr>
-        <p:txBody>
-          <a:bodyPr/>
-          <a:lstStyle/>
-          <a:p>
-            <a:pPr algn="l">
-              <a:lnSpc>
-                <a:spcPct val="90000"/>
-              </a:lnSpc>
-              <a:defRPr/>
-            </a:pPr>
-            <a:endParaRPr lang="en-US" sz="3600" dirty="0">
-              <a:solidFill>
-                <a:schemeClr val="tx1">
-                  <a:lumMod val="75000"/>
-                  <a:lumOff val="25000"/>
-                </a:schemeClr>
-              </a:solidFill>
-              <a:latin typeface="MS PGothic" panose="020B0600070205080204" pitchFamily="34" charset="-128"/>
-              <a:ea typeface="MS PGothic" panose="020B0600070205080204" pitchFamily="34" charset="-128"/>
-            </a:endParaRPr>
-          </a:p>
-        </p:txBody>
-      </p:sp>
-    </p:spTree>
-    <p:extLst>
-      <p:ext uri="{BB962C8B-B14F-4D97-AF65-F5344CB8AC3E}">
-        <p14:creationId xmlns:p14="http://schemas.microsoft.com/office/powerpoint/2010/main" val="805392739"/>
-      </p:ext>
-    </p:extLst>
-  </p:cSld>
-  <p:clrMapOvr>
-    <a:masterClrMapping/>
-  </p:clrMapOvr>
-</p:sld>
-</file>
-
-<file path=ppt/slides/slide88.xml><?xml version="1.0" encoding="utf-8"?>
-<p:sld xmlns:a="http://schemas.openxmlformats.org/drawingml/2006/main" xmlns:r="http://schemas.openxmlformats.org/officeDocument/2006/relationships" xmlns:p="http://schemas.openxmlformats.org/presentationml/2006/main">
-  <p:cSld>
-    <p:spTree>
-      <p:nvGrpSpPr>
-        <p:cNvPr id="1" name=""/>
-        <p:cNvGrpSpPr/>
-        <p:nvPr/>
-      </p:nvGrpSpPr>
-      <p:grpSpPr>
-        <a:xfrm>
-          <a:off x="0" y="0"/>
-          <a:ext cx="0" cy="0"/>
-          <a:chOff x="0" y="0"/>
-          <a:chExt cx="0" cy="0"/>
-        </a:xfrm>
-      </p:grpSpPr>
-      <p:sp>
-        <p:nvSpPr>
-          <p:cNvPr id="3" name="TextBox 2">
-            <a:extLst>
-              <a:ext uri="{FF2B5EF4-FFF2-40B4-BE49-F238E27FC236}">
-                <a16:creationId xmlns:a16="http://schemas.microsoft.com/office/drawing/2014/main" id="{CAC89241-8DEF-4A64-B416-7FEDEACAEAA8}"/>
-              </a:ext>
-            </a:extLst>
-          </p:cNvPr>
-          <p:cNvSpPr txBox="1"/>
-          <p:nvPr/>
-        </p:nvSpPr>
-        <p:spPr>
-          <a:xfrm>
-            <a:off x="98474" y="127000"/>
-            <a:ext cx="8918526" cy="646331"/>
-          </a:xfrm>
-          <a:prstGeom prst="rect">
-            <a:avLst/>
-          </a:prstGeom>
-          <a:noFill/>
-        </p:spPr>
-        <p:txBody>
-          <a:bodyPr vert="horz" wrap="square" rtlCol="0">
-            <a:spAutoFit/>
-          </a:bodyPr>
-          <a:lstStyle/>
-          <a:p>
-            <a:endParaRPr lang="en-US" sz="3600" dirty="0"/>
-          </a:p>
-        </p:txBody>
-      </p:sp>
-      <p:sp>
-        <p:nvSpPr>
-          <p:cNvPr id="6" name="Title 1">
-            <a:extLst>
-              <a:ext uri="{FF2B5EF4-FFF2-40B4-BE49-F238E27FC236}">
-                <a16:creationId xmlns:a16="http://schemas.microsoft.com/office/drawing/2014/main" id="{5FB3CCF4-1DC4-43A7-8B39-459BC2520CE3}"/>
-              </a:ext>
-            </a:extLst>
-          </p:cNvPr>
-          <p:cNvSpPr>
-            <a:spLocks noGrp="1"/>
-          </p:cNvSpPr>
-          <p:nvPr>
-            <p:ph type="title"/>
-          </p:nvPr>
-        </p:nvSpPr>
-        <p:spPr>
-          <a:xfrm>
-            <a:off x="97200" y="126000"/>
-            <a:ext cx="8917200" cy="648000"/>
-          </a:xfrm>
-        </p:spPr>
-        <p:txBody>
-          <a:bodyPr/>
-          <a:lstStyle/>
-          <a:p>
-            <a:pPr algn="l">
-              <a:lnSpc>
-                <a:spcPct val="90000"/>
-              </a:lnSpc>
-              <a:defRPr/>
-            </a:pPr>
-            <a:endParaRPr lang="en-US" sz="3600" dirty="0">
-              <a:solidFill>
-                <a:schemeClr val="tx1">
-                  <a:lumMod val="75000"/>
-                  <a:lumOff val="25000"/>
-                </a:schemeClr>
-              </a:solidFill>
-              <a:latin typeface="MS PGothic" panose="020B0600070205080204" pitchFamily="34" charset="-128"/>
-              <a:ea typeface="MS PGothic" panose="020B0600070205080204" pitchFamily="34" charset="-128"/>
-            </a:endParaRPr>
-          </a:p>
-        </p:txBody>
-      </p:sp>
-    </p:spTree>
-    <p:extLst>
-      <p:ext uri="{BB962C8B-B14F-4D97-AF65-F5344CB8AC3E}">
-        <p14:creationId xmlns:p14="http://schemas.microsoft.com/office/powerpoint/2010/main" val="3047804535"/>
-      </p:ext>
-    </p:extLst>
-  </p:cSld>
-  <p:clrMapOvr>
-    <a:masterClrMapping/>
-  </p:clrMapOvr>
-</p:sld>
-</file>
-
-<file path=ppt/slides/slide89.xml><?xml version="1.0" encoding="utf-8"?>
-<p:sld xmlns:a="http://schemas.openxmlformats.org/drawingml/2006/main" xmlns:r="http://schemas.openxmlformats.org/officeDocument/2006/relationships" xmlns:p="http://schemas.openxmlformats.org/presentationml/2006/main">
-  <p:cSld>
-    <p:spTree>
-      <p:nvGrpSpPr>
-        <p:cNvPr id="1" name=""/>
-        <p:cNvGrpSpPr/>
-        <p:nvPr/>
-      </p:nvGrpSpPr>
-      <p:grpSpPr>
-        <a:xfrm>
-          <a:off x="0" y="0"/>
-          <a:ext cx="0" cy="0"/>
-          <a:chOff x="0" y="0"/>
-          <a:chExt cx="0" cy="0"/>
-        </a:xfrm>
-      </p:grpSpPr>
-      <p:sp>
-        <p:nvSpPr>
-          <p:cNvPr id="3" name="TextBox 2">
-            <a:extLst>
-              <a:ext uri="{FF2B5EF4-FFF2-40B4-BE49-F238E27FC236}">
-                <a16:creationId xmlns:a16="http://schemas.microsoft.com/office/drawing/2014/main" id="{CAC89241-8DEF-4A64-B416-7FEDEACAEAA8}"/>
-              </a:ext>
-            </a:extLst>
-          </p:cNvPr>
-          <p:cNvSpPr txBox="1"/>
-          <p:nvPr/>
-        </p:nvSpPr>
-        <p:spPr>
-          <a:xfrm>
-            <a:off x="98474" y="127000"/>
-            <a:ext cx="8918526" cy="646331"/>
-          </a:xfrm>
-          <a:prstGeom prst="rect">
-            <a:avLst/>
-          </a:prstGeom>
-          <a:noFill/>
-        </p:spPr>
-        <p:txBody>
-          <a:bodyPr vert="horz" wrap="square" rtlCol="0">
-            <a:spAutoFit/>
-          </a:bodyPr>
-          <a:lstStyle/>
-          <a:p>
-            <a:endParaRPr lang="en-US" sz="3600" dirty="0"/>
-          </a:p>
-        </p:txBody>
-      </p:sp>
-      <p:sp>
-        <p:nvSpPr>
-          <p:cNvPr id="6" name="Title 1">
-            <a:extLst>
-              <a:ext uri="{FF2B5EF4-FFF2-40B4-BE49-F238E27FC236}">
-                <a16:creationId xmlns:a16="http://schemas.microsoft.com/office/drawing/2014/main" id="{5FB3CCF4-1DC4-43A7-8B39-459BC2520CE3}"/>
-              </a:ext>
-            </a:extLst>
-          </p:cNvPr>
-          <p:cNvSpPr>
-            <a:spLocks noGrp="1"/>
-          </p:cNvSpPr>
-          <p:nvPr>
-            <p:ph type="title"/>
-          </p:nvPr>
-        </p:nvSpPr>
-        <p:spPr>
-          <a:xfrm>
-            <a:off x="97200" y="126000"/>
-            <a:ext cx="8917200" cy="648000"/>
-          </a:xfrm>
-        </p:spPr>
-        <p:txBody>
-          <a:bodyPr/>
-          <a:lstStyle/>
-          <a:p>
-            <a:pPr algn="l">
-              <a:lnSpc>
-                <a:spcPct val="90000"/>
-              </a:lnSpc>
-              <a:defRPr/>
-            </a:pPr>
-            <a:endParaRPr lang="en-US" sz="3600" dirty="0">
-              <a:solidFill>
-                <a:schemeClr val="tx1">
-                  <a:lumMod val="75000"/>
-                  <a:lumOff val="25000"/>
-                </a:schemeClr>
-              </a:solidFill>
-              <a:latin typeface="MS PGothic" panose="020B0600070205080204" pitchFamily="34" charset="-128"/>
-              <a:ea typeface="MS PGothic" panose="020B0600070205080204" pitchFamily="34" charset="-128"/>
-            </a:endParaRPr>
-          </a:p>
-        </p:txBody>
-      </p:sp>
-    </p:spTree>
-    <p:extLst>
-      <p:ext uri="{BB962C8B-B14F-4D97-AF65-F5344CB8AC3E}">
-        <p14:creationId xmlns:p14="http://schemas.microsoft.com/office/powerpoint/2010/main" val="1701370829"/>
+        <p14:creationId xmlns:p14="http://schemas.microsoft.com/office/powerpoint/2010/main" val="1179349434"/>
       </p:ext>
     </p:extLst>
   </p:cSld>
@@ -23019,8 +20208,9 @@
                   <a:lumOff val="25000"/>
                 </a:schemeClr>
               </a:solidFill>
-              <a:latin typeface="MS PGothic" panose="020B0600070205080204" pitchFamily="34" charset="-128"/>
+              <a:latin typeface="Calibri" panose="020F0502020204030204" pitchFamily="34" charset="0"/>
               <a:ea typeface="MS PGothic" panose="020B0600070205080204" pitchFamily="34" charset="-128"/>
+              <a:cs typeface="Calibri" panose="020F0502020204030204" pitchFamily="34" charset="0"/>
             </a:endParaRPr>
           </a:p>
         </p:txBody>
@@ -23028,1077 +20218,7 @@
     </p:spTree>
     <p:extLst>
       <p:ext uri="{BB962C8B-B14F-4D97-AF65-F5344CB8AC3E}">
-        <p14:creationId xmlns:p14="http://schemas.microsoft.com/office/powerpoint/2010/main" val="3367162419"/>
-      </p:ext>
-    </p:extLst>
-  </p:cSld>
-  <p:clrMapOvr>
-    <a:masterClrMapping/>
-  </p:clrMapOvr>
-</p:sld>
-</file>
-
-<file path=ppt/slides/slide90.xml><?xml version="1.0" encoding="utf-8"?>
-<p:sld xmlns:a="http://schemas.openxmlformats.org/drawingml/2006/main" xmlns:r="http://schemas.openxmlformats.org/officeDocument/2006/relationships" xmlns:p="http://schemas.openxmlformats.org/presentationml/2006/main">
-  <p:cSld>
-    <p:spTree>
-      <p:nvGrpSpPr>
-        <p:cNvPr id="1" name=""/>
-        <p:cNvGrpSpPr/>
-        <p:nvPr/>
-      </p:nvGrpSpPr>
-      <p:grpSpPr>
-        <a:xfrm>
-          <a:off x="0" y="0"/>
-          <a:ext cx="0" cy="0"/>
-          <a:chOff x="0" y="0"/>
-          <a:chExt cx="0" cy="0"/>
-        </a:xfrm>
-      </p:grpSpPr>
-      <p:sp>
-        <p:nvSpPr>
-          <p:cNvPr id="3" name="TextBox 2">
-            <a:extLst>
-              <a:ext uri="{FF2B5EF4-FFF2-40B4-BE49-F238E27FC236}">
-                <a16:creationId xmlns:a16="http://schemas.microsoft.com/office/drawing/2014/main" id="{CAC89241-8DEF-4A64-B416-7FEDEACAEAA8}"/>
-              </a:ext>
-            </a:extLst>
-          </p:cNvPr>
-          <p:cNvSpPr txBox="1"/>
-          <p:nvPr/>
-        </p:nvSpPr>
-        <p:spPr>
-          <a:xfrm>
-            <a:off x="98474" y="127000"/>
-            <a:ext cx="8918526" cy="646331"/>
-          </a:xfrm>
-          <a:prstGeom prst="rect">
-            <a:avLst/>
-          </a:prstGeom>
-          <a:noFill/>
-        </p:spPr>
-        <p:txBody>
-          <a:bodyPr vert="horz" wrap="square" rtlCol="0">
-            <a:spAutoFit/>
-          </a:bodyPr>
-          <a:lstStyle/>
-          <a:p>
-            <a:endParaRPr lang="en-US" sz="3600" dirty="0"/>
-          </a:p>
-        </p:txBody>
-      </p:sp>
-      <p:sp>
-        <p:nvSpPr>
-          <p:cNvPr id="6" name="Title 1">
-            <a:extLst>
-              <a:ext uri="{FF2B5EF4-FFF2-40B4-BE49-F238E27FC236}">
-                <a16:creationId xmlns:a16="http://schemas.microsoft.com/office/drawing/2014/main" id="{5FB3CCF4-1DC4-43A7-8B39-459BC2520CE3}"/>
-              </a:ext>
-            </a:extLst>
-          </p:cNvPr>
-          <p:cNvSpPr>
-            <a:spLocks noGrp="1"/>
-          </p:cNvSpPr>
-          <p:nvPr>
-            <p:ph type="title"/>
-          </p:nvPr>
-        </p:nvSpPr>
-        <p:spPr>
-          <a:xfrm>
-            <a:off x="97200" y="126000"/>
-            <a:ext cx="8917200" cy="648000"/>
-          </a:xfrm>
-        </p:spPr>
-        <p:txBody>
-          <a:bodyPr/>
-          <a:lstStyle/>
-          <a:p>
-            <a:pPr algn="l">
-              <a:lnSpc>
-                <a:spcPct val="90000"/>
-              </a:lnSpc>
-              <a:defRPr/>
-            </a:pPr>
-            <a:endParaRPr lang="en-US" sz="3600" dirty="0">
-              <a:solidFill>
-                <a:schemeClr val="tx1">
-                  <a:lumMod val="75000"/>
-                  <a:lumOff val="25000"/>
-                </a:schemeClr>
-              </a:solidFill>
-              <a:latin typeface="MS PGothic" panose="020B0600070205080204" pitchFamily="34" charset="-128"/>
-              <a:ea typeface="MS PGothic" panose="020B0600070205080204" pitchFamily="34" charset="-128"/>
-            </a:endParaRPr>
-          </a:p>
-        </p:txBody>
-      </p:sp>
-    </p:spTree>
-    <p:extLst>
-      <p:ext uri="{BB962C8B-B14F-4D97-AF65-F5344CB8AC3E}">
-        <p14:creationId xmlns:p14="http://schemas.microsoft.com/office/powerpoint/2010/main" val="2889110857"/>
-      </p:ext>
-    </p:extLst>
-  </p:cSld>
-  <p:clrMapOvr>
-    <a:masterClrMapping/>
-  </p:clrMapOvr>
-</p:sld>
-</file>
-
-<file path=ppt/slides/slide91.xml><?xml version="1.0" encoding="utf-8"?>
-<p:sld xmlns:a="http://schemas.openxmlformats.org/drawingml/2006/main" xmlns:r="http://schemas.openxmlformats.org/officeDocument/2006/relationships" xmlns:p="http://schemas.openxmlformats.org/presentationml/2006/main">
-  <p:cSld>
-    <p:spTree>
-      <p:nvGrpSpPr>
-        <p:cNvPr id="1" name=""/>
-        <p:cNvGrpSpPr/>
-        <p:nvPr/>
-      </p:nvGrpSpPr>
-      <p:grpSpPr>
-        <a:xfrm>
-          <a:off x="0" y="0"/>
-          <a:ext cx="0" cy="0"/>
-          <a:chOff x="0" y="0"/>
-          <a:chExt cx="0" cy="0"/>
-        </a:xfrm>
-      </p:grpSpPr>
-      <p:sp>
-        <p:nvSpPr>
-          <p:cNvPr id="3" name="TextBox 2">
-            <a:extLst>
-              <a:ext uri="{FF2B5EF4-FFF2-40B4-BE49-F238E27FC236}">
-                <a16:creationId xmlns:a16="http://schemas.microsoft.com/office/drawing/2014/main" id="{CAC89241-8DEF-4A64-B416-7FEDEACAEAA8}"/>
-              </a:ext>
-            </a:extLst>
-          </p:cNvPr>
-          <p:cNvSpPr txBox="1"/>
-          <p:nvPr/>
-        </p:nvSpPr>
-        <p:spPr>
-          <a:xfrm>
-            <a:off x="98474" y="127000"/>
-            <a:ext cx="8918526" cy="646331"/>
-          </a:xfrm>
-          <a:prstGeom prst="rect">
-            <a:avLst/>
-          </a:prstGeom>
-          <a:noFill/>
-        </p:spPr>
-        <p:txBody>
-          <a:bodyPr vert="horz" wrap="square" rtlCol="0">
-            <a:spAutoFit/>
-          </a:bodyPr>
-          <a:lstStyle/>
-          <a:p>
-            <a:endParaRPr lang="en-US" sz="3600" dirty="0"/>
-          </a:p>
-        </p:txBody>
-      </p:sp>
-      <p:sp>
-        <p:nvSpPr>
-          <p:cNvPr id="6" name="Title 1">
-            <a:extLst>
-              <a:ext uri="{FF2B5EF4-FFF2-40B4-BE49-F238E27FC236}">
-                <a16:creationId xmlns:a16="http://schemas.microsoft.com/office/drawing/2014/main" id="{5FB3CCF4-1DC4-43A7-8B39-459BC2520CE3}"/>
-              </a:ext>
-            </a:extLst>
-          </p:cNvPr>
-          <p:cNvSpPr>
-            <a:spLocks noGrp="1"/>
-          </p:cNvSpPr>
-          <p:nvPr>
-            <p:ph type="title"/>
-          </p:nvPr>
-        </p:nvSpPr>
-        <p:spPr>
-          <a:xfrm>
-            <a:off x="97200" y="126000"/>
-            <a:ext cx="8917200" cy="648000"/>
-          </a:xfrm>
-        </p:spPr>
-        <p:txBody>
-          <a:bodyPr/>
-          <a:lstStyle/>
-          <a:p>
-            <a:pPr algn="l">
-              <a:lnSpc>
-                <a:spcPct val="90000"/>
-              </a:lnSpc>
-              <a:defRPr/>
-            </a:pPr>
-            <a:endParaRPr lang="en-US" sz="3600" dirty="0">
-              <a:solidFill>
-                <a:schemeClr val="tx1">
-                  <a:lumMod val="75000"/>
-                  <a:lumOff val="25000"/>
-                </a:schemeClr>
-              </a:solidFill>
-              <a:latin typeface="MS PGothic" panose="020B0600070205080204" pitchFamily="34" charset="-128"/>
-              <a:ea typeface="MS PGothic" panose="020B0600070205080204" pitchFamily="34" charset="-128"/>
-            </a:endParaRPr>
-          </a:p>
-        </p:txBody>
-      </p:sp>
-    </p:spTree>
-    <p:extLst>
-      <p:ext uri="{BB962C8B-B14F-4D97-AF65-F5344CB8AC3E}">
-        <p14:creationId xmlns:p14="http://schemas.microsoft.com/office/powerpoint/2010/main" val="3008769909"/>
-      </p:ext>
-    </p:extLst>
-  </p:cSld>
-  <p:clrMapOvr>
-    <a:masterClrMapping/>
-  </p:clrMapOvr>
-</p:sld>
-</file>
-
-<file path=ppt/slides/slide92.xml><?xml version="1.0" encoding="utf-8"?>
-<p:sld xmlns:a="http://schemas.openxmlformats.org/drawingml/2006/main" xmlns:r="http://schemas.openxmlformats.org/officeDocument/2006/relationships" xmlns:p="http://schemas.openxmlformats.org/presentationml/2006/main">
-  <p:cSld>
-    <p:spTree>
-      <p:nvGrpSpPr>
-        <p:cNvPr id="1" name=""/>
-        <p:cNvGrpSpPr/>
-        <p:nvPr/>
-      </p:nvGrpSpPr>
-      <p:grpSpPr>
-        <a:xfrm>
-          <a:off x="0" y="0"/>
-          <a:ext cx="0" cy="0"/>
-          <a:chOff x="0" y="0"/>
-          <a:chExt cx="0" cy="0"/>
-        </a:xfrm>
-      </p:grpSpPr>
-      <p:sp>
-        <p:nvSpPr>
-          <p:cNvPr id="3" name="TextBox 2">
-            <a:extLst>
-              <a:ext uri="{FF2B5EF4-FFF2-40B4-BE49-F238E27FC236}">
-                <a16:creationId xmlns:a16="http://schemas.microsoft.com/office/drawing/2014/main" id="{CAC89241-8DEF-4A64-B416-7FEDEACAEAA8}"/>
-              </a:ext>
-            </a:extLst>
-          </p:cNvPr>
-          <p:cNvSpPr txBox="1"/>
-          <p:nvPr/>
-        </p:nvSpPr>
-        <p:spPr>
-          <a:xfrm>
-            <a:off x="98474" y="127000"/>
-            <a:ext cx="8918526" cy="646331"/>
-          </a:xfrm>
-          <a:prstGeom prst="rect">
-            <a:avLst/>
-          </a:prstGeom>
-          <a:noFill/>
-        </p:spPr>
-        <p:txBody>
-          <a:bodyPr vert="horz" wrap="square" rtlCol="0">
-            <a:spAutoFit/>
-          </a:bodyPr>
-          <a:lstStyle/>
-          <a:p>
-            <a:endParaRPr lang="en-US" sz="3600" dirty="0"/>
-          </a:p>
-        </p:txBody>
-      </p:sp>
-      <p:sp>
-        <p:nvSpPr>
-          <p:cNvPr id="6" name="Title 1">
-            <a:extLst>
-              <a:ext uri="{FF2B5EF4-FFF2-40B4-BE49-F238E27FC236}">
-                <a16:creationId xmlns:a16="http://schemas.microsoft.com/office/drawing/2014/main" id="{5FB3CCF4-1DC4-43A7-8B39-459BC2520CE3}"/>
-              </a:ext>
-            </a:extLst>
-          </p:cNvPr>
-          <p:cNvSpPr>
-            <a:spLocks noGrp="1"/>
-          </p:cNvSpPr>
-          <p:nvPr>
-            <p:ph type="title"/>
-          </p:nvPr>
-        </p:nvSpPr>
-        <p:spPr>
-          <a:xfrm>
-            <a:off x="97200" y="126000"/>
-            <a:ext cx="8917200" cy="648000"/>
-          </a:xfrm>
-        </p:spPr>
-        <p:txBody>
-          <a:bodyPr/>
-          <a:lstStyle/>
-          <a:p>
-            <a:pPr algn="l">
-              <a:lnSpc>
-                <a:spcPct val="90000"/>
-              </a:lnSpc>
-              <a:defRPr/>
-            </a:pPr>
-            <a:endParaRPr lang="en-US" sz="3600" dirty="0">
-              <a:solidFill>
-                <a:schemeClr val="tx1">
-                  <a:lumMod val="75000"/>
-                  <a:lumOff val="25000"/>
-                </a:schemeClr>
-              </a:solidFill>
-              <a:latin typeface="MS PGothic" panose="020B0600070205080204" pitchFamily="34" charset="-128"/>
-              <a:ea typeface="MS PGothic" panose="020B0600070205080204" pitchFamily="34" charset="-128"/>
-            </a:endParaRPr>
-          </a:p>
-        </p:txBody>
-      </p:sp>
-    </p:spTree>
-    <p:extLst>
-      <p:ext uri="{BB962C8B-B14F-4D97-AF65-F5344CB8AC3E}">
-        <p14:creationId xmlns:p14="http://schemas.microsoft.com/office/powerpoint/2010/main" val="1655079471"/>
-      </p:ext>
-    </p:extLst>
-  </p:cSld>
-  <p:clrMapOvr>
-    <a:masterClrMapping/>
-  </p:clrMapOvr>
-</p:sld>
-</file>
-
-<file path=ppt/slides/slide93.xml><?xml version="1.0" encoding="utf-8"?>
-<p:sld xmlns:a="http://schemas.openxmlformats.org/drawingml/2006/main" xmlns:r="http://schemas.openxmlformats.org/officeDocument/2006/relationships" xmlns:p="http://schemas.openxmlformats.org/presentationml/2006/main">
-  <p:cSld>
-    <p:spTree>
-      <p:nvGrpSpPr>
-        <p:cNvPr id="1" name=""/>
-        <p:cNvGrpSpPr/>
-        <p:nvPr/>
-      </p:nvGrpSpPr>
-      <p:grpSpPr>
-        <a:xfrm>
-          <a:off x="0" y="0"/>
-          <a:ext cx="0" cy="0"/>
-          <a:chOff x="0" y="0"/>
-          <a:chExt cx="0" cy="0"/>
-        </a:xfrm>
-      </p:grpSpPr>
-      <p:sp>
-        <p:nvSpPr>
-          <p:cNvPr id="3" name="TextBox 2">
-            <a:extLst>
-              <a:ext uri="{FF2B5EF4-FFF2-40B4-BE49-F238E27FC236}">
-                <a16:creationId xmlns:a16="http://schemas.microsoft.com/office/drawing/2014/main" id="{CAC89241-8DEF-4A64-B416-7FEDEACAEAA8}"/>
-              </a:ext>
-            </a:extLst>
-          </p:cNvPr>
-          <p:cNvSpPr txBox="1"/>
-          <p:nvPr/>
-        </p:nvSpPr>
-        <p:spPr>
-          <a:xfrm>
-            <a:off x="98474" y="127000"/>
-            <a:ext cx="8918526" cy="646331"/>
-          </a:xfrm>
-          <a:prstGeom prst="rect">
-            <a:avLst/>
-          </a:prstGeom>
-          <a:noFill/>
-        </p:spPr>
-        <p:txBody>
-          <a:bodyPr vert="horz" wrap="square" rtlCol="0">
-            <a:spAutoFit/>
-          </a:bodyPr>
-          <a:lstStyle/>
-          <a:p>
-            <a:endParaRPr lang="en-US" sz="3600" dirty="0"/>
-          </a:p>
-        </p:txBody>
-      </p:sp>
-      <p:sp>
-        <p:nvSpPr>
-          <p:cNvPr id="6" name="Title 1">
-            <a:extLst>
-              <a:ext uri="{FF2B5EF4-FFF2-40B4-BE49-F238E27FC236}">
-                <a16:creationId xmlns:a16="http://schemas.microsoft.com/office/drawing/2014/main" id="{5FB3CCF4-1DC4-43A7-8B39-459BC2520CE3}"/>
-              </a:ext>
-            </a:extLst>
-          </p:cNvPr>
-          <p:cNvSpPr>
-            <a:spLocks noGrp="1"/>
-          </p:cNvSpPr>
-          <p:nvPr>
-            <p:ph type="title"/>
-          </p:nvPr>
-        </p:nvSpPr>
-        <p:spPr>
-          <a:xfrm>
-            <a:off x="97200" y="126000"/>
-            <a:ext cx="8917200" cy="648000"/>
-          </a:xfrm>
-        </p:spPr>
-        <p:txBody>
-          <a:bodyPr/>
-          <a:lstStyle/>
-          <a:p>
-            <a:pPr algn="l">
-              <a:lnSpc>
-                <a:spcPct val="90000"/>
-              </a:lnSpc>
-              <a:defRPr/>
-            </a:pPr>
-            <a:endParaRPr lang="en-US" sz="3600" dirty="0">
-              <a:solidFill>
-                <a:schemeClr val="tx1">
-                  <a:lumMod val="75000"/>
-                  <a:lumOff val="25000"/>
-                </a:schemeClr>
-              </a:solidFill>
-              <a:latin typeface="MS PGothic" panose="020B0600070205080204" pitchFamily="34" charset="-128"/>
-              <a:ea typeface="MS PGothic" panose="020B0600070205080204" pitchFamily="34" charset="-128"/>
-            </a:endParaRPr>
-          </a:p>
-        </p:txBody>
-      </p:sp>
-    </p:spTree>
-    <p:extLst>
-      <p:ext uri="{BB962C8B-B14F-4D97-AF65-F5344CB8AC3E}">
-        <p14:creationId xmlns:p14="http://schemas.microsoft.com/office/powerpoint/2010/main" val="2841086675"/>
-      </p:ext>
-    </p:extLst>
-  </p:cSld>
-  <p:clrMapOvr>
-    <a:masterClrMapping/>
-  </p:clrMapOvr>
-</p:sld>
-</file>
-
-<file path=ppt/slides/slide94.xml><?xml version="1.0" encoding="utf-8"?>
-<p:sld xmlns:a="http://schemas.openxmlformats.org/drawingml/2006/main" xmlns:r="http://schemas.openxmlformats.org/officeDocument/2006/relationships" xmlns:p="http://schemas.openxmlformats.org/presentationml/2006/main">
-  <p:cSld>
-    <p:spTree>
-      <p:nvGrpSpPr>
-        <p:cNvPr id="1" name=""/>
-        <p:cNvGrpSpPr/>
-        <p:nvPr/>
-      </p:nvGrpSpPr>
-      <p:grpSpPr>
-        <a:xfrm>
-          <a:off x="0" y="0"/>
-          <a:ext cx="0" cy="0"/>
-          <a:chOff x="0" y="0"/>
-          <a:chExt cx="0" cy="0"/>
-        </a:xfrm>
-      </p:grpSpPr>
-      <p:sp>
-        <p:nvSpPr>
-          <p:cNvPr id="3" name="TextBox 2">
-            <a:extLst>
-              <a:ext uri="{FF2B5EF4-FFF2-40B4-BE49-F238E27FC236}">
-                <a16:creationId xmlns:a16="http://schemas.microsoft.com/office/drawing/2014/main" id="{CAC89241-8DEF-4A64-B416-7FEDEACAEAA8}"/>
-              </a:ext>
-            </a:extLst>
-          </p:cNvPr>
-          <p:cNvSpPr txBox="1"/>
-          <p:nvPr/>
-        </p:nvSpPr>
-        <p:spPr>
-          <a:xfrm>
-            <a:off x="98474" y="127000"/>
-            <a:ext cx="8918526" cy="646331"/>
-          </a:xfrm>
-          <a:prstGeom prst="rect">
-            <a:avLst/>
-          </a:prstGeom>
-          <a:noFill/>
-        </p:spPr>
-        <p:txBody>
-          <a:bodyPr vert="horz" wrap="square" rtlCol="0">
-            <a:spAutoFit/>
-          </a:bodyPr>
-          <a:lstStyle/>
-          <a:p>
-            <a:endParaRPr lang="en-US" sz="3600" dirty="0"/>
-          </a:p>
-        </p:txBody>
-      </p:sp>
-      <p:sp>
-        <p:nvSpPr>
-          <p:cNvPr id="6" name="Title 1">
-            <a:extLst>
-              <a:ext uri="{FF2B5EF4-FFF2-40B4-BE49-F238E27FC236}">
-                <a16:creationId xmlns:a16="http://schemas.microsoft.com/office/drawing/2014/main" id="{5FB3CCF4-1DC4-43A7-8B39-459BC2520CE3}"/>
-              </a:ext>
-            </a:extLst>
-          </p:cNvPr>
-          <p:cNvSpPr>
-            <a:spLocks noGrp="1"/>
-          </p:cNvSpPr>
-          <p:nvPr>
-            <p:ph type="title"/>
-          </p:nvPr>
-        </p:nvSpPr>
-        <p:spPr>
-          <a:xfrm>
-            <a:off x="97200" y="126000"/>
-            <a:ext cx="8917200" cy="648000"/>
-          </a:xfrm>
-        </p:spPr>
-        <p:txBody>
-          <a:bodyPr/>
-          <a:lstStyle/>
-          <a:p>
-            <a:pPr algn="l">
-              <a:lnSpc>
-                <a:spcPct val="90000"/>
-              </a:lnSpc>
-              <a:defRPr/>
-            </a:pPr>
-            <a:endParaRPr lang="en-US" sz="3600" dirty="0">
-              <a:solidFill>
-                <a:schemeClr val="tx1">
-                  <a:lumMod val="75000"/>
-                  <a:lumOff val="25000"/>
-                </a:schemeClr>
-              </a:solidFill>
-              <a:latin typeface="MS PGothic" panose="020B0600070205080204" pitchFamily="34" charset="-128"/>
-              <a:ea typeface="MS PGothic" panose="020B0600070205080204" pitchFamily="34" charset="-128"/>
-            </a:endParaRPr>
-          </a:p>
-        </p:txBody>
-      </p:sp>
-    </p:spTree>
-    <p:extLst>
-      <p:ext uri="{BB962C8B-B14F-4D97-AF65-F5344CB8AC3E}">
-        <p14:creationId xmlns:p14="http://schemas.microsoft.com/office/powerpoint/2010/main" val="337132535"/>
-      </p:ext>
-    </p:extLst>
-  </p:cSld>
-  <p:clrMapOvr>
-    <a:masterClrMapping/>
-  </p:clrMapOvr>
-</p:sld>
-</file>
-
-<file path=ppt/slides/slide95.xml><?xml version="1.0" encoding="utf-8"?>
-<p:sld xmlns:a="http://schemas.openxmlformats.org/drawingml/2006/main" xmlns:r="http://schemas.openxmlformats.org/officeDocument/2006/relationships" xmlns:p="http://schemas.openxmlformats.org/presentationml/2006/main">
-  <p:cSld>
-    <p:spTree>
-      <p:nvGrpSpPr>
-        <p:cNvPr id="1" name=""/>
-        <p:cNvGrpSpPr/>
-        <p:nvPr/>
-      </p:nvGrpSpPr>
-      <p:grpSpPr>
-        <a:xfrm>
-          <a:off x="0" y="0"/>
-          <a:ext cx="0" cy="0"/>
-          <a:chOff x="0" y="0"/>
-          <a:chExt cx="0" cy="0"/>
-        </a:xfrm>
-      </p:grpSpPr>
-      <p:sp>
-        <p:nvSpPr>
-          <p:cNvPr id="3" name="TextBox 2">
-            <a:extLst>
-              <a:ext uri="{FF2B5EF4-FFF2-40B4-BE49-F238E27FC236}">
-                <a16:creationId xmlns:a16="http://schemas.microsoft.com/office/drawing/2014/main" id="{CAC89241-8DEF-4A64-B416-7FEDEACAEAA8}"/>
-              </a:ext>
-            </a:extLst>
-          </p:cNvPr>
-          <p:cNvSpPr txBox="1"/>
-          <p:nvPr/>
-        </p:nvSpPr>
-        <p:spPr>
-          <a:xfrm>
-            <a:off x="98474" y="127000"/>
-            <a:ext cx="8918526" cy="646331"/>
-          </a:xfrm>
-          <a:prstGeom prst="rect">
-            <a:avLst/>
-          </a:prstGeom>
-          <a:noFill/>
-        </p:spPr>
-        <p:txBody>
-          <a:bodyPr vert="horz" wrap="square" rtlCol="0">
-            <a:spAutoFit/>
-          </a:bodyPr>
-          <a:lstStyle/>
-          <a:p>
-            <a:endParaRPr lang="en-US" sz="3600" dirty="0"/>
-          </a:p>
-        </p:txBody>
-      </p:sp>
-      <p:sp>
-        <p:nvSpPr>
-          <p:cNvPr id="6" name="Title 1">
-            <a:extLst>
-              <a:ext uri="{FF2B5EF4-FFF2-40B4-BE49-F238E27FC236}">
-                <a16:creationId xmlns:a16="http://schemas.microsoft.com/office/drawing/2014/main" id="{5FB3CCF4-1DC4-43A7-8B39-459BC2520CE3}"/>
-              </a:ext>
-            </a:extLst>
-          </p:cNvPr>
-          <p:cNvSpPr>
-            <a:spLocks noGrp="1"/>
-          </p:cNvSpPr>
-          <p:nvPr>
-            <p:ph type="title"/>
-          </p:nvPr>
-        </p:nvSpPr>
-        <p:spPr>
-          <a:xfrm>
-            <a:off x="97200" y="126000"/>
-            <a:ext cx="8917200" cy="648000"/>
-          </a:xfrm>
-        </p:spPr>
-        <p:txBody>
-          <a:bodyPr/>
-          <a:lstStyle/>
-          <a:p>
-            <a:pPr algn="l">
-              <a:lnSpc>
-                <a:spcPct val="90000"/>
-              </a:lnSpc>
-              <a:defRPr/>
-            </a:pPr>
-            <a:endParaRPr lang="en-US" sz="3600" dirty="0">
-              <a:solidFill>
-                <a:schemeClr val="tx1">
-                  <a:lumMod val="75000"/>
-                  <a:lumOff val="25000"/>
-                </a:schemeClr>
-              </a:solidFill>
-              <a:latin typeface="MS PGothic" panose="020B0600070205080204" pitchFamily="34" charset="-128"/>
-              <a:ea typeface="MS PGothic" panose="020B0600070205080204" pitchFamily="34" charset="-128"/>
-            </a:endParaRPr>
-          </a:p>
-        </p:txBody>
-      </p:sp>
-    </p:spTree>
-    <p:extLst>
-      <p:ext uri="{BB962C8B-B14F-4D97-AF65-F5344CB8AC3E}">
-        <p14:creationId xmlns:p14="http://schemas.microsoft.com/office/powerpoint/2010/main" val="544544958"/>
-      </p:ext>
-    </p:extLst>
-  </p:cSld>
-  <p:clrMapOvr>
-    <a:masterClrMapping/>
-  </p:clrMapOvr>
-</p:sld>
-</file>
-
-<file path=ppt/slides/slide96.xml><?xml version="1.0" encoding="utf-8"?>
-<p:sld xmlns:a="http://schemas.openxmlformats.org/drawingml/2006/main" xmlns:r="http://schemas.openxmlformats.org/officeDocument/2006/relationships" xmlns:p="http://schemas.openxmlformats.org/presentationml/2006/main">
-  <p:cSld>
-    <p:spTree>
-      <p:nvGrpSpPr>
-        <p:cNvPr id="1" name=""/>
-        <p:cNvGrpSpPr/>
-        <p:nvPr/>
-      </p:nvGrpSpPr>
-      <p:grpSpPr>
-        <a:xfrm>
-          <a:off x="0" y="0"/>
-          <a:ext cx="0" cy="0"/>
-          <a:chOff x="0" y="0"/>
-          <a:chExt cx="0" cy="0"/>
-        </a:xfrm>
-      </p:grpSpPr>
-      <p:sp>
-        <p:nvSpPr>
-          <p:cNvPr id="3" name="TextBox 2">
-            <a:extLst>
-              <a:ext uri="{FF2B5EF4-FFF2-40B4-BE49-F238E27FC236}">
-                <a16:creationId xmlns:a16="http://schemas.microsoft.com/office/drawing/2014/main" id="{CAC89241-8DEF-4A64-B416-7FEDEACAEAA8}"/>
-              </a:ext>
-            </a:extLst>
-          </p:cNvPr>
-          <p:cNvSpPr txBox="1"/>
-          <p:nvPr/>
-        </p:nvSpPr>
-        <p:spPr>
-          <a:xfrm>
-            <a:off x="98474" y="127000"/>
-            <a:ext cx="8918526" cy="646331"/>
-          </a:xfrm>
-          <a:prstGeom prst="rect">
-            <a:avLst/>
-          </a:prstGeom>
-          <a:noFill/>
-        </p:spPr>
-        <p:txBody>
-          <a:bodyPr vert="horz" wrap="square" rtlCol="0">
-            <a:spAutoFit/>
-          </a:bodyPr>
-          <a:lstStyle/>
-          <a:p>
-            <a:endParaRPr lang="en-US" sz="3600" dirty="0"/>
-          </a:p>
-        </p:txBody>
-      </p:sp>
-      <p:sp>
-        <p:nvSpPr>
-          <p:cNvPr id="6" name="Title 1">
-            <a:extLst>
-              <a:ext uri="{FF2B5EF4-FFF2-40B4-BE49-F238E27FC236}">
-                <a16:creationId xmlns:a16="http://schemas.microsoft.com/office/drawing/2014/main" id="{5FB3CCF4-1DC4-43A7-8B39-459BC2520CE3}"/>
-              </a:ext>
-            </a:extLst>
-          </p:cNvPr>
-          <p:cNvSpPr>
-            <a:spLocks noGrp="1"/>
-          </p:cNvSpPr>
-          <p:nvPr>
-            <p:ph type="title"/>
-          </p:nvPr>
-        </p:nvSpPr>
-        <p:spPr>
-          <a:xfrm>
-            <a:off x="97200" y="126000"/>
-            <a:ext cx="8917200" cy="648000"/>
-          </a:xfrm>
-        </p:spPr>
-        <p:txBody>
-          <a:bodyPr/>
-          <a:lstStyle/>
-          <a:p>
-            <a:pPr algn="l">
-              <a:lnSpc>
-                <a:spcPct val="90000"/>
-              </a:lnSpc>
-              <a:defRPr/>
-            </a:pPr>
-            <a:endParaRPr lang="en-US" sz="3600" dirty="0">
-              <a:solidFill>
-                <a:schemeClr val="tx1">
-                  <a:lumMod val="75000"/>
-                  <a:lumOff val="25000"/>
-                </a:schemeClr>
-              </a:solidFill>
-              <a:latin typeface="MS PGothic" panose="020B0600070205080204" pitchFamily="34" charset="-128"/>
-              <a:ea typeface="MS PGothic" panose="020B0600070205080204" pitchFamily="34" charset="-128"/>
-            </a:endParaRPr>
-          </a:p>
-        </p:txBody>
-      </p:sp>
-    </p:spTree>
-    <p:extLst>
-      <p:ext uri="{BB962C8B-B14F-4D97-AF65-F5344CB8AC3E}">
-        <p14:creationId xmlns:p14="http://schemas.microsoft.com/office/powerpoint/2010/main" val="2285370632"/>
-      </p:ext>
-    </p:extLst>
-  </p:cSld>
-  <p:clrMapOvr>
-    <a:masterClrMapping/>
-  </p:clrMapOvr>
-</p:sld>
-</file>
-
-<file path=ppt/slides/slide97.xml><?xml version="1.0" encoding="utf-8"?>
-<p:sld xmlns:a="http://schemas.openxmlformats.org/drawingml/2006/main" xmlns:r="http://schemas.openxmlformats.org/officeDocument/2006/relationships" xmlns:p="http://schemas.openxmlformats.org/presentationml/2006/main">
-  <p:cSld>
-    <p:spTree>
-      <p:nvGrpSpPr>
-        <p:cNvPr id="1" name=""/>
-        <p:cNvGrpSpPr/>
-        <p:nvPr/>
-      </p:nvGrpSpPr>
-      <p:grpSpPr>
-        <a:xfrm>
-          <a:off x="0" y="0"/>
-          <a:ext cx="0" cy="0"/>
-          <a:chOff x="0" y="0"/>
-          <a:chExt cx="0" cy="0"/>
-        </a:xfrm>
-      </p:grpSpPr>
-      <p:sp>
-        <p:nvSpPr>
-          <p:cNvPr id="3" name="TextBox 2">
-            <a:extLst>
-              <a:ext uri="{FF2B5EF4-FFF2-40B4-BE49-F238E27FC236}">
-                <a16:creationId xmlns:a16="http://schemas.microsoft.com/office/drawing/2014/main" id="{CAC89241-8DEF-4A64-B416-7FEDEACAEAA8}"/>
-              </a:ext>
-            </a:extLst>
-          </p:cNvPr>
-          <p:cNvSpPr txBox="1"/>
-          <p:nvPr/>
-        </p:nvSpPr>
-        <p:spPr>
-          <a:xfrm>
-            <a:off x="98474" y="127000"/>
-            <a:ext cx="8918526" cy="646331"/>
-          </a:xfrm>
-          <a:prstGeom prst="rect">
-            <a:avLst/>
-          </a:prstGeom>
-          <a:noFill/>
-        </p:spPr>
-        <p:txBody>
-          <a:bodyPr vert="horz" wrap="square" rtlCol="0">
-            <a:spAutoFit/>
-          </a:bodyPr>
-          <a:lstStyle/>
-          <a:p>
-            <a:endParaRPr lang="en-US" sz="3600" dirty="0"/>
-          </a:p>
-        </p:txBody>
-      </p:sp>
-      <p:sp>
-        <p:nvSpPr>
-          <p:cNvPr id="6" name="Title 1">
-            <a:extLst>
-              <a:ext uri="{FF2B5EF4-FFF2-40B4-BE49-F238E27FC236}">
-                <a16:creationId xmlns:a16="http://schemas.microsoft.com/office/drawing/2014/main" id="{5FB3CCF4-1DC4-43A7-8B39-459BC2520CE3}"/>
-              </a:ext>
-            </a:extLst>
-          </p:cNvPr>
-          <p:cNvSpPr>
-            <a:spLocks noGrp="1"/>
-          </p:cNvSpPr>
-          <p:nvPr>
-            <p:ph type="title"/>
-          </p:nvPr>
-        </p:nvSpPr>
-        <p:spPr>
-          <a:xfrm>
-            <a:off x="97200" y="126000"/>
-            <a:ext cx="8917200" cy="648000"/>
-          </a:xfrm>
-        </p:spPr>
-        <p:txBody>
-          <a:bodyPr/>
-          <a:lstStyle/>
-          <a:p>
-            <a:pPr algn="l">
-              <a:lnSpc>
-                <a:spcPct val="90000"/>
-              </a:lnSpc>
-              <a:defRPr/>
-            </a:pPr>
-            <a:endParaRPr lang="en-US" sz="3600" dirty="0">
-              <a:solidFill>
-                <a:schemeClr val="tx1">
-                  <a:lumMod val="75000"/>
-                  <a:lumOff val="25000"/>
-                </a:schemeClr>
-              </a:solidFill>
-              <a:latin typeface="MS PGothic" panose="020B0600070205080204" pitchFamily="34" charset="-128"/>
-              <a:ea typeface="MS PGothic" panose="020B0600070205080204" pitchFamily="34" charset="-128"/>
-            </a:endParaRPr>
-          </a:p>
-        </p:txBody>
-      </p:sp>
-    </p:spTree>
-    <p:extLst>
-      <p:ext uri="{BB962C8B-B14F-4D97-AF65-F5344CB8AC3E}">
-        <p14:creationId xmlns:p14="http://schemas.microsoft.com/office/powerpoint/2010/main" val="3380639831"/>
-      </p:ext>
-    </p:extLst>
-  </p:cSld>
-  <p:clrMapOvr>
-    <a:masterClrMapping/>
-  </p:clrMapOvr>
-</p:sld>
-</file>
-
-<file path=ppt/slides/slide98.xml><?xml version="1.0" encoding="utf-8"?>
-<p:sld xmlns:a="http://schemas.openxmlformats.org/drawingml/2006/main" xmlns:r="http://schemas.openxmlformats.org/officeDocument/2006/relationships" xmlns:p="http://schemas.openxmlformats.org/presentationml/2006/main">
-  <p:cSld>
-    <p:spTree>
-      <p:nvGrpSpPr>
-        <p:cNvPr id="1" name=""/>
-        <p:cNvGrpSpPr/>
-        <p:nvPr/>
-      </p:nvGrpSpPr>
-      <p:grpSpPr>
-        <a:xfrm>
-          <a:off x="0" y="0"/>
-          <a:ext cx="0" cy="0"/>
-          <a:chOff x="0" y="0"/>
-          <a:chExt cx="0" cy="0"/>
-        </a:xfrm>
-      </p:grpSpPr>
-      <p:sp>
-        <p:nvSpPr>
-          <p:cNvPr id="3" name="TextBox 2">
-            <a:extLst>
-              <a:ext uri="{FF2B5EF4-FFF2-40B4-BE49-F238E27FC236}">
-                <a16:creationId xmlns:a16="http://schemas.microsoft.com/office/drawing/2014/main" id="{CAC89241-8DEF-4A64-B416-7FEDEACAEAA8}"/>
-              </a:ext>
-            </a:extLst>
-          </p:cNvPr>
-          <p:cNvSpPr txBox="1"/>
-          <p:nvPr/>
-        </p:nvSpPr>
-        <p:spPr>
-          <a:xfrm>
-            <a:off x="98474" y="127000"/>
-            <a:ext cx="8918526" cy="646331"/>
-          </a:xfrm>
-          <a:prstGeom prst="rect">
-            <a:avLst/>
-          </a:prstGeom>
-          <a:noFill/>
-        </p:spPr>
-        <p:txBody>
-          <a:bodyPr vert="horz" wrap="square" rtlCol="0">
-            <a:spAutoFit/>
-          </a:bodyPr>
-          <a:lstStyle/>
-          <a:p>
-            <a:endParaRPr lang="en-US" sz="3600" dirty="0"/>
-          </a:p>
-        </p:txBody>
-      </p:sp>
-      <p:sp>
-        <p:nvSpPr>
-          <p:cNvPr id="6" name="Title 1">
-            <a:extLst>
-              <a:ext uri="{FF2B5EF4-FFF2-40B4-BE49-F238E27FC236}">
-                <a16:creationId xmlns:a16="http://schemas.microsoft.com/office/drawing/2014/main" id="{5FB3CCF4-1DC4-43A7-8B39-459BC2520CE3}"/>
-              </a:ext>
-            </a:extLst>
-          </p:cNvPr>
-          <p:cNvSpPr>
-            <a:spLocks noGrp="1"/>
-          </p:cNvSpPr>
-          <p:nvPr>
-            <p:ph type="title"/>
-          </p:nvPr>
-        </p:nvSpPr>
-        <p:spPr>
-          <a:xfrm>
-            <a:off x="97200" y="126000"/>
-            <a:ext cx="8917200" cy="648000"/>
-          </a:xfrm>
-        </p:spPr>
-        <p:txBody>
-          <a:bodyPr/>
-          <a:lstStyle/>
-          <a:p>
-            <a:pPr algn="l">
-              <a:lnSpc>
-                <a:spcPct val="90000"/>
-              </a:lnSpc>
-              <a:defRPr/>
-            </a:pPr>
-            <a:endParaRPr lang="en-US" sz="3600" dirty="0">
-              <a:solidFill>
-                <a:schemeClr val="tx1">
-                  <a:lumMod val="75000"/>
-                  <a:lumOff val="25000"/>
-                </a:schemeClr>
-              </a:solidFill>
-              <a:latin typeface="MS PGothic" panose="020B0600070205080204" pitchFamily="34" charset="-128"/>
-              <a:ea typeface="MS PGothic" panose="020B0600070205080204" pitchFamily="34" charset="-128"/>
-            </a:endParaRPr>
-          </a:p>
-        </p:txBody>
-      </p:sp>
-    </p:spTree>
-    <p:extLst>
-      <p:ext uri="{BB962C8B-B14F-4D97-AF65-F5344CB8AC3E}">
-        <p14:creationId xmlns:p14="http://schemas.microsoft.com/office/powerpoint/2010/main" val="1463968373"/>
-      </p:ext>
-    </p:extLst>
-  </p:cSld>
-  <p:clrMapOvr>
-    <a:masterClrMapping/>
-  </p:clrMapOvr>
-</p:sld>
-</file>
-
-<file path=ppt/slides/slide99.xml><?xml version="1.0" encoding="utf-8"?>
-<p:sld xmlns:a="http://schemas.openxmlformats.org/drawingml/2006/main" xmlns:r="http://schemas.openxmlformats.org/officeDocument/2006/relationships" xmlns:p="http://schemas.openxmlformats.org/presentationml/2006/main">
-  <p:cSld>
-    <p:spTree>
-      <p:nvGrpSpPr>
-        <p:cNvPr id="1" name=""/>
-        <p:cNvGrpSpPr/>
-        <p:nvPr/>
-      </p:nvGrpSpPr>
-      <p:grpSpPr>
-        <a:xfrm>
-          <a:off x="0" y="0"/>
-          <a:ext cx="0" cy="0"/>
-          <a:chOff x="0" y="0"/>
-          <a:chExt cx="0" cy="0"/>
-        </a:xfrm>
-      </p:grpSpPr>
-      <p:sp>
-        <p:nvSpPr>
-          <p:cNvPr id="3" name="TextBox 2">
-            <a:extLst>
-              <a:ext uri="{FF2B5EF4-FFF2-40B4-BE49-F238E27FC236}">
-                <a16:creationId xmlns:a16="http://schemas.microsoft.com/office/drawing/2014/main" id="{CAC89241-8DEF-4A64-B416-7FEDEACAEAA8}"/>
-              </a:ext>
-            </a:extLst>
-          </p:cNvPr>
-          <p:cNvSpPr txBox="1"/>
-          <p:nvPr/>
-        </p:nvSpPr>
-        <p:spPr>
-          <a:xfrm>
-            <a:off x="98474" y="127000"/>
-            <a:ext cx="8918526" cy="646331"/>
-          </a:xfrm>
-          <a:prstGeom prst="rect">
-            <a:avLst/>
-          </a:prstGeom>
-          <a:noFill/>
-        </p:spPr>
-        <p:txBody>
-          <a:bodyPr vert="horz" wrap="square" rtlCol="0">
-            <a:spAutoFit/>
-          </a:bodyPr>
-          <a:lstStyle/>
-          <a:p>
-            <a:endParaRPr lang="en-US" sz="3600" dirty="0"/>
-          </a:p>
-        </p:txBody>
-      </p:sp>
-      <p:sp>
-        <p:nvSpPr>
-          <p:cNvPr id="6" name="Title 1">
-            <a:extLst>
-              <a:ext uri="{FF2B5EF4-FFF2-40B4-BE49-F238E27FC236}">
-                <a16:creationId xmlns:a16="http://schemas.microsoft.com/office/drawing/2014/main" id="{5FB3CCF4-1DC4-43A7-8B39-459BC2520CE3}"/>
-              </a:ext>
-            </a:extLst>
-          </p:cNvPr>
-          <p:cNvSpPr>
-            <a:spLocks noGrp="1"/>
-          </p:cNvSpPr>
-          <p:nvPr>
-            <p:ph type="title"/>
-          </p:nvPr>
-        </p:nvSpPr>
-        <p:spPr>
-          <a:xfrm>
-            <a:off x="97200" y="126000"/>
-            <a:ext cx="8917200" cy="648000"/>
-          </a:xfrm>
-        </p:spPr>
-        <p:txBody>
-          <a:bodyPr/>
-          <a:lstStyle/>
-          <a:p>
-            <a:pPr algn="l">
-              <a:lnSpc>
-                <a:spcPct val="90000"/>
-              </a:lnSpc>
-              <a:defRPr/>
-            </a:pPr>
-            <a:endParaRPr lang="en-US" sz="3600" dirty="0">
-              <a:solidFill>
-                <a:schemeClr val="tx1">
-                  <a:lumMod val="75000"/>
-                  <a:lumOff val="25000"/>
-                </a:schemeClr>
-              </a:solidFill>
-              <a:latin typeface="MS PGothic" panose="020B0600070205080204" pitchFamily="34" charset="-128"/>
-              <a:ea typeface="MS PGothic" panose="020B0600070205080204" pitchFamily="34" charset="-128"/>
-            </a:endParaRPr>
-          </a:p>
-        </p:txBody>
-      </p:sp>
-    </p:spTree>
-    <p:extLst>
-      <p:ext uri="{BB962C8B-B14F-4D97-AF65-F5344CB8AC3E}">
-        <p14:creationId xmlns:p14="http://schemas.microsoft.com/office/powerpoint/2010/main" val="2841084369"/>
+        <p14:creationId xmlns:p14="http://schemas.microsoft.com/office/powerpoint/2010/main" val="618179877"/>
       </p:ext>
     </p:extLst>
   </p:cSld>
